--- a/Templates/goldman sachs fci.pptx
+++ b/Templates/goldman sachs fci.pptx
@@ -35747,8 +35747,8 @@
 </file>
 
 <file path=customXml/item2.xml><?xml version="1.0" encoding="utf-8"?>
-<ct:contentTypeSchema xmlns:ct="http://schemas.microsoft.com/office/2006/metadata/contentType" xmlns:ma="http://schemas.microsoft.com/office/2006/metadata/properties/metaAttributes" ct:_="" ma:_="" ma:contentTypeName="Document" ma:contentTypeID="0x0101005DDE610BC516E448BB8152259F39635A" ma:contentTypeVersion="16" ma:contentTypeDescription="Crée un document." ma:contentTypeScope="" ma:versionID="83520913e4fb50886b69c5d2b42e4a4a">
-  <xsd:schema xmlns:xsd="http://www.w3.org/2001/XMLSchema" xmlns:xs="http://www.w3.org/2001/XMLSchema" xmlns:p="http://schemas.microsoft.com/office/2006/metadata/properties" xmlns:ns2="ef624bc2-1644-4d69-8362-5c28ca496374" xmlns:ns3="514a554b-82b0-4359-b247-fc84018a95f0" targetNamespace="http://schemas.microsoft.com/office/2006/metadata/properties" ma:root="true" ma:fieldsID="cc61d48d89f522401cef424d48066f4d" ns2:_="" ns3:_="">
+<ct:contentTypeSchema xmlns:ct="http://schemas.microsoft.com/office/2006/metadata/contentType" xmlns:ma="http://schemas.microsoft.com/office/2006/metadata/properties/metaAttributes" ct:_="" ma:_="" ma:contentTypeName="Document" ma:contentTypeID="0x0101005DDE610BC516E448BB8152259F39635A" ma:contentTypeVersion="17" ma:contentTypeDescription="Crée un document." ma:contentTypeScope="" ma:versionID="bfb75e103009df80b8e5001438c41194">
+  <xsd:schema xmlns:xsd="http://www.w3.org/2001/XMLSchema" xmlns:xs="http://www.w3.org/2001/XMLSchema" xmlns:p="http://schemas.microsoft.com/office/2006/metadata/properties" xmlns:ns2="ef624bc2-1644-4d69-8362-5c28ca496374" xmlns:ns3="514a554b-82b0-4359-b247-fc84018a95f0" targetNamespace="http://schemas.microsoft.com/office/2006/metadata/properties" ma:root="true" ma:fieldsID="2ae3df86d13efbb4a35042af2564d386" ns2:_="" ns3:_="">
     <xsd:import namespace="ef624bc2-1644-4d69-8362-5c28ca496374"/>
     <xsd:import namespace="514a554b-82b0-4359-b247-fc84018a95f0"/>
     <xsd:element name="properties">
@@ -35772,6 +35772,7 @@
                 <xsd:element ref="ns2:_Flow_SignoffStatus" minOccurs="0"/>
                 <xsd:element ref="ns2:lcf76f155ced4ddcb4097134ff3c332f" minOccurs="0"/>
                 <xsd:element ref="ns3:TaxCatchAll" minOccurs="0"/>
+                <xsd:element ref="ns2:MediaLengthInSeconds" minOccurs="0"/>
               </xsd:all>
             </xsd:complexType>
           </xsd:element>
@@ -35847,6 +35848,11 @@
           <xsd:element ref="pc:Terms" minOccurs="0" maxOccurs="1"/>
         </xsd:sequence>
       </xsd:complexType>
+    </xsd:element>
+    <xsd:element name="MediaLengthInSeconds" ma:index="24" nillable="true" ma:displayName="MediaLengthInSeconds" ma:hidden="true" ma:internalName="MediaLengthInSeconds" ma:readOnly="true">
+      <xsd:simpleType>
+        <xsd:restriction base="dms:Unknown"/>
+      </xsd:simpleType>
     </xsd:element>
   </xsd:schema>
   <xsd:schema xmlns:xsd="http://www.w3.org/2001/XMLSchema" xmlns:xs="http://www.w3.org/2001/XMLSchema" xmlns:dms="http://schemas.microsoft.com/office/2006/documentManagement/types" xmlns:pc="http://schemas.microsoft.com/office/infopath/2007/PartnerControls" targetNamespace="514a554b-82b0-4359-b247-fc84018a95f0" elementFormDefault="qualified">
@@ -36016,22 +36022,7 @@
 </file>
 
 <file path=customXml/itemProps2.xml><?xml version="1.0" encoding="utf-8"?>
-<ds:datastoreItem xmlns:ds="http://schemas.openxmlformats.org/officeDocument/2006/customXml" ds:itemID="{23AC6951-ED9C-45BC-A071-9CAFF45B5627}">
-  <ds:schemaRefs>
-    <ds:schemaRef ds:uri="http://schemas.microsoft.com/office/2006/metadata/contentType"/>
-    <ds:schemaRef ds:uri="http://schemas.microsoft.com/office/2006/metadata/properties/metaAttributes"/>
-    <ds:schemaRef ds:uri="http://www.w3.org/2001/XMLSchema"/>
-    <ds:schemaRef ds:uri="http://schemas.microsoft.com/office/2006/metadata/properties"/>
-    <ds:schemaRef ds:uri="ef624bc2-1644-4d69-8362-5c28ca496374"/>
-    <ds:schemaRef ds:uri="514a554b-82b0-4359-b247-fc84018a95f0"/>
-    <ds:schemaRef ds:uri="http://schemas.microsoft.com/office/2006/documentManagement/types"/>
-    <ds:schemaRef ds:uri="http://schemas.microsoft.com/office/infopath/2007/PartnerControls"/>
-    <ds:schemaRef ds:uri="http://schemas.openxmlformats.org/package/2006/metadata/core-properties"/>
-    <ds:schemaRef ds:uri="http://purl.org/dc/elements/1.1/"/>
-    <ds:schemaRef ds:uri="http://purl.org/dc/terms/"/>
-    <ds:schemaRef ds:uri="http://schemas.microsoft.com/internal/obd"/>
-  </ds:schemaRefs>
-</ds:datastoreItem>
+<ds:datastoreItem xmlns:ds="http://schemas.openxmlformats.org/officeDocument/2006/customXml" ds:itemID="{3830A3F7-FDB6-49F5-B063-BA0EEEB33172}"/>
 </file>
 
 <file path=customXml/itemProps3.xml><?xml version="1.0" encoding="utf-8"?>

--- a/Templates/goldman sachs fci.pptx
+++ b/Templates/goldman sachs fci.pptx
@@ -149,6 +149,146 @@
 
 <file path=ppt/changesInfos/changesInfo1.xml><?xml version="1.0" encoding="utf-8"?>
 <pc:chgInfo xmlns:a="http://schemas.openxmlformats.org/drawingml/2006/main" xmlns:r="http://schemas.openxmlformats.org/officeDocument/2006/relationships" xmlns:ac="http://schemas.microsoft.com/office/drawing/2013/main/command" xmlns:pc="http://schemas.microsoft.com/office/powerpoint/2013/main/command">
+  <pc:docChgLst>
+    <pc:chgData name="Wally PILLER" userId="e1c1cba4-6299-482b-91e7-ffd34a654594" providerId="ADAL" clId="{437449AA-41DD-4FC3-9641-4DBF502B25B5}"/>
+    <pc:docChg chg="custSel modSld">
+      <pc:chgData name="Wally PILLER" userId="e1c1cba4-6299-482b-91e7-ffd34a654594" providerId="ADAL" clId="{437449AA-41DD-4FC3-9641-4DBF502B25B5}" dt="2022-05-25T16:00:49.950" v="66" actId="5793"/>
+      <pc:docMkLst>
+        <pc:docMk/>
+      </pc:docMkLst>
+      <pc:sldChg chg="modSp mod">
+        <pc:chgData name="Wally PILLER" userId="e1c1cba4-6299-482b-91e7-ffd34a654594" providerId="ADAL" clId="{437449AA-41DD-4FC3-9641-4DBF502B25B5}" dt="2022-05-25T15:50:14.660" v="58"/>
+        <pc:sldMkLst>
+          <pc:docMk/>
+          <pc:sldMk cId="279835308" sldId="283"/>
+        </pc:sldMkLst>
+        <pc:spChg chg="mod">
+          <ac:chgData name="Wally PILLER" userId="e1c1cba4-6299-482b-91e7-ffd34a654594" providerId="ADAL" clId="{437449AA-41DD-4FC3-9641-4DBF502B25B5}" dt="2022-05-25T15:50:14.660" v="58"/>
+          <ac:spMkLst>
+            <pc:docMk/>
+            <pc:sldMk cId="279835308" sldId="283"/>
+            <ac:spMk id="12" creationId="{6D78390A-2262-4712-95F9-8DE5399A1291}"/>
+          </ac:spMkLst>
+        </pc:spChg>
+        <pc:spChg chg="mod">
+          <ac:chgData name="Wally PILLER" userId="e1c1cba4-6299-482b-91e7-ffd34a654594" providerId="ADAL" clId="{437449AA-41DD-4FC3-9641-4DBF502B25B5}" dt="2022-05-25T15:49:37.412" v="56"/>
+          <ac:spMkLst>
+            <pc:docMk/>
+            <pc:sldMk cId="279835308" sldId="283"/>
+            <ac:spMk id="19" creationId="{31D75E17-6DBF-43D8-8176-54D6EA820E0A}"/>
+          </ac:spMkLst>
+        </pc:spChg>
+      </pc:sldChg>
+      <pc:sldChg chg="modSp mod">
+        <pc:chgData name="Wally PILLER" userId="e1c1cba4-6299-482b-91e7-ffd34a654594" providerId="ADAL" clId="{437449AA-41DD-4FC3-9641-4DBF502B25B5}" dt="2022-05-25T16:00:49.950" v="66" actId="5793"/>
+        <pc:sldMkLst>
+          <pc:docMk/>
+          <pc:sldMk cId="713649784" sldId="289"/>
+        </pc:sldMkLst>
+        <pc:spChg chg="mod">
+          <ac:chgData name="Wally PILLER" userId="e1c1cba4-6299-482b-91e7-ffd34a654594" providerId="ADAL" clId="{437449AA-41DD-4FC3-9641-4DBF502B25B5}" dt="2022-05-25T16:00:49.950" v="66" actId="5793"/>
+          <ac:spMkLst>
+            <pc:docMk/>
+            <pc:sldMk cId="713649784" sldId="289"/>
+            <ac:spMk id="5" creationId="{45E1DCC2-11CD-41F7-969A-E4566F5B1573}"/>
+          </ac:spMkLst>
+        </pc:spChg>
+        <pc:graphicFrameChg chg="mod">
+          <ac:chgData name="Wally PILLER" userId="e1c1cba4-6299-482b-91e7-ffd34a654594" providerId="ADAL" clId="{437449AA-41DD-4FC3-9641-4DBF502B25B5}" dt="2022-05-25T15:54:14.891" v="64"/>
+          <ac:graphicFrameMkLst>
+            <pc:docMk/>
+            <pc:sldMk cId="713649784" sldId="289"/>
+            <ac:graphicFrameMk id="4" creationId="{D75964C9-9893-4B10-B127-424F0758DE3D}"/>
+          </ac:graphicFrameMkLst>
+        </pc:graphicFrameChg>
+      </pc:sldChg>
+    </pc:docChg>
+  </pc:docChgLst>
+  <pc:docChgLst>
+    <pc:chgData name="Wally PILLER" userId="e1c1cba4-6299-482b-91e7-ffd34a654594" providerId="ADAL" clId="{A9E438CC-0FD5-4DE9-8209-90A2CEB965F8}"/>
+    <pc:docChg chg="undo custSel modSld">
+      <pc:chgData name="Wally PILLER" userId="e1c1cba4-6299-482b-91e7-ffd34a654594" providerId="ADAL" clId="{A9E438CC-0FD5-4DE9-8209-90A2CEB965F8}" dt="2022-05-25T15:14:25.839" v="135" actId="20578"/>
+      <pc:docMkLst>
+        <pc:docMk/>
+      </pc:docMkLst>
+      <pc:sldChg chg="modSp mod">
+        <pc:chgData name="Wally PILLER" userId="e1c1cba4-6299-482b-91e7-ffd34a654594" providerId="ADAL" clId="{A9E438CC-0FD5-4DE9-8209-90A2CEB965F8}" dt="2022-05-25T14:22:14.657" v="49"/>
+        <pc:sldMkLst>
+          <pc:docMk/>
+          <pc:sldMk cId="279835308" sldId="283"/>
+        </pc:sldMkLst>
+        <pc:spChg chg="mod">
+          <ac:chgData name="Wally PILLER" userId="e1c1cba4-6299-482b-91e7-ffd34a654594" providerId="ADAL" clId="{A9E438CC-0FD5-4DE9-8209-90A2CEB965F8}" dt="2022-05-25T14:22:14.657" v="49"/>
+          <ac:spMkLst>
+            <pc:docMk/>
+            <pc:sldMk cId="279835308" sldId="283"/>
+            <ac:spMk id="12" creationId="{6D78390A-2262-4712-95F9-8DE5399A1291}"/>
+          </ac:spMkLst>
+        </pc:spChg>
+        <pc:spChg chg="mod">
+          <ac:chgData name="Wally PILLER" userId="e1c1cba4-6299-482b-91e7-ffd34a654594" providerId="ADAL" clId="{A9E438CC-0FD5-4DE9-8209-90A2CEB965F8}" dt="2022-05-25T14:19:32.794" v="3" actId="20577"/>
+          <ac:spMkLst>
+            <pc:docMk/>
+            <pc:sldMk cId="279835308" sldId="283"/>
+            <ac:spMk id="18" creationId="{CFFC8B5E-6E2E-4EB2-BF37-16231C4C9B24}"/>
+          </ac:spMkLst>
+        </pc:spChg>
+        <pc:spChg chg="mod">
+          <ac:chgData name="Wally PILLER" userId="e1c1cba4-6299-482b-91e7-ffd34a654594" providerId="ADAL" clId="{A9E438CC-0FD5-4DE9-8209-90A2CEB965F8}" dt="2022-05-25T14:20:45.213" v="45" actId="5793"/>
+          <ac:spMkLst>
+            <pc:docMk/>
+            <pc:sldMk cId="279835308" sldId="283"/>
+            <ac:spMk id="19" creationId="{31D75E17-6DBF-43D8-8176-54D6EA820E0A}"/>
+          </ac:spMkLst>
+        </pc:spChg>
+      </pc:sldChg>
+      <pc:sldChg chg="modSp mod">
+        <pc:chgData name="Wally PILLER" userId="e1c1cba4-6299-482b-91e7-ffd34a654594" providerId="ADAL" clId="{A9E438CC-0FD5-4DE9-8209-90A2CEB965F8}" dt="2022-05-25T14:26:00.707" v="66" actId="20577"/>
+        <pc:sldMkLst>
+          <pc:docMk/>
+          <pc:sldMk cId="4283008219" sldId="284"/>
+        </pc:sldMkLst>
+        <pc:spChg chg="mod">
+          <ac:chgData name="Wally PILLER" userId="e1c1cba4-6299-482b-91e7-ffd34a654594" providerId="ADAL" clId="{A9E438CC-0FD5-4DE9-8209-90A2CEB965F8}" dt="2022-05-25T14:26:00.707" v="66" actId="20577"/>
+          <ac:spMkLst>
+            <pc:docMk/>
+            <pc:sldMk cId="4283008219" sldId="284"/>
+            <ac:spMk id="16" creationId="{E676ECD3-0DEA-491E-887F-9613472B311F}"/>
+          </ac:spMkLst>
+        </pc:spChg>
+      </pc:sldChg>
+      <pc:sldChg chg="modSp">
+        <pc:chgData name="Wally PILLER" userId="e1c1cba4-6299-482b-91e7-ffd34a654594" providerId="ADAL" clId="{A9E438CC-0FD5-4DE9-8209-90A2CEB965F8}" dt="2022-05-25T15:14:25.839" v="135" actId="20578"/>
+        <pc:sldMkLst>
+          <pc:docMk/>
+          <pc:sldMk cId="2335663946" sldId="286"/>
+        </pc:sldMkLst>
+        <pc:spChg chg="mod">
+          <ac:chgData name="Wally PILLER" userId="e1c1cba4-6299-482b-91e7-ffd34a654594" providerId="ADAL" clId="{A9E438CC-0FD5-4DE9-8209-90A2CEB965F8}" dt="2022-05-25T15:14:25.839" v="135" actId="20578"/>
+          <ac:spMkLst>
+            <pc:docMk/>
+            <pc:sldMk cId="2335663946" sldId="286"/>
+            <ac:spMk id="11" creationId="{FED2574D-6984-4E56-B512-D9093DAE028A}"/>
+          </ac:spMkLst>
+        </pc:spChg>
+      </pc:sldChg>
+      <pc:sldChg chg="modSp mod">
+        <pc:chgData name="Wally PILLER" userId="e1c1cba4-6299-482b-91e7-ffd34a654594" providerId="ADAL" clId="{A9E438CC-0FD5-4DE9-8209-90A2CEB965F8}" dt="2022-05-25T14:36:03.100" v="134" actId="108"/>
+        <pc:sldMkLst>
+          <pc:docMk/>
+          <pc:sldMk cId="713649784" sldId="289"/>
+        </pc:sldMkLst>
+        <pc:graphicFrameChg chg="mod modGraphic">
+          <ac:chgData name="Wally PILLER" userId="e1c1cba4-6299-482b-91e7-ffd34a654594" providerId="ADAL" clId="{A9E438CC-0FD5-4DE9-8209-90A2CEB965F8}" dt="2022-05-25T14:36:03.100" v="134" actId="108"/>
+          <ac:graphicFrameMkLst>
+            <pc:docMk/>
+            <pc:sldMk cId="713649784" sldId="289"/>
+            <ac:graphicFrameMk id="4" creationId="{D75964C9-9893-4B10-B127-424F0758DE3D}"/>
+          </ac:graphicFrameMkLst>
+        </pc:graphicFrameChg>
+      </pc:sldChg>
+    </pc:docChg>
+  </pc:docChgLst>
   <pc:docChgLst>
     <pc:chgData name="Milan Cosson" userId="1b722937-9737-476f-bc2f-00e7be64c106" providerId="ADAL" clId="{917F6761-ED4C-4653-94A1-F2CA2746AD4A}"/>
     <pc:docChg chg="undo custSel delSld modSld sldOrd">
@@ -676,106 +816,35 @@
     </pc:docChg>
   </pc:docChgLst>
   <pc:docChgLst>
-    <pc:chgData name="Wally PILLER" userId="e1c1cba4-6299-482b-91e7-ffd34a654594" providerId="ADAL" clId="{437449AA-41DD-4FC3-9641-4DBF502B25B5}"/>
+    <pc:chgData name="Wally PILLER" userId="e1c1cba4-6299-482b-91e7-ffd34a654594" providerId="ADAL" clId="{FEF55674-7578-4C8D-9B2B-87D51563056F}"/>
     <pc:docChg chg="custSel modSld">
-      <pc:chgData name="Wally PILLER" userId="e1c1cba4-6299-482b-91e7-ffd34a654594" providerId="ADAL" clId="{437449AA-41DD-4FC3-9641-4DBF502B25B5}" dt="2022-05-25T16:00:49.950" v="66" actId="5793"/>
+      <pc:chgData name="Wally PILLER" userId="e1c1cba4-6299-482b-91e7-ffd34a654594" providerId="ADAL" clId="{FEF55674-7578-4C8D-9B2B-87D51563056F}" dt="2022-06-28T09:20:13.958" v="88"/>
       <pc:docMkLst>
         <pc:docMk/>
       </pc:docMkLst>
       <pc:sldChg chg="modSp mod">
-        <pc:chgData name="Wally PILLER" userId="e1c1cba4-6299-482b-91e7-ffd34a654594" providerId="ADAL" clId="{437449AA-41DD-4FC3-9641-4DBF502B25B5}" dt="2022-05-25T15:50:14.660" v="58"/>
+        <pc:chgData name="Wally PILLER" userId="e1c1cba4-6299-482b-91e7-ffd34a654594" providerId="ADAL" clId="{FEF55674-7578-4C8D-9B2B-87D51563056F}" dt="2022-06-28T08:37:28.127" v="7" actId="20577"/>
         <pc:sldMkLst>
           <pc:docMk/>
           <pc:sldMk cId="279835308" sldId="283"/>
         </pc:sldMkLst>
         <pc:spChg chg="mod">
-          <ac:chgData name="Wally PILLER" userId="e1c1cba4-6299-482b-91e7-ffd34a654594" providerId="ADAL" clId="{437449AA-41DD-4FC3-9641-4DBF502B25B5}" dt="2022-05-25T15:50:14.660" v="58"/>
+          <ac:chgData name="Wally PILLER" userId="e1c1cba4-6299-482b-91e7-ffd34a654594" providerId="ADAL" clId="{FEF55674-7578-4C8D-9B2B-87D51563056F}" dt="2022-06-28T08:37:28.127" v="7" actId="20577"/>
           <ac:spMkLst>
             <pc:docMk/>
             <pc:sldMk cId="279835308" sldId="283"/>
             <ac:spMk id="12" creationId="{6D78390A-2262-4712-95F9-8DE5399A1291}"/>
           </ac:spMkLst>
         </pc:spChg>
-        <pc:spChg chg="mod">
-          <ac:chgData name="Wally PILLER" userId="e1c1cba4-6299-482b-91e7-ffd34a654594" providerId="ADAL" clId="{437449AA-41DD-4FC3-9641-4DBF502B25B5}" dt="2022-05-25T15:49:37.412" v="56"/>
-          <ac:spMkLst>
-            <pc:docMk/>
-            <pc:sldMk cId="279835308" sldId="283"/>
-            <ac:spMk id="19" creationId="{31D75E17-6DBF-43D8-8176-54D6EA820E0A}"/>
-          </ac:spMkLst>
-        </pc:spChg>
       </pc:sldChg>
       <pc:sldChg chg="modSp mod">
-        <pc:chgData name="Wally PILLER" userId="e1c1cba4-6299-482b-91e7-ffd34a654594" providerId="ADAL" clId="{437449AA-41DD-4FC3-9641-4DBF502B25B5}" dt="2022-05-25T16:00:49.950" v="66" actId="5793"/>
-        <pc:sldMkLst>
-          <pc:docMk/>
-          <pc:sldMk cId="713649784" sldId="289"/>
-        </pc:sldMkLst>
-        <pc:spChg chg="mod">
-          <ac:chgData name="Wally PILLER" userId="e1c1cba4-6299-482b-91e7-ffd34a654594" providerId="ADAL" clId="{437449AA-41DD-4FC3-9641-4DBF502B25B5}" dt="2022-05-25T16:00:49.950" v="66" actId="5793"/>
-          <ac:spMkLst>
-            <pc:docMk/>
-            <pc:sldMk cId="713649784" sldId="289"/>
-            <ac:spMk id="5" creationId="{45E1DCC2-11CD-41F7-969A-E4566F5B1573}"/>
-          </ac:spMkLst>
-        </pc:spChg>
-        <pc:graphicFrameChg chg="mod">
-          <ac:chgData name="Wally PILLER" userId="e1c1cba4-6299-482b-91e7-ffd34a654594" providerId="ADAL" clId="{437449AA-41DD-4FC3-9641-4DBF502B25B5}" dt="2022-05-25T15:54:14.891" v="64"/>
-          <ac:graphicFrameMkLst>
-            <pc:docMk/>
-            <pc:sldMk cId="713649784" sldId="289"/>
-            <ac:graphicFrameMk id="4" creationId="{D75964C9-9893-4B10-B127-424F0758DE3D}"/>
-          </ac:graphicFrameMkLst>
-        </pc:graphicFrameChg>
-      </pc:sldChg>
-    </pc:docChg>
-  </pc:docChgLst>
-  <pc:docChgLst>
-    <pc:chgData name="Wally PILLER" userId="e1c1cba4-6299-482b-91e7-ffd34a654594" providerId="ADAL" clId="{A9E438CC-0FD5-4DE9-8209-90A2CEB965F8}"/>
-    <pc:docChg chg="undo custSel modSld">
-      <pc:chgData name="Wally PILLER" userId="e1c1cba4-6299-482b-91e7-ffd34a654594" providerId="ADAL" clId="{A9E438CC-0FD5-4DE9-8209-90A2CEB965F8}" dt="2022-05-25T15:14:25.839" v="135" actId="20578"/>
-      <pc:docMkLst>
-        <pc:docMk/>
-      </pc:docMkLst>
-      <pc:sldChg chg="modSp mod">
-        <pc:chgData name="Wally PILLER" userId="e1c1cba4-6299-482b-91e7-ffd34a654594" providerId="ADAL" clId="{A9E438CC-0FD5-4DE9-8209-90A2CEB965F8}" dt="2022-05-25T14:22:14.657" v="49"/>
-        <pc:sldMkLst>
-          <pc:docMk/>
-          <pc:sldMk cId="279835308" sldId="283"/>
-        </pc:sldMkLst>
-        <pc:spChg chg="mod">
-          <ac:chgData name="Wally PILLER" userId="e1c1cba4-6299-482b-91e7-ffd34a654594" providerId="ADAL" clId="{A9E438CC-0FD5-4DE9-8209-90A2CEB965F8}" dt="2022-05-25T14:22:14.657" v="49"/>
-          <ac:spMkLst>
-            <pc:docMk/>
-            <pc:sldMk cId="279835308" sldId="283"/>
-            <ac:spMk id="12" creationId="{6D78390A-2262-4712-95F9-8DE5399A1291}"/>
-          </ac:spMkLst>
-        </pc:spChg>
-        <pc:spChg chg="mod">
-          <ac:chgData name="Wally PILLER" userId="e1c1cba4-6299-482b-91e7-ffd34a654594" providerId="ADAL" clId="{A9E438CC-0FD5-4DE9-8209-90A2CEB965F8}" dt="2022-05-25T14:19:32.794" v="3" actId="20577"/>
-          <ac:spMkLst>
-            <pc:docMk/>
-            <pc:sldMk cId="279835308" sldId="283"/>
-            <ac:spMk id="18" creationId="{CFFC8B5E-6E2E-4EB2-BF37-16231C4C9B24}"/>
-          </ac:spMkLst>
-        </pc:spChg>
-        <pc:spChg chg="mod">
-          <ac:chgData name="Wally PILLER" userId="e1c1cba4-6299-482b-91e7-ffd34a654594" providerId="ADAL" clId="{A9E438CC-0FD5-4DE9-8209-90A2CEB965F8}" dt="2022-05-25T14:20:45.213" v="45" actId="5793"/>
-          <ac:spMkLst>
-            <pc:docMk/>
-            <pc:sldMk cId="279835308" sldId="283"/>
-            <ac:spMk id="19" creationId="{31D75E17-6DBF-43D8-8176-54D6EA820E0A}"/>
-          </ac:spMkLst>
-        </pc:spChg>
-      </pc:sldChg>
-      <pc:sldChg chg="modSp mod">
-        <pc:chgData name="Wally PILLER" userId="e1c1cba4-6299-482b-91e7-ffd34a654594" providerId="ADAL" clId="{A9E438CC-0FD5-4DE9-8209-90A2CEB965F8}" dt="2022-05-25T14:26:00.707" v="66" actId="20577"/>
+        <pc:chgData name="Wally PILLER" userId="e1c1cba4-6299-482b-91e7-ffd34a654594" providerId="ADAL" clId="{FEF55674-7578-4C8D-9B2B-87D51563056F}" dt="2022-06-28T09:12:24.741" v="77" actId="20577"/>
         <pc:sldMkLst>
           <pc:docMk/>
           <pc:sldMk cId="4283008219" sldId="284"/>
         </pc:sldMkLst>
         <pc:spChg chg="mod">
-          <ac:chgData name="Wally PILLER" userId="e1c1cba4-6299-482b-91e7-ffd34a654594" providerId="ADAL" clId="{A9E438CC-0FD5-4DE9-8209-90A2CEB965F8}" dt="2022-05-25T14:26:00.707" v="66" actId="20577"/>
+          <ac:chgData name="Wally PILLER" userId="e1c1cba4-6299-482b-91e7-ffd34a654594" providerId="ADAL" clId="{FEF55674-7578-4C8D-9B2B-87D51563056F}" dt="2022-06-28T09:12:24.741" v="77" actId="20577"/>
           <ac:spMkLst>
             <pc:docMk/>
             <pc:sldMk cId="4283008219" sldId="284"/>
@@ -783,14 +852,53 @@
           </ac:spMkLst>
         </pc:spChg>
       </pc:sldChg>
-      <pc:sldChg chg="modSp">
-        <pc:chgData name="Wally PILLER" userId="e1c1cba4-6299-482b-91e7-ffd34a654594" providerId="ADAL" clId="{A9E438CC-0FD5-4DE9-8209-90A2CEB965F8}" dt="2022-05-25T15:14:25.839" v="135" actId="20578"/>
+      <pc:sldChg chg="modSp mod">
+        <pc:chgData name="Wally PILLER" userId="e1c1cba4-6299-482b-91e7-ffd34a654594" providerId="ADAL" clId="{FEF55674-7578-4C8D-9B2B-87D51563056F}" dt="2022-06-28T09:17:20.334" v="83" actId="1076"/>
+        <pc:sldMkLst>
+          <pc:docMk/>
+          <pc:sldMk cId="1251430996" sldId="285"/>
+        </pc:sldMkLst>
+        <pc:spChg chg="mod">
+          <ac:chgData name="Wally PILLER" userId="e1c1cba4-6299-482b-91e7-ffd34a654594" providerId="ADAL" clId="{FEF55674-7578-4C8D-9B2B-87D51563056F}" dt="2022-06-28T09:17:20.334" v="83" actId="1076"/>
+          <ac:spMkLst>
+            <pc:docMk/>
+            <pc:sldMk cId="1251430996" sldId="285"/>
+            <ac:spMk id="11" creationId="{6DC45A7B-7BFC-4642-8DD1-B4A6D781A216}"/>
+          </ac:spMkLst>
+        </pc:spChg>
+      </pc:sldChg>
+      <pc:sldChg chg="delSp modSp mod">
+        <pc:chgData name="Wally PILLER" userId="e1c1cba4-6299-482b-91e7-ffd34a654594" providerId="ADAL" clId="{FEF55674-7578-4C8D-9B2B-87D51563056F}" dt="2022-06-28T09:16:04.732" v="82" actId="478"/>
         <pc:sldMkLst>
           <pc:docMk/>
           <pc:sldMk cId="2335663946" sldId="286"/>
         </pc:sldMkLst>
+        <pc:spChg chg="del">
+          <ac:chgData name="Wally PILLER" userId="e1c1cba4-6299-482b-91e7-ffd34a654594" providerId="ADAL" clId="{FEF55674-7578-4C8D-9B2B-87D51563056F}" dt="2022-06-28T09:16:04.732" v="82" actId="478"/>
+          <ac:spMkLst>
+            <pc:docMk/>
+            <pc:sldMk cId="2335663946" sldId="286"/>
+            <ac:spMk id="7" creationId="{11CD4052-900D-4194-A69C-0AF1ADBF03E1}"/>
+          </ac:spMkLst>
+        </pc:spChg>
+        <pc:spChg chg="del">
+          <ac:chgData name="Wally PILLER" userId="e1c1cba4-6299-482b-91e7-ffd34a654594" providerId="ADAL" clId="{FEF55674-7578-4C8D-9B2B-87D51563056F}" dt="2022-06-28T09:16:03.050" v="81" actId="478"/>
+          <ac:spMkLst>
+            <pc:docMk/>
+            <pc:sldMk cId="2335663946" sldId="286"/>
+            <ac:spMk id="8" creationId="{C768572F-300B-4C49-A926-4F8F54816CFD}"/>
+          </ac:spMkLst>
+        </pc:spChg>
+        <pc:spChg chg="del">
+          <ac:chgData name="Wally PILLER" userId="e1c1cba4-6299-482b-91e7-ffd34a654594" providerId="ADAL" clId="{FEF55674-7578-4C8D-9B2B-87D51563056F}" dt="2022-06-28T09:16:02.141" v="80" actId="478"/>
+          <ac:spMkLst>
+            <pc:docMk/>
+            <pc:sldMk cId="2335663946" sldId="286"/>
+            <ac:spMk id="9" creationId="{A55E763B-8611-4526-B7E2-84EB19435569}"/>
+          </ac:spMkLst>
+        </pc:spChg>
         <pc:spChg chg="mod">
-          <ac:chgData name="Wally PILLER" userId="e1c1cba4-6299-482b-91e7-ffd34a654594" providerId="ADAL" clId="{A9E438CC-0FD5-4DE9-8209-90A2CEB965F8}" dt="2022-05-25T15:14:25.839" v="135" actId="20578"/>
+          <ac:chgData name="Wally PILLER" userId="e1c1cba4-6299-482b-91e7-ffd34a654594" providerId="ADAL" clId="{FEF55674-7578-4C8D-9B2B-87D51563056F}" dt="2022-06-28T09:15:51.958" v="79" actId="20577"/>
           <ac:spMkLst>
             <pc:docMk/>
             <pc:sldMk cId="2335663946" sldId="286"/>
@@ -799,13 +907,13 @@
         </pc:spChg>
       </pc:sldChg>
       <pc:sldChg chg="modSp mod">
-        <pc:chgData name="Wally PILLER" userId="e1c1cba4-6299-482b-91e7-ffd34a654594" providerId="ADAL" clId="{A9E438CC-0FD5-4DE9-8209-90A2CEB965F8}" dt="2022-05-25T14:36:03.100" v="134" actId="108"/>
+        <pc:chgData name="Wally PILLER" userId="e1c1cba4-6299-482b-91e7-ffd34a654594" providerId="ADAL" clId="{FEF55674-7578-4C8D-9B2B-87D51563056F}" dt="2022-06-28T09:20:13.958" v="88"/>
         <pc:sldMkLst>
           <pc:docMk/>
           <pc:sldMk cId="713649784" sldId="289"/>
         </pc:sldMkLst>
         <pc:graphicFrameChg chg="mod modGraphic">
-          <ac:chgData name="Wally PILLER" userId="e1c1cba4-6299-482b-91e7-ffd34a654594" providerId="ADAL" clId="{A9E438CC-0FD5-4DE9-8209-90A2CEB965F8}" dt="2022-05-25T14:36:03.100" v="134" actId="108"/>
+          <ac:chgData name="Wally PILLER" userId="e1c1cba4-6299-482b-91e7-ffd34a654594" providerId="ADAL" clId="{FEF55674-7578-4C8D-9B2B-87D51563056F}" dt="2022-06-28T09:20:13.958" v="88"/>
           <ac:graphicFrameMkLst>
             <pc:docMk/>
             <pc:sldMk cId="713649784" sldId="289"/>
@@ -900,7 +1008,7 @@
           <a:p>
             <a:fld id="{515CCE07-1711-4DC7-A7D8-7ED312C82FB8}" type="datetimeFigureOut">
               <a:rPr lang="fr-FR" smtClean="0"/>
-              <a:t>01/06/2022</a:t>
+              <a:t>28/06/2022</a:t>
             </a:fld>
             <a:endParaRPr lang="fr-FR"/>
           </a:p>
@@ -1065,7 +1173,7 @@
           <a:p>
             <a:fld id="{014ABEAC-8B63-4BD1-9569-A14EB8752A94}" type="datetimeFigureOut">
               <a:rPr lang="fr-FR" smtClean="0"/>
-              <a:t>01/06/2022</a:t>
+              <a:t>28/06/2022</a:t>
             </a:fld>
             <a:endParaRPr lang="fr-FR"/>
           </a:p>
@@ -3183,7 +3291,7 @@
         <p:spPr bwMode="auto">
           <a:xfrm>
             <a:off x="359839" y="9765983"/>
-            <a:ext cx="6485461" cy="700192"/>
+            <a:ext cx="6485461" cy="707886"/>
           </a:xfrm>
           <a:prstGeom prst="rect">
             <a:avLst/>
@@ -3240,8 +3348,18 @@
                 </a:solidFill>
                 <a:latin typeface="Proxima Nova Rg" panose="02000506030000020004" pitchFamily="2" charset="0"/>
               </a:rPr>
-              <a:t> Le remboursement automatique anticipé ne pourra pas se faire, en tout état de cause, avant le 9 juin 2023.</a:t>
-            </a:r>
+              <a:t> Le remboursement automatique anticipé ne pourra pas se faire, en tout état de cause, avant le &lt;</a:t>
+            </a:r>
+            <a:r>
+              <a:rPr lang="fr-FR" sz="700" dirty="0"/>
+              <a:t>2PDC_MAJ&gt;.</a:t>
+            </a:r>
+            <a:endParaRPr lang="fr-FR" sz="650" dirty="0">
+              <a:solidFill>
+                <a:schemeClr val="tx2"/>
+              </a:solidFill>
+              <a:latin typeface="Proxima Nova Rg" panose="02000506030000020004" pitchFamily="2" charset="0"/>
+            </a:endParaRPr>
           </a:p>
           <a:p>
             <a:pPr algn="just" defTabSz="914400"/>
@@ -5362,7 +5480,7 @@
           <p:nvPr>
             <p:extLst>
               <p:ext uri="{D42A27DB-BD31-4B8C-83A1-F6EECF244321}">
-                <p14:modId xmlns:p14="http://schemas.microsoft.com/office/powerpoint/2010/main" val="428295924"/>
+                <p14:modId xmlns:p14="http://schemas.microsoft.com/office/powerpoint/2010/main" val="3411669140"/>
               </p:ext>
             </p:extLst>
           </p:nvPr>
@@ -9759,8 +9877,27 @@
                           <a:ea typeface="+mn-ea"/>
                           <a:cs typeface="+mn-cs"/>
                         </a:rPr>
-                        <a:t>Contrat d’assurance vie ou de capitalisation</a:t>
+                        <a:t>Contrat d’assurance vie ou de capitalisation </a:t>
                       </a:r>
+                      <a:r>
+                        <a:rPr lang="fr-FR" sz="700" b="0" i="0" kern="1200" dirty="0">
+                          <a:solidFill>
+                            <a:srgbClr val="000000"/>
+                          </a:solidFill>
+                          <a:latin typeface="Proxima Nova Rg" panose="02000506030000020004" pitchFamily="2" charset="0"/>
+                          <a:ea typeface="+mn-ea"/>
+                          <a:cs typeface="+mn-cs"/>
+                        </a:rPr>
+                        <a:t>et/ou compte-titres</a:t>
+                      </a:r>
+                      <a:endParaRPr lang="fr-FR" sz="700" b="0" i="0" kern="1200" dirty="0">
+                        <a:solidFill>
+                          <a:schemeClr val="tx1"/>
+                        </a:solidFill>
+                        <a:latin typeface="+mn-lt"/>
+                        <a:ea typeface="+mn-ea"/>
+                        <a:cs typeface="+mn-cs"/>
+                      </a:endParaRPr>
                     </a:p>
                   </a:txBody>
                   <a:tcPr marT="46800" marB="46800" anchor="ctr" horzOverflow="overflow">
@@ -10672,7 +10809,7 @@
                         <a:defRPr/>
                       </a:pPr>
                       <a:r>
-                        <a:rPr lang="fr-FR" sz="700" b="0" i="0" kern="1200" dirty="0">
+                        <a:rPr lang="fr-FR" sz="700" kern="1200" dirty="0">
                           <a:solidFill>
                             <a:srgbClr val="000000"/>
                           </a:solidFill>
@@ -10680,29 +10817,7 @@
                           <a:ea typeface="+mn-ea"/>
                           <a:cs typeface="+mn-cs"/>
                         </a:rPr>
-                        <a:t>Valorisation quotidienne publiée sur les pages Bloomberg, </a:t>
-                      </a:r>
-                      <a:r>
-                        <a:rPr lang="fr-FR" sz="700" b="0" i="0" kern="1200" dirty="0" err="1">
-                          <a:solidFill>
-                            <a:srgbClr val="000000"/>
-                          </a:solidFill>
-                          <a:latin typeface="Proxima Nova Rg" panose="02000506030000020004" pitchFamily="2" charset="0"/>
-                          <a:ea typeface="+mn-ea"/>
-                          <a:cs typeface="+mn-cs"/>
-                        </a:rPr>
-                        <a:t>Telekurs</a:t>
-                      </a:r>
-                      <a:r>
-                        <a:rPr lang="fr-FR" sz="700" b="0" i="0" kern="1200" dirty="0">
-                          <a:solidFill>
-                            <a:srgbClr val="000000"/>
-                          </a:solidFill>
-                          <a:latin typeface="Proxima Nova Rg" panose="02000506030000020004" pitchFamily="2" charset="0"/>
-                          <a:ea typeface="+mn-ea"/>
-                          <a:cs typeface="+mn-cs"/>
-                        </a:rPr>
-                        <a:t> et Reuters. Elle est par ailleurs tenue à disposition du public en permanence sur demande.</a:t>
+                        <a:t>BLOOMBERG, REUTERS et TELEKURS. Cours publié au moins une fois tous les 15 jours et tenu à la disposition du public en permanence. </a:t>
                       </a:r>
                     </a:p>
                   </a:txBody>
@@ -19548,7 +19663,33 @@
                 <a:ea typeface="+mn-ea"/>
                 <a:cs typeface="+mn-cs"/>
               </a:rPr>
-              <a:t>Les termes « capital » et « capital initial » utilisés dans cette brochure désignent la Valeur Nominale des titres de créance « Millesime Juillet 2022 » soit 1000 EUR. Le montant remboursé est brut hors frais et fiscalité applicable au cadre d’investissement. Les Taux de Rendement Annuel (« TRA ») sont nets de frais de gestion pour les contrats d’assurance vie/capitalisation ou net de droits de garde en compte-titres (en prenant comme hypothèse un taux de frais de gestion ou de droits de garde de 1,00% annuel), mais sans prise en compte des autres frais, de la fiscalité et prélèvements sociaux applicables au cadre d’investissement. Ils sont calculés pour un investissement entre la </a:t>
+              <a:t>Les termes « capital » et « capital initial » utilisés dans cette brochure désignent la Valeur Nominale des titres de créance </a:t>
+            </a:r>
+            <a:r>
+              <a:rPr lang="fr-FR" sz="800" dirty="0">
+                <a:solidFill>
+                  <a:schemeClr val="tx1"/>
+                </a:solidFill>
+                <a:latin typeface="Proxima Nova Rg"/>
+              </a:rPr>
+              <a:t>&lt;</a:t>
+            </a:r>
+            <a:r>
+              <a:rPr kumimoji="0" lang="fr-FR" sz="800" b="0" i="0" u="none" strike="noStrike" kern="1200" cap="none" spc="0" normalizeH="0" baseline="0" noProof="0" dirty="0">
+                <a:ln>
+                  <a:noFill/>
+                </a:ln>
+                <a:solidFill>
+                  <a:schemeClr val="tx1"/>
+                </a:solidFill>
+                <a:effectLst/>
+                <a:uLnTx/>
+                <a:uFillTx/>
+                <a:latin typeface="Proxima Nova Rg"/>
+                <a:ea typeface="+mn-ea"/>
+                <a:cs typeface="+mn-cs"/>
+              </a:rPr>
+              <a:t>NOM&gt; soit 1000 EUR. Le montant remboursé est brut hors frais et fiscalité applicable au cadre d’investissement. Les Taux de Rendement Annuel (« TRA ») sont nets de frais de gestion pour les contrats d’assurance vie/capitalisation ou net de droits de garde en compte-titres (en prenant comme hypothèse un taux de frais de gestion ou de droits de garde de 1,00% annuel), mais sans prise en compte des autres frais, de la fiscalité et prélèvements sociaux applicables au cadre d’investissement. Ils sont calculés pour un investissement entre la </a:t>
             </a:r>
             <a:r>
               <a:rPr lang="fr-FR" sz="800" dirty="0">
@@ -19984,7 +20125,33 @@
                 <a:ea typeface="+mn-ea"/>
                 <a:cs typeface="+mn-cs"/>
               </a:rPr>
-              <a:t>… avec un mécanisme de remboursement anticipé activable automatiquement à la fin &lt;DU&gt; &lt;F0&gt; &lt;1PR&gt; jusqu'à la fin &lt;DU&gt; &lt;F0&gt; &lt;ADPR&gt;</a:t>
+              <a:t>… avec un mécanisme de remboursement anticipé activable automatiquement à toutes les dates de </a:t>
+            </a:r>
+            <a:r>
+              <a:rPr lang="fr-FR" sz="800" b="1" dirty="0">
+                <a:solidFill>
+                  <a:srgbClr val="B9A049"/>
+                </a:solidFill>
+                <a:latin typeface="Proxima Nova Rg"/>
+              </a:rPr>
+              <a:t>constatation &lt;F1&gt; dès </a:t>
+            </a:r>
+            <a:r>
+              <a:rPr kumimoji="0" lang="fr-FR" sz="800" b="1" i="0" u="none" strike="noStrike" kern="1200" cap="none" spc="0" normalizeH="0" baseline="0" noProof="0" dirty="0">
+                <a:ln>
+                  <a:noFill/>
+                </a:ln>
+                <a:solidFill>
+                  <a:srgbClr val="B9A049"/>
+                </a:solidFill>
+                <a:effectLst/>
+                <a:uLnTx/>
+                <a:uFillTx/>
+                <a:latin typeface="Proxima Nova Rg"/>
+                <a:ea typeface="+mn-ea"/>
+                <a:cs typeface="+mn-cs"/>
+              </a:rPr>
+              <a:t>la fin &lt;DU&gt; &lt;F0&gt; &lt;1PR&gt; jusqu'à la fin &lt;DU&gt; &lt;F0&gt; &lt;ADPR&gt;</a:t>
             </a:r>
             <a:r>
               <a:rPr kumimoji="0" lang="fr-FR" sz="800" b="1" i="0" u="none" strike="noStrike" kern="1200" cap="none" spc="0" normalizeH="0" baseline="0" noProof="0" dirty="0">
@@ -20390,15 +20557,21 @@
                 <a:ea typeface="+mn-ea"/>
                 <a:cs typeface="+mn-cs"/>
               </a:rPr>
-              <a:t>: En acceptant de limiter leurs gains à &lt;CPN&gt; par &lt;F0&gt; écoulé (soit un Taux de Rendement Annuel net maximum de &lt;TRA.F.A&gt;%(2)), les investisseurs recevront en contrepartie l’intégralité du capital initial si &lt;SJR1&gt; ne baisse pas de plus de &lt;</a:t>
-            </a:r>
-            <a:r>
-              <a:rPr lang="fr-FR" sz="800" dirty="0">
-                <a:solidFill>
-                  <a:srgbClr val="000000"/>
-                </a:solidFill>
-              </a:rPr>
-              <a:t>PDIPERF&gt;</a:t>
+              <a:t>: En acceptant de limiter leurs gains à &lt;CPN&gt; par &lt;F0&gt; écoulé (soit un Taux de Rendement Annuel net maximum de &lt;TRA.F.A&gt;%</a:t>
+            </a:r>
+            <a:r>
+              <a:rPr kumimoji="0" lang="fr-FR" sz="800" b="0" i="0" u="none" strike="noStrike" kern="1200" cap="none" spc="0" normalizeH="0" baseline="30000" noProof="0" dirty="0">
+                <a:ln>
+                  <a:noFill/>
+                </a:ln>
+                <a:effectLst/>
+                <a:uLnTx/>
+                <a:uFillTx/>
+                <a:latin typeface="Proxima Nova Rg"/>
+                <a:ea typeface="+mn-ea"/>
+                <a:cs typeface="+mn-cs"/>
+              </a:rPr>
+              <a:t>(2)</a:t>
             </a:r>
             <a:r>
               <a:rPr kumimoji="0" lang="fr-FR" sz="800" b="0" i="0" u="none" strike="noStrike" kern="1200" cap="none" spc="0" normalizeH="0" baseline="0" noProof="0" dirty="0">
@@ -20415,7 +20588,63 @@
                 <a:ea typeface="+mn-ea"/>
                 <a:cs typeface="+mn-cs"/>
               </a:rPr>
-              <a:t> par rapport à son &lt;NDR&gt; à l’échéance(1).</a:t>
+              <a:t>), les investisseurs recevront en contrepartie l’intégralité du capital initial si &lt;SJR1&gt; ne baisse pas de plus de &lt;</a:t>
+            </a:r>
+            <a:r>
+              <a:rPr lang="fr-FR" sz="800" dirty="0">
+                <a:solidFill>
+                  <a:srgbClr val="000000"/>
+                </a:solidFill>
+              </a:rPr>
+              <a:t>PDIPERF&gt;</a:t>
+            </a:r>
+            <a:r>
+              <a:rPr kumimoji="0" lang="fr-FR" sz="800" b="0" i="0" u="none" strike="noStrike" kern="1200" cap="none" spc="0" normalizeH="0" baseline="0" noProof="0" dirty="0">
+                <a:ln>
+                  <a:noFill/>
+                </a:ln>
+                <a:solidFill>
+                  <a:schemeClr val="tx1"/>
+                </a:solidFill>
+                <a:effectLst/>
+                <a:uLnTx/>
+                <a:uFillTx/>
+                <a:latin typeface="Proxima Nova Rg"/>
+                <a:ea typeface="+mn-ea"/>
+                <a:cs typeface="+mn-cs"/>
+              </a:rPr>
+              <a:t> par rapport à son &lt;NDR&gt; à l’échéance</a:t>
+            </a:r>
+            <a:r>
+              <a:rPr kumimoji="0" lang="fr-FR" sz="800" b="0" i="0" u="none" strike="noStrike" kern="1200" cap="none" spc="0" normalizeH="0" baseline="30000" noProof="0" dirty="0">
+                <a:ln>
+                  <a:noFill/>
+                </a:ln>
+                <a:effectLst/>
+                <a:uLnTx/>
+                <a:uFillTx/>
+                <a:latin typeface="Proxima Nova Rg"/>
+                <a:ea typeface="+mn-ea"/>
+                <a:cs typeface="+mn-cs"/>
+              </a:rPr>
+              <a:t>(1)</a:t>
+            </a:r>
+            <a:r>
+              <a:rPr kumimoji="0" lang="fr-FR" sz="800" b="0" i="0" u="none" strike="noStrike" kern="1200" cap="none" spc="0" normalizeH="0" baseline="0" noProof="0" dirty="0">
+                <a:ln>
+                  <a:noFill/>
+                </a:ln>
+                <a:solidFill>
+                  <a:schemeClr val="tx1"/>
+                </a:solidFill>
+                <a:effectLst/>
+                <a:uLnTx/>
+                <a:uFillTx/>
+                <a:latin typeface="Proxima Nova Rg"/>
+                <a:ea typeface="+mn-ea"/>
+                <a:cs typeface="+mn-cs"/>
+              </a:rPr>
+              <a:t>.</a:t>
             </a:r>
           </a:p>
           <a:p>
@@ -22990,149 +23219,6 @@
       </p:sp>
       <p:sp>
         <p:nvSpPr>
-          <p:cNvPr id="7" name="Rectangle">
-            <a:extLst>
-              <a:ext uri="{FF2B5EF4-FFF2-40B4-BE49-F238E27FC236}">
-                <a16:creationId xmlns:a16="http://schemas.microsoft.com/office/drawing/2014/main" id="{11CD4052-900D-4194-A69C-0AF1ADBF03E1}"/>
-              </a:ext>
-            </a:extLst>
-          </p:cNvPr>
-          <p:cNvSpPr/>
-          <p:nvPr/>
-        </p:nvSpPr>
-        <p:spPr>
-          <a:xfrm>
-            <a:off x="541297" y="9536636"/>
-            <a:ext cx="6480000" cy="6846"/>
-          </a:xfrm>
-          <a:prstGeom prst="rect">
-            <a:avLst/>
-          </a:prstGeom>
-          <a:solidFill>
-            <a:srgbClr val="C5AF5C"/>
-          </a:solidFill>
-          <a:ln w="3175">
-            <a:miter lim="400000"/>
-          </a:ln>
-        </p:spPr>
-        <p:txBody>
-          <a:bodyPr lIns="20981" tIns="20981" rIns="20981" bIns="20981" anchor="ctr"/>
-          <a:lstStyle/>
-          <a:p>
-            <a:pPr algn="ctr" defTabSz="825500">
-              <a:lnSpc>
-                <a:spcPct val="100000"/>
-              </a:lnSpc>
-              <a:defRPr sz="3200" b="0">
-                <a:solidFill>
-                  <a:srgbClr val="FFFFFF"/>
-                </a:solidFill>
-                <a:latin typeface="Helvetica Neue Medium"/>
-                <a:ea typeface="Helvetica Neue Medium"/>
-                <a:cs typeface="Helvetica Neue Medium"/>
-                <a:sym typeface="Helvetica Neue Medium"/>
-              </a:defRPr>
-            </a:pPr>
-            <a:endParaRPr/>
-          </a:p>
-        </p:txBody>
-      </p:sp>
-      <p:sp>
-        <p:nvSpPr>
-          <p:cNvPr id="8" name="Rectangle">
-            <a:extLst>
-              <a:ext uri="{FF2B5EF4-FFF2-40B4-BE49-F238E27FC236}">
-                <a16:creationId xmlns:a16="http://schemas.microsoft.com/office/drawing/2014/main" id="{C768572F-300B-4C49-A926-4F8F54816CFD}"/>
-              </a:ext>
-            </a:extLst>
-          </p:cNvPr>
-          <p:cNvSpPr/>
-          <p:nvPr/>
-        </p:nvSpPr>
-        <p:spPr>
-          <a:xfrm>
-            <a:off x="541297" y="9058605"/>
-            <a:ext cx="6480000" cy="6846"/>
-          </a:xfrm>
-          <a:prstGeom prst="rect">
-            <a:avLst/>
-          </a:prstGeom>
-          <a:solidFill>
-            <a:srgbClr val="C5AF5C"/>
-          </a:solidFill>
-          <a:ln w="3175">
-            <a:miter lim="400000"/>
-          </a:ln>
-        </p:spPr>
-        <p:txBody>
-          <a:bodyPr lIns="20981" tIns="20981" rIns="20981" bIns="20981" anchor="ctr"/>
-          <a:lstStyle/>
-          <a:p>
-            <a:pPr algn="ctr" defTabSz="825500">
-              <a:lnSpc>
-                <a:spcPct val="100000"/>
-              </a:lnSpc>
-              <a:defRPr sz="3200" b="0">
-                <a:solidFill>
-                  <a:srgbClr val="FFFFFF"/>
-                </a:solidFill>
-                <a:latin typeface="Helvetica Neue Medium"/>
-                <a:ea typeface="Helvetica Neue Medium"/>
-                <a:cs typeface="Helvetica Neue Medium"/>
-                <a:sym typeface="Helvetica Neue Medium"/>
-              </a:defRPr>
-            </a:pPr>
-            <a:endParaRPr/>
-          </a:p>
-        </p:txBody>
-      </p:sp>
-      <p:sp>
-        <p:nvSpPr>
-          <p:cNvPr id="9" name="ZoneTexte 8">
-            <a:extLst>
-              <a:ext uri="{FF2B5EF4-FFF2-40B4-BE49-F238E27FC236}">
-                <a16:creationId xmlns:a16="http://schemas.microsoft.com/office/drawing/2014/main" id="{A55E763B-8611-4526-B7E2-84EB19435569}"/>
-              </a:ext>
-            </a:extLst>
-          </p:cNvPr>
-          <p:cNvSpPr txBox="1"/>
-          <p:nvPr/>
-        </p:nvSpPr>
-        <p:spPr>
-          <a:xfrm>
-            <a:off x="537948" y="9144369"/>
-            <a:ext cx="6483350" cy="332399"/>
-          </a:xfrm>
-          <a:prstGeom prst="rect">
-            <a:avLst/>
-          </a:prstGeom>
-          <a:noFill/>
-        </p:spPr>
-        <p:txBody>
-          <a:bodyPr wrap="square" lIns="0" tIns="0" rIns="0" bIns="0">
-            <a:spAutoFit/>
-          </a:bodyPr>
-          <a:lstStyle/>
-          <a:p>
-            <a:pPr marL="0" lvl="2" indent="0" algn="just">
-              <a:lnSpc>
-                <a:spcPct val="90000"/>
-              </a:lnSpc>
-              <a:buNone/>
-            </a:pPr>
-            <a:r>
-              <a:rPr lang="fr-FR" sz="800" dirty="0">
-                <a:solidFill>
-                  <a:srgbClr val="000000"/>
-                </a:solidFill>
-              </a:rPr>
-              <a:t>En tant que banque d’investissement avec un large éventail d’activités, BNP Paribas peut faire face à de potentiels conflits d’intérêts. Dans le cadre de l’émission de ces titres de créance, le Groupe BNP Paribas a mis en place des politiques et des mesures appropriées afin de gérer de possibles conflits de ce type entre les différentes entités du Groupe. </a:t>
-            </a:r>
-          </a:p>
-        </p:txBody>
-      </p:sp>
-      <p:sp>
-        <p:nvSpPr>
           <p:cNvPr id="11" name="ZoneTexte 10">
             <a:extLst>
               <a:ext uri="{FF2B5EF4-FFF2-40B4-BE49-F238E27FC236}">
@@ -23146,7 +23232,7 @@
         <p:spPr>
           <a:xfrm>
             <a:off x="361950" y="960898"/>
-            <a:ext cx="6837887" cy="6842771"/>
+            <a:ext cx="6837887" cy="3689215"/>
           </a:xfrm>
           <a:prstGeom prst="rect">
             <a:avLst/>
@@ -23225,26 +23311,7 @@
                   <a:srgbClr val="000000"/>
                 </a:solidFill>
               </a:rPr>
-              <a:t>et l’investisseur récupère alors l’intégralité de son capital initial, majorée d’un &lt;</a:t>
-            </a:r>
-            <a:r>
-              <a:rPr lang="fr-FR" sz="800" dirty="0">
-                <a:solidFill>
-                  <a:srgbClr val="000000"/>
-                </a:solidFill>
-                <a:highlight>
-                  <a:srgbClr val="FF00FF"/>
-                </a:highlight>
-              </a:rPr>
-              <a:t>GC</a:t>
-            </a:r>
-            <a:r>
-              <a:rPr lang="fr-FR" sz="800" dirty="0">
-                <a:solidFill>
-                  <a:srgbClr val="000000"/>
-                </a:solidFill>
-              </a:rPr>
-              <a:t>&gt; de &lt;CPN&gt; par &lt;F0&gt; &lt;F2&gt; depuis le &lt;DDCI&gt; (soit &lt;GCA&gt;</a:t>
+              <a:t>et l’investisseur récupère alors l’intégralité de son capital initial, majorée d’un &lt;GC&gt; de &lt;CPN&gt; par &lt;F0&gt; &lt;F2&gt; depuis le &lt;DDCI&gt; (soit &lt;GCA&gt;</a:t>
             </a:r>
             <a:r>
               <a:rPr lang="fr-FR" sz="800" i="1" dirty="0">
@@ -23769,306 +23836,6 @@
                 <a:srgbClr val="FFFF00"/>
               </a:highlight>
             </a:endParaRPr>
-          </a:p>
-          <a:p>
-            <a:pPr marL="0" lvl="1" indent="0" algn="just">
-              <a:lnSpc>
-                <a:spcPct val="95000"/>
-              </a:lnSpc>
-              <a:spcBef>
-                <a:spcPts val="600"/>
-              </a:spcBef>
-              <a:spcAft>
-                <a:spcPts val="200"/>
-              </a:spcAft>
-              <a:buNone/>
-            </a:pPr>
-            <a:r>
-              <a:rPr lang="fr-FR" sz="1000" b="1" dirty="0">
-                <a:solidFill>
-                  <a:srgbClr val="B9A049"/>
-                </a:solidFill>
-              </a:rPr>
-              <a:t>PRINCIPAUX FACTEURS DE RISQUES</a:t>
-            </a:r>
-          </a:p>
-          <a:p>
-            <a:pPr algn="just">
-              <a:lnSpc>
-                <a:spcPct val="95000"/>
-              </a:lnSpc>
-            </a:pPr>
-            <a:r>
-              <a:rPr lang="fr-FR" sz="800" i="1" dirty="0">
-                <a:solidFill>
-                  <a:srgbClr val="000000"/>
-                </a:solidFill>
-              </a:rPr>
-              <a:t>Les investisseurs sont invités à lire attentivement la section « Facteurs de Risques » du Prospectus de base. </a:t>
-            </a:r>
-          </a:p>
-          <a:p>
-            <a:pPr algn="just">
-              <a:lnSpc>
-                <a:spcPct val="95000"/>
-              </a:lnSpc>
-              <a:spcAft>
-                <a:spcPts val="600"/>
-              </a:spcAft>
-            </a:pPr>
-            <a:r>
-              <a:rPr lang="fr-FR" sz="800" b="1" u="sng" dirty="0">
-                <a:solidFill>
-                  <a:srgbClr val="000000"/>
-                </a:solidFill>
-              </a:rPr>
-              <a:t>Ces risques sont notamment :</a:t>
-            </a:r>
-            <a:endParaRPr lang="fr-FR" sz="800" i="1" u="sng" dirty="0">
-              <a:solidFill>
-                <a:srgbClr val="000000"/>
-              </a:solidFill>
-            </a:endParaRPr>
-          </a:p>
-          <a:p>
-            <a:pPr marL="171450" indent="-171450" algn="just">
-              <a:lnSpc>
-                <a:spcPct val="90000"/>
-              </a:lnSpc>
-              <a:spcAft>
-                <a:spcPts val="200"/>
-              </a:spcAft>
-              <a:buFont typeface="Arial" panose="020B0604020202020204" pitchFamily="34" charset="0"/>
-              <a:buChar char="•"/>
-            </a:pPr>
-            <a:r>
-              <a:rPr lang="fr-FR" sz="800" b="1" dirty="0">
-                <a:solidFill>
-                  <a:srgbClr val="000000"/>
-                </a:solidFill>
-              </a:rPr>
-              <a:t>Risque de crédit : </a:t>
-            </a:r>
-            <a:r>
-              <a:rPr lang="fr-FR" sz="800" dirty="0">
-                <a:solidFill>
-                  <a:srgbClr val="000000"/>
-                </a:solidFill>
-              </a:rPr>
-              <a:t>L’investisseur supporte le risque de défaut de paiement et de faillite de l’Émetteur ainsi que le risque de défaut de paiement, de faillite et de mise en résolution du Garant de la formule. Conformément à la règlementation relative au mécanisme de renflouement interne des institutions financières (bail-in), en cas de défaillance probable ou certaine du Garant de la formule, l’investisseur est susceptible de ne pas recouvrer, le cas échéant, la totalité ou partie du montant qui est dû par le Garant de la formule au titre de la Garantie ou l’Investisseur peut être susceptible de recevoir, le cas échéant, tout autre instrument financier émis par le Garant de la formule (ou toute autre entité) en remplacement du montant qui est dû au titre des titres de créance émis par l’Émetteur.</a:t>
-            </a:r>
-            <a:endParaRPr lang="fr-FR" sz="800" b="1" dirty="0">
-              <a:solidFill>
-                <a:srgbClr val="000000"/>
-              </a:solidFill>
-            </a:endParaRPr>
-          </a:p>
-          <a:p>
-            <a:pPr marL="171450" indent="-171450" algn="just">
-              <a:lnSpc>
-                <a:spcPct val="90000"/>
-              </a:lnSpc>
-              <a:spcAft>
-                <a:spcPts val="200"/>
-              </a:spcAft>
-              <a:buFont typeface="Arial" panose="020B0604020202020204" pitchFamily="34" charset="0"/>
-              <a:buChar char="•"/>
-            </a:pPr>
-            <a:r>
-              <a:rPr lang="fr-FR" sz="800" b="1" dirty="0">
-                <a:solidFill>
-                  <a:srgbClr val="000000"/>
-                </a:solidFill>
-              </a:rPr>
-              <a:t>Risque de marché : </a:t>
-            </a:r>
-            <a:r>
-              <a:rPr lang="fr-FR" sz="800" dirty="0">
-                <a:solidFill>
-                  <a:srgbClr val="000000"/>
-                </a:solidFill>
-              </a:rPr>
-              <a:t>Le produit peut connaître à tout moment d’importantes fluctuations de cours (en raison notamment de l’évolution du prix, du (ou des) instrument(s) sous-jacent(s) et des taux d’intérêt), pouvant aboutir dans certains cas à la perte totale du montant investi.</a:t>
-            </a:r>
-          </a:p>
-          <a:p>
-            <a:pPr marL="171450" indent="-171450" algn="just">
-              <a:lnSpc>
-                <a:spcPct val="90000"/>
-              </a:lnSpc>
-              <a:spcAft>
-                <a:spcPts val="200"/>
-              </a:spcAft>
-              <a:buFont typeface="Arial" panose="020B0604020202020204" pitchFamily="34" charset="0"/>
-              <a:buChar char="•"/>
-            </a:pPr>
-            <a:r>
-              <a:rPr lang="fr-FR" sz="800" b="1" dirty="0">
-                <a:solidFill>
-                  <a:srgbClr val="000000"/>
-                </a:solidFill>
-              </a:rPr>
-              <a:t>Risque de liquidité : </a:t>
-            </a:r>
-            <a:r>
-              <a:rPr lang="fr-FR" sz="800" dirty="0">
-                <a:solidFill>
-                  <a:srgbClr val="000000"/>
-                </a:solidFill>
-              </a:rPr>
-              <a:t>Certaines conditions exceptionnelles de marché peuvent avoir un effet défavorable sur la liquidité du produit, voire même rendre le produit totalement illiquide, ce qui peut rendre impossible la vente du produit et entraîner la perte totale ou partielle du montant investi.</a:t>
-            </a:r>
-          </a:p>
-          <a:p>
-            <a:pPr marL="171450" indent="-171450" algn="just">
-              <a:lnSpc>
-                <a:spcPct val="90000"/>
-              </a:lnSpc>
-              <a:spcAft>
-                <a:spcPts val="200"/>
-              </a:spcAft>
-              <a:buFont typeface="Arial" panose="020B0604020202020204" pitchFamily="34" charset="0"/>
-              <a:buChar char="•"/>
-            </a:pPr>
-            <a:r>
-              <a:rPr lang="fr-FR" sz="800" b="1" dirty="0">
-                <a:solidFill>
-                  <a:srgbClr val="000000"/>
-                </a:solidFill>
-              </a:rPr>
-              <a:t>Risque de perte en capital : </a:t>
-            </a:r>
-            <a:r>
-              <a:rPr lang="fr-FR" sz="800" dirty="0">
-                <a:solidFill>
-                  <a:srgbClr val="000000"/>
-                </a:solidFill>
-              </a:rPr>
-              <a:t>Le produit présente un risque de perte en capital. La valeur de remboursement du produit peut être inférieure au montant de l’investissement initial. Dans le pire des scénarios, les investisseurs peuvent perdre jusqu’à la totalité de leur investissement.</a:t>
-            </a:r>
-          </a:p>
-          <a:p>
-            <a:pPr marL="171450" indent="-171450" algn="just">
-              <a:lnSpc>
-                <a:spcPct val="90000"/>
-              </a:lnSpc>
-              <a:spcAft>
-                <a:spcPts val="200"/>
-              </a:spcAft>
-              <a:buFont typeface="Arial" panose="020B0604020202020204" pitchFamily="34" charset="0"/>
-              <a:buChar char="•"/>
-            </a:pPr>
-            <a:r>
-              <a:rPr lang="fr-FR" sz="800" b="1" dirty="0">
-                <a:solidFill>
-                  <a:srgbClr val="000000"/>
-                </a:solidFill>
-                <a:highlight>
-                  <a:srgbClr val="FF00FF"/>
-                </a:highlight>
-              </a:rPr>
-              <a:t>Risque lié au sous-jacent : </a:t>
-            </a:r>
-            <a:r>
-              <a:rPr lang="fr-FR" sz="800" dirty="0">
-                <a:solidFill>
-                  <a:srgbClr val="000000"/>
-                </a:solidFill>
-                <a:highlight>
-                  <a:srgbClr val="FF00FF"/>
-                </a:highlight>
-              </a:rPr>
-              <a:t>Le mécanisme de remboursement est lié à l’évolution du &lt;SJR3&gt; &lt;SJR7&gt; et donc à l’évolution des marchés actions.</a:t>
-            </a:r>
-          </a:p>
-          <a:p>
-            <a:pPr marL="171450" indent="-171450" algn="just">
-              <a:lnSpc>
-                <a:spcPct val="90000"/>
-              </a:lnSpc>
-              <a:spcAft>
-                <a:spcPts val="200"/>
-              </a:spcAft>
-              <a:buFont typeface="Arial" panose="020B0604020202020204" pitchFamily="34" charset="0"/>
-              <a:buChar char="•"/>
-            </a:pPr>
-            <a:r>
-              <a:rPr lang="fr-FR" sz="800" b="1" dirty="0">
-                <a:solidFill>
-                  <a:srgbClr val="000000"/>
-                </a:solidFill>
-                <a:highlight>
-                  <a:srgbClr val="FF00FF"/>
-                </a:highlight>
-              </a:rPr>
-              <a:t>Risque découlant de la nature du support : </a:t>
-            </a:r>
-            <a:r>
-              <a:rPr lang="fr-FR" sz="800" dirty="0">
-                <a:solidFill>
-                  <a:srgbClr val="000000"/>
-                </a:solidFill>
-                <a:highlight>
-                  <a:srgbClr val="FF00FF"/>
-                </a:highlight>
-              </a:rPr>
-              <a:t>En cas de revente du produit avant l’échéance ou, selon le cas, à la date de remboursement anticipé automatique</a:t>
-            </a:r>
-            <a:r>
-              <a:rPr lang="fr-FR" sz="800" baseline="30000" dirty="0">
-                <a:solidFill>
-                  <a:srgbClr val="000000"/>
-                </a:solidFill>
-                <a:highlight>
-                  <a:srgbClr val="FF00FF"/>
-                </a:highlight>
-              </a:rPr>
-              <a:t>(1)</a:t>
-            </a:r>
-            <a:r>
-              <a:rPr lang="fr-FR" sz="800" dirty="0">
-                <a:solidFill>
-                  <a:srgbClr val="000000"/>
-                </a:solidFill>
-                <a:highlight>
-                  <a:srgbClr val="FF00FF"/>
-                </a:highlight>
-              </a:rPr>
-              <a:t>, alors que les conditions de remboursement anticipé automatique ne sont pas remplies, il est impossible de mesurer a priori le gain ou la perte possibles, le prix pratiqué dépendant alors des conditions de marché en vigueur. Si le cadre d’investissement du produit est un contrat d’assurance vie ou de capitalisation, le dénouement (notamment par rachat ou décès de l’assuré), l’arbitrage ou le rachat partiel de celui-ci peuvent entraîner le désinvestissement des unités de compte adossées aux titres avant leur dates d’échéance</a:t>
-            </a:r>
-            <a:r>
-              <a:rPr lang="fr-FR" sz="800" baseline="30000" dirty="0">
-                <a:solidFill>
-                  <a:srgbClr val="000000"/>
-                </a:solidFill>
-                <a:highlight>
-                  <a:srgbClr val="FF00FF"/>
-                </a:highlight>
-              </a:rPr>
-              <a:t>(1)</a:t>
-            </a:r>
-            <a:r>
-              <a:rPr lang="fr-FR" sz="800" dirty="0">
-                <a:solidFill>
-                  <a:srgbClr val="000000"/>
-                </a:solidFill>
-                <a:highlight>
-                  <a:srgbClr val="FF00FF"/>
-                </a:highlight>
-              </a:rPr>
-              <a:t>. Ainsi, le montant remboursé pourra être très différent (inférieur ou supérieur) du montant résultant de l’application de la formule annoncée. </a:t>
-            </a:r>
-            <a:r>
-              <a:rPr lang="fr-FR" sz="800" b="1" dirty="0">
-                <a:solidFill>
-                  <a:srgbClr val="000000"/>
-                </a:solidFill>
-                <a:highlight>
-                  <a:srgbClr val="FF00FF"/>
-                </a:highlight>
-              </a:rPr>
-              <a:t>Il existe donc un risque de perte en capital partielle ou totale. Il est précisé que l’Assureur, d'une part, l'Emetteur et le Garant de la formule d'autre part sont des entités juridiques indépendantes.</a:t>
-            </a:r>
           </a:p>
         </p:txBody>
       </p:sp>
@@ -26137,7 +25904,7 @@
         </p:nvSpPr>
         <p:spPr>
           <a:xfrm>
-            <a:off x="910052" y="2345793"/>
+            <a:off x="910052" y="2258288"/>
             <a:ext cx="6005163" cy="738664"/>
           </a:xfrm>
           <a:prstGeom prst="rect">
@@ -35735,18 +35502,6 @@
 </file>
 
 <file path=customXml/item1.xml><?xml version="1.0" encoding="utf-8"?>
-<p:properties xmlns:p="http://schemas.microsoft.com/office/2006/metadata/properties" xmlns:xsi="http://www.w3.org/2001/XMLSchema-instance" xmlns:pc="http://schemas.microsoft.com/office/infopath/2007/PartnerControls">
-  <documentManagement>
-    <_Flow_SignoffStatus xmlns="ef624bc2-1644-4d69-8362-5c28ca496374" xsi:nil="true"/>
-    <TaxCatchAll xmlns="514a554b-82b0-4359-b247-fc84018a95f0" xsi:nil="true"/>
-    <lcf76f155ced4ddcb4097134ff3c332f xmlns="ef624bc2-1644-4d69-8362-5c28ca496374">
-      <Terms xmlns="http://schemas.microsoft.com/office/infopath/2007/PartnerControls"/>
-    </lcf76f155ced4ddcb4097134ff3c332f>
-  </documentManagement>
-</p:properties>
-</file>
-
-<file path=customXml/item2.xml><?xml version="1.0" encoding="utf-8"?>
 <ct:contentTypeSchema xmlns:ct="http://schemas.microsoft.com/office/2006/metadata/contentType" xmlns:ma="http://schemas.microsoft.com/office/2006/metadata/properties/metaAttributes" ct:_="" ma:_="" ma:contentTypeName="Document" ma:contentTypeID="0x0101005DDE610BC516E448BB8152259F39635A" ma:contentTypeVersion="17" ma:contentTypeDescription="Crée un document." ma:contentTypeScope="" ma:versionID="bfb75e103009df80b8e5001438c41194">
   <xsd:schema xmlns:xsd="http://www.w3.org/2001/XMLSchema" xmlns:xs="http://www.w3.org/2001/XMLSchema" xmlns:p="http://schemas.microsoft.com/office/2006/metadata/properties" xmlns:ns2="ef624bc2-1644-4d69-8362-5c28ca496374" xmlns:ns3="514a554b-82b0-4359-b247-fc84018a95f0" targetNamespace="http://schemas.microsoft.com/office/2006/metadata/properties" ma:root="true" ma:fieldsID="2ae3df86d13efbb4a35042af2564d386" ns2:_="" ns3:_="">
     <xsd:import namespace="ef624bc2-1644-4d69-8362-5c28ca496374"/>
@@ -35995,6 +35750,18 @@
 </ct:contentTypeSchema>
 </file>
 
+<file path=customXml/item2.xml><?xml version="1.0" encoding="utf-8"?>
+<p:properties xmlns:p="http://schemas.microsoft.com/office/2006/metadata/properties" xmlns:xsi="http://www.w3.org/2001/XMLSchema-instance" xmlns:pc="http://schemas.microsoft.com/office/infopath/2007/PartnerControls">
+  <documentManagement>
+    <_Flow_SignoffStatus xmlns="ef624bc2-1644-4d69-8362-5c28ca496374" xsi:nil="true"/>
+    <TaxCatchAll xmlns="514a554b-82b0-4359-b247-fc84018a95f0" xsi:nil="true"/>
+    <lcf76f155ced4ddcb4097134ff3c332f xmlns="ef624bc2-1644-4d69-8362-5c28ca496374">
+      <Terms xmlns="http://schemas.microsoft.com/office/infopath/2007/PartnerControls"/>
+    </lcf76f155ced4ddcb4097134ff3c332f>
+  </documentManagement>
+</p:properties>
+</file>
+
 <file path=customXml/item3.xml><?xml version="1.0" encoding="utf-8"?>
 <?mso-contentType ?>
 <FormTemplates xmlns="http://schemas.microsoft.com/sharepoint/v3/contenttype/forms">
@@ -36005,6 +35772,25 @@
 </file>
 
 <file path=customXml/itemProps1.xml><?xml version="1.0" encoding="utf-8"?>
+<ds:datastoreItem xmlns:ds="http://schemas.openxmlformats.org/officeDocument/2006/customXml" ds:itemID="{3830A3F7-FDB6-49F5-B063-BA0EEEB33172}">
+  <ds:schemaRefs>
+    <ds:schemaRef ds:uri="http://schemas.microsoft.com/office/2006/metadata/contentType"/>
+    <ds:schemaRef ds:uri="http://schemas.microsoft.com/office/2006/metadata/properties/metaAttributes"/>
+    <ds:schemaRef ds:uri="http://www.w3.org/2001/XMLSchema"/>
+    <ds:schemaRef ds:uri="http://schemas.microsoft.com/office/2006/metadata/properties"/>
+    <ds:schemaRef ds:uri="ef624bc2-1644-4d69-8362-5c28ca496374"/>
+    <ds:schemaRef ds:uri="514a554b-82b0-4359-b247-fc84018a95f0"/>
+    <ds:schemaRef ds:uri="http://schemas.microsoft.com/office/2006/documentManagement/types"/>
+    <ds:schemaRef ds:uri="http://schemas.microsoft.com/office/infopath/2007/PartnerControls"/>
+    <ds:schemaRef ds:uri="http://schemas.openxmlformats.org/package/2006/metadata/core-properties"/>
+    <ds:schemaRef ds:uri="http://purl.org/dc/elements/1.1/"/>
+    <ds:schemaRef ds:uri="http://purl.org/dc/terms/"/>
+    <ds:schemaRef ds:uri="http://schemas.microsoft.com/internal/obd"/>
+  </ds:schemaRefs>
+</ds:datastoreItem>
+</file>
+
+<file path=customXml/itemProps2.xml><?xml version="1.0" encoding="utf-8"?>
 <ds:datastoreItem xmlns:ds="http://schemas.openxmlformats.org/officeDocument/2006/customXml" ds:itemID="{25DE574B-2CD2-4078-9BEA-2A14717D9698}">
   <ds:schemaRefs>
     <ds:schemaRef ds:uri="514a554b-82b0-4359-b247-fc84018a95f0"/>
@@ -36021,10 +35807,6 @@
 </ds:datastoreItem>
 </file>
 
-<file path=customXml/itemProps2.xml><?xml version="1.0" encoding="utf-8"?>
-<ds:datastoreItem xmlns:ds="http://schemas.openxmlformats.org/officeDocument/2006/customXml" ds:itemID="{3830A3F7-FDB6-49F5-B063-BA0EEEB33172}"/>
-</file>
-
 <file path=customXml/itemProps3.xml><?xml version="1.0" encoding="utf-8"?>
 <ds:datastoreItem xmlns:ds="http://schemas.openxmlformats.org/officeDocument/2006/customXml" ds:itemID="{B00FC41E-FBDE-42E2-B58A-20EBD240A376}">
   <ds:schemaRefs>

--- a/Templates/goldman sachs fci.pptx
+++ b/Templates/goldman sachs fci.pptx
@@ -151,36 +151,20 @@
 <file path=ppt/changesInfos/changesInfo1.xml><?xml version="1.0" encoding="utf-8"?>
 <pc:chgInfo xmlns:a="http://schemas.openxmlformats.org/drawingml/2006/main" xmlns:r="http://schemas.openxmlformats.org/officeDocument/2006/relationships" xmlns:ac="http://schemas.microsoft.com/office/drawing/2013/main/command" xmlns:pc="http://schemas.microsoft.com/office/powerpoint/2013/main/command">
   <pc:docChgLst>
-    <pc:chgData name="Milan Cosson" userId="1b722937-9737-476f-bc2f-00e7be64c106" providerId="ADAL" clId="{875F30D1-5B82-4859-9C7D-640E2F15B2D5}"/>
-    <pc:docChg chg="undo custSel modSld modMainMaster">
-      <pc:chgData name="Milan Cosson" userId="1b722937-9737-476f-bc2f-00e7be64c106" providerId="ADAL" clId="{875F30D1-5B82-4859-9C7D-640E2F15B2D5}" dt="2022-06-28T13:29:45.641" v="3126" actId="20577"/>
+    <pc:chgData name="Wally PILLER" userId="e1c1cba4-6299-482b-91e7-ffd34a654594" providerId="ADAL" clId="{DFA9AA0A-EE88-4261-8C73-545A6F3FB253}"/>
+    <pc:docChg chg="undo custSel addSld delSld modSld">
+      <pc:chgData name="Wally PILLER" userId="e1c1cba4-6299-482b-91e7-ffd34a654594" providerId="ADAL" clId="{DFA9AA0A-EE88-4261-8C73-545A6F3FB253}" dt="2022-06-29T10:10:19.547" v="866" actId="1076"/>
       <pc:docMkLst>
         <pc:docMk/>
       </pc:docMkLst>
-      <pc:sldChg chg="addSp modSp mod">
-        <pc:chgData name="Milan Cosson" userId="1b722937-9737-476f-bc2f-00e7be64c106" providerId="ADAL" clId="{875F30D1-5B82-4859-9C7D-640E2F15B2D5}" dt="2022-06-28T12:46:30.516" v="2037" actId="1036"/>
+      <pc:sldChg chg="modSp mod">
+        <pc:chgData name="Wally PILLER" userId="e1c1cba4-6299-482b-91e7-ffd34a654594" providerId="ADAL" clId="{DFA9AA0A-EE88-4261-8C73-545A6F3FB253}" dt="2022-06-29T09:38:46.531" v="34" actId="20577"/>
         <pc:sldMkLst>
           <pc:docMk/>
           <pc:sldMk cId="279835308" sldId="283"/>
         </pc:sldMkLst>
-        <pc:spChg chg="add mod">
-          <ac:chgData name="Milan Cosson" userId="1b722937-9737-476f-bc2f-00e7be64c106" providerId="ADAL" clId="{875F30D1-5B82-4859-9C7D-640E2F15B2D5}" dt="2022-06-28T12:45:03.387" v="1892" actId="14100"/>
-          <ac:spMkLst>
-            <pc:docMk/>
-            <pc:sldMk cId="279835308" sldId="283"/>
-            <ac:spMk id="10" creationId="{C7E1A332-782B-B2DB-CFCE-66824D35B144}"/>
-          </ac:spMkLst>
-        </pc:spChg>
-        <pc:spChg chg="add mod">
-          <ac:chgData name="Milan Cosson" userId="1b722937-9737-476f-bc2f-00e7be64c106" providerId="ADAL" clId="{875F30D1-5B82-4859-9C7D-640E2F15B2D5}" dt="2022-06-28T12:46:30.516" v="2037" actId="1036"/>
-          <ac:spMkLst>
-            <pc:docMk/>
-            <pc:sldMk cId="279835308" sldId="283"/>
-            <ac:spMk id="14" creationId="{62887D8A-B44A-3C8A-051A-B698EF498BB6}"/>
-          </ac:spMkLst>
-        </pc:spChg>
         <pc:spChg chg="mod">
-          <ac:chgData name="Milan Cosson" userId="1b722937-9737-476f-bc2f-00e7be64c106" providerId="ADAL" clId="{875F30D1-5B82-4859-9C7D-640E2F15B2D5}" dt="2022-06-28T12:17:37.924" v="1370" actId="113"/>
+          <ac:chgData name="Wally PILLER" userId="e1c1cba4-6299-482b-91e7-ffd34a654594" providerId="ADAL" clId="{DFA9AA0A-EE88-4261-8C73-545A6F3FB253}" dt="2022-06-29T09:38:46.531" v="34" actId="20577"/>
           <ac:spMkLst>
             <pc:docMk/>
             <pc:sldMk cId="279835308" sldId="283"/>
@@ -188,30 +172,14 @@
           </ac:spMkLst>
         </pc:spChg>
       </pc:sldChg>
-      <pc:sldChg chg="addSp modSp mod">
-        <pc:chgData name="Milan Cosson" userId="1b722937-9737-476f-bc2f-00e7be64c106" providerId="ADAL" clId="{875F30D1-5B82-4859-9C7D-640E2F15B2D5}" dt="2022-06-28T13:24:32.706" v="2527" actId="20577"/>
+      <pc:sldChg chg="modSp mod">
+        <pc:chgData name="Wally PILLER" userId="e1c1cba4-6299-482b-91e7-ffd34a654594" providerId="ADAL" clId="{DFA9AA0A-EE88-4261-8C73-545A6F3FB253}" dt="2022-06-29T09:33:27.940" v="23" actId="20577"/>
         <pc:sldMkLst>
           <pc:docMk/>
           <pc:sldMk cId="4283008219" sldId="284"/>
         </pc:sldMkLst>
-        <pc:spChg chg="add mod">
-          <ac:chgData name="Milan Cosson" userId="1b722937-9737-476f-bc2f-00e7be64c106" providerId="ADAL" clId="{875F30D1-5B82-4859-9C7D-640E2F15B2D5}" dt="2022-06-28T12:45:14.607" v="1893"/>
-          <ac:spMkLst>
-            <pc:docMk/>
-            <pc:sldMk cId="4283008219" sldId="284"/>
-            <ac:spMk id="13" creationId="{6A92F21C-B52B-5426-4073-44A99450A459}"/>
-          </ac:spMkLst>
-        </pc:spChg>
-        <pc:spChg chg="add mod">
-          <ac:chgData name="Milan Cosson" userId="1b722937-9737-476f-bc2f-00e7be64c106" providerId="ADAL" clId="{875F30D1-5B82-4859-9C7D-640E2F15B2D5}" dt="2022-06-28T12:46:25.471" v="2025" actId="1036"/>
-          <ac:spMkLst>
-            <pc:docMk/>
-            <pc:sldMk cId="4283008219" sldId="284"/>
-            <ac:spMk id="15" creationId="{FAD60E8E-6452-26D6-79C4-48467FCCBFC0}"/>
-          </ac:spMkLst>
-        </pc:spChg>
         <pc:spChg chg="mod">
-          <ac:chgData name="Milan Cosson" userId="1b722937-9737-476f-bc2f-00e7be64c106" providerId="ADAL" clId="{875F30D1-5B82-4859-9C7D-640E2F15B2D5}" dt="2022-06-28T13:24:32.706" v="2527" actId="20577"/>
+          <ac:chgData name="Wally PILLER" userId="e1c1cba4-6299-482b-91e7-ffd34a654594" providerId="ADAL" clId="{DFA9AA0A-EE88-4261-8C73-545A6F3FB253}" dt="2022-06-29T09:33:27.940" v="23" actId="20577"/>
           <ac:spMkLst>
             <pc:docMk/>
             <pc:sldMk cId="4283008219" sldId="284"/>
@@ -219,202 +187,44 @@
           </ac:spMkLst>
         </pc:spChg>
       </pc:sldChg>
-      <pc:sldChg chg="addSp modSp mod">
-        <pc:chgData name="Milan Cosson" userId="1b722937-9737-476f-bc2f-00e7be64c106" providerId="ADAL" clId="{875F30D1-5B82-4859-9C7D-640E2F15B2D5}" dt="2022-06-28T13:26:00.704" v="2579" actId="1076"/>
+      <pc:sldChg chg="modSp mod">
+        <pc:chgData name="Wally PILLER" userId="e1c1cba4-6299-482b-91e7-ffd34a654594" providerId="ADAL" clId="{DFA9AA0A-EE88-4261-8C73-545A6F3FB253}" dt="2022-06-29T09:44:42.397" v="51" actId="13926"/>
         <pc:sldMkLst>
           <pc:docMk/>
           <pc:sldMk cId="1251430996" sldId="285"/>
         </pc:sldMkLst>
         <pc:spChg chg="mod">
-          <ac:chgData name="Milan Cosson" userId="1b722937-9737-476f-bc2f-00e7be64c106" providerId="ADAL" clId="{875F30D1-5B82-4859-9C7D-640E2F15B2D5}" dt="2022-06-28T13:26:00.704" v="2579" actId="1076"/>
+          <ac:chgData name="Wally PILLER" userId="e1c1cba4-6299-482b-91e7-ffd34a654594" providerId="ADAL" clId="{DFA9AA0A-EE88-4261-8C73-545A6F3FB253}" dt="2022-06-29T09:44:42.397" v="51" actId="13926"/>
           <ac:spMkLst>
             <pc:docMk/>
             <pc:sldMk cId="1251430996" sldId="285"/>
             <ac:spMk id="3" creationId="{CA03B948-52BE-4099-9E3E-FCC2F2CB0E31}"/>
           </ac:spMkLst>
         </pc:spChg>
-        <pc:spChg chg="mod">
-          <ac:chgData name="Milan Cosson" userId="1b722937-9737-476f-bc2f-00e7be64c106" providerId="ADAL" clId="{875F30D1-5B82-4859-9C7D-640E2F15B2D5}" dt="2022-06-28T13:25:35.116" v="2547" actId="1036"/>
-          <ac:spMkLst>
-            <pc:docMk/>
-            <pc:sldMk cId="1251430996" sldId="285"/>
-            <ac:spMk id="19" creationId="{902C1127-3574-44E3-A3C3-163258CD6D38}"/>
-          </ac:spMkLst>
-        </pc:spChg>
-        <pc:spChg chg="add mod">
-          <ac:chgData name="Milan Cosson" userId="1b722937-9737-476f-bc2f-00e7be64c106" providerId="ADAL" clId="{875F30D1-5B82-4859-9C7D-640E2F15B2D5}" dt="2022-06-28T12:45:20.973" v="1897"/>
-          <ac:spMkLst>
-            <pc:docMk/>
-            <pc:sldMk cId="1251430996" sldId="285"/>
-            <ac:spMk id="22" creationId="{C9AE3FE2-0A26-3351-00EE-A87F1BD8F9E4}"/>
-          </ac:spMkLst>
-        </pc:spChg>
-        <pc:spChg chg="add mod">
-          <ac:chgData name="Milan Cosson" userId="1b722937-9737-476f-bc2f-00e7be64c106" providerId="ADAL" clId="{875F30D1-5B82-4859-9C7D-640E2F15B2D5}" dt="2022-06-28T12:46:07.806" v="1977" actId="1036"/>
-          <ac:spMkLst>
-            <pc:docMk/>
-            <pc:sldMk cId="1251430996" sldId="285"/>
-            <ac:spMk id="23" creationId="{AC671B9B-5ACA-26FE-E755-3A46A95CB277}"/>
-          </ac:spMkLst>
-        </pc:spChg>
-        <pc:spChg chg="add mod">
-          <ac:chgData name="Milan Cosson" userId="1b722937-9737-476f-bc2f-00e7be64c106" providerId="ADAL" clId="{875F30D1-5B82-4859-9C7D-640E2F15B2D5}" dt="2022-06-28T13:25:58.183" v="2578" actId="1076"/>
-          <ac:spMkLst>
-            <pc:docMk/>
-            <pc:sldMk cId="1251430996" sldId="285"/>
-            <ac:spMk id="24" creationId="{0CF085A8-04C7-A7EB-0B3E-40168B9997E3}"/>
-          </ac:spMkLst>
-        </pc:spChg>
       </pc:sldChg>
-      <pc:sldChg chg="addSp modSp mod">
-        <pc:chgData name="Milan Cosson" userId="1b722937-9737-476f-bc2f-00e7be64c106" providerId="ADAL" clId="{875F30D1-5B82-4859-9C7D-640E2F15B2D5}" dt="2022-06-28T12:46:16.450" v="2001" actId="1036"/>
+      <pc:sldChg chg="modSp mod">
+        <pc:chgData name="Wally PILLER" userId="e1c1cba4-6299-482b-91e7-ffd34a654594" providerId="ADAL" clId="{DFA9AA0A-EE88-4261-8C73-545A6F3FB253}" dt="2022-06-29T09:42:50.038" v="45" actId="20577"/>
         <pc:sldMkLst>
           <pc:docMk/>
           <pc:sldMk cId="2335663946" sldId="286"/>
         </pc:sldMkLst>
-        <pc:spChg chg="add mod">
-          <ac:chgData name="Milan Cosson" userId="1b722937-9737-476f-bc2f-00e7be64c106" providerId="ADAL" clId="{875F30D1-5B82-4859-9C7D-640E2F15B2D5}" dt="2022-06-28T12:45:19.234" v="1895"/>
+        <pc:spChg chg="mod">
+          <ac:chgData name="Wally PILLER" userId="e1c1cba4-6299-482b-91e7-ffd34a654594" providerId="ADAL" clId="{DFA9AA0A-EE88-4261-8C73-545A6F3FB253}" dt="2022-06-29T09:42:50.038" v="45" actId="20577"/>
           <ac:spMkLst>
             <pc:docMk/>
             <pc:sldMk cId="2335663946" sldId="286"/>
-            <ac:spMk id="7" creationId="{2E0A10E0-C997-3FF2-3C62-3F032FE5DFF4}"/>
-          </ac:spMkLst>
-        </pc:spChg>
-        <pc:spChg chg="add mod">
-          <ac:chgData name="Milan Cosson" userId="1b722937-9737-476f-bc2f-00e7be64c106" providerId="ADAL" clId="{875F30D1-5B82-4859-9C7D-640E2F15B2D5}" dt="2022-06-28T12:46:16.450" v="2001" actId="1036"/>
-          <ac:spMkLst>
-            <pc:docMk/>
-            <pc:sldMk cId="2335663946" sldId="286"/>
-            <ac:spMk id="8" creationId="{69D0678D-A3CB-1CA6-10D7-511CDE1CC9B8}"/>
+            <ac:spMk id="11" creationId="{FED2574D-6984-4E56-B512-D9093DAE028A}"/>
           </ac:spMkLst>
         </pc:spChg>
       </pc:sldChg>
-      <pc:sldChg chg="addSp modSp mod">
-        <pc:chgData name="Milan Cosson" userId="1b722937-9737-476f-bc2f-00e7be64c106" providerId="ADAL" clId="{875F30D1-5B82-4859-9C7D-640E2F15B2D5}" dt="2022-06-28T12:45:54.871" v="1947" actId="1036"/>
-        <pc:sldMkLst>
-          <pc:docMk/>
-          <pc:sldMk cId="131778213" sldId="287"/>
-        </pc:sldMkLst>
-        <pc:spChg chg="mod">
-          <ac:chgData name="Milan Cosson" userId="1b722937-9737-476f-bc2f-00e7be64c106" providerId="ADAL" clId="{875F30D1-5B82-4859-9C7D-640E2F15B2D5}" dt="2022-06-28T10:00:46.260" v="298" actId="313"/>
-          <ac:spMkLst>
-            <pc:docMk/>
-            <pc:sldMk cId="131778213" sldId="287"/>
-            <ac:spMk id="7" creationId="{D9B4A527-A86B-4756-8775-FA28C4786F3E}"/>
-          </ac:spMkLst>
-        </pc:spChg>
-        <pc:spChg chg="mod ord">
-          <ac:chgData name="Milan Cosson" userId="1b722937-9737-476f-bc2f-00e7be64c106" providerId="ADAL" clId="{875F30D1-5B82-4859-9C7D-640E2F15B2D5}" dt="2022-06-28T10:01:46.691" v="310" actId="115"/>
-          <ac:spMkLst>
-            <pc:docMk/>
-            <pc:sldMk cId="131778213" sldId="287"/>
-            <ac:spMk id="8" creationId="{FFCF2BB5-A92A-4145-BAC5-803B42C466A2}"/>
-          </ac:spMkLst>
-        </pc:spChg>
-        <pc:spChg chg="mod ord">
-          <ac:chgData name="Milan Cosson" userId="1b722937-9737-476f-bc2f-00e7be64c106" providerId="ADAL" clId="{875F30D1-5B82-4859-9C7D-640E2F15B2D5}" dt="2022-06-28T10:01:50.772" v="311" actId="115"/>
-          <ac:spMkLst>
-            <pc:docMk/>
-            <pc:sldMk cId="131778213" sldId="287"/>
-            <ac:spMk id="9" creationId="{EC8EA57A-F6C8-4630-A4E0-A7B9CB234556}"/>
-          </ac:spMkLst>
-        </pc:spChg>
-        <pc:spChg chg="mod ord">
-          <ac:chgData name="Milan Cosson" userId="1b722937-9737-476f-bc2f-00e7be64c106" providerId="ADAL" clId="{875F30D1-5B82-4859-9C7D-640E2F15B2D5}" dt="2022-06-28T10:01:55.501" v="312" actId="115"/>
-          <ac:spMkLst>
-            <pc:docMk/>
-            <pc:sldMk cId="131778213" sldId="287"/>
-            <ac:spMk id="10" creationId="{C8AE3A6A-C537-450E-A547-0EC6DD9F7A53}"/>
-          </ac:spMkLst>
-        </pc:spChg>
-        <pc:spChg chg="add mod">
-          <ac:chgData name="Milan Cosson" userId="1b722937-9737-476f-bc2f-00e7be64c106" providerId="ADAL" clId="{875F30D1-5B82-4859-9C7D-640E2F15B2D5}" dt="2022-06-28T12:45:23.527" v="1900"/>
-          <ac:spMkLst>
-            <pc:docMk/>
-            <pc:sldMk cId="131778213" sldId="287"/>
-            <ac:spMk id="17" creationId="{01041F6E-DED6-9330-7A99-694DB60E5175}"/>
-          </ac:spMkLst>
-        </pc:spChg>
-        <pc:spChg chg="add mod">
-          <ac:chgData name="Milan Cosson" userId="1b722937-9737-476f-bc2f-00e7be64c106" providerId="ADAL" clId="{875F30D1-5B82-4859-9C7D-640E2F15B2D5}" dt="2022-06-28T12:45:54.871" v="1947" actId="1036"/>
-          <ac:spMkLst>
-            <pc:docMk/>
-            <pc:sldMk cId="131778213" sldId="287"/>
-            <ac:spMk id="19" creationId="{C6DCB57B-0EC4-7855-7C59-F4A0AE91986F}"/>
-          </ac:spMkLst>
-        </pc:spChg>
-      </pc:sldChg>
-      <pc:sldChg chg="addSp delSp modSp mod">
-        <pc:chgData name="Milan Cosson" userId="1b722937-9737-476f-bc2f-00e7be64c106" providerId="ADAL" clId="{875F30D1-5B82-4859-9C7D-640E2F15B2D5}" dt="2022-06-28T12:45:42.841" v="1926" actId="1036"/>
-        <pc:sldMkLst>
-          <pc:docMk/>
-          <pc:sldMk cId="3725312375" sldId="288"/>
-        </pc:sldMkLst>
-        <pc:spChg chg="del">
-          <ac:chgData name="Milan Cosson" userId="1b722937-9737-476f-bc2f-00e7be64c106" providerId="ADAL" clId="{875F30D1-5B82-4859-9C7D-640E2F15B2D5}" dt="2022-06-28T10:27:21.112" v="1267" actId="478"/>
-          <ac:spMkLst>
-            <pc:docMk/>
-            <pc:sldMk cId="3725312375" sldId="288"/>
-            <ac:spMk id="13" creationId="{A4F2091A-6D5E-49D4-A23C-B34C523C9402}"/>
-          </ac:spMkLst>
-        </pc:spChg>
-        <pc:spChg chg="mod">
-          <ac:chgData name="Milan Cosson" userId="1b722937-9737-476f-bc2f-00e7be64c106" providerId="ADAL" clId="{875F30D1-5B82-4859-9C7D-640E2F15B2D5}" dt="2022-06-28T10:27:03.772" v="1266" actId="1076"/>
-          <ac:spMkLst>
-            <pc:docMk/>
-            <pc:sldMk cId="3725312375" sldId="288"/>
-            <ac:spMk id="14" creationId="{BCDE6401-7CA2-46E0-A131-0DD4A83894B1}"/>
-          </ac:spMkLst>
-        </pc:spChg>
-        <pc:spChg chg="add mod">
-          <ac:chgData name="Milan Cosson" userId="1b722937-9737-476f-bc2f-00e7be64c106" providerId="ADAL" clId="{875F30D1-5B82-4859-9C7D-640E2F15B2D5}" dt="2022-06-28T12:45:24.567" v="1901"/>
-          <ac:spMkLst>
-            <pc:docMk/>
-            <pc:sldMk cId="3725312375" sldId="288"/>
-            <ac:spMk id="20" creationId="{335D917F-75F6-40F4-677D-F8EFC60FE1F9}"/>
-          </ac:spMkLst>
-        </pc:spChg>
-        <pc:spChg chg="add mod">
-          <ac:chgData name="Milan Cosson" userId="1b722937-9737-476f-bc2f-00e7be64c106" providerId="ADAL" clId="{875F30D1-5B82-4859-9C7D-640E2F15B2D5}" dt="2022-06-28T12:45:42.841" v="1926" actId="1036"/>
-          <ac:spMkLst>
-            <pc:docMk/>
-            <pc:sldMk cId="3725312375" sldId="288"/>
-            <ac:spMk id="21" creationId="{96BE1D1C-AD3F-5129-5332-FD73DE38192F}"/>
-          </ac:spMkLst>
-        </pc:spChg>
-      </pc:sldChg>
-      <pc:sldChg chg="addSp delSp modSp mod">
-        <pc:chgData name="Milan Cosson" userId="1b722937-9737-476f-bc2f-00e7be64c106" providerId="ADAL" clId="{875F30D1-5B82-4859-9C7D-640E2F15B2D5}" dt="2022-06-28T13:29:45.641" v="3126" actId="20577"/>
+      <pc:sldChg chg="modSp">
+        <pc:chgData name="Wally PILLER" userId="e1c1cba4-6299-482b-91e7-ffd34a654594" providerId="ADAL" clId="{DFA9AA0A-EE88-4261-8C73-545A6F3FB253}" dt="2022-06-29T09:24:20.685" v="1"/>
         <pc:sldMkLst>
           <pc:docMk/>
           <pc:sldMk cId="713649784" sldId="289"/>
         </pc:sldMkLst>
-        <pc:spChg chg="del">
-          <ac:chgData name="Milan Cosson" userId="1b722937-9737-476f-bc2f-00e7be64c106" providerId="ADAL" clId="{875F30D1-5B82-4859-9C7D-640E2F15B2D5}" dt="2022-06-28T12:45:39.116" v="1908" actId="478"/>
-          <ac:spMkLst>
-            <pc:docMk/>
-            <pc:sldMk cId="713649784" sldId="289"/>
-            <ac:spMk id="5" creationId="{45E1DCC2-11CD-41F7-969A-E4566F5B1573}"/>
-          </ac:spMkLst>
-        </pc:spChg>
-        <pc:spChg chg="add mod">
-          <ac:chgData name="Milan Cosson" userId="1b722937-9737-476f-bc2f-00e7be64c106" providerId="ADAL" clId="{875F30D1-5B82-4859-9C7D-640E2F15B2D5}" dt="2022-06-28T12:45:26.170" v="1903"/>
-          <ac:spMkLst>
-            <pc:docMk/>
-            <pc:sldMk cId="713649784" sldId="289"/>
-            <ac:spMk id="8" creationId="{1B60BDA7-035E-6654-E329-A6DC08B81556}"/>
-          </ac:spMkLst>
-        </pc:spChg>
-        <pc:spChg chg="add del mod">
-          <ac:chgData name="Milan Cosson" userId="1b722937-9737-476f-bc2f-00e7be64c106" providerId="ADAL" clId="{875F30D1-5B82-4859-9C7D-640E2F15B2D5}" dt="2022-06-28T12:45:38.397" v="1907" actId="478"/>
-          <ac:spMkLst>
-            <pc:docMk/>
-            <pc:sldMk cId="713649784" sldId="289"/>
-            <ac:spMk id="9" creationId="{B8904A82-5348-1CF8-6659-3CA4E4DB9171}"/>
-          </ac:spMkLst>
-        </pc:spChg>
-        <pc:graphicFrameChg chg="mod modGraphic">
-          <ac:chgData name="Milan Cosson" userId="1b722937-9737-476f-bc2f-00e7be64c106" providerId="ADAL" clId="{875F30D1-5B82-4859-9C7D-640E2F15B2D5}" dt="2022-06-28T13:29:45.641" v="3126" actId="20577"/>
+        <pc:graphicFrameChg chg="mod">
+          <ac:chgData name="Wally PILLER" userId="e1c1cba4-6299-482b-91e7-ffd34a654594" providerId="ADAL" clId="{DFA9AA0A-EE88-4261-8C73-545A6F3FB253}" dt="2022-06-29T09:24:20.685" v="1"/>
           <ac:graphicFrameMkLst>
             <pc:docMk/>
             <pc:sldMk cId="713649784" sldId="289"/>
@@ -422,53 +232,14 @@
           </ac:graphicFrameMkLst>
         </pc:graphicFrameChg>
       </pc:sldChg>
-      <pc:sldChg chg="addSp modSp">
-        <pc:chgData name="Milan Cosson" userId="1b722937-9737-476f-bc2f-00e7be64c106" providerId="ADAL" clId="{875F30D1-5B82-4859-9C7D-640E2F15B2D5}" dt="2022-06-28T12:45:27.751" v="1905"/>
-        <pc:sldMkLst>
-          <pc:docMk/>
-          <pc:sldMk cId="441078789" sldId="290"/>
-        </pc:sldMkLst>
-        <pc:spChg chg="add mod">
-          <ac:chgData name="Milan Cosson" userId="1b722937-9737-476f-bc2f-00e7be64c106" providerId="ADAL" clId="{875F30D1-5B82-4859-9C7D-640E2F15B2D5}" dt="2022-06-28T12:45:27.751" v="1905"/>
-          <ac:spMkLst>
-            <pc:docMk/>
-            <pc:sldMk cId="441078789" sldId="290"/>
-            <ac:spMk id="4" creationId="{1690BB83-61BD-5DAF-A538-856B023060C3}"/>
-          </ac:spMkLst>
-        </pc:spChg>
-        <pc:spChg chg="add mod">
-          <ac:chgData name="Milan Cosson" userId="1b722937-9737-476f-bc2f-00e7be64c106" providerId="ADAL" clId="{875F30D1-5B82-4859-9C7D-640E2F15B2D5}" dt="2022-06-28T12:45:27.751" v="1905"/>
-          <ac:spMkLst>
-            <pc:docMk/>
-            <pc:sldMk cId="441078789" sldId="290"/>
-            <ac:spMk id="6" creationId="{B8E7911D-186C-0D5A-75AD-5E206CA5D7F4}"/>
-          </ac:spMkLst>
-        </pc:spChg>
-      </pc:sldChg>
-      <pc:sldChg chg="addSp modSp mod">
-        <pc:chgData name="Milan Cosson" userId="1b722937-9737-476f-bc2f-00e7be64c106" providerId="ADAL" clId="{875F30D1-5B82-4859-9C7D-640E2F15B2D5}" dt="2022-06-28T12:46:20.563" v="2013" actId="1036"/>
+      <pc:sldChg chg="modSp mod">
+        <pc:chgData name="Wally PILLER" userId="e1c1cba4-6299-482b-91e7-ffd34a654594" providerId="ADAL" clId="{DFA9AA0A-EE88-4261-8C73-545A6F3FB253}" dt="2022-06-29T09:34:08.544" v="33" actId="20577"/>
         <pc:sldMkLst>
           <pc:docMk/>
           <pc:sldMk cId="1502825947" sldId="291"/>
         </pc:sldMkLst>
-        <pc:spChg chg="add mod">
-          <ac:chgData name="Milan Cosson" userId="1b722937-9737-476f-bc2f-00e7be64c106" providerId="ADAL" clId="{875F30D1-5B82-4859-9C7D-640E2F15B2D5}" dt="2022-06-28T12:45:17.929" v="1894"/>
-          <ac:spMkLst>
-            <pc:docMk/>
-            <pc:sldMk cId="1502825947" sldId="291"/>
-            <ac:spMk id="11" creationId="{A90159E4-50E6-BA74-C4F4-408F343E7A0A}"/>
-          </ac:spMkLst>
-        </pc:spChg>
-        <pc:spChg chg="add mod">
-          <ac:chgData name="Milan Cosson" userId="1b722937-9737-476f-bc2f-00e7be64c106" providerId="ADAL" clId="{875F30D1-5B82-4859-9C7D-640E2F15B2D5}" dt="2022-06-28T12:46:20.563" v="2013" actId="1036"/>
-          <ac:spMkLst>
-            <pc:docMk/>
-            <pc:sldMk cId="1502825947" sldId="291"/>
-            <ac:spMk id="12" creationId="{76C062DC-18FB-1947-2E61-E8B3AE489BFF}"/>
-          </ac:spMkLst>
-        </pc:spChg>
         <pc:spChg chg="mod">
-          <ac:chgData name="Milan Cosson" userId="1b722937-9737-476f-bc2f-00e7be64c106" providerId="ADAL" clId="{875F30D1-5B82-4859-9C7D-640E2F15B2D5}" dt="2022-06-28T12:18:05.293" v="1401" actId="20577"/>
+          <ac:chgData name="Wally PILLER" userId="e1c1cba4-6299-482b-91e7-ffd34a654594" providerId="ADAL" clId="{DFA9AA0A-EE88-4261-8C73-545A6F3FB253}" dt="2022-06-29T09:34:08.544" v="33" actId="20577"/>
           <ac:spMkLst>
             <pc:docMk/>
             <pc:sldMk cId="1502825947" sldId="291"/>
@@ -477,76 +248,180 @@
         </pc:spChg>
       </pc:sldChg>
       <pc:sldChg chg="addSp delSp modSp mod">
-        <pc:chgData name="Milan Cosson" userId="1b722937-9737-476f-bc2f-00e7be64c106" providerId="ADAL" clId="{875F30D1-5B82-4859-9C7D-640E2F15B2D5}" dt="2022-06-28T12:46:02.575" v="1961" actId="1036"/>
+        <pc:chgData name="Wally PILLER" userId="e1c1cba4-6299-482b-91e7-ffd34a654594" providerId="ADAL" clId="{DFA9AA0A-EE88-4261-8C73-545A6F3FB253}" dt="2022-06-29T10:10:19.547" v="866" actId="1076"/>
         <pc:sldMkLst>
           <pc:docMk/>
           <pc:sldMk cId="3215453978" sldId="292"/>
         </pc:sldMkLst>
-        <pc:spChg chg="add mod">
-          <ac:chgData name="Milan Cosson" userId="1b722937-9737-476f-bc2f-00e7be64c106" providerId="ADAL" clId="{875F30D1-5B82-4859-9C7D-640E2F15B2D5}" dt="2022-06-28T12:32:39.718" v="1552" actId="14100"/>
+        <pc:spChg chg="mod">
+          <ac:chgData name="Wally PILLER" userId="e1c1cba4-6299-482b-91e7-ffd34a654594" providerId="ADAL" clId="{DFA9AA0A-EE88-4261-8C73-545A6F3FB253}" dt="2022-06-29T10:10:19.547" v="866" actId="1076"/>
           <ac:spMkLst>
             <pc:docMk/>
             <pc:sldMk cId="3215453978" sldId="292"/>
-            <ac:spMk id="20" creationId="{C03ECC7D-53D6-C757-3BF6-BC25C2727666}"/>
+            <ac:spMk id="11" creationId="{6DC45A7B-7BFC-4642-8DD1-B4A6D781A216}"/>
           </ac:spMkLst>
         </pc:spChg>
-        <pc:spChg chg="add mod">
-          <ac:chgData name="Milan Cosson" userId="1b722937-9737-476f-bc2f-00e7be64c106" providerId="ADAL" clId="{875F30D1-5B82-4859-9C7D-640E2F15B2D5}" dt="2022-06-28T12:45:21.775" v="1898"/>
+        <pc:spChg chg="mod">
+          <ac:chgData name="Wally PILLER" userId="e1c1cba4-6299-482b-91e7-ffd34a654594" providerId="ADAL" clId="{DFA9AA0A-EE88-4261-8C73-545A6F3FB253}" dt="2022-06-29T10:09:34.745" v="826" actId="1036"/>
           <ac:spMkLst>
             <pc:docMk/>
             <pc:sldMk cId="3215453978" sldId="292"/>
-            <ac:spMk id="21" creationId="{6F16BA3C-0A8A-87F6-2ADF-3A610FE54004}"/>
+            <ac:spMk id="17" creationId="{0C43F8B6-2C0F-4FE0-B057-C5BBAC6005C9}"/>
           </ac:spMkLst>
         </pc:spChg>
         <pc:spChg chg="mod">
-          <ac:chgData name="Milan Cosson" userId="1b722937-9737-476f-bc2f-00e7be64c106" providerId="ADAL" clId="{875F30D1-5B82-4859-9C7D-640E2F15B2D5}" dt="2022-06-28T12:33:40.916" v="1557" actId="3064"/>
+          <ac:chgData name="Wally PILLER" userId="e1c1cba4-6299-482b-91e7-ffd34a654594" providerId="ADAL" clId="{DFA9AA0A-EE88-4261-8C73-545A6F3FB253}" dt="2022-06-29T10:09:32.028" v="816" actId="1036"/>
+          <ac:spMkLst>
+            <pc:docMk/>
+            <pc:sldMk cId="3215453978" sldId="292"/>
+            <ac:spMk id="19" creationId="{902C1127-3574-44E3-A3C3-163258CD6D38}"/>
+          </ac:spMkLst>
+        </pc:spChg>
+        <pc:spChg chg="mod">
+          <ac:chgData name="Wally PILLER" userId="e1c1cba4-6299-482b-91e7-ffd34a654594" providerId="ADAL" clId="{DFA9AA0A-EE88-4261-8C73-545A6F3FB253}" dt="2022-06-29T10:09:24.067" v="781" actId="1036"/>
+          <ac:spMkLst>
+            <pc:docMk/>
+            <pc:sldMk cId="3215453978" sldId="292"/>
+            <ac:spMk id="22" creationId="{A0759AA1-226B-4F0F-B9DA-DA9B8AA11E05}"/>
+          </ac:spMkLst>
+        </pc:spChg>
+        <pc:spChg chg="mod">
+          <ac:chgData name="Wally PILLER" userId="e1c1cba4-6299-482b-91e7-ffd34a654594" providerId="ADAL" clId="{DFA9AA0A-EE88-4261-8C73-545A6F3FB253}" dt="2022-06-29T10:09:19.883" v="758" actId="1036"/>
           <ac:spMkLst>
             <pc:docMk/>
             <pc:sldMk cId="3215453978" sldId="292"/>
             <ac:spMk id="23" creationId="{60F957CA-DD4C-409F-955B-5E6481F3A4AC}"/>
           </ac:spMkLst>
         </pc:spChg>
-        <pc:spChg chg="add mod">
-          <ac:chgData name="Milan Cosson" userId="1b722937-9737-476f-bc2f-00e7be64c106" providerId="ADAL" clId="{875F30D1-5B82-4859-9C7D-640E2F15B2D5}" dt="2022-06-28T12:46:02.575" v="1961" actId="1036"/>
+        <pc:spChg chg="mod">
+          <ac:chgData name="Wally PILLER" userId="e1c1cba4-6299-482b-91e7-ffd34a654594" providerId="ADAL" clId="{DFA9AA0A-EE88-4261-8C73-545A6F3FB253}" dt="2022-06-29T10:09:42.628" v="840" actId="1036"/>
           <ac:spMkLst>
             <pc:docMk/>
             <pc:sldMk cId="3215453978" sldId="292"/>
-            <ac:spMk id="26" creationId="{7FFEC344-73B8-DA8F-5435-E14BF3488E46}"/>
+            <ac:spMk id="24" creationId="{8B8AE09C-0D6F-4497-B219-E6C39009F89E}"/>
+          </ac:spMkLst>
+        </pc:spChg>
+        <pc:spChg chg="mod">
+          <ac:chgData name="Wally PILLER" userId="e1c1cba4-6299-482b-91e7-ffd34a654594" providerId="ADAL" clId="{DFA9AA0A-EE88-4261-8C73-545A6F3FB253}" dt="2022-06-29T10:09:10.173" v="685" actId="1035"/>
+          <ac:spMkLst>
+            <pc:docMk/>
+            <pc:sldMk cId="3215453978" sldId="292"/>
+            <ac:spMk id="25" creationId="{A471EC61-E0F7-4167-ADB5-4AEBB8678A51}"/>
           </ac:spMkLst>
         </pc:spChg>
         <pc:spChg chg="del">
-          <ac:chgData name="Milan Cosson" userId="1b722937-9737-476f-bc2f-00e7be64c106" providerId="ADAL" clId="{875F30D1-5B82-4859-9C7D-640E2F15B2D5}" dt="2022-06-28T12:32:22.585" v="1418" actId="478"/>
+          <ac:chgData name="Wally PILLER" userId="e1c1cba4-6299-482b-91e7-ffd34a654594" providerId="ADAL" clId="{DFA9AA0A-EE88-4261-8C73-545A6F3FB253}" dt="2022-06-29T09:46:30.164" v="52" actId="478"/>
           <ac:spMkLst>
             <pc:docMk/>
             <pc:sldMk cId="3215453978" sldId="292"/>
-            <ac:spMk id="28" creationId="{C83F7C4A-1602-47DC-66B6-E24B28D6031E}"/>
+            <ac:spMk id="26" creationId="{992E5EC1-0362-45EE-89F2-08F93F255E19}"/>
+          </ac:spMkLst>
+        </pc:spChg>
+        <pc:spChg chg="add mod">
+          <ac:chgData name="Wally PILLER" userId="e1c1cba4-6299-482b-91e7-ffd34a654594" providerId="ADAL" clId="{DFA9AA0A-EE88-4261-8C73-545A6F3FB253}" dt="2022-06-29T10:06:32.403" v="153" actId="1076"/>
+          <ac:spMkLst>
+            <pc:docMk/>
+            <pc:sldMk cId="3215453978" sldId="292"/>
+            <ac:spMk id="27" creationId="{A5593142-B0A9-0322-4DCF-14192E048E25}"/>
+          </ac:spMkLst>
+        </pc:spChg>
+        <pc:spChg chg="mod">
+          <ac:chgData name="Wally PILLER" userId="e1c1cba4-6299-482b-91e7-ffd34a654594" providerId="ADAL" clId="{DFA9AA0A-EE88-4261-8C73-545A6F3FB253}" dt="2022-06-29T10:09:57.123" v="865" actId="1036"/>
+          <ac:spMkLst>
+            <pc:docMk/>
+            <pc:sldMk cId="3215453978" sldId="292"/>
+            <ac:spMk id="30" creationId="{52F75EB6-A896-3509-50F5-319D90E7E92F}"/>
+          </ac:spMkLst>
+        </pc:spChg>
+        <pc:spChg chg="mod">
+          <ac:chgData name="Wally PILLER" userId="e1c1cba4-6299-482b-91e7-ffd34a654594" providerId="ADAL" clId="{DFA9AA0A-EE88-4261-8C73-545A6F3FB253}" dt="2022-06-29T10:09:52.214" v="859" actId="1036"/>
+          <ac:spMkLst>
+            <pc:docMk/>
+            <pc:sldMk cId="3215453978" sldId="292"/>
+            <ac:spMk id="31" creationId="{B9045B55-AE7F-278A-9552-D0651213E8D1}"/>
+          </ac:spMkLst>
+        </pc:spChg>
+        <pc:spChg chg="mod">
+          <ac:chgData name="Wally PILLER" userId="e1c1cba4-6299-482b-91e7-ffd34a654594" providerId="ADAL" clId="{DFA9AA0A-EE88-4261-8C73-545A6F3FB253}" dt="2022-06-29T10:06:18.259" v="151" actId="1076"/>
+          <ac:spMkLst>
+            <pc:docMk/>
+            <pc:sldMk cId="3215453978" sldId="292"/>
+            <ac:spMk id="32" creationId="{BCC650CD-4277-30FF-1209-171D0CDF1FA6}"/>
+          </ac:spMkLst>
+        </pc:spChg>
+        <pc:spChg chg="del mod">
+          <ac:chgData name="Wally PILLER" userId="e1c1cba4-6299-482b-91e7-ffd34a654594" providerId="ADAL" clId="{DFA9AA0A-EE88-4261-8C73-545A6F3FB253}" dt="2022-06-29T10:06:03.518" v="150" actId="478"/>
+          <ac:spMkLst>
+            <pc:docMk/>
+            <pc:sldMk cId="3215453978" sldId="292"/>
+            <ac:spMk id="34" creationId="{6F0E7304-2D6E-543F-7280-78DD5B3644F1}"/>
+          </ac:spMkLst>
+        </pc:spChg>
+        <pc:spChg chg="del mod">
+          <ac:chgData name="Wally PILLER" userId="e1c1cba4-6299-482b-91e7-ffd34a654594" providerId="ADAL" clId="{DFA9AA0A-EE88-4261-8C73-545A6F3FB253}" dt="2022-06-29T10:06:03.518" v="150" actId="478"/>
+          <ac:spMkLst>
+            <pc:docMk/>
+            <pc:sldMk cId="3215453978" sldId="292"/>
+            <ac:spMk id="35" creationId="{466540E6-8C9A-D38B-240A-DA388B137182}"/>
+          </ac:spMkLst>
+        </pc:spChg>
+        <pc:spChg chg="del mod">
+          <ac:chgData name="Wally PILLER" userId="e1c1cba4-6299-482b-91e7-ffd34a654594" providerId="ADAL" clId="{DFA9AA0A-EE88-4261-8C73-545A6F3FB253}" dt="2022-06-29T10:06:03.518" v="150" actId="478"/>
+          <ac:spMkLst>
+            <pc:docMk/>
+            <pc:sldMk cId="3215453978" sldId="292"/>
+            <ac:spMk id="36" creationId="{EDFDD023-1B58-AEEC-57A4-9FA73241504A}"/>
+          </ac:spMkLst>
+        </pc:spChg>
+        <pc:spChg chg="del mod">
+          <ac:chgData name="Wally PILLER" userId="e1c1cba4-6299-482b-91e7-ffd34a654594" providerId="ADAL" clId="{DFA9AA0A-EE88-4261-8C73-545A6F3FB253}" dt="2022-06-29T10:06:03.518" v="150" actId="478"/>
+          <ac:spMkLst>
+            <pc:docMk/>
+            <pc:sldMk cId="3215453978" sldId="292"/>
+            <ac:spMk id="37" creationId="{5EAF19C5-E029-C08B-078A-5B837CCC6A17}"/>
+          </ac:spMkLst>
+        </pc:spChg>
+        <pc:spChg chg="del mod">
+          <ac:chgData name="Wally PILLER" userId="e1c1cba4-6299-482b-91e7-ffd34a654594" providerId="ADAL" clId="{DFA9AA0A-EE88-4261-8C73-545A6F3FB253}" dt="2022-06-29T10:06:03.518" v="150" actId="478"/>
+          <ac:spMkLst>
+            <pc:docMk/>
+            <pc:sldMk cId="3215453978" sldId="292"/>
+            <ac:spMk id="38" creationId="{792C6920-B699-13FD-147A-69FC73EAD0EC}"/>
+          </ac:spMkLst>
+        </pc:spChg>
+        <pc:spChg chg="del mod">
+          <ac:chgData name="Wally PILLER" userId="e1c1cba4-6299-482b-91e7-ffd34a654594" providerId="ADAL" clId="{DFA9AA0A-EE88-4261-8C73-545A6F3FB253}" dt="2022-06-29T10:06:03.518" v="150" actId="478"/>
+          <ac:spMkLst>
+            <pc:docMk/>
+            <pc:sldMk cId="3215453978" sldId="292"/>
+            <ac:spMk id="39" creationId="{695F9341-1EBD-9EAA-2853-C5B4A8FBEE26}"/>
+          </ac:spMkLst>
+        </pc:spChg>
+        <pc:spChg chg="del mod">
+          <ac:chgData name="Wally PILLER" userId="e1c1cba4-6299-482b-91e7-ffd34a654594" providerId="ADAL" clId="{DFA9AA0A-EE88-4261-8C73-545A6F3FB253}" dt="2022-06-29T10:06:03.518" v="150" actId="478"/>
+          <ac:spMkLst>
+            <pc:docMk/>
+            <pc:sldMk cId="3215453978" sldId="292"/>
+            <ac:spMk id="40" creationId="{3C7BE1F2-6E4B-F6C4-E750-5E050CBDB8AA}"/>
+          </ac:spMkLst>
+        </pc:spChg>
+        <pc:spChg chg="del mod">
+          <ac:chgData name="Wally PILLER" userId="e1c1cba4-6299-482b-91e7-ffd34a654594" providerId="ADAL" clId="{DFA9AA0A-EE88-4261-8C73-545A6F3FB253}" dt="2022-06-29T10:06:03.518" v="150" actId="478"/>
+          <ac:spMkLst>
+            <pc:docMk/>
+            <pc:sldMk cId="3215453978" sldId="292"/>
+            <ac:spMk id="41" creationId="{B8A087D0-376D-A0D0-A731-494978CD0F2D}"/>
           </ac:spMkLst>
         </pc:spChg>
       </pc:sldChg>
-      <pc:sldChg chg="addSp modSp mod">
-        <pc:chgData name="Milan Cosson" userId="1b722937-9737-476f-bc2f-00e7be64c106" providerId="ADAL" clId="{875F30D1-5B82-4859-9C7D-640E2F15B2D5}" dt="2022-06-28T13:25:04.838" v="2537" actId="20577"/>
+      <pc:sldChg chg="modSp mod">
+        <pc:chgData name="Wally PILLER" userId="e1c1cba4-6299-482b-91e7-ffd34a654594" providerId="ADAL" clId="{DFA9AA0A-EE88-4261-8C73-545A6F3FB253}" dt="2022-06-29T09:44:07.051" v="50" actId="313"/>
         <pc:sldMkLst>
           <pc:docMk/>
           <pc:sldMk cId="2416999927" sldId="294"/>
         </pc:sldMkLst>
-        <pc:spChg chg="add mod">
-          <ac:chgData name="Milan Cosson" userId="1b722937-9737-476f-bc2f-00e7be64c106" providerId="ADAL" clId="{875F30D1-5B82-4859-9C7D-640E2F15B2D5}" dt="2022-06-28T12:45:20.118" v="1896"/>
-          <ac:spMkLst>
-            <pc:docMk/>
-            <pc:sldMk cId="2416999927" sldId="294"/>
-            <ac:spMk id="7" creationId="{F200C202-FC2E-B640-95E1-066B9315974F}"/>
-          </ac:spMkLst>
-        </pc:spChg>
-        <pc:spChg chg="add mod">
-          <ac:chgData name="Milan Cosson" userId="1b722937-9737-476f-bc2f-00e7be64c106" providerId="ADAL" clId="{875F30D1-5B82-4859-9C7D-640E2F15B2D5}" dt="2022-06-28T12:46:12.724" v="1989" actId="1036"/>
-          <ac:spMkLst>
-            <pc:docMk/>
-            <pc:sldMk cId="2416999927" sldId="294"/>
-            <ac:spMk id="8" creationId="{372CE07A-FFFD-4F75-1C08-25AC6DAD2B88}"/>
-          </ac:spMkLst>
-        </pc:spChg>
         <pc:spChg chg="mod">
-          <ac:chgData name="Milan Cosson" userId="1b722937-9737-476f-bc2f-00e7be64c106" providerId="ADAL" clId="{875F30D1-5B82-4859-9C7D-640E2F15B2D5}" dt="2022-06-28T13:25:04.838" v="2537" actId="20577"/>
+          <ac:chgData name="Wally PILLER" userId="e1c1cba4-6299-482b-91e7-ffd34a654594" providerId="ADAL" clId="{DFA9AA0A-EE88-4261-8C73-545A6F3FB253}" dt="2022-06-29T09:44:07.051" v="50" actId="313"/>
           <ac:spMkLst>
             <pc:docMk/>
             <pc:sldMk cId="2416999927" sldId="294"/>
@@ -554,149 +429,14 @@
           </ac:spMkLst>
         </pc:spChg>
       </pc:sldChg>
-      <pc:sldChg chg="addSp modSp mod">
-        <pc:chgData name="Milan Cosson" userId="1b722937-9737-476f-bc2f-00e7be64c106" providerId="ADAL" clId="{875F30D1-5B82-4859-9C7D-640E2F15B2D5}" dt="2022-06-28T12:45:52.432" v="1938" actId="1036"/>
-        <pc:sldMkLst>
-          <pc:docMk/>
-          <pc:sldMk cId="1551785400" sldId="295"/>
-        </pc:sldMkLst>
-        <pc:spChg chg="mod">
-          <ac:chgData name="Milan Cosson" userId="1b722937-9737-476f-bc2f-00e7be64c106" providerId="ADAL" clId="{875F30D1-5B82-4859-9C7D-640E2F15B2D5}" dt="2022-06-28T10:28:33.155" v="1324" actId="20577"/>
-          <ac:spMkLst>
-            <pc:docMk/>
-            <pc:sldMk cId="1551785400" sldId="295"/>
-            <ac:spMk id="5" creationId="{D0ED12C2-7003-44D9-A2FB-4B2BA1F366F5}"/>
-          </ac:spMkLst>
-        </pc:spChg>
-        <pc:spChg chg="mod">
-          <ac:chgData name="Milan Cosson" userId="1b722937-9737-476f-bc2f-00e7be64c106" providerId="ADAL" clId="{875F30D1-5B82-4859-9C7D-640E2F15B2D5}" dt="2022-06-28T10:00:49.528" v="299"/>
-          <ac:spMkLst>
-            <pc:docMk/>
-            <pc:sldMk cId="1551785400" sldId="295"/>
-            <ac:spMk id="7" creationId="{D9B4A527-A86B-4756-8775-FA28C4786F3E}"/>
-          </ac:spMkLst>
-        </pc:spChg>
-        <pc:spChg chg="mod ord">
-          <ac:chgData name="Milan Cosson" userId="1b722937-9737-476f-bc2f-00e7be64c106" providerId="ADAL" clId="{875F30D1-5B82-4859-9C7D-640E2F15B2D5}" dt="2022-06-28T10:02:35.368" v="320" actId="1076"/>
-          <ac:spMkLst>
-            <pc:docMk/>
-            <pc:sldMk cId="1551785400" sldId="295"/>
-            <ac:spMk id="8" creationId="{FFCF2BB5-A92A-4145-BAC5-803B42C466A2}"/>
-          </ac:spMkLst>
-        </pc:spChg>
-        <pc:spChg chg="mod ord">
-          <ac:chgData name="Milan Cosson" userId="1b722937-9737-476f-bc2f-00e7be64c106" providerId="ADAL" clId="{875F30D1-5B82-4859-9C7D-640E2F15B2D5}" dt="2022-06-28T10:03:00.240" v="325" actId="108"/>
-          <ac:spMkLst>
-            <pc:docMk/>
-            <pc:sldMk cId="1551785400" sldId="295"/>
-            <ac:spMk id="9" creationId="{EC8EA57A-F6C8-4630-A4E0-A7B9CB234556}"/>
-          </ac:spMkLst>
-        </pc:spChg>
-        <pc:spChg chg="mod ord">
-          <ac:chgData name="Milan Cosson" userId="1b722937-9737-476f-bc2f-00e7be64c106" providerId="ADAL" clId="{875F30D1-5B82-4859-9C7D-640E2F15B2D5}" dt="2022-06-28T10:02:50.630" v="324" actId="113"/>
-          <ac:spMkLst>
-            <pc:docMk/>
-            <pc:sldMk cId="1551785400" sldId="295"/>
-            <ac:spMk id="10" creationId="{C8AE3A6A-C537-450E-A547-0EC6DD9F7A53}"/>
-          </ac:spMkLst>
-        </pc:spChg>
-        <pc:spChg chg="ord">
-          <ac:chgData name="Milan Cosson" userId="1b722937-9737-476f-bc2f-00e7be64c106" providerId="ADAL" clId="{875F30D1-5B82-4859-9C7D-640E2F15B2D5}" dt="2022-06-28T12:45:47.502" v="1927" actId="167"/>
-          <ac:spMkLst>
-            <pc:docMk/>
-            <pc:sldMk cId="1551785400" sldId="295"/>
-            <ac:spMk id="11" creationId="{62E64A7A-B241-457F-85AF-644F9663089B}"/>
-          </ac:spMkLst>
-        </pc:spChg>
-        <pc:spChg chg="add mod">
-          <ac:chgData name="Milan Cosson" userId="1b722937-9737-476f-bc2f-00e7be64c106" providerId="ADAL" clId="{875F30D1-5B82-4859-9C7D-640E2F15B2D5}" dt="2022-06-28T12:45:25.384" v="1902"/>
-          <ac:spMkLst>
-            <pc:docMk/>
-            <pc:sldMk cId="1551785400" sldId="295"/>
-            <ac:spMk id="19" creationId="{0FB6940C-6599-69E9-7B96-674153F0E544}"/>
-          </ac:spMkLst>
-        </pc:spChg>
-        <pc:spChg chg="add mod">
-          <ac:chgData name="Milan Cosson" userId="1b722937-9737-476f-bc2f-00e7be64c106" providerId="ADAL" clId="{875F30D1-5B82-4859-9C7D-640E2F15B2D5}" dt="2022-06-28T12:45:52.432" v="1938" actId="1036"/>
-          <ac:spMkLst>
-            <pc:docMk/>
-            <pc:sldMk cId="1551785400" sldId="295"/>
-            <ac:spMk id="20" creationId="{15756703-65DF-74A5-C519-581A40983479}"/>
-          </ac:spMkLst>
-        </pc:spChg>
-        <pc:spChg chg="mod">
-          <ac:chgData name="Milan Cosson" userId="1b722937-9737-476f-bc2f-00e7be64c106" providerId="ADAL" clId="{875F30D1-5B82-4859-9C7D-640E2F15B2D5}" dt="2022-06-28T10:03:37.386" v="333" actId="14100"/>
-          <ac:spMkLst>
-            <pc:docMk/>
-            <pc:sldMk cId="1551785400" sldId="295"/>
-            <ac:spMk id="39" creationId="{24D170D4-46F4-43FE-B0B4-2763010FA847}"/>
-          </ac:spMkLst>
-        </pc:spChg>
-        <pc:spChg chg="mod">
-          <ac:chgData name="Milan Cosson" userId="1b722937-9737-476f-bc2f-00e7be64c106" providerId="ADAL" clId="{875F30D1-5B82-4859-9C7D-640E2F15B2D5}" dt="2022-06-28T10:03:31.923" v="331" actId="1076"/>
-          <ac:spMkLst>
-            <pc:docMk/>
-            <pc:sldMk cId="1551785400" sldId="295"/>
-            <ac:spMk id="41" creationId="{D9808083-2602-4381-B2C0-93B66238FCB8}"/>
-          </ac:spMkLst>
-        </pc:spChg>
-        <pc:spChg chg="mod">
-          <ac:chgData name="Milan Cosson" userId="1b722937-9737-476f-bc2f-00e7be64c106" providerId="ADAL" clId="{875F30D1-5B82-4859-9C7D-640E2F15B2D5}" dt="2022-06-28T10:03:44.108" v="335" actId="14100"/>
-          <ac:spMkLst>
-            <pc:docMk/>
-            <pc:sldMk cId="1551785400" sldId="295"/>
-            <ac:spMk id="67" creationId="{54856FA3-20DE-4C1E-8670-977050ABC5CF}"/>
-          </ac:spMkLst>
-        </pc:spChg>
-      </pc:sldChg>
-      <pc:sldChg chg="addSp delSp modSp mod">
-        <pc:chgData name="Milan Cosson" userId="1b722937-9737-476f-bc2f-00e7be64c106" providerId="ADAL" clId="{875F30D1-5B82-4859-9C7D-640E2F15B2D5}" dt="2022-06-28T12:45:36.910" v="1906" actId="478"/>
+      <pc:sldChg chg="modSp">
+        <pc:chgData name="Wally PILLER" userId="e1c1cba4-6299-482b-91e7-ffd34a654594" providerId="ADAL" clId="{DFA9AA0A-EE88-4261-8C73-545A6F3FB253}" dt="2022-06-29T09:25:11.798" v="5"/>
         <pc:sldMkLst>
           <pc:docMk/>
           <pc:sldMk cId="3358940979" sldId="296"/>
         </pc:sldMkLst>
-        <pc:spChg chg="del">
-          <ac:chgData name="Milan Cosson" userId="1b722937-9737-476f-bc2f-00e7be64c106" providerId="ADAL" clId="{875F30D1-5B82-4859-9C7D-640E2F15B2D5}" dt="2022-06-28T12:35:45.117" v="1733" actId="478"/>
-          <ac:spMkLst>
-            <pc:docMk/>
-            <pc:sldMk cId="3358940979" sldId="296"/>
-            <ac:spMk id="5" creationId="{45E1DCC2-11CD-41F7-969A-E4566F5B1573}"/>
-          </ac:spMkLst>
-        </pc:spChg>
-        <pc:spChg chg="ord">
-          <ac:chgData name="Milan Cosson" userId="1b722937-9737-476f-bc2f-00e7be64c106" providerId="ADAL" clId="{875F30D1-5B82-4859-9C7D-640E2F15B2D5}" dt="2022-06-28T10:04:55.317" v="344" actId="166"/>
-          <ac:spMkLst>
-            <pc:docMk/>
-            <pc:sldMk cId="3358940979" sldId="296"/>
-            <ac:spMk id="6" creationId="{D1EA6C15-C1C4-4A82-BC93-5F15BEC19581}"/>
-          </ac:spMkLst>
-        </pc:spChg>
-        <pc:spChg chg="ord">
-          <ac:chgData name="Milan Cosson" userId="1b722937-9737-476f-bc2f-00e7be64c106" providerId="ADAL" clId="{875F30D1-5B82-4859-9C7D-640E2F15B2D5}" dt="2022-06-28T10:04:55.317" v="344" actId="166"/>
-          <ac:spMkLst>
-            <pc:docMk/>
-            <pc:sldMk cId="3358940979" sldId="296"/>
-            <ac:spMk id="7" creationId="{88144A7C-A317-4A1A-AD52-95875AF24439}"/>
-          </ac:spMkLst>
-        </pc:spChg>
-        <pc:spChg chg="add mod">
-          <ac:chgData name="Milan Cosson" userId="1b722937-9737-476f-bc2f-00e7be64c106" providerId="ADAL" clId="{875F30D1-5B82-4859-9C7D-640E2F15B2D5}" dt="2022-06-28T12:45:26.950" v="1904"/>
-          <ac:spMkLst>
-            <pc:docMk/>
-            <pc:sldMk cId="3358940979" sldId="296"/>
-            <ac:spMk id="8" creationId="{B997FA41-CFCA-6D4C-BFDB-7D06B6C376D8}"/>
-          </ac:spMkLst>
-        </pc:spChg>
-        <pc:spChg chg="add del mod">
-          <ac:chgData name="Milan Cosson" userId="1b722937-9737-476f-bc2f-00e7be64c106" providerId="ADAL" clId="{875F30D1-5B82-4859-9C7D-640E2F15B2D5}" dt="2022-06-28T12:45:36.910" v="1906" actId="478"/>
-          <ac:spMkLst>
-            <pc:docMk/>
-            <pc:sldMk cId="3358940979" sldId="296"/>
-            <ac:spMk id="10" creationId="{0C3F2CF6-5597-7887-E9FF-B7BBA700944E}"/>
-          </ac:spMkLst>
-        </pc:spChg>
-        <pc:graphicFrameChg chg="mod ord modGraphic">
-          <ac:chgData name="Milan Cosson" userId="1b722937-9737-476f-bc2f-00e7be64c106" providerId="ADAL" clId="{875F30D1-5B82-4859-9C7D-640E2F15B2D5}" dt="2022-06-28T12:35:33.361" v="1732" actId="20577"/>
+        <pc:graphicFrameChg chg="mod">
+          <ac:chgData name="Wally PILLER" userId="e1c1cba4-6299-482b-91e7-ffd34a654594" providerId="ADAL" clId="{DFA9AA0A-EE88-4261-8C73-545A6F3FB253}" dt="2022-06-29T09:25:11.798" v="5"/>
           <ac:graphicFrameMkLst>
             <pc:docMk/>
             <pc:sldMk cId="3358940979" sldId="296"/>
@@ -704,95 +444,84 @@
           </ac:graphicFrameMkLst>
         </pc:graphicFrameChg>
       </pc:sldChg>
-      <pc:sldChg chg="addSp modSp mod">
-        <pc:chgData name="Milan Cosson" userId="1b722937-9737-476f-bc2f-00e7be64c106" providerId="ADAL" clId="{875F30D1-5B82-4859-9C7D-640E2F15B2D5}" dt="2022-06-28T12:45:59.318" v="1954" actId="1036"/>
+      <pc:sldChg chg="new del">
+        <pc:chgData name="Wally PILLER" userId="e1c1cba4-6299-482b-91e7-ffd34a654594" providerId="ADAL" clId="{DFA9AA0A-EE88-4261-8C73-545A6F3FB253}" dt="2022-06-29T10:05:15.960" v="54" actId="47"/>
         <pc:sldMkLst>
           <pc:docMk/>
-          <pc:sldMk cId="2926139847" sldId="297"/>
+          <pc:sldMk cId="2461135488" sldId="297"/>
+        </pc:sldMkLst>
+      </pc:sldChg>
+      <pc:sldChg chg="addSp modSp new mod">
+        <pc:chgData name="Wally PILLER" userId="e1c1cba4-6299-482b-91e7-ffd34a654594" providerId="ADAL" clId="{DFA9AA0A-EE88-4261-8C73-545A6F3FB253}" dt="2022-06-29T10:08:39.879" v="650" actId="1035"/>
+        <pc:sldMkLst>
+          <pc:docMk/>
+          <pc:sldMk cId="3121533281" sldId="297"/>
         </pc:sldMkLst>
         <pc:spChg chg="add mod">
-          <ac:chgData name="Milan Cosson" userId="1b722937-9737-476f-bc2f-00e7be64c106" providerId="ADAL" clId="{875F30D1-5B82-4859-9C7D-640E2F15B2D5}" dt="2022-06-28T12:45:22.662" v="1899"/>
+          <ac:chgData name="Wally PILLER" userId="e1c1cba4-6299-482b-91e7-ffd34a654594" providerId="ADAL" clId="{DFA9AA0A-EE88-4261-8C73-545A6F3FB253}" dt="2022-06-29T10:08:20.619" v="563" actId="1035"/>
           <ac:spMkLst>
             <pc:docMk/>
-            <pc:sldMk cId="2926139847" sldId="297"/>
-            <ac:spMk id="13" creationId="{CED5A5EE-B965-8FB1-0FFF-4487BC87BC89}"/>
+            <pc:sldMk cId="3121533281" sldId="297"/>
+            <ac:spMk id="3" creationId="{DF6D83DD-D517-7A33-022D-95B5C79B9F43}"/>
           </ac:spMkLst>
         </pc:spChg>
         <pc:spChg chg="add mod">
-          <ac:chgData name="Milan Cosson" userId="1b722937-9737-476f-bc2f-00e7be64c106" providerId="ADAL" clId="{875F30D1-5B82-4859-9C7D-640E2F15B2D5}" dt="2022-06-28T12:45:59.318" v="1954" actId="1036"/>
+          <ac:chgData name="Wally PILLER" userId="e1c1cba4-6299-482b-91e7-ffd34a654594" providerId="ADAL" clId="{DFA9AA0A-EE88-4261-8C73-545A6F3FB253}" dt="2022-06-29T10:07:43.836" v="280" actId="1035"/>
           <ac:spMkLst>
             <pc:docMk/>
-            <pc:sldMk cId="2926139847" sldId="297"/>
-            <ac:spMk id="14" creationId="{D50256C1-57F8-6913-C5A8-E94FA2FCA993}"/>
+            <pc:sldMk cId="3121533281" sldId="297"/>
+            <ac:spMk id="4" creationId="{4AAB1197-9E26-30DF-4263-0FF4F93AF6B1}"/>
+          </ac:spMkLst>
+        </pc:spChg>
+        <pc:spChg chg="add mod">
+          <ac:chgData name="Wally PILLER" userId="e1c1cba4-6299-482b-91e7-ffd34a654594" providerId="ADAL" clId="{DFA9AA0A-EE88-4261-8C73-545A6F3FB253}" dt="2022-06-29T10:08:39.879" v="650" actId="1035"/>
+          <ac:spMkLst>
+            <pc:docMk/>
+            <pc:sldMk cId="3121533281" sldId="297"/>
+            <ac:spMk id="5" creationId="{64798689-4B89-EB9D-0E25-4CF8D548D6F4}"/>
+          </ac:spMkLst>
+        </pc:spChg>
+        <pc:spChg chg="add mod">
+          <ac:chgData name="Wally PILLER" userId="e1c1cba4-6299-482b-91e7-ffd34a654594" providerId="ADAL" clId="{DFA9AA0A-EE88-4261-8C73-545A6F3FB253}" dt="2022-06-29T10:08:26.843" v="601" actId="1036"/>
+          <ac:spMkLst>
+            <pc:docMk/>
+            <pc:sldMk cId="3121533281" sldId="297"/>
+            <ac:spMk id="6" creationId="{0EF90391-0A90-49BA-DA69-FF18B3CEB0FD}"/>
+          </ac:spMkLst>
+        </pc:spChg>
+        <pc:spChg chg="add mod">
+          <ac:chgData name="Wally PILLER" userId="e1c1cba4-6299-482b-91e7-ffd34a654594" providerId="ADAL" clId="{DFA9AA0A-EE88-4261-8C73-545A6F3FB253}" dt="2022-06-29T10:08:00.504" v="404" actId="1036"/>
+          <ac:spMkLst>
+            <pc:docMk/>
+            <pc:sldMk cId="3121533281" sldId="297"/>
+            <ac:spMk id="7" creationId="{D930E553-9835-0FF3-80B1-6767EAA49A5D}"/>
+          </ac:spMkLst>
+        </pc:spChg>
+        <pc:spChg chg="add mod">
+          <ac:chgData name="Wally PILLER" userId="e1c1cba4-6299-482b-91e7-ffd34a654594" providerId="ADAL" clId="{DFA9AA0A-EE88-4261-8C73-545A6F3FB253}" dt="2022-06-29T10:07:53.413" v="334" actId="1036"/>
+          <ac:spMkLst>
+            <pc:docMk/>
+            <pc:sldMk cId="3121533281" sldId="297"/>
+            <ac:spMk id="8" creationId="{920C4643-E47A-80AD-EE65-79D69F00F506}"/>
+          </ac:spMkLst>
+        </pc:spChg>
+        <pc:spChg chg="add mod">
+          <ac:chgData name="Wally PILLER" userId="e1c1cba4-6299-482b-91e7-ffd34a654594" providerId="ADAL" clId="{DFA9AA0A-EE88-4261-8C73-545A6F3FB253}" dt="2022-06-29T10:08:07.829" v="469" actId="1036"/>
+          <ac:spMkLst>
+            <pc:docMk/>
+            <pc:sldMk cId="3121533281" sldId="297"/>
+            <ac:spMk id="9" creationId="{6727FAD9-AAEB-5358-4BAD-ACD04774D223}"/>
+          </ac:spMkLst>
+        </pc:spChg>
+        <pc:spChg chg="add mod">
+          <ac:chgData name="Wally PILLER" userId="e1c1cba4-6299-482b-91e7-ffd34a654594" providerId="ADAL" clId="{DFA9AA0A-EE88-4261-8C73-545A6F3FB253}" dt="2022-06-29T10:08:14.119" v="526" actId="1036"/>
+          <ac:spMkLst>
+            <pc:docMk/>
+            <pc:sldMk cId="3121533281" sldId="297"/>
+            <ac:spMk id="10" creationId="{09678265-1F84-0E83-4BE0-8DD0E05B64B7}"/>
           </ac:spMkLst>
         </pc:spChg>
       </pc:sldChg>
-      <pc:sldMasterChg chg="delSp modSp mod modSldLayout">
-        <pc:chgData name="Milan Cosson" userId="1b722937-9737-476f-bc2f-00e7be64c106" providerId="ADAL" clId="{875F30D1-5B82-4859-9C7D-640E2F15B2D5}" dt="2022-06-28T12:44:31.804" v="1777" actId="478"/>
-        <pc:sldMasterMkLst>
-          <pc:docMk/>
-          <pc:sldMasterMk cId="3591108463" sldId="2147483660"/>
-        </pc:sldMasterMkLst>
-        <pc:spChg chg="del">
-          <ac:chgData name="Milan Cosson" userId="1b722937-9737-476f-bc2f-00e7be64c106" providerId="ADAL" clId="{875F30D1-5B82-4859-9C7D-640E2F15B2D5}" dt="2022-06-28T12:44:18.508" v="1772" actId="478"/>
-          <ac:spMkLst>
-            <pc:docMk/>
-            <pc:sldMasterMk cId="3591108463" sldId="2147483660"/>
-            <ac:spMk id="4" creationId="{E7F06E1F-D644-4F11-9C6B-F8D54F8A3E78}"/>
-          </ac:spMkLst>
-        </pc:spChg>
-        <pc:spChg chg="del">
-          <ac:chgData name="Milan Cosson" userId="1b722937-9737-476f-bc2f-00e7be64c106" providerId="ADAL" clId="{875F30D1-5B82-4859-9C7D-640E2F15B2D5}" dt="2022-06-28T12:44:24.255" v="1773" actId="478"/>
-          <ac:spMkLst>
-            <pc:docMk/>
-            <pc:sldMasterMk cId="3591108463" sldId="2147483660"/>
-            <ac:spMk id="10" creationId="{CC30895E-8558-43B7-88FB-9F10099099EF}"/>
-          </ac:spMkLst>
-        </pc:spChg>
-        <pc:picChg chg="mod">
-          <ac:chgData name="Milan Cosson" userId="1b722937-9737-476f-bc2f-00e7be64c106" providerId="ADAL" clId="{875F30D1-5B82-4859-9C7D-640E2F15B2D5}" dt="2022-06-28T12:43:59.608" v="1734" actId="1076"/>
-          <ac:picMkLst>
-            <pc:docMk/>
-            <pc:sldMasterMk cId="3591108463" sldId="2147483660"/>
-            <ac:picMk id="3" creationId="{B027760F-5F73-47ED-8334-F365AA02846C}"/>
-          </ac:picMkLst>
-        </pc:picChg>
-        <pc:sldLayoutChg chg="addSp delSp mod">
-          <pc:chgData name="Milan Cosson" userId="1b722937-9737-476f-bc2f-00e7be64c106" providerId="ADAL" clId="{875F30D1-5B82-4859-9C7D-640E2F15B2D5}" dt="2022-06-28T12:44:31.804" v="1777" actId="478"/>
-          <pc:sldLayoutMkLst>
-            <pc:docMk/>
-            <pc:sldMasterMk cId="3591108463" sldId="2147483660"/>
-            <pc:sldLayoutMk cId="1071623652" sldId="2147483677"/>
-          </pc:sldLayoutMkLst>
-          <pc:spChg chg="del">
-            <ac:chgData name="Milan Cosson" userId="1b722937-9737-476f-bc2f-00e7be64c106" providerId="ADAL" clId="{875F30D1-5B82-4859-9C7D-640E2F15B2D5}" dt="2022-06-28T12:44:31.804" v="1777" actId="478"/>
-            <ac:spMkLst>
-              <pc:docMk/>
-              <pc:sldMasterMk cId="3591108463" sldId="2147483660"/>
-              <pc:sldLayoutMk cId="1071623652" sldId="2147483677"/>
-              <ac:spMk id="3" creationId="{1DE10B4D-4606-4171-8C03-DB6DCC94C19B}"/>
-            </ac:spMkLst>
-          </pc:spChg>
-          <pc:spChg chg="del">
-            <ac:chgData name="Milan Cosson" userId="1b722937-9737-476f-bc2f-00e7be64c106" providerId="ADAL" clId="{875F30D1-5B82-4859-9C7D-640E2F15B2D5}" dt="2022-06-28T12:44:25.957" v="1774" actId="478"/>
-            <ac:spMkLst>
-              <pc:docMk/>
-              <pc:sldMasterMk cId="3591108463" sldId="2147483660"/>
-              <pc:sldLayoutMk cId="1071623652" sldId="2147483677"/>
-              <ac:spMk id="22" creationId="{0C591005-A978-4017-82AC-F4C5CD330576}"/>
-            </ac:spMkLst>
-          </pc:spChg>
-          <pc:picChg chg="add del">
-            <ac:chgData name="Milan Cosson" userId="1b722937-9737-476f-bc2f-00e7be64c106" providerId="ADAL" clId="{875F30D1-5B82-4859-9C7D-640E2F15B2D5}" dt="2022-06-28T12:44:30.272" v="1776" actId="478"/>
-            <ac:picMkLst>
-              <pc:docMk/>
-              <pc:sldMasterMk cId="3591108463" sldId="2147483660"/>
-              <pc:sldLayoutMk cId="1071623652" sldId="2147483677"/>
-              <ac:picMk id="4" creationId="{3D3B826A-2979-4099-9821-D7175F57BF98}"/>
-            </ac:picMkLst>
-          </pc:picChg>
-        </pc:sldLayoutChg>
-      </pc:sldMasterChg>
     </pc:docChg>
   </pc:docChgLst>
 </pc:chgInfo>
@@ -880,7 +609,7 @@
           <a:p>
             <a:fld id="{515CCE07-1711-4DC7-A7D8-7ED312C82FB8}" type="datetimeFigureOut">
               <a:rPr lang="fr-FR" smtClean="0"/>
-              <a:t>28/06/2022</a:t>
+              <a:t>29/06/2022</a:t>
             </a:fld>
             <a:endParaRPr lang="fr-FR"/>
           </a:p>
@@ -1045,7 +774,7 @@
           <a:p>
             <a:fld id="{014ABEAC-8B63-4BD1-9569-A14EB8752A94}" type="datetimeFigureOut">
               <a:rPr lang="fr-FR" smtClean="0"/>
-              <a:t>28/06/2022</a:t>
+              <a:t>29/06/2022</a:t>
             </a:fld>
             <a:endParaRPr lang="fr-FR"/>
           </a:p>
@@ -1362,6 +1091,55 @@
           </a:ln>
         </p:spPr>
       </p:pic>
+      <p:sp>
+        <p:nvSpPr>
+          <p:cNvPr id="3" name="Rectangle">
+            <a:extLst>
+              <a:ext uri="{FF2B5EF4-FFF2-40B4-BE49-F238E27FC236}">
+                <a16:creationId xmlns:a16="http://schemas.microsoft.com/office/drawing/2014/main" id="{1DE10B4D-4606-4171-8C03-DB6DCC94C19B}"/>
+              </a:ext>
+            </a:extLst>
+          </p:cNvPr>
+          <p:cNvSpPr/>
+          <p:nvPr userDrawn="1"/>
+        </p:nvSpPr>
+        <p:spPr>
+          <a:xfrm>
+            <a:off x="359837" y="589166"/>
+            <a:ext cx="6840000" cy="6846"/>
+          </a:xfrm>
+          <a:prstGeom prst="rect">
+            <a:avLst/>
+          </a:prstGeom>
+          <a:solidFill>
+            <a:srgbClr val="C5AF5C"/>
+          </a:solidFill>
+          <a:ln w="3175">
+            <a:miter lim="400000"/>
+          </a:ln>
+        </p:spPr>
+        <p:txBody>
+          <a:bodyPr lIns="20981" tIns="20981" rIns="20981" bIns="20981" anchor="ctr"/>
+          <a:lstStyle/>
+          <a:p>
+            <a:pPr algn="ctr" defTabSz="825500">
+              <a:lnSpc>
+                <a:spcPct val="100000"/>
+              </a:lnSpc>
+              <a:defRPr sz="3200" b="0">
+                <a:solidFill>
+                  <a:srgbClr val="FFFFFF"/>
+                </a:solidFill>
+                <a:latin typeface="Helvetica Neue Medium"/>
+                <a:ea typeface="Helvetica Neue Medium"/>
+                <a:cs typeface="Helvetica Neue Medium"/>
+                <a:sym typeface="Helvetica Neue Medium"/>
+              </a:defRPr>
+            </a:pPr>
+            <a:endParaRPr/>
+          </a:p>
+        </p:txBody>
+      </p:sp>
       <p:pic>
         <p:nvPicPr>
           <p:cNvPr id="4" name="logo_equitim_final-01.png" descr="logo_equitim_final-01.png">
@@ -1480,6 +1258,55 @@
               <a:t>‹N°›</a:t>
             </a:fld>
             <a:endParaRPr lang="fr-FR" dirty="0"/>
+          </a:p>
+        </p:txBody>
+      </p:sp>
+      <p:sp>
+        <p:nvSpPr>
+          <p:cNvPr id="22" name="Rectangle">
+            <a:extLst>
+              <a:ext uri="{FF2B5EF4-FFF2-40B4-BE49-F238E27FC236}">
+                <a16:creationId xmlns:a16="http://schemas.microsoft.com/office/drawing/2014/main" id="{0C591005-A978-4017-82AC-F4C5CD330576}"/>
+              </a:ext>
+            </a:extLst>
+          </p:cNvPr>
+          <p:cNvSpPr/>
+          <p:nvPr userDrawn="1"/>
+        </p:nvSpPr>
+        <p:spPr>
+          <a:xfrm>
+            <a:off x="359837" y="9707143"/>
+            <a:ext cx="6840000" cy="6846"/>
+          </a:xfrm>
+          <a:prstGeom prst="rect">
+            <a:avLst/>
+          </a:prstGeom>
+          <a:solidFill>
+            <a:srgbClr val="C5AF5C"/>
+          </a:solidFill>
+          <a:ln w="3175">
+            <a:miter lim="400000"/>
+          </a:ln>
+        </p:spPr>
+        <p:txBody>
+          <a:bodyPr lIns="20981" tIns="20981" rIns="20981" bIns="20981" anchor="ctr"/>
+          <a:lstStyle/>
+          <a:p>
+            <a:pPr algn="ctr" defTabSz="825500">
+              <a:lnSpc>
+                <a:spcPct val="100000"/>
+              </a:lnSpc>
+              <a:defRPr sz="3200" b="0">
+                <a:solidFill>
+                  <a:srgbClr val="FFFFFF"/>
+                </a:solidFill>
+                <a:latin typeface="Helvetica Neue Medium"/>
+                <a:ea typeface="Helvetica Neue Medium"/>
+                <a:cs typeface="Helvetica Neue Medium"/>
+                <a:sym typeface="Helvetica Neue Medium"/>
+              </a:defRPr>
+            </a:pPr>
+            <a:endParaRPr/>
           </a:p>
         </p:txBody>
       </p:sp>
@@ -1597,7 +1424,7 @@
         </p:blipFill>
         <p:spPr>
           <a:xfrm>
-            <a:off x="6335149" y="-509841"/>
+            <a:off x="6506599" y="-598741"/>
             <a:ext cx="1605700" cy="1881484"/>
           </a:xfrm>
           <a:prstGeom prst="rect">
@@ -1608,6 +1435,55 @@
           </a:ln>
         </p:spPr>
       </p:pic>
+      <p:sp>
+        <p:nvSpPr>
+          <p:cNvPr id="4" name="Rectangle">
+            <a:extLst>
+              <a:ext uri="{FF2B5EF4-FFF2-40B4-BE49-F238E27FC236}">
+                <a16:creationId xmlns:a16="http://schemas.microsoft.com/office/drawing/2014/main" id="{E7F06E1F-D644-4F11-9C6B-F8D54F8A3E78}"/>
+              </a:ext>
+            </a:extLst>
+          </p:cNvPr>
+          <p:cNvSpPr/>
+          <p:nvPr userDrawn="1"/>
+        </p:nvSpPr>
+        <p:spPr>
+          <a:xfrm>
+            <a:off x="359837" y="589166"/>
+            <a:ext cx="6840000" cy="6846"/>
+          </a:xfrm>
+          <a:prstGeom prst="rect">
+            <a:avLst/>
+          </a:prstGeom>
+          <a:solidFill>
+            <a:srgbClr val="C5AF5C"/>
+          </a:solidFill>
+          <a:ln w="3175">
+            <a:miter lim="400000"/>
+          </a:ln>
+        </p:spPr>
+        <p:txBody>
+          <a:bodyPr lIns="20981" tIns="20981" rIns="20981" bIns="20981" anchor="ctr"/>
+          <a:lstStyle/>
+          <a:p>
+            <a:pPr algn="ctr" defTabSz="825500">
+              <a:lnSpc>
+                <a:spcPct val="100000"/>
+              </a:lnSpc>
+              <a:defRPr sz="3200" b="0">
+                <a:solidFill>
+                  <a:srgbClr val="FFFFFF"/>
+                </a:solidFill>
+                <a:latin typeface="Helvetica Neue Medium"/>
+                <a:ea typeface="Helvetica Neue Medium"/>
+                <a:cs typeface="Helvetica Neue Medium"/>
+                <a:sym typeface="Helvetica Neue Medium"/>
+              </a:defRPr>
+            </a:pPr>
+            <a:endParaRPr/>
+          </a:p>
+        </p:txBody>
+      </p:sp>
       <p:pic>
         <p:nvPicPr>
           <p:cNvPr id="5" name="logo_equitim_final-01.png" descr="logo_equitim_final-01.png">
@@ -1640,6 +1516,55 @@
           </a:ln>
         </p:spPr>
       </p:pic>
+      <p:sp>
+        <p:nvSpPr>
+          <p:cNvPr id="10" name="Rectangle">
+            <a:extLst>
+              <a:ext uri="{FF2B5EF4-FFF2-40B4-BE49-F238E27FC236}">
+                <a16:creationId xmlns:a16="http://schemas.microsoft.com/office/drawing/2014/main" id="{CC30895E-8558-43B7-88FB-9F10099099EF}"/>
+              </a:ext>
+            </a:extLst>
+          </p:cNvPr>
+          <p:cNvSpPr/>
+          <p:nvPr userDrawn="1"/>
+        </p:nvSpPr>
+        <p:spPr>
+          <a:xfrm>
+            <a:off x="359837" y="9707143"/>
+            <a:ext cx="6840000" cy="6846"/>
+          </a:xfrm>
+          <a:prstGeom prst="rect">
+            <a:avLst/>
+          </a:prstGeom>
+          <a:solidFill>
+            <a:srgbClr val="C5AF5C"/>
+          </a:solidFill>
+          <a:ln w="3175">
+            <a:miter lim="400000"/>
+          </a:ln>
+        </p:spPr>
+        <p:txBody>
+          <a:bodyPr lIns="20981" tIns="20981" rIns="20981" bIns="20981" anchor="ctr"/>
+          <a:lstStyle/>
+          <a:p>
+            <a:pPr algn="ctr" defTabSz="825500">
+              <a:lnSpc>
+                <a:spcPct val="100000"/>
+              </a:lnSpc>
+              <a:defRPr sz="3200" b="0">
+                <a:solidFill>
+                  <a:srgbClr val="FFFFFF"/>
+                </a:solidFill>
+                <a:latin typeface="Helvetica Neue Medium"/>
+                <a:ea typeface="Helvetica Neue Medium"/>
+                <a:cs typeface="Helvetica Neue Medium"/>
+                <a:sym typeface="Helvetica Neue Medium"/>
+              </a:defRPr>
+            </a:pPr>
+            <a:endParaRPr/>
+          </a:p>
+        </p:txBody>
+      </p:sp>
       <p:sp>
         <p:nvSpPr>
           <p:cNvPr id="12" name="Espace réservé du pied de page 11">
@@ -2161,7 +2086,7 @@
         <p:spPr>
           <a:xfrm>
             <a:off x="531649" y="6069790"/>
-            <a:ext cx="3024000" cy="3821559"/>
+            <a:ext cx="3024000" cy="2316019"/>
           </a:xfrm>
           <a:prstGeom prst="rect">
             <a:avLst/>
@@ -2362,58 +2287,32 @@
             </a:r>
             <a:r>
               <a:rPr lang="fr-FR" sz="800" b="1" cap="none" dirty="0"/>
-              <a:t>de droit &lt;droit&gt; présentant un risque de perte en capital partielle ou totale en cours de vie et à l’échéance</a:t>
-            </a:r>
-            <a:r>
-              <a:rPr lang="fr-FR" sz="800" baseline="30000" dirty="0">
+              <a:t>de droit &lt;droit&gt; présentant un risque de perte en capital partielle ou totale en cours de vie</a:t>
+            </a:r>
+            <a:r>
+              <a:rPr lang="fr-FR" sz="800" b="1" cap="none" baseline="30000" dirty="0"/>
+              <a:t>(1)</a:t>
+            </a:r>
+            <a:r>
+              <a:rPr lang="fr-FR" sz="800" b="1" cap="none" dirty="0"/>
+              <a:t> et à l’échéance</a:t>
+            </a:r>
+            <a:r>
+              <a:rPr lang="fr-FR" sz="800" b="1" baseline="30000" dirty="0">
                 <a:solidFill>
                   <a:schemeClr val="tx2"/>
                 </a:solidFill>
               </a:rPr>
-              <a:t> </a:t>
-            </a:r>
-            <a:r>
-              <a:rPr lang="fr-FR" sz="800" b="1" baseline="30000" dirty="0">
+              <a:t>(1)</a:t>
+            </a:r>
+            <a:r>
+              <a:rPr lang="fr-FR" sz="800" b="1" cap="none" dirty="0">
                 <a:solidFill>
                   <a:schemeClr val="tx2"/>
                 </a:solidFill>
-              </a:rPr>
-              <a:t>(1)</a:t>
-            </a:r>
-            <a:r>
-              <a:rPr lang="fr-FR" sz="800" b="1" cap="none" dirty="0">
-                <a:solidFill>
-                  <a:schemeClr val="tx2"/>
-                </a:solidFill>
                 <a:latin typeface="Proxima Nova Rg" panose="02000506030000020004" pitchFamily="2" charset="0"/>
               </a:rPr>
-              <a:t>, ci-après le titre de créance.</a:t>
-            </a:r>
-          </a:p>
-          <a:p>
-            <a:pPr marL="171450" indent="-171450" algn="just">
-              <a:spcBef>
-                <a:spcPts val="400"/>
-              </a:spcBef>
-              <a:buClr>
-                <a:srgbClr val="000000"/>
-              </a:buClr>
-              <a:buSzPct val="120000"/>
-              <a:buFont typeface="Wingdings" panose="05000000000000000000" pitchFamily="2" charset="2"/>
-              <a:buChar char="§"/>
-            </a:pPr>
-            <a:r>
-              <a:rPr lang="fr-FR" sz="800" b="1" dirty="0">
-                <a:solidFill>
-                  <a:srgbClr val="B9A049"/>
-                </a:solidFill>
-                <a:latin typeface="Futura PT" panose="020B0902020204020203" pitchFamily="34" charset="0"/>
-              </a:rPr>
-              <a:t>TITRE DE Créance risqué </a:t>
-            </a:r>
-            <a:r>
-              <a:rPr lang="fr-FR" sz="800" b="1" cap="none" dirty="0"/>
-              <a:t>alternatif à un investissement dynamique risqué de type &lt;TDP&gt;.</a:t>
+              <a:t> .</a:t>
             </a:r>
             <a:endParaRPr lang="fr-FR" sz="800" b="1" cap="none" dirty="0">
               <a:highlight>
@@ -2475,40 +2374,46 @@
                   <a:schemeClr val="tx2"/>
                 </a:solidFill>
               </a:rPr>
-              <a:t> &lt;</a:t>
-            </a:r>
-            <a:r>
-              <a:rPr lang="fr-FR" sz="800" cap="none" dirty="0" err="1">
+              <a:t> &lt;DIC&gt;</a:t>
+            </a:r>
+            <a:r>
+              <a:rPr lang="fr-FR" sz="800" b="1" dirty="0">
+                <a:solidFill>
+                  <a:srgbClr val="B9A049"/>
+                </a:solidFill>
+                <a:latin typeface="Futura PT" panose="020B0902020204020203" pitchFamily="34" charset="0"/>
+              </a:rPr>
+              <a:t> </a:t>
+            </a:r>
+            <a:r>
+              <a:rPr lang="fr-FR" sz="800" cap="none" dirty="0">
                 <a:solidFill>
                   <a:schemeClr val="tx2"/>
                 </a:solidFill>
               </a:rPr>
-              <a:t>dic</a:t>
-            </a:r>
-            <a:r>
-              <a:rPr lang="fr-FR" sz="800" cap="none" dirty="0">
+              <a:t>(hors remboursement anticipé automatique). </a:t>
+            </a:r>
+          </a:p>
+          <a:p>
+            <a:pPr marL="171450" lvl="1" indent="-171450" algn="just">
+              <a:buFont typeface="Proxima Nova Rg" panose="02000506030000020004" pitchFamily="2" charset="0"/>
+              <a:buChar char=" "/>
+            </a:pPr>
+            <a:r>
+              <a:rPr lang="fr-FR" sz="800" i="1" cap="none" dirty="0">
                 <a:solidFill>
                   <a:schemeClr val="tx2"/>
                 </a:solidFill>
               </a:rPr>
-              <a:t>&gt;</a:t>
-            </a:r>
-            <a:r>
-              <a:rPr lang="fr-FR" sz="800" b="1" cap="none" dirty="0">
-                <a:solidFill>
-                  <a:srgbClr val="B9A049"/>
-                </a:solidFill>
-                <a:latin typeface="Futura PT" panose="020B0902020204020203" pitchFamily="34" charset="0"/>
-              </a:rPr>
-              <a:t> </a:t>
-            </a:r>
-            <a:r>
-              <a:rPr lang="fr-FR" sz="800" cap="none" dirty="0">
+              <a:t>En cas de revente avant la date de remboursement final ou anticipé, </a:t>
+            </a:r>
+            <a:r>
+              <a:rPr lang="fr-FR" sz="800" b="1" i="1" cap="none" dirty="0">
                 <a:solidFill>
                   <a:schemeClr val="tx2"/>
                 </a:solidFill>
               </a:rPr>
-              <a:t>(hors remboursement anticipé automatique). </a:t>
+              <a:t>l’investisseur prend un risque de perte en capital non mesurable à priori</a:t>
             </a:r>
             <a:r>
               <a:rPr lang="fr-FR" sz="800" i="1" cap="none" dirty="0">
@@ -2516,95 +2421,36 @@
                   <a:schemeClr val="tx2"/>
                 </a:solidFill>
               </a:rPr>
-              <a:t>En cas de revente avant la date de remboursement final ou anticipé, </a:t>
-            </a:r>
-            <a:r>
-              <a:rPr lang="fr-FR" sz="800" b="1" i="1" cap="none" dirty="0">
-                <a:solidFill>
-                  <a:schemeClr val="tx2"/>
-                </a:solidFill>
-              </a:rPr>
-              <a:t>l’investisseur prend un risque de perte en capital non mesurable à priori</a:t>
-            </a:r>
-            <a:r>
-              <a:rPr lang="fr-FR" sz="800" i="1" cap="none" dirty="0">
-                <a:solidFill>
-                  <a:schemeClr val="tx2"/>
-                </a:solidFill>
-              </a:rPr>
               <a:t>.</a:t>
             </a:r>
+            <a:r>
+              <a:rPr lang="fr-FR" sz="800" i="1" cap="none" dirty="0"/>
+              <a:t>.</a:t>
+            </a:r>
+            <a:endParaRPr lang="fr-FR" sz="800" cap="none" dirty="0"/>
           </a:p>
           <a:p>
             <a:pPr marL="171450" indent="-171450" algn="just">
-              <a:spcBef>
-                <a:spcPts val="1200"/>
-              </a:spcBef>
               <a:buClr>
-                <a:srgbClr val="1C1C1C"/>
+                <a:srgbClr val="000000"/>
               </a:buClr>
-              <a:buSzPct val="100000"/>
+              <a:buSzPct val="120000"/>
               <a:buFont typeface="Wingdings" panose="05000000000000000000" pitchFamily="2" charset="2"/>
               <a:buChar char="§"/>
             </a:pPr>
             <a:r>
-              <a:rPr lang="fr-FR" sz="800" b="1" cap="all" dirty="0">
+              <a:rPr lang="fr-FR" sz="800" b="1" dirty="0">
                 <a:solidFill>
                   <a:srgbClr val="B9A049"/>
                 </a:solidFill>
                 <a:latin typeface="Futura PT" panose="020B0902020204020203" pitchFamily="34" charset="0"/>
               </a:rPr>
-              <a:t>Cadre d’investissement : </a:t>
-            </a:r>
-            <a:r>
-              <a:rPr lang="fr-FR" sz="800" cap="none" dirty="0">
-                <a:solidFill>
-                  <a:srgbClr val="000000"/>
-                </a:solidFill>
-                <a:latin typeface="Proxima Nova Rg" panose="02000506030000020004" pitchFamily="2" charset="0"/>
-              </a:rPr>
-              <a:t>Compte titres et unité de compte d’un contrat d’assurance vie ou de capitalisation. Dans le cadre d'un contrat d'assurance-vie ou de capitalisation, l'assureur s'engage exclusivement sur le nombre d’unités de compte mais non sur leur valeur, qu’il ne garantit pas. Il est précisé que l’entreprise d’assurance d’une part, l’Émetteur et le Garant d’autre part, sont des entités juridiques indépendantes. </a:t>
-            </a:r>
-            <a:r>
-              <a:rPr lang="fr-FR" sz="800" b="1" cap="none" dirty="0">
-                <a:solidFill>
-                  <a:srgbClr val="000000"/>
-                </a:solidFill>
-                <a:latin typeface="Proxima Nova Rg" panose="02000506030000020004" pitchFamily="2" charset="0"/>
-              </a:rPr>
-              <a:t>Ce document n’a pas été rédigé par l’assureur.</a:t>
-            </a:r>
-          </a:p>
-          <a:p>
-            <a:pPr marL="171450" indent="-171450" algn="just">
-              <a:spcBef>
-                <a:spcPts val="1200"/>
-              </a:spcBef>
-              <a:buClr>
-                <a:srgbClr val="1C1C1C"/>
-              </a:buClr>
-              <a:buSzPct val="100000"/>
-              <a:buFont typeface="Wingdings" panose="05000000000000000000" pitchFamily="2" charset="2"/>
-              <a:buChar char="§"/>
-            </a:pPr>
-            <a:endParaRPr lang="fr-FR" sz="800" i="1" cap="none" dirty="0">
-              <a:solidFill>
-                <a:schemeClr val="tx2"/>
-              </a:solidFill>
-            </a:endParaRPr>
-          </a:p>
-          <a:p>
-            <a:pPr marL="171450" indent="-171450" algn="just">
-              <a:spcBef>
-                <a:spcPts val="1200"/>
-              </a:spcBef>
-              <a:buClr>
-                <a:srgbClr val="1C1C1C"/>
-              </a:buClr>
-              <a:buSzPct val="100000"/>
-              <a:buFont typeface="Wingdings" panose="05000000000000000000" pitchFamily="2" charset="2"/>
-              <a:buChar char="§"/>
-            </a:pPr>
+              <a:t>Produit de placement risqué </a:t>
+            </a:r>
+            <a:r>
+              <a:rPr lang="fr-FR" sz="800" b="1" cap="none" dirty="0"/>
+              <a:t>alternatif à un investissement dynamique risqué de type &lt;TDP&gt;.</a:t>
+            </a:r>
             <a:endParaRPr lang="fr-FR" sz="800" cap="none" dirty="0"/>
           </a:p>
         </p:txBody>
@@ -2624,7 +2470,7 @@
         <p:spPr>
           <a:xfrm>
             <a:off x="4175836" y="6069790"/>
-            <a:ext cx="3024000" cy="1415772"/>
+            <a:ext cx="3024000" cy="3231654"/>
           </a:xfrm>
           <a:prstGeom prst="rect">
             <a:avLst/>
@@ -2656,6 +2502,36 @@
                 </a:solidFill>
                 <a:latin typeface="Futura PT" panose="020B0902020204020203" pitchFamily="34" charset="0"/>
               </a:rPr>
+              <a:t>Cadre d’investissement : </a:t>
+            </a:r>
+            <a:r>
+              <a:rPr lang="fr-FR" sz="800" cap="none" dirty="0">
+                <a:solidFill>
+                  <a:srgbClr val="000000"/>
+                </a:solidFill>
+                <a:latin typeface="Proxima Nova Rg" panose="02000506030000020004" pitchFamily="2" charset="0"/>
+              </a:rPr>
+              <a:t>Compte titres et unité de compte d’un contrat d’assurance vie ou de capitalisation. Dans le cadre d'un contrat d'assurance-vie ou de capitalisation, l'assureur s'engage exclusivement sur le nombre d’unités de compte mais non sur leur valeur, qu’il ne garantit pas. Il est précisé que l’entreprise d’assurance d’une part, l’Émetteur et le Garant d’autre part, sont des entités juridiques indépendantes. Ce document n’a pas été rédigé par l’assureur.</a:t>
+            </a:r>
+          </a:p>
+          <a:p>
+            <a:pPr marL="171450" indent="-171450" algn="just">
+              <a:spcBef>
+                <a:spcPts val="1200"/>
+              </a:spcBef>
+              <a:buClr>
+                <a:srgbClr val="1C1C1C"/>
+              </a:buClr>
+              <a:buFont typeface="Wingdings" panose="05000000000000000000" pitchFamily="2" charset="2"/>
+              <a:buChar char="§"/>
+            </a:pPr>
+            <a:r>
+              <a:rPr lang="fr-FR" sz="800" b="1" cap="all" dirty="0">
+                <a:solidFill>
+                  <a:srgbClr val="B9A049"/>
+                </a:solidFill>
+                <a:latin typeface="Futura PT" panose="020B0902020204020203" pitchFamily="34" charset="0"/>
+              </a:rPr>
               <a:t>ISIN : </a:t>
             </a:r>
             <a:r>
@@ -2728,7 +2604,7 @@
                 </a:solidFill>
                 <a:latin typeface="Futura PT" panose="020B0902020204020203" pitchFamily="34" charset="0"/>
               </a:rPr>
-              <a:t>Goldman Sachs International</a:t>
+              <a:t>Goldman Sachs Finance Corp International Ltd</a:t>
             </a:r>
             <a:r>
               <a:rPr lang="fr-FR" sz="800" b="1" cap="all" baseline="30000" dirty="0">
@@ -2755,17 +2631,81 @@
                 </a:solidFill>
                 <a:latin typeface="Proxima Nova Rg" panose="02000506030000020004" pitchFamily="2" charset="0"/>
               </a:rPr>
-              <a:t>L’investisseur est par conséquent soumis au risque de défaut de paiement, de faillite ainsi que de mise en résolution de Goldman Sachs International</a:t>
-            </a:r>
-            <a:r>
-              <a:rPr lang="fr-FR" sz="800" baseline="30000" dirty="0">
-                <a:solidFill>
-                  <a:schemeClr val="tx2"/>
+              <a:t>L’investisseur est par conséquent soumis au risque de défaut de paiement, de faillite ainsi que de mise en résolution de Goldman Sachs Finance Corp International Ltd. et de Goldman Sachs Group, Inc. (le « Garant »).</a:t>
+            </a:r>
+          </a:p>
+          <a:p>
+            <a:pPr marL="171450" indent="-171450" algn="just">
+              <a:spcBef>
+                <a:spcPts val="1200"/>
+              </a:spcBef>
+              <a:buClr>
+                <a:srgbClr val="1C1C1C"/>
+              </a:buClr>
+              <a:buFont typeface="Wingdings" panose="05000000000000000000" pitchFamily="2" charset="2"/>
+              <a:buChar char="§"/>
+            </a:pPr>
+            <a:r>
+              <a:rPr lang="fr-FR" sz="800" b="1" cap="all" dirty="0">
+                <a:solidFill>
+                  <a:srgbClr val="B9A049"/>
+                </a:solidFill>
+                <a:latin typeface="Futura PT" panose="020B0902020204020203" pitchFamily="34" charset="0"/>
+              </a:rPr>
+              <a:t>garant : </a:t>
+            </a:r>
+            <a:r>
+              <a:rPr lang="fr-FR" sz="800" dirty="0">
+                <a:solidFill>
+                  <a:srgbClr val="000000"/>
                 </a:solidFill>
                 <a:latin typeface="Proxima Nova Rg" panose="02000506030000020004" pitchFamily="2" charset="0"/>
               </a:rPr>
-              <a:t>(3)</a:t>
-            </a:r>
+              <a:t>The </a:t>
+            </a:r>
+            <a:r>
+              <a:rPr lang="en-US" sz="800" dirty="0">
+                <a:solidFill>
+                  <a:srgbClr val="000000"/>
+                </a:solidFill>
+                <a:latin typeface="Proxima Nova Rg" panose="02000506030000020004" pitchFamily="2" charset="0"/>
+              </a:rPr>
+              <a:t>Goldman Sachs Group, Inc</a:t>
+            </a:r>
+            <a:r>
+              <a:rPr lang="en-US" sz="800" baseline="30000" dirty="0">
+                <a:solidFill>
+                  <a:srgbClr val="000000"/>
+                </a:solidFill>
+                <a:latin typeface="Proxima Nova Rg" panose="02000506030000020004" pitchFamily="2" charset="0"/>
+              </a:rPr>
+              <a:t>(4)</a:t>
+            </a:r>
+            <a:r>
+              <a:rPr lang="en-US" sz="800" dirty="0">
+                <a:solidFill>
+                  <a:srgbClr val="000000"/>
+                </a:solidFill>
+                <a:latin typeface="Proxima Nova Rg" panose="02000506030000020004" pitchFamily="2" charset="0"/>
+              </a:rPr>
+              <a:t>.</a:t>
+            </a:r>
+            <a:endParaRPr lang="fr-FR" sz="800" dirty="0">
+              <a:solidFill>
+                <a:srgbClr val="000000"/>
+              </a:solidFill>
+              <a:latin typeface="Proxima Nova Rg" panose="02000506030000020004" pitchFamily="2" charset="0"/>
+            </a:endParaRPr>
+          </a:p>
+          <a:p>
+            <a:pPr algn="just">
+              <a:spcBef>
+                <a:spcPts val="1200"/>
+              </a:spcBef>
+              <a:buClr>
+                <a:srgbClr val="1C1C1C"/>
+              </a:buClr>
+            </a:pPr>
             <a:endParaRPr lang="fr-FR" sz="800" dirty="0">
               <a:solidFill>
                 <a:srgbClr val="000000"/>
@@ -2944,7 +2884,7 @@
         <p:spPr bwMode="auto">
           <a:xfrm>
             <a:off x="359839" y="9765983"/>
-            <a:ext cx="6485461" cy="607859"/>
+            <a:ext cx="6485461" cy="707886"/>
           </a:xfrm>
           <a:prstGeom prst="rect">
             <a:avLst/>
@@ -3032,7 +2972,28 @@
                 </a:solidFill>
                 <a:latin typeface="Proxima Nova Rg" panose="02000506030000020004" pitchFamily="2" charset="0"/>
               </a:rPr>
-              <a:t> Goldman Sachs International : Standard &amp; </a:t>
+              <a:t> L’Émetteur n’a sollicité ou obtenu aucune notation des principales agences de notation.</a:t>
+            </a:r>
+          </a:p>
+          <a:p>
+            <a:pPr algn="just" defTabSz="914400"/>
+            <a:r>
+              <a:rPr lang="fr-FR" sz="650" baseline="30000" dirty="0">
+                <a:solidFill>
+                  <a:schemeClr val="tx2"/>
+                </a:solidFill>
+                <a:latin typeface="Proxima Nova Rg" panose="02000506030000020004" pitchFamily="2" charset="0"/>
+              </a:rPr>
+              <a:t>(4)</a:t>
+            </a:r>
+            <a:r>
+              <a:rPr lang="fr-FR" sz="650" dirty="0">
+                <a:solidFill>
+                  <a:schemeClr val="tx2"/>
+                </a:solidFill>
+                <a:latin typeface="Proxima Nova Rg" panose="02000506030000020004" pitchFamily="2" charset="0"/>
+              </a:rPr>
+              <a:t> Standard &amp; </a:t>
             </a:r>
             <a:r>
               <a:rPr lang="fr-FR" sz="650" dirty="0" err="1">
@@ -3050,124 +3011,8 @@
                 </a:solidFill>
                 <a:latin typeface="Proxima Nova Rg" panose="02000506030000020004" pitchFamily="2" charset="0"/>
               </a:rPr>
-              <a:t> : A+, Moody’s : A1, Fitch : A+ : notations en vigueur au moment de la rédaction de cette brochure le &lt;DDR_MAJ&gt;. Ces notations peuvent être </a:t>
-            </a:r>
-            <a:r>
-              <a:rPr lang="fr-FR" sz="650" dirty="0" err="1">
-                <a:solidFill>
-                  <a:schemeClr val="tx2"/>
-                </a:solidFill>
-                <a:latin typeface="Proxima Nova Rg" panose="02000506030000020004" pitchFamily="2" charset="0"/>
-              </a:rPr>
-              <a:t>revisées</a:t>
-            </a:r>
-            <a:r>
-              <a:rPr lang="fr-FR" sz="650" dirty="0">
-                <a:solidFill>
-                  <a:schemeClr val="tx2"/>
-                </a:solidFill>
-                <a:latin typeface="Proxima Nova Rg" panose="02000506030000020004" pitchFamily="2" charset="0"/>
-              </a:rPr>
-              <a:t> à tout moment et ne sont pas une garantie de la solvabilité de l’Emetteur. Elles ne sauraient constituer un argument de souscription au titre de créance.</a:t>
-            </a:r>
-          </a:p>
-        </p:txBody>
-      </p:sp>
-      <p:sp>
-        <p:nvSpPr>
-          <p:cNvPr id="10" name="Rectangle">
-            <a:extLst>
-              <a:ext uri="{FF2B5EF4-FFF2-40B4-BE49-F238E27FC236}">
-                <a16:creationId xmlns:a16="http://schemas.microsoft.com/office/drawing/2014/main" id="{C7E1A332-782B-B2DB-CFCE-66824D35B144}"/>
-              </a:ext>
-            </a:extLst>
-          </p:cNvPr>
-          <p:cNvSpPr/>
-          <p:nvPr/>
-        </p:nvSpPr>
-        <p:spPr>
-          <a:xfrm>
-            <a:off x="359837" y="570116"/>
-            <a:ext cx="6840000" cy="6846"/>
-          </a:xfrm>
-          <a:prstGeom prst="rect">
-            <a:avLst/>
-          </a:prstGeom>
-          <a:solidFill>
-            <a:srgbClr val="C5AF5C"/>
-          </a:solidFill>
-          <a:ln w="3175">
-            <a:miter lim="400000"/>
-          </a:ln>
-        </p:spPr>
-        <p:txBody>
-          <a:bodyPr lIns="20981" tIns="20981" rIns="20981" bIns="20981" anchor="ctr"/>
-          <a:lstStyle/>
-          <a:p>
-            <a:pPr algn="ctr" defTabSz="825500">
-              <a:lnSpc>
-                <a:spcPct val="100000"/>
-              </a:lnSpc>
-              <a:defRPr sz="3200" b="0">
-                <a:solidFill>
-                  <a:srgbClr val="FFFFFF"/>
-                </a:solidFill>
-                <a:latin typeface="Helvetica Neue Medium"/>
-                <a:ea typeface="Helvetica Neue Medium"/>
-                <a:cs typeface="Helvetica Neue Medium"/>
-                <a:sym typeface="Helvetica Neue Medium"/>
-              </a:defRPr>
-            </a:pPr>
-            <a:endParaRPr/>
-          </a:p>
-        </p:txBody>
-      </p:sp>
-      <p:sp>
-        <p:nvSpPr>
-          <p:cNvPr id="14" name="Rectangle">
-            <a:extLst>
-              <a:ext uri="{FF2B5EF4-FFF2-40B4-BE49-F238E27FC236}">
-                <a16:creationId xmlns:a16="http://schemas.microsoft.com/office/drawing/2014/main" id="{62887D8A-B44A-3C8A-051A-B698EF498BB6}"/>
-              </a:ext>
-            </a:extLst>
-          </p:cNvPr>
-          <p:cNvSpPr/>
-          <p:nvPr/>
-        </p:nvSpPr>
-        <p:spPr>
-          <a:xfrm>
-            <a:off x="359836" y="9700361"/>
-            <a:ext cx="6840000" cy="6846"/>
-          </a:xfrm>
-          <a:prstGeom prst="rect">
-            <a:avLst/>
-          </a:prstGeom>
-          <a:solidFill>
-            <a:srgbClr val="C5AF5C"/>
-          </a:solidFill>
-          <a:ln w="3175">
-            <a:miter lim="400000"/>
-          </a:ln>
-        </p:spPr>
-        <p:txBody>
-          <a:bodyPr lIns="20981" tIns="20981" rIns="20981" bIns="20981" anchor="ctr"/>
-          <a:lstStyle/>
-          <a:p>
-            <a:pPr algn="ctr" defTabSz="825500">
-              <a:lnSpc>
-                <a:spcPct val="100000"/>
-              </a:lnSpc>
-              <a:defRPr sz="3200" b="0">
-                <a:solidFill>
-                  <a:srgbClr val="FFFFFF"/>
-                </a:solidFill>
-                <a:latin typeface="Helvetica Neue Medium"/>
-                <a:ea typeface="Helvetica Neue Medium"/>
-                <a:cs typeface="Helvetica Neue Medium"/>
-                <a:sym typeface="Helvetica Neue Medium"/>
-              </a:defRPr>
-            </a:pPr>
-            <a:endParaRPr/>
+              <a:t> BBB+, Moody’s A2, Fitch A. Notations en vigueur au moment de la rédaction de la présente brochure le &lt;DDR_MAJ&gt;. Ces notations peuvent être révisées à tout moment et ne sont pas une garantie de solvabilité de l'Émetteur et/ou du Garant. Elles ne sauraient constituer un argument de souscription au titre de créance.</a:t>
+            </a:r>
           </a:p>
         </p:txBody>
       </p:sp>
@@ -3201,258 +3046,6 @@
           <a:chExt cx="0" cy="0"/>
         </a:xfrm>
       </p:grpSpPr>
-      <p:sp>
-        <p:nvSpPr>
-          <p:cNvPr id="11" name="Espace réservé du texte 11">
-            <a:extLst>
-              <a:ext uri="{FF2B5EF4-FFF2-40B4-BE49-F238E27FC236}">
-                <a16:creationId xmlns:a16="http://schemas.microsoft.com/office/drawing/2014/main" id="{62E64A7A-B241-457F-85AF-644F9663089B}"/>
-              </a:ext>
-            </a:extLst>
-          </p:cNvPr>
-          <p:cNvSpPr txBox="1">
-            <a:spLocks/>
-          </p:cNvSpPr>
-          <p:nvPr/>
-        </p:nvSpPr>
-        <p:spPr>
-          <a:xfrm>
-            <a:off x="458459" y="9282268"/>
-            <a:ext cx="6739266" cy="396000"/>
-          </a:xfrm>
-          <a:prstGeom prst="rect">
-            <a:avLst/>
-          </a:prstGeom>
-        </p:spPr>
-        <p:txBody>
-          <a:bodyPr lIns="0" tIns="0" rIns="0" bIns="0">
-            <a:noAutofit/>
-          </a:bodyPr>
-          <a:lstStyle>
-            <a:lvl1pPr marL="0" indent="0" algn="l" defTabSz="755934" rtl="0" eaLnBrk="1" latinLnBrk="0" hangingPunct="1">
-              <a:lnSpc>
-                <a:spcPct val="90000"/>
-              </a:lnSpc>
-              <a:spcBef>
-                <a:spcPts val="2400"/>
-              </a:spcBef>
-              <a:buFont typeface="Arial" panose="020B0604020202020204" pitchFamily="34" charset="0"/>
-              <a:buNone/>
-              <a:defRPr sz="1600" b="0" kern="1200" cap="all" baseline="0">
-                <a:solidFill>
-                  <a:schemeClr val="tx1"/>
-                </a:solidFill>
-                <a:latin typeface="Gotham Bold" pitchFamily="50" charset="0"/>
-                <a:ea typeface="+mn-ea"/>
-                <a:cs typeface="Gotham Bold" pitchFamily="50" charset="0"/>
-              </a:defRPr>
-            </a:lvl1pPr>
-            <a:lvl2pPr marL="108000" indent="0" algn="l" defTabSz="755934" rtl="0" eaLnBrk="1" latinLnBrk="0" hangingPunct="1">
-              <a:lnSpc>
-                <a:spcPct val="100000"/>
-              </a:lnSpc>
-              <a:spcBef>
-                <a:spcPts val="600"/>
-              </a:spcBef>
-              <a:buFont typeface="Arial" panose="020B0604020202020204" pitchFamily="34" charset="0"/>
-              <a:buNone/>
-              <a:defRPr sz="700" b="0" i="0" kern="1200" cap="none" baseline="0">
-                <a:solidFill>
-                  <a:schemeClr val="tx2"/>
-                </a:solidFill>
-                <a:latin typeface="Ciutadella Regular Italic" panose="01000000000000000000" pitchFamily="50" charset="0"/>
-                <a:ea typeface="+mn-ea"/>
-                <a:cs typeface="Gotham Medium" pitchFamily="50" charset="0"/>
-              </a:defRPr>
-            </a:lvl2pPr>
-            <a:lvl3pPr marL="108000" indent="0" algn="l" defTabSz="755934" rtl="0" eaLnBrk="1" latinLnBrk="0" hangingPunct="1">
-              <a:lnSpc>
-                <a:spcPct val="100000"/>
-              </a:lnSpc>
-              <a:spcBef>
-                <a:spcPts val="1000"/>
-              </a:spcBef>
-              <a:spcAft>
-                <a:spcPts val="1000"/>
-              </a:spcAft>
-              <a:buFont typeface="Arial" panose="020B0604020202020204" pitchFamily="34" charset="0"/>
-              <a:buNone/>
-              <a:defRPr sz="1000" b="0" i="0" kern="1200" cap="all" baseline="0">
-                <a:solidFill>
-                  <a:schemeClr val="tx1"/>
-                </a:solidFill>
-                <a:latin typeface="Gotham Medium" pitchFamily="50" charset="0"/>
-                <a:ea typeface="+mn-ea"/>
-                <a:cs typeface="Gotham Medium" pitchFamily="50" charset="0"/>
-              </a:defRPr>
-            </a:lvl3pPr>
-            <a:lvl4pPr marL="2340000" indent="0" algn="l" defTabSz="755934" rtl="0" eaLnBrk="1" latinLnBrk="0" hangingPunct="1">
-              <a:lnSpc>
-                <a:spcPct val="100000"/>
-              </a:lnSpc>
-              <a:spcBef>
-                <a:spcPts val="300"/>
-              </a:spcBef>
-              <a:spcAft>
-                <a:spcPts val="0"/>
-              </a:spcAft>
-              <a:buFont typeface="Arial" panose="020B0604020202020204" pitchFamily="34" charset="0"/>
-              <a:buNone/>
-              <a:defRPr sz="850" u="none" kern="1200">
-                <a:solidFill>
-                  <a:schemeClr val="tx2"/>
-                </a:solidFill>
-                <a:latin typeface="Ciutadella Light" panose="02000000000000000000" pitchFamily="50" charset="0"/>
-                <a:ea typeface="+mn-ea"/>
-                <a:cs typeface="+mn-cs"/>
-              </a:defRPr>
-            </a:lvl4pPr>
-            <a:lvl5pPr marL="2340000" indent="0" algn="l" defTabSz="755934" rtl="0" eaLnBrk="1" latinLnBrk="0" hangingPunct="1">
-              <a:lnSpc>
-                <a:spcPct val="100000"/>
-              </a:lnSpc>
-              <a:spcBef>
-                <a:spcPts val="300"/>
-              </a:spcBef>
-              <a:buFont typeface="Arial" panose="020B0604020202020204" pitchFamily="34" charset="0"/>
-              <a:buNone/>
-              <a:defRPr sz="850" kern="1200">
-                <a:solidFill>
-                  <a:schemeClr val="tx2"/>
-                </a:solidFill>
-                <a:latin typeface="Ciutadella Medium" panose="01000000000000000000" pitchFamily="50" charset="0"/>
-                <a:ea typeface="+mn-ea"/>
-                <a:cs typeface="+mn-cs"/>
-              </a:defRPr>
-            </a:lvl5pPr>
-            <a:lvl6pPr marL="2078820" indent="-188984" algn="l" defTabSz="755934" rtl="0" eaLnBrk="1" latinLnBrk="0" hangingPunct="1">
-              <a:lnSpc>
-                <a:spcPct val="90000"/>
-              </a:lnSpc>
-              <a:spcBef>
-                <a:spcPts val="413"/>
-              </a:spcBef>
-              <a:buFont typeface="Arial" panose="020B0604020202020204" pitchFamily="34" charset="0"/>
-              <a:buChar char="•"/>
-              <a:defRPr sz="1488" kern="1200">
-                <a:solidFill>
-                  <a:schemeClr val="tx1"/>
-                </a:solidFill>
-                <a:latin typeface="+mn-lt"/>
-                <a:ea typeface="+mn-ea"/>
-                <a:cs typeface="+mn-cs"/>
-              </a:defRPr>
-            </a:lvl6pPr>
-            <a:lvl7pPr marL="2456787" indent="-188984" algn="l" defTabSz="755934" rtl="0" eaLnBrk="1" latinLnBrk="0" hangingPunct="1">
-              <a:lnSpc>
-                <a:spcPct val="90000"/>
-              </a:lnSpc>
-              <a:spcBef>
-                <a:spcPts val="413"/>
-              </a:spcBef>
-              <a:buFont typeface="Arial" panose="020B0604020202020204" pitchFamily="34" charset="0"/>
-              <a:buChar char="•"/>
-              <a:defRPr sz="1488" kern="1200">
-                <a:solidFill>
-                  <a:schemeClr val="tx1"/>
-                </a:solidFill>
-                <a:latin typeface="+mn-lt"/>
-                <a:ea typeface="+mn-ea"/>
-                <a:cs typeface="+mn-cs"/>
-              </a:defRPr>
-            </a:lvl7pPr>
-            <a:lvl8pPr marL="2834754" indent="-188984" algn="l" defTabSz="755934" rtl="0" eaLnBrk="1" latinLnBrk="0" hangingPunct="1">
-              <a:lnSpc>
-                <a:spcPct val="90000"/>
-              </a:lnSpc>
-              <a:spcBef>
-                <a:spcPts val="413"/>
-              </a:spcBef>
-              <a:buFont typeface="Arial" panose="020B0604020202020204" pitchFamily="34" charset="0"/>
-              <a:buChar char="•"/>
-              <a:defRPr sz="1488" kern="1200">
-                <a:solidFill>
-                  <a:schemeClr val="tx1"/>
-                </a:solidFill>
-                <a:latin typeface="+mn-lt"/>
-                <a:ea typeface="+mn-ea"/>
-                <a:cs typeface="+mn-cs"/>
-              </a:defRPr>
-            </a:lvl8pPr>
-            <a:lvl9pPr marL="3212722" indent="-188984" algn="l" defTabSz="755934" rtl="0" eaLnBrk="1" latinLnBrk="0" hangingPunct="1">
-              <a:lnSpc>
-                <a:spcPct val="90000"/>
-              </a:lnSpc>
-              <a:spcBef>
-                <a:spcPts val="413"/>
-              </a:spcBef>
-              <a:buFont typeface="Arial" panose="020B0604020202020204" pitchFamily="34" charset="0"/>
-              <a:buChar char="•"/>
-              <a:defRPr sz="1488" kern="1200">
-                <a:solidFill>
-                  <a:schemeClr val="tx1"/>
-                </a:solidFill>
-                <a:latin typeface="+mn-lt"/>
-                <a:ea typeface="+mn-ea"/>
-                <a:cs typeface="+mn-cs"/>
-              </a:defRPr>
-            </a:lvl9pPr>
-          </a:lstStyle>
-          <a:p>
-            <a:pPr marL="0" lvl="2" algn="just">
-              <a:spcBef>
-                <a:spcPts val="0"/>
-              </a:spcBef>
-              <a:spcAft>
-                <a:spcPts val="0"/>
-              </a:spcAft>
-            </a:pPr>
-            <a:endParaRPr lang="fr-FR" sz="800" dirty="0">
-              <a:solidFill>
-                <a:srgbClr val="B9A049"/>
-              </a:solidFill>
-              <a:latin typeface="+mn-lt"/>
-            </a:endParaRPr>
-          </a:p>
-          <a:p>
-            <a:pPr marL="0" lvl="2" algn="just">
-              <a:spcBef>
-                <a:spcPts val="0"/>
-              </a:spcBef>
-              <a:spcAft>
-                <a:spcPts val="0"/>
-              </a:spcAft>
-            </a:pPr>
-            <a:r>
-              <a:rPr lang="fr-FR" sz="800" dirty="0">
-                <a:solidFill>
-                  <a:srgbClr val="B9A049"/>
-                </a:solidFill>
-                <a:latin typeface="+mn-lt"/>
-              </a:rPr>
-              <a:t>LE RENDEMENT DU PRODUIT « &lt;NOM&gt; » EST TRÈS SENSIBLE À UNE FAIBLE VARIATION DU &lt;SJR3&gt; DE &lt;SJR1&gt; AUTOUR DES SEUILS DE &lt;PDI&gt; ET DE &lt;BFP&gt; DE SON &lt;NDR&gt; À LA DATE DE CONSTATATION FINALE</a:t>
-            </a:r>
-            <a:r>
-              <a:rPr lang="fr-FR" sz="800" baseline="30000" dirty="0">
-                <a:solidFill>
-                  <a:srgbClr val="B9A049"/>
-                </a:solidFill>
-                <a:latin typeface="+mn-lt"/>
-              </a:rPr>
-              <a:t>(1)</a:t>
-            </a:r>
-            <a:r>
-              <a:rPr lang="fr-FR" sz="800" dirty="0">
-                <a:solidFill>
-                  <a:srgbClr val="B9A049"/>
-                </a:solidFill>
-                <a:latin typeface="+mn-lt"/>
-              </a:rPr>
-              <a:t>.</a:t>
-            </a:r>
-          </a:p>
-        </p:txBody>
-      </p:sp>
       <p:sp>
         <p:nvSpPr>
           <p:cNvPr id="2" name="Espace réservé du numéro de diapositive 1">
@@ -3500,7 +3093,7 @@
         <p:spPr bwMode="auto">
           <a:xfrm>
             <a:off x="361950" y="9765983"/>
-            <a:ext cx="6483350" cy="700192"/>
+            <a:ext cx="6483350" cy="600164"/>
           </a:xfrm>
           <a:prstGeom prst="rect">
             <a:avLst/>
@@ -3536,28 +3129,7 @@
                 </a:solidFill>
                 <a:latin typeface="+mn-lt"/>
               </a:rPr>
-              <a:t> Veuillez vous référer au tableau récapitulant les principales caractéristiques financières en &lt;PAGE&gt; pour le détail des dates.</a:t>
-            </a:r>
-          </a:p>
-          <a:p>
-            <a:pPr marL="0" lvl="1" algn="just"/>
-            <a:r>
-              <a:rPr lang="fr-FR" sz="650" baseline="30000" dirty="0">
-                <a:solidFill>
-                  <a:schemeClr val="tx2"/>
-                </a:solidFill>
-                <a:latin typeface="+mn-lt"/>
-              </a:rPr>
-              <a:t>(2)</a:t>
-            </a:r>
-            <a:r>
-              <a:rPr lang="fr-FR" sz="650" dirty="0">
-                <a:solidFill>
-                  <a:schemeClr val="tx2"/>
-                </a:solidFill>
-                <a:latin typeface="+mn-lt"/>
-              </a:rPr>
-              <a:t> Hors frais, dividendes réinvestis dans &lt;TDP&gt; </a:t>
+              <a:t> Veuillez vous référer au tableau récapitulant les principales caractéristiques financières en &lt;PAGE&gt; pour le détail des dates. </a:t>
             </a:r>
           </a:p>
           <a:p>
@@ -3889,7 +3461,7 @@
         <p:spPr bwMode="auto">
           <a:xfrm>
             <a:off x="458462" y="953313"/>
-            <a:ext cx="6741374" cy="230832"/>
+            <a:ext cx="6741374" cy="246221"/>
           </a:xfrm>
           <a:prstGeom prst="rect">
             <a:avLst/>
@@ -3910,13 +3482,463 @@
           <a:p>
             <a:pPr algn="just"/>
             <a:r>
-              <a:rPr lang="fr-FR" sz="750" b="1" i="1" dirty="0">
+              <a:rPr lang="fr-FR" sz="800" dirty="0">
                 <a:solidFill>
                   <a:schemeClr val="tx2"/>
                 </a:solidFill>
-                <a:latin typeface="Proxima Nova Rg" panose="02000506030000020004"/>
-              </a:rPr>
-              <a:t>Les données chiffrées utilisées dans ces exemples n’ont qu’une valeur indicative et informative, l’objectif étant de décrire le mécanisme des titres de créance. Elles ne préjugent en rien des résultats futurs et ne sauraient constituer en aucune manière une offre commerciale.</a:t>
+                <a:latin typeface="Proxima Nova Rg" panose="02000506030000020004" pitchFamily="2" charset="0"/>
+              </a:rPr>
+              <a:t>Les données chiffrées utilisées dans ces exemples n’ont qu’une valeur indicative et informative, l’objectif étant de décrire le mécanisme du produit. Elles ne préjugent en rien de résultats futurs et ne sauraient constituer en aucune manière une offre commerciale.</a:t>
+            </a:r>
+          </a:p>
+        </p:txBody>
+      </p:sp>
+      <p:sp>
+        <p:nvSpPr>
+          <p:cNvPr id="8" name="ZoneTexte 7">
+            <a:extLst>
+              <a:ext uri="{FF2B5EF4-FFF2-40B4-BE49-F238E27FC236}">
+                <a16:creationId xmlns:a16="http://schemas.microsoft.com/office/drawing/2014/main" id="{FFCF2BB5-A92A-4145-BAC5-803B42C466A2}"/>
+              </a:ext>
+            </a:extLst>
+          </p:cNvPr>
+          <p:cNvSpPr txBox="1"/>
+          <p:nvPr/>
+        </p:nvSpPr>
+        <p:spPr>
+          <a:xfrm>
+            <a:off x="458460" y="1276310"/>
+            <a:ext cx="6741375" cy="123111"/>
+          </a:xfrm>
+          <a:prstGeom prst="rect">
+            <a:avLst/>
+          </a:prstGeom>
+          <a:noFill/>
+        </p:spPr>
+        <p:txBody>
+          <a:bodyPr wrap="square" lIns="0" tIns="0" rIns="0" bIns="0" rtlCol="0">
+            <a:spAutoFit/>
+          </a:bodyPr>
+          <a:lstStyle/>
+          <a:p>
+            <a:pPr algn="just"/>
+            <a:r>
+              <a:rPr lang="fr-FR" sz="800" b="1" dirty="0">
+                <a:solidFill>
+                  <a:srgbClr val="B9A049"/>
+                </a:solidFill>
+              </a:rPr>
+              <a:t>SCÉNARIO DÉFAVORABLE </a:t>
+            </a:r>
+            <a:r>
+              <a:rPr lang="fr-FR" sz="800" dirty="0">
+                <a:solidFill>
+                  <a:srgbClr val="B9A049"/>
+                </a:solidFill>
+              </a:rPr>
+              <a:t>: À la date de constatation finale</a:t>
+            </a:r>
+            <a:r>
+              <a:rPr lang="fr-FR" sz="800" baseline="30000" dirty="0">
+                <a:solidFill>
+                  <a:srgbClr val="B9A049"/>
+                </a:solidFill>
+              </a:rPr>
+              <a:t>(1)</a:t>
+            </a:r>
+            <a:r>
+              <a:rPr lang="fr-FR" sz="800" dirty="0">
+                <a:solidFill>
+                  <a:srgbClr val="B9A049"/>
+                </a:solidFill>
+              </a:rPr>
+              <a:t>, &lt;SJR1&gt; clôture à un &lt;SJR3&gt; strictement inférieur à &lt;PDI&gt; de son &lt;NDR&gt;</a:t>
+            </a:r>
+          </a:p>
+        </p:txBody>
+      </p:sp>
+      <p:sp>
+        <p:nvSpPr>
+          <p:cNvPr id="9" name="ZoneTexte 8">
+            <a:extLst>
+              <a:ext uri="{FF2B5EF4-FFF2-40B4-BE49-F238E27FC236}">
+                <a16:creationId xmlns:a16="http://schemas.microsoft.com/office/drawing/2014/main" id="{EC8EA57A-F6C8-4630-A4E0-A7B9CB234556}"/>
+              </a:ext>
+            </a:extLst>
+          </p:cNvPr>
+          <p:cNvSpPr txBox="1"/>
+          <p:nvPr/>
+        </p:nvSpPr>
+        <p:spPr>
+          <a:xfrm>
+            <a:off x="458459" y="4163001"/>
+            <a:ext cx="6741373" cy="110800"/>
+          </a:xfrm>
+          <a:prstGeom prst="rect">
+            <a:avLst/>
+          </a:prstGeom>
+          <a:noFill/>
+        </p:spPr>
+        <p:txBody>
+          <a:bodyPr wrap="square" lIns="0" tIns="0" rIns="0" bIns="0" rtlCol="0">
+            <a:spAutoFit/>
+          </a:bodyPr>
+          <a:lstStyle>
+            <a:defPPr>
+              <a:defRPr lang="en-US"/>
+            </a:defPPr>
+            <a:lvl1pPr algn="just">
+              <a:lnSpc>
+                <a:spcPct val="90000"/>
+              </a:lnSpc>
+              <a:defRPr sz="900" b="1">
+                <a:solidFill>
+                  <a:srgbClr val="B9A049"/>
+                </a:solidFill>
+                <a:latin typeface="Futura PT" panose="020B0902020204020203" pitchFamily="34" charset="0"/>
+              </a:defRPr>
+            </a:lvl1pPr>
+          </a:lstStyle>
+          <a:p>
+            <a:r>
+              <a:rPr lang="fr-FR" sz="800" dirty="0">
+                <a:latin typeface="+mn-lt"/>
+              </a:rPr>
+              <a:t>SCÉNARIO MÉDIAN : </a:t>
+            </a:r>
+            <a:r>
+              <a:rPr lang="fr-FR" sz="800" b="0" dirty="0">
+                <a:latin typeface="+mn-lt"/>
+              </a:rPr>
+              <a:t>&lt;baliseCM5&gt;</a:t>
+            </a:r>
+          </a:p>
+        </p:txBody>
+      </p:sp>
+      <p:sp>
+        <p:nvSpPr>
+          <p:cNvPr id="10" name="ZoneTexte 9">
+            <a:extLst>
+              <a:ext uri="{FF2B5EF4-FFF2-40B4-BE49-F238E27FC236}">
+                <a16:creationId xmlns:a16="http://schemas.microsoft.com/office/drawing/2014/main" id="{C8AE3A6A-C537-450E-A547-0EC6DD9F7A53}"/>
+              </a:ext>
+            </a:extLst>
+          </p:cNvPr>
+          <p:cNvSpPr txBox="1"/>
+          <p:nvPr/>
+        </p:nvSpPr>
+        <p:spPr>
+          <a:xfrm>
+            <a:off x="458459" y="6787332"/>
+            <a:ext cx="6741373" cy="221599"/>
+          </a:xfrm>
+          <a:prstGeom prst="rect">
+            <a:avLst/>
+          </a:prstGeom>
+          <a:noFill/>
+        </p:spPr>
+        <p:txBody>
+          <a:bodyPr wrap="square" lIns="0" tIns="0" rIns="0" bIns="0" rtlCol="0">
+            <a:spAutoFit/>
+          </a:bodyPr>
+          <a:lstStyle>
+            <a:defPPr>
+              <a:defRPr lang="en-US"/>
+            </a:defPPr>
+            <a:lvl1pPr algn="just">
+              <a:lnSpc>
+                <a:spcPct val="90000"/>
+              </a:lnSpc>
+              <a:defRPr sz="900" b="1">
+                <a:solidFill>
+                  <a:srgbClr val="B9A049"/>
+                </a:solidFill>
+                <a:latin typeface="Futura PT" panose="020B0902020204020203" pitchFamily="34" charset="0"/>
+              </a:defRPr>
+            </a:lvl1pPr>
+          </a:lstStyle>
+          <a:p>
+            <a:r>
+              <a:rPr lang="fr-FR" sz="800" dirty="0">
+                <a:latin typeface="+mn-lt"/>
+              </a:rPr>
+              <a:t>SCÉNARIO FAVORABLE: </a:t>
+            </a:r>
+            <a:r>
+              <a:rPr lang="fr-FR" sz="800" b="0" dirty="0">
+                <a:latin typeface="+mn-lt"/>
+              </a:rPr>
+              <a:t>Dès la première date de constatation du mécanisme de remboursement anticipé automatique, &lt;SJR1&gt; clôture à un &lt;SJR3&gt; supérieur ou égal à &lt;ABAC&gt;</a:t>
+            </a:r>
+          </a:p>
+        </p:txBody>
+      </p:sp>
+      <p:sp>
+        <p:nvSpPr>
+          <p:cNvPr id="11" name="Espace réservé du texte 11">
+            <a:extLst>
+              <a:ext uri="{FF2B5EF4-FFF2-40B4-BE49-F238E27FC236}">
+                <a16:creationId xmlns:a16="http://schemas.microsoft.com/office/drawing/2014/main" id="{62E64A7A-B241-457F-85AF-644F9663089B}"/>
+              </a:ext>
+            </a:extLst>
+          </p:cNvPr>
+          <p:cNvSpPr txBox="1">
+            <a:spLocks/>
+          </p:cNvSpPr>
+          <p:nvPr/>
+        </p:nvSpPr>
+        <p:spPr>
+          <a:xfrm>
+            <a:off x="458459" y="9282268"/>
+            <a:ext cx="6739266" cy="396000"/>
+          </a:xfrm>
+          <a:prstGeom prst="rect">
+            <a:avLst/>
+          </a:prstGeom>
+        </p:spPr>
+        <p:txBody>
+          <a:bodyPr lIns="0" tIns="0" rIns="0" bIns="0">
+            <a:noAutofit/>
+          </a:bodyPr>
+          <a:lstStyle>
+            <a:lvl1pPr marL="0" indent="0" algn="l" defTabSz="755934" rtl="0" eaLnBrk="1" latinLnBrk="0" hangingPunct="1">
+              <a:lnSpc>
+                <a:spcPct val="90000"/>
+              </a:lnSpc>
+              <a:spcBef>
+                <a:spcPts val="2400"/>
+              </a:spcBef>
+              <a:buFont typeface="Arial" panose="020B0604020202020204" pitchFamily="34" charset="0"/>
+              <a:buNone/>
+              <a:defRPr sz="1600" b="0" kern="1200" cap="all" baseline="0">
+                <a:solidFill>
+                  <a:schemeClr val="tx1"/>
+                </a:solidFill>
+                <a:latin typeface="Gotham Bold" pitchFamily="50" charset="0"/>
+                <a:ea typeface="+mn-ea"/>
+                <a:cs typeface="Gotham Bold" pitchFamily="50" charset="0"/>
+              </a:defRPr>
+            </a:lvl1pPr>
+            <a:lvl2pPr marL="108000" indent="0" algn="l" defTabSz="755934" rtl="0" eaLnBrk="1" latinLnBrk="0" hangingPunct="1">
+              <a:lnSpc>
+                <a:spcPct val="100000"/>
+              </a:lnSpc>
+              <a:spcBef>
+                <a:spcPts val="600"/>
+              </a:spcBef>
+              <a:buFont typeface="Arial" panose="020B0604020202020204" pitchFamily="34" charset="0"/>
+              <a:buNone/>
+              <a:defRPr sz="700" b="0" i="0" kern="1200" cap="none" baseline="0">
+                <a:solidFill>
+                  <a:schemeClr val="tx2"/>
+                </a:solidFill>
+                <a:latin typeface="Ciutadella Regular Italic" panose="01000000000000000000" pitchFamily="50" charset="0"/>
+                <a:ea typeface="+mn-ea"/>
+                <a:cs typeface="Gotham Medium" pitchFamily="50" charset="0"/>
+              </a:defRPr>
+            </a:lvl2pPr>
+            <a:lvl3pPr marL="108000" indent="0" algn="l" defTabSz="755934" rtl="0" eaLnBrk="1" latinLnBrk="0" hangingPunct="1">
+              <a:lnSpc>
+                <a:spcPct val="100000"/>
+              </a:lnSpc>
+              <a:spcBef>
+                <a:spcPts val="1000"/>
+              </a:spcBef>
+              <a:spcAft>
+                <a:spcPts val="1000"/>
+              </a:spcAft>
+              <a:buFont typeface="Arial" panose="020B0604020202020204" pitchFamily="34" charset="0"/>
+              <a:buNone/>
+              <a:defRPr sz="1000" b="0" i="0" kern="1200" cap="all" baseline="0">
+                <a:solidFill>
+                  <a:schemeClr val="tx1"/>
+                </a:solidFill>
+                <a:latin typeface="Gotham Medium" pitchFamily="50" charset="0"/>
+                <a:ea typeface="+mn-ea"/>
+                <a:cs typeface="Gotham Medium" pitchFamily="50" charset="0"/>
+              </a:defRPr>
+            </a:lvl3pPr>
+            <a:lvl4pPr marL="2340000" indent="0" algn="l" defTabSz="755934" rtl="0" eaLnBrk="1" latinLnBrk="0" hangingPunct="1">
+              <a:lnSpc>
+                <a:spcPct val="100000"/>
+              </a:lnSpc>
+              <a:spcBef>
+                <a:spcPts val="300"/>
+              </a:spcBef>
+              <a:spcAft>
+                <a:spcPts val="0"/>
+              </a:spcAft>
+              <a:buFont typeface="Arial" panose="020B0604020202020204" pitchFamily="34" charset="0"/>
+              <a:buNone/>
+              <a:defRPr sz="850" u="none" kern="1200">
+                <a:solidFill>
+                  <a:schemeClr val="tx2"/>
+                </a:solidFill>
+                <a:latin typeface="Ciutadella Light" panose="02000000000000000000" pitchFamily="50" charset="0"/>
+                <a:ea typeface="+mn-ea"/>
+                <a:cs typeface="+mn-cs"/>
+              </a:defRPr>
+            </a:lvl4pPr>
+            <a:lvl5pPr marL="2340000" indent="0" algn="l" defTabSz="755934" rtl="0" eaLnBrk="1" latinLnBrk="0" hangingPunct="1">
+              <a:lnSpc>
+                <a:spcPct val="100000"/>
+              </a:lnSpc>
+              <a:spcBef>
+                <a:spcPts val="300"/>
+              </a:spcBef>
+              <a:buFont typeface="Arial" panose="020B0604020202020204" pitchFamily="34" charset="0"/>
+              <a:buNone/>
+              <a:defRPr sz="850" kern="1200">
+                <a:solidFill>
+                  <a:schemeClr val="tx2"/>
+                </a:solidFill>
+                <a:latin typeface="Ciutadella Medium" panose="01000000000000000000" pitchFamily="50" charset="0"/>
+                <a:ea typeface="+mn-ea"/>
+                <a:cs typeface="+mn-cs"/>
+              </a:defRPr>
+            </a:lvl5pPr>
+            <a:lvl6pPr marL="2078820" indent="-188984" algn="l" defTabSz="755934" rtl="0" eaLnBrk="1" latinLnBrk="0" hangingPunct="1">
+              <a:lnSpc>
+                <a:spcPct val="90000"/>
+              </a:lnSpc>
+              <a:spcBef>
+                <a:spcPts val="413"/>
+              </a:spcBef>
+              <a:buFont typeface="Arial" panose="020B0604020202020204" pitchFamily="34" charset="0"/>
+              <a:buChar char="•"/>
+              <a:defRPr sz="1488" kern="1200">
+                <a:solidFill>
+                  <a:schemeClr val="tx1"/>
+                </a:solidFill>
+                <a:latin typeface="+mn-lt"/>
+                <a:ea typeface="+mn-ea"/>
+                <a:cs typeface="+mn-cs"/>
+              </a:defRPr>
+            </a:lvl6pPr>
+            <a:lvl7pPr marL="2456787" indent="-188984" algn="l" defTabSz="755934" rtl="0" eaLnBrk="1" latinLnBrk="0" hangingPunct="1">
+              <a:lnSpc>
+                <a:spcPct val="90000"/>
+              </a:lnSpc>
+              <a:spcBef>
+                <a:spcPts val="413"/>
+              </a:spcBef>
+              <a:buFont typeface="Arial" panose="020B0604020202020204" pitchFamily="34" charset="0"/>
+              <a:buChar char="•"/>
+              <a:defRPr sz="1488" kern="1200">
+                <a:solidFill>
+                  <a:schemeClr val="tx1"/>
+                </a:solidFill>
+                <a:latin typeface="+mn-lt"/>
+                <a:ea typeface="+mn-ea"/>
+                <a:cs typeface="+mn-cs"/>
+              </a:defRPr>
+            </a:lvl7pPr>
+            <a:lvl8pPr marL="2834754" indent="-188984" algn="l" defTabSz="755934" rtl="0" eaLnBrk="1" latinLnBrk="0" hangingPunct="1">
+              <a:lnSpc>
+                <a:spcPct val="90000"/>
+              </a:lnSpc>
+              <a:spcBef>
+                <a:spcPts val="413"/>
+              </a:spcBef>
+              <a:buFont typeface="Arial" panose="020B0604020202020204" pitchFamily="34" charset="0"/>
+              <a:buChar char="•"/>
+              <a:defRPr sz="1488" kern="1200">
+                <a:solidFill>
+                  <a:schemeClr val="tx1"/>
+                </a:solidFill>
+                <a:latin typeface="+mn-lt"/>
+                <a:ea typeface="+mn-ea"/>
+                <a:cs typeface="+mn-cs"/>
+              </a:defRPr>
+            </a:lvl8pPr>
+            <a:lvl9pPr marL="3212722" indent="-188984" algn="l" defTabSz="755934" rtl="0" eaLnBrk="1" latinLnBrk="0" hangingPunct="1">
+              <a:lnSpc>
+                <a:spcPct val="90000"/>
+              </a:lnSpc>
+              <a:spcBef>
+                <a:spcPts val="413"/>
+              </a:spcBef>
+              <a:buFont typeface="Arial" panose="020B0604020202020204" pitchFamily="34" charset="0"/>
+              <a:buChar char="•"/>
+              <a:defRPr sz="1488" kern="1200">
+                <a:solidFill>
+                  <a:schemeClr val="tx1"/>
+                </a:solidFill>
+                <a:latin typeface="+mn-lt"/>
+                <a:ea typeface="+mn-ea"/>
+                <a:cs typeface="+mn-cs"/>
+              </a:defRPr>
+            </a:lvl9pPr>
+          </a:lstStyle>
+          <a:p>
+            <a:pPr marL="0" lvl="2" algn="just">
+              <a:spcBef>
+                <a:spcPts val="0"/>
+              </a:spcBef>
+              <a:spcAft>
+                <a:spcPts val="0"/>
+              </a:spcAft>
+            </a:pPr>
+            <a:endParaRPr lang="fr-FR" sz="800">
+              <a:solidFill>
+                <a:srgbClr val="B9A049"/>
+              </a:solidFill>
+              <a:latin typeface="+mn-lt"/>
+            </a:endParaRPr>
+          </a:p>
+          <a:p>
+            <a:pPr marL="0" lvl="2" algn="just">
+              <a:spcBef>
+                <a:spcPts val="0"/>
+              </a:spcBef>
+              <a:spcAft>
+                <a:spcPts val="0"/>
+              </a:spcAft>
+            </a:pPr>
+            <a:r>
+              <a:rPr lang="fr-FR" sz="800" dirty="0">
+                <a:solidFill>
+                  <a:srgbClr val="B9A049"/>
+                </a:solidFill>
+                <a:latin typeface="+mn-lt"/>
+              </a:rPr>
+              <a:t>LE RENDEMENT DU PRODUIT « &lt;NOM&gt; » EST TRÈS SENSIBLE À UNE FAIBLE </a:t>
+            </a:r>
+            <a:r>
+              <a:rPr lang="fr-FR" sz="800">
+                <a:solidFill>
+                  <a:srgbClr val="B9A049"/>
+                </a:solidFill>
+                <a:latin typeface="+mn-lt"/>
+              </a:rPr>
+              <a:t>VARIATION DU &lt;SJR3&gt; </a:t>
+            </a:r>
+            <a:r>
+              <a:rPr lang="fr-FR" sz="800" dirty="0">
+                <a:solidFill>
+                  <a:srgbClr val="B9A049"/>
+                </a:solidFill>
+                <a:latin typeface="+mn-lt"/>
+              </a:rPr>
+              <a:t>DE &lt;SJR1&gt; AUTOUR DES SEUILS DE &lt;PDI&gt; ET DE &lt;BFP&gt; DE SON &lt;NDR&gt; À LA DATE DE CONSTATATION FINALE</a:t>
+            </a:r>
+            <a:r>
+              <a:rPr lang="fr-FR" sz="800" baseline="30000" dirty="0">
+                <a:solidFill>
+                  <a:srgbClr val="B9A049"/>
+                </a:solidFill>
+                <a:latin typeface="+mn-lt"/>
+              </a:rPr>
+              <a:t>(1)</a:t>
+            </a:r>
+            <a:r>
+              <a:rPr lang="fr-FR" sz="800" dirty="0">
+                <a:solidFill>
+                  <a:srgbClr val="B9A049"/>
+                </a:solidFill>
+                <a:latin typeface="+mn-lt"/>
+              </a:rPr>
+              <a:t>.</a:t>
             </a:r>
           </a:p>
         </p:txBody>
@@ -3935,8 +3957,8 @@
         </p:nvSpPr>
         <p:spPr>
           <a:xfrm>
-            <a:off x="4023084" y="1728204"/>
-            <a:ext cx="3239378" cy="1908215"/>
+            <a:off x="4008562" y="1524157"/>
+            <a:ext cx="3189159" cy="2416046"/>
           </a:xfrm>
           <a:prstGeom prst="rect">
             <a:avLst/>
@@ -3964,11 +3986,11 @@
               </a:spcAft>
             </a:pPr>
             <a:r>
-              <a:rPr lang="fr-FR" sz="700" dirty="0"/>
+              <a:rPr lang="fr-FR" sz="800" dirty="0"/>
               <a:t>À la fin &lt;DU&gt; &lt;F0&gt; 1, à la date de constatation correspondante</a:t>
             </a:r>
             <a:r>
-              <a:rPr lang="fr-FR" sz="700" baseline="30000" dirty="0">
+              <a:rPr lang="fr-FR" sz="800" baseline="30000" dirty="0">
                 <a:solidFill>
                   <a:schemeClr val="tx2"/>
                 </a:solidFill>
@@ -3977,7 +3999,7 @@
               <a:t>(1)</a:t>
             </a:r>
             <a:r>
-              <a:rPr lang="fr-FR" sz="700" dirty="0"/>
+              <a:rPr lang="fr-FR" sz="800" dirty="0"/>
               <a:t>, &lt;SJR1&gt; clôture à un &lt;SJR3&gt; strictement supérieur à &lt;ABAC2&gt;. Le produit verse donc un coupon de &lt;CPN&gt; au titre du &lt;F0&gt;.</a:t>
             </a:r>
           </a:p>
@@ -3990,7 +4012,7 @@
                 <a:spcPct val="0"/>
               </a:spcAft>
             </a:pPr>
-            <a:endParaRPr lang="fr-FR" sz="700" dirty="0"/>
+            <a:endParaRPr lang="fr-FR" sz="800" dirty="0"/>
           </a:p>
           <a:p>
             <a:pPr lvl="0" algn="just" defTabSz="1042988" fontAlgn="base">
@@ -4002,15 +4024,15 @@
               </a:spcAft>
             </a:pPr>
             <a:r>
-              <a:rPr lang="fr-FR" sz="700" dirty="0"/>
+              <a:rPr lang="fr-FR" sz="800" dirty="0"/>
               <a:t>À l’issue des &lt;F0&gt;&lt;F0s&gt; 2 à &lt;ADPR&gt;, aux dates de constatation correspondantes</a:t>
             </a:r>
             <a:r>
-              <a:rPr lang="fr-FR" sz="700" baseline="30000" dirty="0"/>
+              <a:rPr lang="fr-FR" sz="800" baseline="30000" dirty="0"/>
               <a:t>(1)</a:t>
             </a:r>
             <a:r>
-              <a:rPr lang="fr-FR" sz="700" dirty="0"/>
+              <a:rPr lang="fr-FR" sz="800" dirty="0"/>
               <a:t>, &lt;SJR1&gt; clôture à un &lt;SJR3&gt; strictement inférieur à &lt;ABAC2&gt;. Le mécanisme de remboursement anticipé automatique n’est donc pas activé et le produit ne verse aucun coupon&lt;Mémoire4&gt;.</a:t>
             </a:r>
           </a:p>
@@ -4023,7 +4045,7 @@
                 <a:spcPct val="0"/>
               </a:spcAft>
             </a:pPr>
-            <a:endParaRPr lang="fr-FR" sz="700" dirty="0">
+            <a:endParaRPr lang="fr-FR" sz="800" dirty="0">
               <a:highlight>
                 <a:srgbClr val="FFFF00"/>
               </a:highlight>
@@ -4039,15 +4061,15 @@
               </a:spcAft>
             </a:pPr>
             <a:r>
-              <a:rPr lang="fr-FR" sz="700" dirty="0"/>
+              <a:rPr lang="fr-FR" sz="800" dirty="0"/>
               <a:t>À la date de constatation finale</a:t>
             </a:r>
             <a:r>
-              <a:rPr lang="fr-FR" sz="700" baseline="30000" dirty="0"/>
+              <a:rPr lang="fr-FR" sz="800" baseline="30000" dirty="0"/>
               <a:t>(1)</a:t>
             </a:r>
             <a:r>
-              <a:rPr lang="fr-FR" sz="700" dirty="0"/>
+              <a:rPr lang="fr-FR" sz="800" dirty="0"/>
               <a:t>, &lt;SJR1&gt; clôture à un &lt;SJR3&gt; strictement inférieur à &lt;PDI&gt; de son &lt;NDR&gt; (&lt;NSD&gt; dans cet exemple). L’investisseur récupère alors le capital initialement investi diminué de l’intégralité de la baisse enregistrée par &lt;SJR1&gt;, soit &lt;NSD&gt; de son capital initial dans cet exemple.</a:t>
             </a:r>
           </a:p>
@@ -4061,11 +4083,11 @@
               </a:spcAft>
             </a:pPr>
             <a:r>
-              <a:rPr lang="fr-FR" sz="700" dirty="0"/>
+              <a:rPr lang="fr-FR" sz="800" dirty="0"/>
               <a:t>Ce qui correspond à un Taux de Rendement Annuel net négatif de        </a:t>
             </a:r>
             <a:r>
-              <a:rPr lang="fr-FR" sz="700" dirty="0">
+              <a:rPr lang="fr-FR" sz="800" dirty="0">
                 <a:solidFill>
                   <a:srgbClr val="000000"/>
                 </a:solidFill>
@@ -4076,15 +4098,15 @@
               <a:t>&lt;TRA.D.P&gt;</a:t>
             </a:r>
             <a:r>
-              <a:rPr lang="fr-FR" sz="700" baseline="30000" dirty="0"/>
+              <a:rPr lang="fr-FR" sz="800" baseline="30000" dirty="0"/>
               <a:t>(2)</a:t>
             </a:r>
             <a:r>
-              <a:rPr lang="fr-FR" sz="700" dirty="0"/>
+              <a:rPr lang="fr-FR" sz="800" dirty="0"/>
               <a:t>, contre un Taux de Rendement Annuel net négatif de </a:t>
             </a:r>
             <a:r>
-              <a:rPr lang="fr-FR" sz="700" dirty="0">
+              <a:rPr lang="fr-FR" sz="800" dirty="0">
                 <a:solidFill>
                   <a:srgbClr val="000000"/>
                 </a:solidFill>
@@ -4095,19 +4117,19 @@
               <a:t>&lt;TRA.D.A&gt;</a:t>
             </a:r>
             <a:r>
-              <a:rPr lang="fr-FR" sz="700" baseline="30000" dirty="0"/>
+              <a:rPr lang="fr-FR" sz="800" baseline="30000" dirty="0"/>
               <a:t>(2)</a:t>
             </a:r>
             <a:r>
-              <a:rPr lang="fr-FR" sz="700" dirty="0"/>
+              <a:rPr lang="fr-FR" sz="800" dirty="0"/>
               <a:t>, pour un investissement direct dans &lt;SJR1&gt;</a:t>
             </a:r>
             <a:r>
-              <a:rPr lang="fr-FR" sz="700" baseline="30000" dirty="0"/>
+              <a:rPr lang="fr-FR" sz="800" baseline="30000" dirty="0"/>
               <a:t>(3)</a:t>
             </a:r>
             <a:r>
-              <a:rPr lang="fr-FR" sz="700" dirty="0"/>
+              <a:rPr lang="fr-FR" sz="800" dirty="0"/>
               <a:t>. Dans ce scénario, l’investisseur subit une perte en capital, qui peut être totale dans le cas le plus défavorable.</a:t>
             </a:r>
           </a:p>
@@ -4127,8 +4149,8 @@
         </p:nvSpPr>
         <p:spPr>
           <a:xfrm>
-            <a:off x="4023084" y="4808320"/>
-            <a:ext cx="3239378" cy="1154162"/>
+            <a:off x="4008562" y="4526931"/>
+            <a:ext cx="3189159" cy="1431161"/>
           </a:xfrm>
           <a:prstGeom prst="rect">
             <a:avLst/>
@@ -4168,19 +4190,19 @@
               </a:spcAft>
             </a:pPr>
             <a:r>
-              <a:rPr lang="fr-FR" dirty="0">
+              <a:rPr lang="fr-FR" sz="800" dirty="0">
                 <a:latin typeface="+mn-lt"/>
               </a:rPr>
               <a:t>À l’issue &lt;DU&gt; &lt;F0&gt; 2, à la date de constatation correspondante</a:t>
             </a:r>
             <a:r>
-              <a:rPr lang="fr-FR" baseline="30000" dirty="0">
+              <a:rPr lang="fr-FR" sz="800" baseline="30000" dirty="0">
                 <a:latin typeface="+mn-lt"/>
               </a:rPr>
               <a:t>(1)</a:t>
             </a:r>
             <a:r>
-              <a:rPr lang="fr-FR" dirty="0">
+              <a:rPr lang="fr-FR" sz="800" dirty="0">
                 <a:latin typeface="+mn-lt"/>
               </a:rPr>
               <a:t>, &lt;SJR1&gt; clôture à un &lt;SJR3&gt; strictement inférieur à &lt;ABAC&gt; mais supérieur au seuil de versement du coupon. Le mécanisme de remboursement anticipé automatique n’est donc pas activé mais le produit verse un coupon de &lt;CPN&gt; au titre &lt;DU&gt; &lt;F0&gt; &lt;Mémoire5&gt;.</a:t>
@@ -4195,7 +4217,7 @@
                 <a:spcPct val="0"/>
               </a:spcAft>
             </a:pPr>
-            <a:endParaRPr lang="fr-FR" dirty="0">
+            <a:endParaRPr lang="fr-FR" sz="800" dirty="0">
               <a:latin typeface="+mn-lt"/>
             </a:endParaRPr>
           </a:p>
@@ -4209,7 +4231,7 @@
               </a:spcAft>
             </a:pPr>
             <a:r>
-              <a:rPr lang="fr-FR" dirty="0">
+              <a:rPr lang="fr-FR" sz="800" dirty="0">
                 <a:latin typeface="+mn-lt"/>
               </a:rPr>
               <a:t>&lt;baliseCM6&gt;</a:t>
@@ -4225,13 +4247,13 @@
               </a:spcAft>
             </a:pPr>
             <a:r>
-              <a:rPr lang="fr-FR" dirty="0">
+              <a:rPr lang="fr-FR" sz="800" dirty="0">
                 <a:latin typeface="+mn-lt"/>
               </a:rPr>
               <a:t>Ce qui correspond à un Taux de Rendement Annuel net de </a:t>
             </a:r>
             <a:r>
-              <a:rPr lang="fr-FR" dirty="0">
+              <a:rPr lang="fr-FR" sz="800" dirty="0">
                 <a:solidFill>
                   <a:srgbClr val="000000"/>
                 </a:solidFill>
@@ -4243,7 +4265,7 @@
               <a:t>&lt;TRA.RM.P&gt;</a:t>
             </a:r>
             <a:r>
-              <a:rPr lang="fr-FR" baseline="30000" dirty="0">
+              <a:rPr lang="fr-FR" sz="800" baseline="30000" dirty="0">
                 <a:solidFill>
                   <a:srgbClr val="04202E"/>
                 </a:solidFill>
@@ -4252,7 +4274,7 @@
               <a:t>(2)</a:t>
             </a:r>
             <a:r>
-              <a:rPr lang="fr-FR" dirty="0">
+              <a:rPr lang="fr-FR" sz="800" dirty="0">
                 <a:solidFill>
                   <a:srgbClr val="04202E"/>
                 </a:solidFill>
@@ -4261,13 +4283,13 @@
               <a:t>, </a:t>
             </a:r>
             <a:r>
-              <a:rPr lang="fr-FR" dirty="0">
+              <a:rPr lang="fr-FR" sz="800" dirty="0">
                 <a:latin typeface="+mn-lt"/>
               </a:rPr>
               <a:t>contre un Taux de Rendement Annuel net de </a:t>
             </a:r>
             <a:r>
-              <a:rPr lang="fr-FR" dirty="0">
+              <a:rPr lang="fr-FR" sz="800" dirty="0">
                 <a:solidFill>
                   <a:srgbClr val="000000"/>
                 </a:solidFill>
@@ -4279,13 +4301,13 @@
               <a:t>&lt;TRA.M.SJ&gt;</a:t>
             </a:r>
             <a:r>
-              <a:rPr lang="fr-FR" baseline="30000" dirty="0">
+              <a:rPr lang="fr-FR" sz="800" baseline="30000" dirty="0">
                 <a:latin typeface="+mn-lt"/>
               </a:rPr>
               <a:t>(</a:t>
             </a:r>
             <a:r>
-              <a:rPr lang="fr-FR" baseline="30000" dirty="0">
+              <a:rPr lang="fr-FR" sz="800" baseline="30000" dirty="0">
                 <a:solidFill>
                   <a:srgbClr val="04202E"/>
                 </a:solidFill>
@@ -4294,7 +4316,7 @@
               <a:t>2)</a:t>
             </a:r>
             <a:r>
-              <a:rPr lang="fr-FR" dirty="0">
+              <a:rPr lang="fr-FR" sz="800" dirty="0">
                 <a:solidFill>
                   <a:srgbClr val="04202E"/>
                 </a:solidFill>
@@ -4303,13 +4325,13 @@
               <a:t>, </a:t>
             </a:r>
             <a:r>
-              <a:rPr lang="fr-FR" dirty="0">
+              <a:rPr lang="fr-FR" sz="800" dirty="0">
                 <a:latin typeface="+mn-lt"/>
               </a:rPr>
               <a:t>pour un investissement direct dans &lt;SJR1&gt;</a:t>
             </a:r>
             <a:r>
-              <a:rPr lang="fr-FR" baseline="30000" dirty="0">
+              <a:rPr lang="fr-FR" sz="800" baseline="30000" dirty="0">
                 <a:solidFill>
                   <a:srgbClr val="04202E"/>
                 </a:solidFill>
@@ -4318,7 +4340,7 @@
               <a:t>(3)</a:t>
             </a:r>
             <a:r>
-              <a:rPr lang="fr-FR" dirty="0">
+              <a:rPr lang="fr-FR" sz="800" dirty="0">
                 <a:solidFill>
                   <a:srgbClr val="04202E"/>
                 </a:solidFill>
@@ -4327,7 +4349,7 @@
               <a:t>,</a:t>
             </a:r>
             <a:r>
-              <a:rPr lang="fr-FR" baseline="30000" dirty="0">
+              <a:rPr lang="fr-FR" sz="800" baseline="30000" dirty="0">
                 <a:solidFill>
                   <a:srgbClr val="04202E"/>
                 </a:solidFill>
@@ -4336,19 +4358,19 @@
               <a:t> </a:t>
             </a:r>
             <a:r>
-              <a:rPr lang="fr-FR" dirty="0">
+              <a:rPr lang="fr-FR" sz="800" dirty="0">
                 <a:latin typeface="+mn-lt"/>
               </a:rPr>
               <a:t>du fait du </a:t>
             </a:r>
             <a:r>
-              <a:rPr lang="fr-FR" b="1" dirty="0">
+              <a:rPr lang="fr-FR" sz="800" b="1" dirty="0">
                 <a:latin typeface="+mn-lt"/>
               </a:rPr>
               <a:t>mécanisme de remboursement à l’échéance</a:t>
             </a:r>
             <a:r>
-              <a:rPr lang="fr-FR" b="1" baseline="30000" dirty="0">
+              <a:rPr lang="fr-FR" sz="800" b="1" baseline="30000" dirty="0">
                 <a:solidFill>
                   <a:srgbClr val="04202E"/>
                 </a:solidFill>
@@ -4357,7 +4379,7 @@
               <a:t>(1)</a:t>
             </a:r>
             <a:r>
-              <a:rPr lang="fr-FR" b="1" dirty="0">
+              <a:rPr lang="fr-FR" sz="800" b="1" dirty="0">
                 <a:latin typeface="+mn-lt"/>
               </a:rPr>
               <a:t> de « &lt;NOM&gt; ».</a:t>
@@ -4379,8 +4401,8 @@
         </p:nvSpPr>
         <p:spPr>
           <a:xfrm>
-            <a:off x="4023084" y="7477376"/>
-            <a:ext cx="3239378" cy="1338828"/>
+            <a:off x="4008562" y="7334571"/>
+            <a:ext cx="3239378" cy="1631216"/>
           </a:xfrm>
           <a:prstGeom prst="rect">
             <a:avLst/>
@@ -4405,7 +4427,7 @@
               </a:spcAft>
             </a:pPr>
             <a:r>
-              <a:rPr lang="fr-FR" sz="700" dirty="0">
+              <a:rPr lang="fr-FR" sz="800" dirty="0">
                 <a:solidFill>
                   <a:schemeClr val="tx2"/>
                 </a:solidFill>
@@ -4413,7 +4435,7 @@
               <a:t>&lt;DU1&gt; &lt;F0&gt; 1 au &lt;F0&gt; &lt;1PR-1&gt;, aux dates de constatation correspondantes</a:t>
             </a:r>
             <a:r>
-              <a:rPr lang="fr-FR" sz="700" baseline="30000" dirty="0">
+              <a:rPr lang="fr-FR" sz="800" baseline="30000" dirty="0">
                 <a:solidFill>
                   <a:schemeClr val="tx2"/>
                 </a:solidFill>
@@ -4421,7 +4443,7 @@
               <a:t>(1)</a:t>
             </a:r>
             <a:r>
-              <a:rPr lang="fr-FR" sz="700" dirty="0">
+              <a:rPr lang="fr-FR" sz="800" dirty="0">
                 <a:solidFill>
                   <a:schemeClr val="tx2"/>
                 </a:solidFill>
@@ -4429,7 +4451,7 @@
               <a:t>, &lt;SJR1&gt; clôture à un &lt;SJR3&gt; supérieur à </a:t>
             </a:r>
             <a:r>
-              <a:rPr lang="fr-FR" sz="700" dirty="0">
+              <a:rPr lang="fr-FR" sz="800" dirty="0">
                 <a:solidFill>
                   <a:schemeClr val="tx2"/>
                 </a:solidFill>
@@ -4440,7 +4462,7 @@
               <a:t>&lt;ABAC2</a:t>
             </a:r>
             <a:r>
-              <a:rPr lang="fr-FR" sz="700" dirty="0">
+              <a:rPr lang="fr-FR" sz="800" dirty="0">
                 <a:solidFill>
                   <a:schemeClr val="tx2"/>
                 </a:solidFill>
@@ -4455,7 +4477,7 @@
               </a:spcAft>
             </a:pPr>
             <a:r>
-              <a:rPr lang="fr-FR" sz="700" dirty="0">
+              <a:rPr lang="fr-FR" sz="800" dirty="0">
                 <a:solidFill>
                   <a:schemeClr val="tx2"/>
                 </a:solidFill>
@@ -4463,7 +4485,7 @@
               <a:t>Dès la fin &lt;DU&gt; &lt;F0&gt; &lt;1PR&gt;, à la date de constatation correspondante</a:t>
             </a:r>
             <a:r>
-              <a:rPr lang="fr-FR" sz="700" baseline="30000" dirty="0">
+              <a:rPr lang="fr-FR" sz="800" baseline="30000" dirty="0">
                 <a:solidFill>
                   <a:schemeClr val="tx2"/>
                 </a:solidFill>
@@ -4471,7 +4493,7 @@
               <a:t>(1)</a:t>
             </a:r>
             <a:r>
-              <a:rPr lang="fr-FR" sz="700" dirty="0">
+              <a:rPr lang="fr-FR" sz="800" dirty="0">
                 <a:solidFill>
                   <a:schemeClr val="tx2"/>
                 </a:solidFill>
@@ -4486,7 +4508,7 @@
               </a:spcAft>
             </a:pPr>
             <a:r>
-              <a:rPr lang="fr-FR" sz="700" dirty="0">
+              <a:rPr lang="fr-FR" sz="800" dirty="0">
                 <a:solidFill>
                   <a:srgbClr val="04202E"/>
                 </a:solidFill>
@@ -4494,7 +4516,7 @@
               <a:t>Ce qui correspond à un Taux de Rendement Annuel net de </a:t>
             </a:r>
             <a:r>
-              <a:rPr lang="fr-FR" sz="700" dirty="0">
+              <a:rPr lang="fr-FR" sz="800" dirty="0">
                 <a:solidFill>
                   <a:srgbClr val="04202E"/>
                 </a:solidFill>
@@ -4505,7 +4527,7 @@
               <a:t>&lt;TRA.F.P&gt;</a:t>
             </a:r>
             <a:r>
-              <a:rPr lang="fr-FR" sz="700" baseline="30000" dirty="0">
+              <a:rPr lang="fr-FR" sz="800" baseline="30000" dirty="0">
                 <a:solidFill>
                   <a:srgbClr val="04202E"/>
                 </a:solidFill>
@@ -4516,7 +4538,7 @@
               <a:t>(</a:t>
             </a:r>
             <a:r>
-              <a:rPr lang="fr-FR" sz="700" baseline="30000" dirty="0">
+              <a:rPr lang="fr-FR" sz="800" baseline="30000" dirty="0">
                 <a:solidFill>
                   <a:srgbClr val="04202E"/>
                 </a:solidFill>
@@ -4524,7 +4546,7 @@
               <a:t>2)</a:t>
             </a:r>
             <a:r>
-              <a:rPr lang="fr-FR" sz="700" dirty="0">
+              <a:rPr lang="fr-FR" sz="800" dirty="0">
                 <a:solidFill>
                   <a:srgbClr val="04202E"/>
                 </a:solidFill>
@@ -4532,7 +4554,7 @@
               <a:t>, contre un Taux de Rendement Annuel net de </a:t>
             </a:r>
             <a:r>
-              <a:rPr lang="fr-FR" sz="700" dirty="0">
+              <a:rPr lang="fr-FR" sz="800" dirty="0">
                 <a:highlight>
                   <a:srgbClr val="00FFFF"/>
                 </a:highlight>
@@ -4540,7 +4562,7 @@
               <a:t>&lt;TRA.F.SJ&gt;</a:t>
             </a:r>
             <a:r>
-              <a:rPr lang="fr-FR" sz="700" baseline="30000" dirty="0">
+              <a:rPr lang="fr-FR" sz="800" baseline="30000" dirty="0">
                 <a:solidFill>
                   <a:srgbClr val="04202E"/>
                 </a:solidFill>
@@ -4551,7 +4573,7 @@
               <a:t>(</a:t>
             </a:r>
             <a:r>
-              <a:rPr lang="fr-FR" sz="700" baseline="30000" dirty="0">
+              <a:rPr lang="fr-FR" sz="800" baseline="30000" dirty="0">
                 <a:solidFill>
                   <a:srgbClr val="04202E"/>
                 </a:solidFill>
@@ -4559,7 +4581,7 @@
               <a:t>2)</a:t>
             </a:r>
             <a:r>
-              <a:rPr lang="fr-FR" sz="700" dirty="0">
+              <a:rPr lang="fr-FR" sz="800" dirty="0">
                 <a:solidFill>
                   <a:srgbClr val="04202E"/>
                 </a:solidFill>
@@ -4567,7 +4589,7 @@
               <a:t> pour un investissement direct dans </a:t>
             </a:r>
             <a:r>
-              <a:rPr lang="it-IT" sz="700" dirty="0">
+              <a:rPr lang="it-IT" sz="800" dirty="0">
                 <a:solidFill>
                   <a:srgbClr val="04202E"/>
                 </a:solidFill>
@@ -4575,7 +4597,7 @@
               <a:t>&lt;SJR1&gt;</a:t>
             </a:r>
             <a:r>
-              <a:rPr lang="fr-FR" sz="700" baseline="30000" dirty="0">
+              <a:rPr lang="fr-FR" sz="800" baseline="30000" dirty="0">
                 <a:solidFill>
                   <a:srgbClr val="04202E"/>
                 </a:solidFill>
@@ -4583,7 +4605,7 @@
               <a:t>(3)</a:t>
             </a:r>
             <a:r>
-              <a:rPr lang="fr-FR" sz="700" dirty="0">
+              <a:rPr lang="fr-FR" sz="800" dirty="0">
                 <a:solidFill>
                   <a:srgbClr val="04202E"/>
                 </a:solidFill>
@@ -4591,7 +4613,7 @@
               <a:t>, du fait du </a:t>
             </a:r>
             <a:r>
-              <a:rPr lang="fr-FR" sz="700" b="1" dirty="0">
+              <a:rPr lang="fr-FR" sz="800" b="1" dirty="0">
                 <a:solidFill>
                   <a:schemeClr val="tx2"/>
                 </a:solidFill>
@@ -4754,318 +4776,6 @@
               <a:t>&lt;DDR_MAJ&gt;</a:t>
             </a:r>
             <a:endParaRPr lang="fr-FR" sz="800"/>
-          </a:p>
-        </p:txBody>
-      </p:sp>
-      <p:sp>
-        <p:nvSpPr>
-          <p:cNvPr id="8" name="ZoneTexte 7">
-            <a:extLst>
-              <a:ext uri="{FF2B5EF4-FFF2-40B4-BE49-F238E27FC236}">
-                <a16:creationId xmlns:a16="http://schemas.microsoft.com/office/drawing/2014/main" id="{FFCF2BB5-A92A-4145-BAC5-803B42C466A2}"/>
-              </a:ext>
-            </a:extLst>
-          </p:cNvPr>
-          <p:cNvSpPr txBox="1"/>
-          <p:nvPr/>
-        </p:nvSpPr>
-        <p:spPr>
-          <a:xfrm>
-            <a:off x="456346" y="1282492"/>
-            <a:ext cx="6741375" cy="138499"/>
-          </a:xfrm>
-          <a:prstGeom prst="rect">
-            <a:avLst/>
-          </a:prstGeom>
-          <a:noFill/>
-        </p:spPr>
-        <p:txBody>
-          <a:bodyPr wrap="square" lIns="0" tIns="0" rIns="0" bIns="0" rtlCol="0">
-            <a:spAutoFit/>
-          </a:bodyPr>
-          <a:lstStyle/>
-          <a:p>
-            <a:pPr algn="just"/>
-            <a:r>
-              <a:rPr lang="fr-FR" sz="900" u="sng" dirty="0">
-                <a:solidFill>
-                  <a:srgbClr val="B9A049"/>
-                </a:solidFill>
-                <a:latin typeface="Proxima Nova Rg" panose="02000506030000020004" pitchFamily="2" charset="0"/>
-              </a:rPr>
-              <a:t>SCÉNARIO DÉFAVORABLE</a:t>
-            </a:r>
-            <a:r>
-              <a:rPr lang="fr-FR" sz="900" dirty="0">
-                <a:solidFill>
-                  <a:srgbClr val="B9A049"/>
-                </a:solidFill>
-                <a:latin typeface="Proxima Nova Rg" panose="02000506030000020004" pitchFamily="2" charset="0"/>
-              </a:rPr>
-              <a:t> :</a:t>
-            </a:r>
-            <a:r>
-              <a:rPr lang="fr-FR" sz="900" i="1" dirty="0">
-                <a:solidFill>
-                  <a:srgbClr val="B9A049"/>
-                </a:solidFill>
-                <a:latin typeface="Proxima Nova Rg" panose="02000506030000020004" pitchFamily="2" charset="0"/>
-              </a:rPr>
-              <a:t> </a:t>
-            </a:r>
-            <a:r>
-              <a:rPr lang="fr-FR" sz="900" dirty="0">
-                <a:solidFill>
-                  <a:srgbClr val="B9A049"/>
-                </a:solidFill>
-                <a:latin typeface="Proxima Nova Rg" panose="02000506030000020004" pitchFamily="2" charset="0"/>
-              </a:rPr>
-              <a:t>À la date de constatation finale</a:t>
-            </a:r>
-            <a:r>
-              <a:rPr lang="fr-FR" sz="900" baseline="30000" dirty="0">
-                <a:solidFill>
-                  <a:srgbClr val="B9A049"/>
-                </a:solidFill>
-                <a:latin typeface="Proxima Nova Rg" panose="02000506030000020004" pitchFamily="2" charset="0"/>
-              </a:rPr>
-              <a:t>(1)</a:t>
-            </a:r>
-            <a:r>
-              <a:rPr lang="fr-FR" sz="900" dirty="0">
-                <a:solidFill>
-                  <a:srgbClr val="B9A049"/>
-                </a:solidFill>
-                <a:latin typeface="Proxima Nova Rg" panose="02000506030000020004" pitchFamily="2" charset="0"/>
-              </a:rPr>
-              <a:t>, &lt;SJR1&gt; clôture à un &lt;SJR3&gt; strictement inférieur à &lt;PDI&gt; de son &lt;NDR&gt;</a:t>
-            </a:r>
-          </a:p>
-        </p:txBody>
-      </p:sp>
-      <p:sp>
-        <p:nvSpPr>
-          <p:cNvPr id="9" name="ZoneTexte 8">
-            <a:extLst>
-              <a:ext uri="{FF2B5EF4-FFF2-40B4-BE49-F238E27FC236}">
-                <a16:creationId xmlns:a16="http://schemas.microsoft.com/office/drawing/2014/main" id="{EC8EA57A-F6C8-4630-A4E0-A7B9CB234556}"/>
-              </a:ext>
-            </a:extLst>
-          </p:cNvPr>
-          <p:cNvSpPr txBox="1"/>
-          <p:nvPr/>
-        </p:nvSpPr>
-        <p:spPr>
-          <a:xfrm>
-            <a:off x="456346" y="4156380"/>
-            <a:ext cx="6741373" cy="124650"/>
-          </a:xfrm>
-          <a:prstGeom prst="rect">
-            <a:avLst/>
-          </a:prstGeom>
-          <a:noFill/>
-        </p:spPr>
-        <p:txBody>
-          <a:bodyPr wrap="square" lIns="0" tIns="0" rIns="0" bIns="0" rtlCol="0">
-            <a:spAutoFit/>
-          </a:bodyPr>
-          <a:lstStyle>
-            <a:defPPr>
-              <a:defRPr lang="en-US"/>
-            </a:defPPr>
-            <a:lvl1pPr algn="just">
-              <a:lnSpc>
-                <a:spcPct val="90000"/>
-              </a:lnSpc>
-              <a:defRPr sz="900" b="1">
-                <a:solidFill>
-                  <a:srgbClr val="B9A049"/>
-                </a:solidFill>
-                <a:latin typeface="Futura PT" panose="020B0902020204020203" pitchFamily="34" charset="0"/>
-              </a:defRPr>
-            </a:lvl1pPr>
-          </a:lstStyle>
-          <a:p>
-            <a:r>
-              <a:rPr lang="fr-FR" b="0" u="sng" dirty="0">
-                <a:latin typeface="Proxima Nova Rg" panose="02000506030000020004" pitchFamily="2" charset="0"/>
-              </a:rPr>
-              <a:t>SCÉNARIO MÉDIAN</a:t>
-            </a:r>
-            <a:r>
-              <a:rPr lang="fr-FR" b="0" dirty="0">
-                <a:latin typeface="Proxima Nova Rg" panose="02000506030000020004" pitchFamily="2" charset="0"/>
-              </a:rPr>
-              <a:t> </a:t>
-            </a:r>
-            <a:r>
-              <a:rPr lang="fr-FR" sz="800" dirty="0">
-                <a:latin typeface="+mn-lt"/>
-              </a:rPr>
-              <a:t>: </a:t>
-            </a:r>
-            <a:r>
-              <a:rPr lang="fr-FR" b="0" dirty="0">
-                <a:latin typeface="Proxima Nova Rg" panose="02000506030000020004" pitchFamily="2" charset="0"/>
-              </a:rPr>
-              <a:t>&lt;baliseCM5&gt;</a:t>
-            </a:r>
-          </a:p>
-        </p:txBody>
-      </p:sp>
-      <p:sp>
-        <p:nvSpPr>
-          <p:cNvPr id="10" name="ZoneTexte 9">
-            <a:extLst>
-              <a:ext uri="{FF2B5EF4-FFF2-40B4-BE49-F238E27FC236}">
-                <a16:creationId xmlns:a16="http://schemas.microsoft.com/office/drawing/2014/main" id="{C8AE3A6A-C537-450E-A547-0EC6DD9F7A53}"/>
-              </a:ext>
-            </a:extLst>
-          </p:cNvPr>
-          <p:cNvSpPr txBox="1"/>
-          <p:nvPr/>
-        </p:nvSpPr>
-        <p:spPr>
-          <a:xfrm>
-            <a:off x="456346" y="6778763"/>
-            <a:ext cx="6741373" cy="249299"/>
-          </a:xfrm>
-          <a:prstGeom prst="rect">
-            <a:avLst/>
-          </a:prstGeom>
-          <a:noFill/>
-        </p:spPr>
-        <p:txBody>
-          <a:bodyPr wrap="square" lIns="0" tIns="0" rIns="0" bIns="0" rtlCol="0">
-            <a:spAutoFit/>
-          </a:bodyPr>
-          <a:lstStyle>
-            <a:defPPr>
-              <a:defRPr lang="en-US"/>
-            </a:defPPr>
-            <a:lvl1pPr algn="just">
-              <a:lnSpc>
-                <a:spcPct val="90000"/>
-              </a:lnSpc>
-              <a:defRPr sz="900" b="1">
-                <a:solidFill>
-                  <a:srgbClr val="B9A049"/>
-                </a:solidFill>
-                <a:latin typeface="Futura PT" panose="020B0902020204020203" pitchFamily="34" charset="0"/>
-              </a:defRPr>
-            </a:lvl1pPr>
-          </a:lstStyle>
-          <a:p>
-            <a:r>
-              <a:rPr lang="fr-FR" b="0" u="sng" dirty="0">
-                <a:latin typeface="Proxima Nova Rg" panose="02000506030000020004" pitchFamily="2" charset="0"/>
-              </a:rPr>
-              <a:t>SCÉNARIO FAVORABLE</a:t>
-            </a:r>
-            <a:r>
-              <a:rPr lang="fr-FR" b="0" dirty="0">
-                <a:latin typeface="Proxima Nova Rg" panose="02000506030000020004" pitchFamily="2" charset="0"/>
-              </a:rPr>
-              <a:t> : Dès la première date de constatation du mécanisme de remboursement anticipé automatique, &lt;SJR1&gt; clôture à un &lt;SJR3&gt; supérieur ou égal à &lt;ABAC&gt;</a:t>
-            </a:r>
-          </a:p>
-        </p:txBody>
-      </p:sp>
-      <p:sp>
-        <p:nvSpPr>
-          <p:cNvPr id="19" name="Rectangle">
-            <a:extLst>
-              <a:ext uri="{FF2B5EF4-FFF2-40B4-BE49-F238E27FC236}">
-                <a16:creationId xmlns:a16="http://schemas.microsoft.com/office/drawing/2014/main" id="{0FB6940C-6599-69E9-7B96-674153F0E544}"/>
-              </a:ext>
-            </a:extLst>
-          </p:cNvPr>
-          <p:cNvSpPr/>
-          <p:nvPr/>
-        </p:nvSpPr>
-        <p:spPr>
-          <a:xfrm>
-            <a:off x="359837" y="570116"/>
-            <a:ext cx="6840000" cy="6846"/>
-          </a:xfrm>
-          <a:prstGeom prst="rect">
-            <a:avLst/>
-          </a:prstGeom>
-          <a:solidFill>
-            <a:srgbClr val="C5AF5C"/>
-          </a:solidFill>
-          <a:ln w="3175">
-            <a:miter lim="400000"/>
-          </a:ln>
-        </p:spPr>
-        <p:txBody>
-          <a:bodyPr lIns="20981" tIns="20981" rIns="20981" bIns="20981" anchor="ctr"/>
-          <a:lstStyle/>
-          <a:p>
-            <a:pPr algn="ctr" defTabSz="825500">
-              <a:lnSpc>
-                <a:spcPct val="100000"/>
-              </a:lnSpc>
-              <a:defRPr sz="3200" b="0">
-                <a:solidFill>
-                  <a:srgbClr val="FFFFFF"/>
-                </a:solidFill>
-                <a:latin typeface="Helvetica Neue Medium"/>
-                <a:ea typeface="Helvetica Neue Medium"/>
-                <a:cs typeface="Helvetica Neue Medium"/>
-                <a:sym typeface="Helvetica Neue Medium"/>
-              </a:defRPr>
-            </a:pPr>
-            <a:endParaRPr/>
-          </a:p>
-        </p:txBody>
-      </p:sp>
-      <p:sp>
-        <p:nvSpPr>
-          <p:cNvPr id="20" name="Rectangle">
-            <a:extLst>
-              <a:ext uri="{FF2B5EF4-FFF2-40B4-BE49-F238E27FC236}">
-                <a16:creationId xmlns:a16="http://schemas.microsoft.com/office/drawing/2014/main" id="{15756703-65DF-74A5-C519-581A40983479}"/>
-              </a:ext>
-            </a:extLst>
-          </p:cNvPr>
-          <p:cNvSpPr/>
-          <p:nvPr/>
-        </p:nvSpPr>
-        <p:spPr>
-          <a:xfrm>
-            <a:off x="359836" y="9725761"/>
-            <a:ext cx="6840000" cy="6846"/>
-          </a:xfrm>
-          <a:prstGeom prst="rect">
-            <a:avLst/>
-          </a:prstGeom>
-          <a:solidFill>
-            <a:srgbClr val="C5AF5C"/>
-          </a:solidFill>
-          <a:ln w="3175">
-            <a:miter lim="400000"/>
-          </a:ln>
-        </p:spPr>
-        <p:txBody>
-          <a:bodyPr lIns="20981" tIns="20981" rIns="20981" bIns="20981" anchor="ctr"/>
-          <a:lstStyle/>
-          <a:p>
-            <a:pPr algn="ctr" defTabSz="825500">
-              <a:lnSpc>
-                <a:spcPct val="100000"/>
-              </a:lnSpc>
-              <a:defRPr sz="3200" b="0">
-                <a:solidFill>
-                  <a:srgbClr val="FFFFFF"/>
-                </a:solidFill>
-                <a:latin typeface="Helvetica Neue Medium"/>
-                <a:ea typeface="Helvetica Neue Medium"/>
-                <a:cs typeface="Helvetica Neue Medium"/>
-                <a:sym typeface="Helvetica Neue Medium"/>
-              </a:defRPr>
-            </a:pPr>
-            <a:endParaRPr/>
           </a:p>
         </p:txBody>
       </p:sp>
@@ -6291,6 +6001,47 @@
       </p:graphicFrame>
       <p:sp>
         <p:nvSpPr>
+          <p:cNvPr id="13" name="ZoneTexte 12">
+            <a:extLst>
+              <a:ext uri="{FF2B5EF4-FFF2-40B4-BE49-F238E27FC236}">
+                <a16:creationId xmlns:a16="http://schemas.microsoft.com/office/drawing/2014/main" id="{A4F2091A-6D5E-49D4-A23C-B34C523C9402}"/>
+              </a:ext>
+            </a:extLst>
+          </p:cNvPr>
+          <p:cNvSpPr txBox="1"/>
+          <p:nvPr/>
+        </p:nvSpPr>
+        <p:spPr>
+          <a:xfrm>
+            <a:off x="-51235" y="9413887"/>
+            <a:ext cx="5332412" cy="200055"/>
+          </a:xfrm>
+          <a:prstGeom prst="rect">
+            <a:avLst/>
+          </a:prstGeom>
+          <a:noFill/>
+        </p:spPr>
+        <p:txBody>
+          <a:bodyPr wrap="square">
+            <a:spAutoFit/>
+          </a:bodyPr>
+          <a:lstStyle/>
+          <a:p>
+            <a:pPr lvl="1" algn="just"/>
+            <a:r>
+              <a:rPr lang="fr-FR" sz="700" i="1" dirty="0">
+                <a:solidFill>
+                  <a:schemeClr val="tx2"/>
+                </a:solidFill>
+                <a:latin typeface="Proxima Nova Rg" panose="02000506030000020004" pitchFamily="2" charset="0"/>
+              </a:rPr>
+              <a:t>*Les performances des actions sont calculées dividendes non réinvestis et sans frais.</a:t>
+            </a:r>
+          </a:p>
+        </p:txBody>
+      </p:sp>
+      <p:sp>
+        <p:nvSpPr>
           <p:cNvPr id="14" name="Espace réservé du texte 10">
             <a:extLst>
               <a:ext uri="{FF2B5EF4-FFF2-40B4-BE49-F238E27FC236}">
@@ -6305,8 +6056,8 @@
         </p:nvSpPr>
         <p:spPr>
           <a:xfrm>
-            <a:off x="359839" y="10021733"/>
-            <a:ext cx="6482920" cy="300082"/>
+            <a:off x="359839" y="9771664"/>
+            <a:ext cx="6482920" cy="500137"/>
           </a:xfrm>
           <a:prstGeom prst="rect">
             <a:avLst/>
@@ -6481,39 +6232,45 @@
             </a:lvl9pPr>
           </a:lstStyle>
           <a:p>
-            <a:pPr marL="0" marR="0" lvl="0" indent="0" algn="just" defTabSz="755934" rtl="0" eaLnBrk="1" fontAlgn="auto" latinLnBrk="0" hangingPunct="1">
-              <a:lnSpc>
-                <a:spcPct val="100000"/>
-              </a:lnSpc>
-              <a:spcBef>
-                <a:spcPts val="0"/>
-              </a:spcBef>
-              <a:spcAft>
-                <a:spcPts val="0"/>
-              </a:spcAft>
-              <a:buClrTx/>
-              <a:buSzTx/>
-              <a:buFont typeface="Arial" panose="020B0604020202020204" pitchFamily="34" charset="0"/>
-              <a:buNone/>
-              <a:tabLst/>
-              <a:defRPr/>
-            </a:pPr>
-            <a:r>
-              <a:rPr kumimoji="0" lang="fr-FR" sz="650" b="0" i="0" u="none" strike="noStrike" kern="1200" cap="none" spc="0" normalizeH="0" baseline="0" noProof="0" dirty="0">
-                <a:ln>
-                  <a:noFill/>
-                </a:ln>
-                <a:solidFill>
-                  <a:srgbClr val="000000"/>
-                </a:solidFill>
-                <a:effectLst/>
-                <a:uLnTx/>
-                <a:uFillTx/>
-                <a:latin typeface="Proxima Nova Rg" panose="02000506030000020004" pitchFamily="2" charset="0"/>
-                <a:ea typeface="+mn-ea"/>
-                <a:cs typeface="+mn-cs"/>
-              </a:rPr>
-              <a:t>L’exactitude, l’exhaustivité ou la pertinence de l’information provenant de sources externes ne sont pas garanties, bien qu’elles aient été obtenues auprès de sources raisonnablement jugées fiables. Sous réserve des lois applicables, Goldman Sachs et ses sociétés affiliées n’assument aucune responsabilité à cet égard. Les éléments du présent document relatifs aux données de marchés sont fournis sur la base de données constatées à un moment précis et qui sont susceptibles de varier.</a:t>
+            <a:pPr algn="just"/>
+            <a:r>
+              <a:rPr lang="fr-FR" sz="650" dirty="0">
+                <a:solidFill>
+                  <a:schemeClr val="tx2"/>
+                </a:solidFill>
+                <a:latin typeface="+mn-lt"/>
+              </a:rPr>
+              <a:t>LES DONNÉES RELATIVES AUX PERFORMANCES PASSÉES ONT TRAIT OU SE RÉFÈRENT À DES PÉRIODES PASSÉES ET NE SONT PAS UN INDICATEUR FIABLE DES RÉSULTATS FUTURS. CECI EST VALABLE ÉGALEMENT POUR CE QUI EST DES DONNÉES HISTORIQUES DE MARCHÉ. </a:t>
+            </a:r>
+          </a:p>
+          <a:p>
+            <a:pPr lvl="1" algn="just"/>
+            <a:r>
+              <a:rPr lang="fr-FR" sz="650" dirty="0">
+                <a:solidFill>
+                  <a:schemeClr val="tx2"/>
+                </a:solidFill>
+                <a:latin typeface="+mn-lt"/>
+              </a:rPr>
+              <a:t>L’exactitude, l’exhaustivité ou la pertinence de l’information provenant de sources externes ne sont pas garanties, bien qu’elles aient été obtenues auprès de sources raisonnablement jugées fiables. Sous réserve des lois applicables, </a:t>
+            </a:r>
+            <a:r>
+              <a:rPr lang="en-US" sz="650" dirty="0">
+                <a:solidFill>
+                  <a:schemeClr val="tx2"/>
+                </a:solidFill>
+                <a:latin typeface="+mn-lt"/>
+              </a:rPr>
+              <a:t>BNP Paribas </a:t>
+            </a:r>
+            <a:r>
+              <a:rPr lang="fr-FR" sz="650" dirty="0">
+                <a:solidFill>
+                  <a:schemeClr val="tx2"/>
+                </a:solidFill>
+                <a:latin typeface="+mn-lt"/>
+              </a:rPr>
+              <a:t>n’assume pas de responsabilité à cet égard. Les éléments du présent document relatifs aux données de marchés sont fournis sur la base de données constatées à un moment précis et qui sont susceptibles de varier.</a:t>
             </a:r>
           </a:p>
         </p:txBody>
@@ -6940,104 +6697,6 @@
                 <a:srgbClr val="FF00FF"/>
               </a:highlight>
             </a:endParaRPr>
-          </a:p>
-        </p:txBody>
-      </p:sp>
-      <p:sp>
-        <p:nvSpPr>
-          <p:cNvPr id="20" name="Rectangle">
-            <a:extLst>
-              <a:ext uri="{FF2B5EF4-FFF2-40B4-BE49-F238E27FC236}">
-                <a16:creationId xmlns:a16="http://schemas.microsoft.com/office/drawing/2014/main" id="{335D917F-75F6-40F4-677D-F8EFC60FE1F9}"/>
-              </a:ext>
-            </a:extLst>
-          </p:cNvPr>
-          <p:cNvSpPr/>
-          <p:nvPr/>
-        </p:nvSpPr>
-        <p:spPr>
-          <a:xfrm>
-            <a:off x="359837" y="570116"/>
-            <a:ext cx="6840000" cy="6846"/>
-          </a:xfrm>
-          <a:prstGeom prst="rect">
-            <a:avLst/>
-          </a:prstGeom>
-          <a:solidFill>
-            <a:srgbClr val="C5AF5C"/>
-          </a:solidFill>
-          <a:ln w="3175">
-            <a:miter lim="400000"/>
-          </a:ln>
-        </p:spPr>
-        <p:txBody>
-          <a:bodyPr lIns="20981" tIns="20981" rIns="20981" bIns="20981" anchor="ctr"/>
-          <a:lstStyle/>
-          <a:p>
-            <a:pPr algn="ctr" defTabSz="825500">
-              <a:lnSpc>
-                <a:spcPct val="100000"/>
-              </a:lnSpc>
-              <a:defRPr sz="3200" b="0">
-                <a:solidFill>
-                  <a:srgbClr val="FFFFFF"/>
-                </a:solidFill>
-                <a:latin typeface="Helvetica Neue Medium"/>
-                <a:ea typeface="Helvetica Neue Medium"/>
-                <a:cs typeface="Helvetica Neue Medium"/>
-                <a:sym typeface="Helvetica Neue Medium"/>
-              </a:defRPr>
-            </a:pPr>
-            <a:endParaRPr/>
-          </a:p>
-        </p:txBody>
-      </p:sp>
-      <p:sp>
-        <p:nvSpPr>
-          <p:cNvPr id="21" name="Rectangle">
-            <a:extLst>
-              <a:ext uri="{FF2B5EF4-FFF2-40B4-BE49-F238E27FC236}">
-                <a16:creationId xmlns:a16="http://schemas.microsoft.com/office/drawing/2014/main" id="{96BE1D1C-AD3F-5129-5332-FD73DE38192F}"/>
-              </a:ext>
-            </a:extLst>
-          </p:cNvPr>
-          <p:cNvSpPr/>
-          <p:nvPr/>
-        </p:nvSpPr>
-        <p:spPr>
-          <a:xfrm>
-            <a:off x="359836" y="9928961"/>
-            <a:ext cx="6840000" cy="6846"/>
-          </a:xfrm>
-          <a:prstGeom prst="rect">
-            <a:avLst/>
-          </a:prstGeom>
-          <a:solidFill>
-            <a:srgbClr val="C5AF5C"/>
-          </a:solidFill>
-          <a:ln w="3175">
-            <a:miter lim="400000"/>
-          </a:ln>
-        </p:spPr>
-        <p:txBody>
-          <a:bodyPr lIns="20981" tIns="20981" rIns="20981" bIns="20981" anchor="ctr"/>
-          <a:lstStyle/>
-          <a:p>
-            <a:pPr algn="ctr" defTabSz="825500">
-              <a:lnSpc>
-                <a:spcPct val="100000"/>
-              </a:lnSpc>
-              <a:defRPr sz="3200" b="0">
-                <a:solidFill>
-                  <a:srgbClr val="FFFFFF"/>
-                </a:solidFill>
-                <a:latin typeface="Helvetica Neue Medium"/>
-                <a:ea typeface="Helvetica Neue Medium"/>
-                <a:cs typeface="Helvetica Neue Medium"/>
-                <a:sym typeface="Helvetica Neue Medium"/>
-              </a:defRPr>
-            </a:pPr>
-            <a:endParaRPr/>
           </a:p>
         </p:txBody>
       </p:sp>
@@ -7101,6 +6760,67 @@
           </a:p>
         </p:txBody>
       </p:sp>
+      <p:sp>
+        <p:nvSpPr>
+          <p:cNvPr id="5" name="Text Box 2">
+            <a:extLst>
+              <a:ext uri="{FF2B5EF4-FFF2-40B4-BE49-F238E27FC236}">
+                <a16:creationId xmlns:a16="http://schemas.microsoft.com/office/drawing/2014/main" id="{45E1DCC2-11CD-41F7-969A-E4566F5B1573}"/>
+              </a:ext>
+            </a:extLst>
+          </p:cNvPr>
+          <p:cNvSpPr txBox="1">
+            <a:spLocks noChangeArrowheads="1"/>
+          </p:cNvSpPr>
+          <p:nvPr/>
+        </p:nvSpPr>
+        <p:spPr bwMode="auto">
+          <a:xfrm>
+            <a:off x="361950" y="9765983"/>
+            <a:ext cx="6483350" cy="107722"/>
+          </a:xfrm>
+          <a:prstGeom prst="rect">
+            <a:avLst/>
+          </a:prstGeom>
+          <a:noFill/>
+          <a:ln w="9525">
+            <a:noFill/>
+            <a:miter lim="800000"/>
+            <a:headEnd/>
+            <a:tailEnd/>
+          </a:ln>
+        </p:spPr>
+        <p:txBody>
+          <a:bodyPr wrap="square" lIns="0" tIns="0" rIns="0" bIns="0">
+            <a:spAutoFit/>
+          </a:bodyPr>
+          <a:lstStyle/>
+          <a:p>
+            <a:pPr lvl="0" algn="just" defTabSz="914400"/>
+            <a:r>
+              <a:rPr lang="fr-FR" sz="700" baseline="30000" dirty="0">
+                <a:solidFill>
+                  <a:srgbClr val="000000"/>
+                </a:solidFill>
+                <a:latin typeface="Proxima Nova Rg" panose="02000506030000020004" pitchFamily="2" charset="0"/>
+              </a:rPr>
+              <a:t>(1)</a:t>
+            </a:r>
+            <a:r>
+              <a:rPr lang="fr-FR" sz="700" dirty="0">
+                <a:solidFill>
+                  <a:srgbClr val="000000"/>
+                </a:solidFill>
+                <a:latin typeface="Proxima Nova Rg" panose="02000506030000020004" pitchFamily="2" charset="0"/>
+              </a:rPr>
+              <a:t> Les conflits d’intérêts seront gérés suivant la réglementation en vigueur</a:t>
+            </a:r>
+            <a:endParaRPr lang="fr-FR" sz="650" i="1" dirty="0">
+              <a:latin typeface="Proxima Nova Rg" panose="02000506030000020004" pitchFamily="2" charset="0"/>
+            </a:endParaRPr>
+          </a:p>
+        </p:txBody>
+      </p:sp>
       <p:graphicFrame>
         <p:nvGraphicFramePr>
           <p:cNvPr id="4" name="Tableau 3">
@@ -7116,14 +6836,14 @@
           <p:nvPr>
             <p:extLst>
               <p:ext uri="{D42A27DB-BD31-4B8C-83A1-F6EECF244321}">
-                <p14:modId xmlns:p14="http://schemas.microsoft.com/office/powerpoint/2010/main" val="2414779296"/>
+                <p14:modId xmlns:p14="http://schemas.microsoft.com/office/powerpoint/2010/main" val="1366894946"/>
               </p:ext>
             </p:extLst>
           </p:nvPr>
         </p:nvGraphicFramePr>
         <p:xfrm>
           <a:off x="361950" y="979297"/>
-          <a:ext cx="6837886" cy="8391811"/>
+          <a:ext cx="6837886" cy="8103775"/>
         </p:xfrm>
         <a:graphic>
           <a:graphicData uri="http://schemas.openxmlformats.org/drawingml/2006/table">
@@ -7254,7 +6974,7 @@
                           </a:solidFill>
                           <a:latin typeface="+mn-lt"/>
                         </a:rPr>
-                        <a:t>Titre de créance (Note) de droit &lt;droit&gt; présentant un risque de perte en capital partielle ou </a:t>
+                        <a:t>EMTN (Euro Medium </a:t>
                       </a:r>
                       <a:r>
                         <a:rPr lang="fr-FR" sz="700" b="1" i="0" dirty="0" err="1">
@@ -7263,7 +6983,7 @@
                           </a:solidFill>
                           <a:latin typeface="+mn-lt"/>
                         </a:rPr>
-                        <a:t>totatale</a:t>
+                        <a:t>Term</a:t>
                       </a:r>
                       <a:r>
                         <a:rPr lang="fr-FR" sz="700" b="1" i="0" dirty="0">
@@ -7272,25 +6992,7 @@
                           </a:solidFill>
                           <a:latin typeface="+mn-lt"/>
                         </a:rPr>
-                        <a:t> en cours de </a:t>
-                      </a:r>
-                      <a:r>
-                        <a:rPr lang="fr-FR" sz="700" b="1" i="0" dirty="0" err="1">
-                          <a:solidFill>
-                            <a:schemeClr val="tx1"/>
-                          </a:solidFill>
-                          <a:latin typeface="+mn-lt"/>
-                        </a:rPr>
-                        <a:t>viet</a:t>
-                      </a:r>
-                      <a:r>
-                        <a:rPr lang="fr-FR" sz="700" b="1" i="0" dirty="0">
-                          <a:solidFill>
-                            <a:schemeClr val="tx1"/>
-                          </a:solidFill>
-                          <a:latin typeface="+mn-lt"/>
-                        </a:rPr>
-                        <a:t> et à l’échéance</a:t>
+                        <a:t> Note), titre de créance de droit &lt;droit&gt; présentant un risque de perte en capital en cours de vie et à l’échéance</a:t>
                       </a:r>
                     </a:p>
                   </a:txBody>
@@ -7475,42 +7177,9 @@
                           <a:ea typeface="+mn-ea"/>
                           <a:cs typeface="+mn-cs"/>
                         </a:rPr>
-                        <a:t>Goldman Sachs International (Standard &amp; Poor’s A+, Moody’s A1, Fitch A+). </a:t>
+                        <a:t>Goldman Sachs Finance Corp International Ltd</a:t>
                       </a:r>
-                      <a:r>
-                        <a:rPr lang="fr-FR" sz="700" b="0" i="0" kern="1200" noProof="0" dirty="0">
-                          <a:solidFill>
-                            <a:srgbClr val="000000"/>
-                          </a:solidFill>
-                          <a:latin typeface="Proxima Nova Rg" panose="02000506030000020004" pitchFamily="2" charset="0"/>
-                          <a:ea typeface="+mn-ea"/>
-                          <a:cs typeface="+mn-cs"/>
-                        </a:rPr>
-                        <a:t>Notations en vigueur au &lt;2PDC&gt;. Ces notations peuvent être révisées à tout moment et ne sont pas une garantie de solvabilité de l’Emetteur. Elles ne sauraient constituer un argument de souscription au titre de </a:t>
-                      </a:r>
-                      <a:r>
-                        <a:rPr lang="fr-FR" sz="700" b="0" i="0" kern="1200" noProof="0" dirty="0" err="1">
-                          <a:solidFill>
-                            <a:srgbClr val="000000"/>
-                          </a:solidFill>
-                          <a:latin typeface="Proxima Nova Rg" panose="02000506030000020004" pitchFamily="2" charset="0"/>
-                          <a:ea typeface="+mn-ea"/>
-                          <a:cs typeface="+mn-cs"/>
-                        </a:rPr>
-                        <a:t>creance</a:t>
-                      </a:r>
-                      <a:r>
-                        <a:rPr lang="fr-FR" sz="700" b="0" i="0" kern="1200" noProof="0" dirty="0">
-                          <a:solidFill>
-                            <a:srgbClr val="000000"/>
-                          </a:solidFill>
-                          <a:latin typeface="Proxima Nova Rg" panose="02000506030000020004" pitchFamily="2" charset="0"/>
-                          <a:ea typeface="+mn-ea"/>
-                          <a:cs typeface="+mn-cs"/>
-                        </a:rPr>
-                        <a:t>.</a:t>
-                      </a:r>
-                      <a:endParaRPr lang="fr-FR" sz="700" b="0" i="0" kern="1200" baseline="0" noProof="0" dirty="0">
+                      <a:endParaRPr lang="en-US" sz="700" b="0" i="0" kern="1200" baseline="0" noProof="0" dirty="0">
                         <a:solidFill>
                           <a:srgbClr val="000000"/>
                         </a:solidFill>
@@ -7612,7 +7281,7 @@
                           <a:ea typeface="+mn-ea"/>
                           <a:cs typeface="+mn-cs"/>
                         </a:rPr>
-                        <a:t>GARANT</a:t>
+                        <a:t>Garant de la formule et des sommes dues</a:t>
                       </a:r>
                     </a:p>
                   </a:txBody>
@@ -7701,7 +7370,7 @@
                           <a:ea typeface="+mn-ea"/>
                           <a:cs typeface="+mn-cs"/>
                         </a:rPr>
-                        <a:t>Non applicable</a:t>
+                        <a:t>The Goldman Sachs Group, Inc., Delaware, USA.</a:t>
                       </a:r>
                     </a:p>
                   </a:txBody>
@@ -7974,7 +7643,7 @@
                         <a:defRPr/>
                       </a:pPr>
                       <a:r>
-                        <a:rPr lang="fr-FR" sz="700" b="1" kern="1200" dirty="0">
+                        <a:rPr lang="fr-FR" sz="700" b="1" kern="1200">
                           <a:solidFill>
                             <a:srgbClr val="B9A049"/>
                           </a:solidFill>
@@ -8355,7 +8024,7 @@
                         <a:tabLst/>
                       </a:pPr>
                       <a:r>
-                        <a:rPr lang="fr-FR" sz="700" b="0" i="0" kern="1200" dirty="0">
+                        <a:rPr lang="fr-FR" sz="700" b="0" i="0" kern="1200">
                           <a:solidFill>
                             <a:schemeClr val="tx1"/>
                           </a:solidFill>
@@ -8723,7 +8392,7 @@
                         <a:tabLst/>
                       </a:pPr>
                       <a:r>
-                        <a:rPr lang="fr-FR" sz="700" b="0" i="0" kern="1200" dirty="0">
+                        <a:rPr lang="fr-FR" sz="700" b="0" i="0" kern="1200">
                           <a:solidFill>
                             <a:schemeClr val="tx1"/>
                           </a:solidFill>
@@ -8819,7 +8488,7 @@
                         <a:defRPr/>
                       </a:pPr>
                       <a:r>
-                        <a:rPr lang="fr-FR" sz="700" b="1" kern="1200" dirty="0">
+                        <a:rPr lang="fr-FR" sz="700" b="1" kern="1200">
                           <a:solidFill>
                             <a:srgbClr val="B9A049"/>
                           </a:solidFill>
@@ -8907,7 +8576,7 @@
                         <a:tabLst/>
                       </a:pPr>
                       <a:r>
-                        <a:rPr lang="fr-FR" sz="700" b="0" i="0" kern="1200" dirty="0">
+                        <a:rPr lang="fr-FR" sz="700" b="0" i="0" kern="1200">
                           <a:solidFill>
                             <a:schemeClr val="tx1"/>
                           </a:solidFill>
@@ -9003,7 +8672,7 @@
                         <a:defRPr/>
                       </a:pPr>
                       <a:r>
-                        <a:rPr lang="fr-FR" sz="700" b="1" kern="1200" dirty="0">
+                        <a:rPr lang="fr-FR" sz="700" b="1" kern="1200">
                           <a:solidFill>
                             <a:srgbClr val="B9A049"/>
                           </a:solidFill>
@@ -9091,6 +8760,17 @@
                         <a:tabLst/>
                       </a:pPr>
                       <a:r>
+                        <a:rPr lang="fr-FR" sz="700" b="0" i="0" kern="1200">
+                          <a:solidFill>
+                            <a:schemeClr val="tx1"/>
+                          </a:solidFill>
+                          <a:latin typeface="+mn-lt"/>
+                          <a:ea typeface="+mn-ea"/>
+                          <a:cs typeface="+mn-cs"/>
+                        </a:rPr>
+                        <a:t>&lt;</a:t>
+                      </a:r>
+                      <a:r>
                         <a:rPr lang="fr-FR" sz="700" b="0" i="0" kern="1200" dirty="0">
                           <a:solidFill>
                             <a:schemeClr val="tx1"/>
@@ -9099,7 +8779,29 @@
                           <a:ea typeface="+mn-ea"/>
                           <a:cs typeface="+mn-cs"/>
                         </a:rPr>
-                        <a:t>&lt;émission&gt;</a:t>
+                        <a:t>é</a:t>
+                      </a:r>
+                      <a:r>
+                        <a:rPr lang="fr-FR" sz="700" b="0" i="0" kern="1200">
+                          <a:solidFill>
+                            <a:schemeClr val="tx1"/>
+                          </a:solidFill>
+                          <a:latin typeface="+mn-lt"/>
+                          <a:ea typeface="+mn-ea"/>
+                          <a:cs typeface="+mn-cs"/>
+                        </a:rPr>
+                        <a:t>mission</a:t>
+                      </a:r>
+                      <a:r>
+                        <a:rPr lang="fr-FR" sz="700" b="0" i="0" kern="1200" dirty="0">
+                          <a:solidFill>
+                            <a:schemeClr val="tx1"/>
+                          </a:solidFill>
+                          <a:latin typeface="+mn-lt"/>
+                          <a:ea typeface="+mn-ea"/>
+                          <a:cs typeface="+mn-cs"/>
+                        </a:rPr>
+                        <a:t>&gt;</a:t>
                       </a:r>
                     </a:p>
                   </a:txBody>
@@ -9187,7 +8889,7 @@
                         <a:defRPr/>
                       </a:pPr>
                       <a:r>
-                        <a:rPr lang="fr-FR" sz="700" b="1" kern="1200" dirty="0">
+                        <a:rPr lang="fr-FR" sz="700" b="1" kern="1200">
                           <a:solidFill>
                             <a:srgbClr val="B9A049"/>
                           </a:solidFill>
@@ -9371,7 +9073,7 @@
                         <a:defRPr/>
                       </a:pPr>
                       <a:r>
-                        <a:rPr lang="fr-FR" sz="700" b="1" kern="1200" dirty="0">
+                        <a:rPr lang="fr-FR" sz="700" b="1" kern="1200">
                           <a:solidFill>
                             <a:srgbClr val="B9A049"/>
                           </a:solidFill>
@@ -9566,7 +9268,7 @@
                         <a:defRPr/>
                       </a:pPr>
                       <a:r>
-                        <a:rPr lang="fr-FR" sz="700" b="1" kern="1200" dirty="0">
+                        <a:rPr lang="fr-FR" sz="700" b="1" kern="1200">
                           <a:solidFill>
                             <a:srgbClr val="B9A049"/>
                           </a:solidFill>
@@ -9939,7 +9641,7 @@
                         <a:defRPr/>
                       </a:pPr>
                       <a:r>
-                        <a:rPr lang="fr-FR" sz="700" b="1" kern="1200" dirty="0">
+                        <a:rPr lang="fr-FR" sz="700" b="1" kern="1200">
                           <a:solidFill>
                             <a:srgbClr val="B9A049"/>
                           </a:solidFill>
@@ -10408,7 +10110,35 @@
                           <a:ea typeface="+mn-ea"/>
                           <a:cs typeface="+mn-cs"/>
                         </a:rPr>
-                        <a:t>&lt;Datesconstatations1&gt;</a:t>
+                        <a:t>&lt;</a:t>
+                      </a:r>
+                      <a:r>
+                        <a:rPr lang="fr-FR" sz="700" b="0" i="0" kern="1200" dirty="0" err="1">
+                          <a:solidFill>
+                            <a:schemeClr val="tx1"/>
+                          </a:solidFill>
+                          <a:highlight>
+                            <a:srgbClr val="00FFFF"/>
+                          </a:highlight>
+                          <a:latin typeface="+mn-lt"/>
+                          <a:ea typeface="+mn-ea"/>
+                          <a:cs typeface="+mn-cs"/>
+                        </a:rPr>
+                        <a:t>dates_constat_autocall</a:t>
+                      </a:r>
+                      <a:r>
+                        <a:rPr lang="fr-FR" sz="700" b="0" i="0" kern="1200" dirty="0">
+                          <a:solidFill>
+                            <a:schemeClr val="tx1"/>
+                          </a:solidFill>
+                          <a:highlight>
+                            <a:srgbClr val="00FFFF"/>
+                          </a:highlight>
+                          <a:latin typeface="+mn-lt"/>
+                          <a:ea typeface="+mn-ea"/>
+                          <a:cs typeface="+mn-cs"/>
+                        </a:rPr>
+                        <a:t>&gt;</a:t>
                       </a:r>
                     </a:p>
                   </a:txBody>
@@ -10587,6 +10317,20 @@
                       <a:r>
                         <a:rPr lang="fr-FR" sz="700" b="0" i="0" kern="1200" dirty="0">
                           <a:solidFill>
+                            <a:srgbClr val="FF0000"/>
+                          </a:solidFill>
+                          <a:highlight>
+                            <a:srgbClr val="00FFFF"/>
+                          </a:highlight>
+                          <a:latin typeface="+mn-lt"/>
+                          <a:ea typeface="+mn-ea"/>
+                          <a:cs typeface="+mn-cs"/>
+                        </a:rPr>
+                        <a:t>&lt;</a:t>
+                      </a:r>
+                      <a:r>
+                        <a:rPr lang="fr-FR" sz="700" b="0" i="0" kern="1200" baseline="0" dirty="0" err="1">
+                          <a:solidFill>
                             <a:schemeClr val="tx1"/>
                           </a:solidFill>
                           <a:highlight>
@@ -10596,7 +10340,21 @@
                           <a:ea typeface="+mn-ea"/>
                           <a:cs typeface="+mn-cs"/>
                         </a:rPr>
-                        <a:t>&lt;Datesremb1&gt;</a:t>
+                        <a:t>dates_paiement_autocall</a:t>
+                      </a:r>
+                      <a:r>
+                        <a:rPr lang="fr-FR" sz="700" b="0" i="0" kern="1200" baseline="0" dirty="0">
+                          <a:solidFill>
+                            <a:schemeClr val="tx1"/>
+                          </a:solidFill>
+                          <a:highlight>
+                            <a:srgbClr val="00FFFF"/>
+                          </a:highlight>
+                          <a:latin typeface="+mn-lt"/>
+                          <a:ea typeface="+mn-ea"/>
+                          <a:cs typeface="+mn-cs"/>
+                        </a:rPr>
+                        <a:t>&gt;</a:t>
                       </a:r>
                     </a:p>
                   </a:txBody>
@@ -11239,7 +10997,7 @@
                         <a:defRPr/>
                       </a:pPr>
                       <a:r>
-                        <a:rPr lang="fr-FR" sz="700" b="1" kern="1200" dirty="0">
+                        <a:rPr lang="fr-FR" sz="700" b="1" kern="1200">
                           <a:solidFill>
                             <a:srgbClr val="B9A049"/>
                           </a:solidFill>
@@ -11424,7 +11182,7 @@
                         <a:defRPr/>
                       </a:pPr>
                       <a:r>
-                        <a:rPr lang="fr-FR" sz="700" b="1" kern="1200" dirty="0">
+                        <a:rPr lang="fr-FR" sz="700" b="1" kern="1200">
                           <a:solidFill>
                             <a:srgbClr val="B9A049"/>
                           </a:solidFill>
@@ -11627,7 +11385,7 @@
                         <a:defRPr/>
                       </a:pPr>
                       <a:r>
-                        <a:rPr lang="fr-FR" sz="700" b="1" kern="1200" dirty="0">
+                        <a:rPr lang="fr-FR" sz="700" b="1" kern="1200">
                           <a:solidFill>
                             <a:srgbClr val="B9A049"/>
                           </a:solidFill>
@@ -11715,7 +11473,7 @@
                         <a:tabLst/>
                       </a:pPr>
                       <a:r>
-                        <a:rPr lang="fr-FR" sz="700" b="0" i="0" kern="1200" dirty="0">
+                        <a:rPr lang="fr-FR" sz="700" b="0" i="0" kern="1200">
                           <a:solidFill>
                             <a:schemeClr val="tx1"/>
                           </a:solidFill>
@@ -11811,7 +11569,7 @@
                         <a:defRPr/>
                       </a:pPr>
                       <a:r>
-                        <a:rPr lang="fr-FR" sz="700" b="1" kern="1200" dirty="0">
+                        <a:rPr lang="fr-FR" sz="700" b="1" kern="1200">
                           <a:solidFill>
                             <a:srgbClr val="B9A049"/>
                           </a:solidFill>
@@ -12363,7 +12121,7 @@
                         <a:defRPr/>
                       </a:pPr>
                       <a:r>
-                        <a:rPr lang="fr-FR" sz="700" b="1" kern="1200" dirty="0">
+                        <a:rPr lang="fr-FR" sz="700" b="1" kern="1200">
                           <a:solidFill>
                             <a:srgbClr val="B9A049"/>
                           </a:solidFill>
@@ -12667,7 +12425,7 @@
                           <a:ea typeface="+mn-ea"/>
                           <a:cs typeface="+mn-cs"/>
                         </a:rPr>
-                        <a:t>, une valorisation du titre de créance sera assurée, tous les quinze jours à compter du &lt;2PDC&gt; par une société de service indépendante financièrement de </a:t>
+                        <a:t>, une valorisation du titre de créance sera assurée, tous les quinze jours à compter du 09/06/2022 par une société de service indépendante financièrement de </a:t>
                       </a:r>
                       <a:r>
                         <a:rPr lang="en-US" sz="700" b="0" i="0" kern="1200" dirty="0">
@@ -12799,7 +12557,7 @@
                         <a:defRPr/>
                       </a:pPr>
                       <a:r>
-                        <a:rPr lang="fr-FR" sz="700" b="1" kern="1200" dirty="0">
+                        <a:rPr lang="fr-FR" sz="700" b="1" kern="1200">
                           <a:solidFill>
                             <a:srgbClr val="B9A049"/>
                           </a:solidFill>
@@ -12994,7 +12752,7 @@
                         </a:lnSpc>
                       </a:pPr>
                       <a:r>
-                        <a:rPr lang="fr-FR" sz="700" b="1" kern="1200" dirty="0">
+                        <a:rPr lang="fr-FR" sz="700" b="1" kern="1200">
                           <a:solidFill>
                             <a:srgbClr val="B9A049"/>
                           </a:solidFill>
@@ -13211,7 +12969,7 @@
                         <a:tabLst/>
                       </a:pPr>
                       <a:r>
-                        <a:rPr lang="fr-FR" sz="700" b="1" kern="1200" dirty="0">
+                        <a:rPr lang="fr-FR" sz="700" b="1" kern="1200">
                           <a:solidFill>
                             <a:srgbClr val="B9A049"/>
                           </a:solidFill>
@@ -13624,55 +13382,6 @@
           </a:p>
         </p:txBody>
       </p:sp>
-      <p:sp>
-        <p:nvSpPr>
-          <p:cNvPr id="8" name="Rectangle">
-            <a:extLst>
-              <a:ext uri="{FF2B5EF4-FFF2-40B4-BE49-F238E27FC236}">
-                <a16:creationId xmlns:a16="http://schemas.microsoft.com/office/drawing/2014/main" id="{1B60BDA7-035E-6654-E329-A6DC08B81556}"/>
-              </a:ext>
-            </a:extLst>
-          </p:cNvPr>
-          <p:cNvSpPr/>
-          <p:nvPr/>
-        </p:nvSpPr>
-        <p:spPr>
-          <a:xfrm>
-            <a:off x="359837" y="570116"/>
-            <a:ext cx="6840000" cy="6846"/>
-          </a:xfrm>
-          <a:prstGeom prst="rect">
-            <a:avLst/>
-          </a:prstGeom>
-          <a:solidFill>
-            <a:srgbClr val="C5AF5C"/>
-          </a:solidFill>
-          <a:ln w="3175">
-            <a:miter lim="400000"/>
-          </a:ln>
-        </p:spPr>
-        <p:txBody>
-          <a:bodyPr lIns="20981" tIns="20981" rIns="20981" bIns="20981" anchor="ctr"/>
-          <a:lstStyle/>
-          <a:p>
-            <a:pPr algn="ctr" defTabSz="825500">
-              <a:lnSpc>
-                <a:spcPct val="100000"/>
-              </a:lnSpc>
-              <a:defRPr sz="3200" b="0">
-                <a:solidFill>
-                  <a:srgbClr val="FFFFFF"/>
-                </a:solidFill>
-                <a:latin typeface="Helvetica Neue Medium"/>
-                <a:ea typeface="Helvetica Neue Medium"/>
-                <a:cs typeface="Helvetica Neue Medium"/>
-                <a:sym typeface="Helvetica Neue Medium"/>
-              </a:defRPr>
-            </a:pPr>
-            <a:endParaRPr/>
-          </a:p>
-        </p:txBody>
-      </p:sp>
     </p:spTree>
     <p:extLst>
       <p:ext uri="{BB962C8B-B14F-4D97-AF65-F5344CB8AC3E}">
@@ -13703,36 +13412,6 @@
           <a:chExt cx="0" cy="0"/>
         </a:xfrm>
       </p:grpSpPr>
-      <p:sp>
-        <p:nvSpPr>
-          <p:cNvPr id="2" name="Espace réservé du numéro de diapositive 1">
-            <a:extLst>
-              <a:ext uri="{FF2B5EF4-FFF2-40B4-BE49-F238E27FC236}">
-                <a16:creationId xmlns:a16="http://schemas.microsoft.com/office/drawing/2014/main" id="{0C33C7E1-5760-4AFF-97B6-9362D2C8CD65}"/>
-              </a:ext>
-            </a:extLst>
-          </p:cNvPr>
-          <p:cNvSpPr>
-            <a:spLocks noGrp="1"/>
-          </p:cNvSpPr>
-          <p:nvPr>
-            <p:ph type="sldNum" sz="quarter" idx="4"/>
-          </p:nvPr>
-        </p:nvSpPr>
-        <p:spPr/>
-        <p:txBody>
-          <a:bodyPr/>
-          <a:lstStyle/>
-          <a:p>
-            <a:fld id="{58F0BA28-1212-45AE-B075-64C06113A6D3}" type="slidenum">
-              <a:rPr lang="fr-FR" smtClean="0"/>
-              <a:pPr/>
-              <a:t>13</a:t>
-            </a:fld>
-            <a:endParaRPr lang="fr-FR" dirty="0"/>
-          </a:p>
-        </p:txBody>
-      </p:sp>
       <p:graphicFrame>
         <p:nvGraphicFramePr>
           <p:cNvPr id="9" name="Tableau 8">
@@ -13748,14 +13427,14 @@
           <p:nvPr>
             <p:extLst>
               <p:ext uri="{D42A27DB-BD31-4B8C-83A1-F6EECF244321}">
-                <p14:modId xmlns:p14="http://schemas.microsoft.com/office/powerpoint/2010/main" val="4146365128"/>
+                <p14:modId xmlns:p14="http://schemas.microsoft.com/office/powerpoint/2010/main" val="227458976"/>
               </p:ext>
             </p:extLst>
           </p:nvPr>
         </p:nvGraphicFramePr>
         <p:xfrm>
           <a:off x="360894" y="641350"/>
-          <a:ext cx="6837886" cy="8501540"/>
+          <a:ext cx="6837886" cy="8607668"/>
         </p:xfrm>
         <a:graphic>
           <a:graphicData uri="http://schemas.openxmlformats.org/drawingml/2006/table">
@@ -13836,9 +13515,7 @@
                     </a:lnT>
                     <a:lnB w="6350" cap="flat" cmpd="sng" algn="ctr">
                       <a:solidFill>
-                        <a:schemeClr val="bg1">
-                          <a:lumMod val="50000"/>
-                        </a:schemeClr>
+                        <a:schemeClr val="tx1"/>
                       </a:solidFill>
                       <a:prstDash val="solid"/>
                       <a:round/>
@@ -13900,9 +13577,7 @@
                     </a:lnT>
                     <a:lnB w="6350" cap="flat" cmpd="sng" algn="ctr">
                       <a:solidFill>
-                        <a:schemeClr val="bg1">
-                          <a:lumMod val="50000"/>
-                        </a:schemeClr>
+                        <a:schemeClr val="tx1"/>
                       </a:solidFill>
                       <a:prstDash val="solid"/>
                       <a:round/>
@@ -13928,7 +13603,7 @@
                   </a:ext>
                 </a:extLst>
               </a:tr>
-              <a:tr h="174072">
+              <a:tr h="472328">
                 <a:tc>
                   <a:txBody>
                     <a:bodyPr/>
@@ -13987,9 +13662,7 @@
                     </a:lnR>
                     <a:lnT w="6350" cap="flat" cmpd="sng" algn="ctr">
                       <a:solidFill>
-                        <a:schemeClr val="bg1">
-                          <a:lumMod val="50000"/>
-                        </a:schemeClr>
+                        <a:schemeClr val="tx1"/>
                       </a:solidFill>
                       <a:prstDash val="solid"/>
                       <a:round/>
@@ -14037,7 +13710,7 @@
                           </a:solidFill>
                           <a:latin typeface="+mn-lt"/>
                         </a:rPr>
-                        <a:t>EMTN (Euro Medium </a:t>
+                        <a:t>Titre de créance (Note), de droit &lt;droit&gt; présentant un risque de perte en capital partielle ou totale en cours de vie et à l’</a:t>
                       </a:r>
                       <a:r>
                         <a:rPr lang="fr-FR" sz="700" b="1" i="0" dirty="0" err="1">
@@ -14046,7 +13719,7 @@
                           </a:solidFill>
                           <a:latin typeface="+mn-lt"/>
                         </a:rPr>
-                        <a:t>Term</a:t>
+                        <a:t>échance</a:t>
                       </a:r>
                       <a:r>
                         <a:rPr lang="fr-FR" sz="700" b="1" i="0" dirty="0">
@@ -14055,23 +13728,8 @@
                           </a:solidFill>
                           <a:latin typeface="+mn-lt"/>
                         </a:rPr>
-                        <a:t> Note), titre de créance de droit &lt;droit&gt; présentant un risque de perte en capital en cours de vie et à l’</a:t>
+                        <a:t>.</a:t>
                       </a:r>
-                      <a:r>
-                        <a:rPr lang="fr-FR" sz="700" b="1" i="0" dirty="0" err="1">
-                          <a:solidFill>
-                            <a:schemeClr val="tx1"/>
-                          </a:solidFill>
-                          <a:latin typeface="+mn-lt"/>
-                        </a:rPr>
-                        <a:t>échéace</a:t>
-                      </a:r>
-                      <a:endParaRPr lang="fr-FR" sz="700" b="1" i="0" dirty="0">
-                        <a:solidFill>
-                          <a:schemeClr val="tx1"/>
-                        </a:solidFill>
-                        <a:latin typeface="+mn-lt"/>
-                      </a:endParaRPr>
                     </a:p>
                   </a:txBody>
                   <a:tcPr marL="36000" marR="36000" marT="46800" marB="46800" anchor="ctr">
@@ -14097,9 +13755,7 @@
                     </a:lnR>
                     <a:lnT w="6350" cap="flat" cmpd="sng" algn="ctr">
                       <a:solidFill>
-                        <a:schemeClr val="bg1">
-                          <a:lumMod val="50000"/>
-                        </a:schemeClr>
+                        <a:schemeClr val="tx1"/>
                       </a:solidFill>
                       <a:prstDash val="solid"/>
                       <a:round/>
@@ -14134,7 +13790,7 @@
                   </a:ext>
                 </a:extLst>
               </a:tr>
-              <a:tr h="122060">
+              <a:tr h="198049">
                 <a:tc>
                   <a:txBody>
                     <a:bodyPr/>
@@ -14261,7 +13917,24 @@
                           <a:ea typeface="+mn-ea"/>
                           <a:cs typeface="+mn-cs"/>
                         </a:rPr>
-                        <a:t>Goldman Sachs International</a:t>
+                        <a:t>Goldman Sachs Finance Corp International </a:t>
+                      </a:r>
+                      <a:r>
+                        <a:rPr kumimoji="0" lang="fr-FR" sz="700" b="0" i="0" u="none" strike="noStrike" kern="1200" cap="none" spc="0" normalizeH="0" baseline="0" noProof="0" dirty="0" err="1">
+                          <a:ln>
+                            <a:noFill/>
+                          </a:ln>
+                          <a:solidFill>
+                            <a:schemeClr val="tx1"/>
+                          </a:solidFill>
+                          <a:effectLst/>
+                          <a:uLnTx/>
+                          <a:uFillTx/>
+                          <a:latin typeface="+mn-lt"/>
+                          <a:ea typeface="+mn-ea"/>
+                          <a:cs typeface="+mn-cs"/>
+                        </a:rPr>
+                        <a:t>LtD</a:t>
                       </a:r>
                       <a:endParaRPr kumimoji="0" lang="fr-FR" sz="700" b="0" i="0" u="none" strike="noStrike" kern="1200" cap="none" spc="0" normalizeH="0" baseline="30000" noProof="0" dirty="0">
                         <a:ln>
@@ -14339,7 +14012,198 @@
                   </a:ext>
                 </a:extLst>
               </a:tr>
-              <a:tr h="122060">
+              <a:tr h="198049">
+                <a:tc>
+                  <a:txBody>
+                    <a:bodyPr/>
+                    <a:lstStyle/>
+                    <a:p>
+                      <a:pPr marL="0" marR="0" lvl="0" indent="0" algn="l" defTabSz="755934" rtl="0" eaLnBrk="1" fontAlgn="auto" latinLnBrk="0" hangingPunct="1">
+                        <a:lnSpc>
+                          <a:spcPct val="90000"/>
+                        </a:lnSpc>
+                        <a:spcBef>
+                          <a:spcPts val="0"/>
+                        </a:spcBef>
+                        <a:spcAft>
+                          <a:spcPts val="0"/>
+                        </a:spcAft>
+                        <a:buClrTx/>
+                        <a:buSzTx/>
+                        <a:buFontTx/>
+                        <a:buNone/>
+                        <a:tabLst/>
+                        <a:defRPr/>
+                      </a:pPr>
+                      <a:r>
+                        <a:rPr lang="fr-FR" sz="700" b="1" kern="1200" dirty="0">
+                          <a:solidFill>
+                            <a:srgbClr val="B9A049"/>
+                          </a:solidFill>
+                          <a:latin typeface="+mn-lt"/>
+                          <a:ea typeface="+mn-ea"/>
+                          <a:cs typeface="+mn-cs"/>
+                        </a:rPr>
+                        <a:t>GARANT</a:t>
+                      </a:r>
+                    </a:p>
+                  </a:txBody>
+                  <a:tcPr marL="72000" marR="72000" marT="46800" marB="46800" anchor="ctr" horzOverflow="overflow">
+                    <a:lnL w="12700" cap="flat" cmpd="sng" algn="ctr">
+                      <a:solidFill>
+                        <a:schemeClr val="bg1">
+                          <a:lumMod val="85000"/>
+                        </a:schemeClr>
+                      </a:solidFill>
+                      <a:prstDash val="solid"/>
+                      <a:round/>
+                      <a:headEnd type="none" w="med" len="med"/>
+                      <a:tailEnd type="none" w="med" len="med"/>
+                    </a:lnL>
+                    <a:lnR w="12700" cap="flat" cmpd="sng" algn="ctr">
+                      <a:solidFill>
+                        <a:schemeClr val="bg1"/>
+                      </a:solidFill>
+                      <a:prstDash val="solid"/>
+                      <a:round/>
+                      <a:headEnd type="none" w="med" len="med"/>
+                      <a:tailEnd type="none" w="med" len="med"/>
+                    </a:lnR>
+                    <a:lnT w="12700" cap="flat" cmpd="sng" algn="ctr">
+                      <a:solidFill>
+                        <a:schemeClr val="bg1"/>
+                      </a:solidFill>
+                      <a:prstDash val="solid"/>
+                      <a:round/>
+                      <a:headEnd type="none" w="med" len="med"/>
+                      <a:tailEnd type="none" w="med" len="med"/>
+                    </a:lnT>
+                    <a:lnB w="12700" cap="flat" cmpd="sng" algn="ctr">
+                      <a:solidFill>
+                        <a:schemeClr val="bg1"/>
+                      </a:solidFill>
+                      <a:prstDash val="solid"/>
+                      <a:round/>
+                      <a:headEnd type="none" w="med" len="med"/>
+                      <a:tailEnd type="none" w="med" len="med"/>
+                    </a:lnB>
+                    <a:lnTlToBr w="12700" cmpd="sng">
+                      <a:noFill/>
+                      <a:prstDash val="solid"/>
+                    </a:lnTlToBr>
+                    <a:lnBlToTr w="12700" cmpd="sng">
+                      <a:noFill/>
+                      <a:prstDash val="solid"/>
+                    </a:lnBlToTr>
+                    <a:solidFill>
+                      <a:schemeClr val="bg1">
+                        <a:lumMod val="95000"/>
+                      </a:schemeClr>
+                    </a:solidFill>
+                  </a:tcPr>
+                </a:tc>
+                <a:tc>
+                  <a:txBody>
+                    <a:bodyPr/>
+                    <a:lstStyle/>
+                    <a:p>
+                      <a:pPr marL="0" marR="0" lvl="0" indent="0" algn="just" defTabSz="1042988" rtl="0" eaLnBrk="1" fontAlgn="base" latinLnBrk="0" hangingPunct="1">
+                        <a:lnSpc>
+                          <a:spcPct val="100000"/>
+                        </a:lnSpc>
+                        <a:spcBef>
+                          <a:spcPct val="0"/>
+                        </a:spcBef>
+                        <a:spcAft>
+                          <a:spcPct val="0"/>
+                        </a:spcAft>
+                        <a:buClrTx/>
+                        <a:buSzTx/>
+                        <a:buFontTx/>
+                        <a:buNone/>
+                        <a:tabLst/>
+                        <a:defRPr/>
+                      </a:pPr>
+                      <a:r>
+                        <a:rPr kumimoji="0" lang="fr-FR" sz="700" b="0" i="0" u="none" strike="noStrike" kern="1200" cap="none" spc="0" normalizeH="0" baseline="0" noProof="0" dirty="0">
+                          <a:ln>
+                            <a:noFill/>
+                          </a:ln>
+                          <a:solidFill>
+                            <a:schemeClr val="tx1"/>
+                          </a:solidFill>
+                          <a:effectLst/>
+                          <a:uLnTx/>
+                          <a:uFillTx/>
+                          <a:latin typeface="+mn-lt"/>
+                          <a:ea typeface="+mn-ea"/>
+                          <a:cs typeface="+mn-cs"/>
+                        </a:rPr>
+                        <a:t>The Goldman Sachs Group, Inc., Delaware, USA</a:t>
+                      </a:r>
+                    </a:p>
+                  </a:txBody>
+                  <a:tcPr marL="72000" marR="72000" marT="46800" marB="46800" anchor="ctr" horzOverflow="overflow">
+                    <a:lnL w="12700" cap="flat" cmpd="sng" algn="ctr">
+                      <a:solidFill>
+                        <a:schemeClr val="bg1"/>
+                      </a:solidFill>
+                      <a:prstDash val="solid"/>
+                      <a:round/>
+                      <a:headEnd type="none" w="med" len="med"/>
+                      <a:tailEnd type="none" w="med" len="med"/>
+                    </a:lnL>
+                    <a:lnR w="6350" cap="flat" cmpd="sng" algn="ctr">
+                      <a:solidFill>
+                        <a:schemeClr val="bg1">
+                          <a:lumMod val="65000"/>
+                        </a:schemeClr>
+                      </a:solidFill>
+                      <a:prstDash val="solid"/>
+                      <a:round/>
+                      <a:headEnd type="none" w="med" len="med"/>
+                      <a:tailEnd type="none" w="med" len="med"/>
+                    </a:lnR>
+                    <a:lnT w="6350" cap="flat" cmpd="sng" algn="ctr">
+                      <a:solidFill>
+                        <a:schemeClr val="bg1">
+                          <a:lumMod val="65000"/>
+                        </a:schemeClr>
+                      </a:solidFill>
+                      <a:prstDash val="solid"/>
+                      <a:round/>
+                      <a:headEnd type="none" w="med" len="med"/>
+                      <a:tailEnd type="none" w="med" len="med"/>
+                    </a:lnT>
+                    <a:lnB w="6350" cap="flat" cmpd="sng" algn="ctr">
+                      <a:solidFill>
+                        <a:schemeClr val="bg1">
+                          <a:lumMod val="65000"/>
+                        </a:schemeClr>
+                      </a:solidFill>
+                      <a:prstDash val="solid"/>
+                      <a:round/>
+                      <a:headEnd type="none" w="med" len="med"/>
+                      <a:tailEnd type="none" w="med" len="med"/>
+                    </a:lnB>
+                    <a:lnTlToBr w="12700" cmpd="sng">
+                      <a:noFill/>
+                      <a:prstDash val="solid"/>
+                    </a:lnTlToBr>
+                    <a:lnBlToTr w="12700" cmpd="sng">
+                      <a:noFill/>
+                      <a:prstDash val="solid"/>
+                    </a:lnBlToTr>
+                    <a:noFill/>
+                  </a:tcPr>
+                </a:tc>
+                <a:extLst>
+                  <a:ext uri="{0D108BD9-81ED-4DB2-BD59-A6C34878D82A}">
+                    <a16:rowId xmlns:a16="http://schemas.microsoft.com/office/drawing/2014/main" val="388138845"/>
+                  </a:ext>
+                </a:extLst>
+              </a:tr>
+              <a:tr h="198049">
                 <a:tc>
                   <a:txBody>
                     <a:bodyPr/>
@@ -14452,7 +14316,7 @@
                         <a:defRPr/>
                       </a:pPr>
                       <a:r>
-                        <a:rPr lang="fr-FR" sz="700" b="0" i="0" kern="1200" noProof="0" dirty="0">
+                        <a:rPr lang="fr-FR" sz="700" b="0" i="0" kern="1200" noProof="0">
                           <a:solidFill>
                             <a:schemeClr val="tx1"/>
                           </a:solidFill>
@@ -14524,7 +14388,7 @@
                   </a:ext>
                 </a:extLst>
               </a:tr>
-              <a:tr h="187075">
+              <a:tr h="309569">
                 <a:tc>
                   <a:txBody>
                     <a:bodyPr/>
@@ -14548,192 +14412,7 @@
                         <a:defRPr/>
                       </a:pPr>
                       <a:r>
-                        <a:rPr lang="fr-FR" sz="700" b="1" kern="1200" dirty="0">
-                          <a:solidFill>
-                            <a:srgbClr val="B9A049"/>
-                          </a:solidFill>
-                          <a:latin typeface="+mn-lt"/>
-                          <a:ea typeface="+mn-ea"/>
-                          <a:cs typeface="+mn-cs"/>
-                        </a:rPr>
-                        <a:t>OFFRE AU PUBLIC </a:t>
-                      </a:r>
-                    </a:p>
-                  </a:txBody>
-                  <a:tcPr marL="72000" marR="72000" marT="46800" marB="46800" anchor="ctr" horzOverflow="overflow">
-                    <a:lnL w="12700" cap="flat" cmpd="sng" algn="ctr">
-                      <a:solidFill>
-                        <a:schemeClr val="bg1">
-                          <a:lumMod val="85000"/>
-                        </a:schemeClr>
-                      </a:solidFill>
-                      <a:prstDash val="solid"/>
-                      <a:round/>
-                      <a:headEnd type="none" w="med" len="med"/>
-                      <a:tailEnd type="none" w="med" len="med"/>
-                    </a:lnL>
-                    <a:lnR w="12700" cap="flat" cmpd="sng" algn="ctr">
-                      <a:solidFill>
-                        <a:schemeClr val="bg1"/>
-                      </a:solidFill>
-                      <a:prstDash val="solid"/>
-                      <a:round/>
-                      <a:headEnd type="none" w="med" len="med"/>
-                      <a:tailEnd type="none" w="med" len="med"/>
-                    </a:lnR>
-                    <a:lnT w="12700" cap="flat" cmpd="sng" algn="ctr">
-                      <a:solidFill>
-                        <a:schemeClr val="bg1"/>
-                      </a:solidFill>
-                      <a:prstDash val="solid"/>
-                      <a:round/>
-                      <a:headEnd type="none" w="med" len="med"/>
-                      <a:tailEnd type="none" w="med" len="med"/>
-                    </a:lnT>
-                    <a:lnB w="12700" cap="flat" cmpd="sng" algn="ctr">
-                      <a:solidFill>
-                        <a:schemeClr val="bg1"/>
-                      </a:solidFill>
-                      <a:prstDash val="solid"/>
-                      <a:round/>
-                      <a:headEnd type="none" w="med" len="med"/>
-                      <a:tailEnd type="none" w="med" len="med"/>
-                    </a:lnB>
-                    <a:lnTlToBr w="12700" cmpd="sng">
-                      <a:noFill/>
-                      <a:prstDash val="solid"/>
-                    </a:lnTlToBr>
-                    <a:lnBlToTr w="12700" cmpd="sng">
-                      <a:noFill/>
-                      <a:prstDash val="solid"/>
-                    </a:lnBlToTr>
-                    <a:solidFill>
-                      <a:schemeClr val="bg1">
-                        <a:lumMod val="95000"/>
-                      </a:schemeClr>
-                    </a:solidFill>
-                  </a:tcPr>
-                </a:tc>
-                <a:tc>
-                  <a:txBody>
-                    <a:bodyPr/>
-                    <a:lstStyle/>
-                    <a:p>
-                      <a:pPr marL="0" marR="0" lvl="0" indent="0" algn="just" defTabSz="755934" rtl="0" eaLnBrk="1" fontAlgn="base" latinLnBrk="0" hangingPunct="1">
-                        <a:lnSpc>
-                          <a:spcPct val="100000"/>
-                        </a:lnSpc>
-                        <a:spcBef>
-                          <a:spcPct val="0"/>
-                        </a:spcBef>
-                        <a:spcAft>
-                          <a:spcPct val="0"/>
-                        </a:spcAft>
-                        <a:buClrTx/>
-                        <a:buSzTx/>
-                        <a:buFontTx/>
-                        <a:buNone/>
-                        <a:tabLst/>
-                        <a:defRPr/>
-                      </a:pPr>
-                      <a:r>
-                        <a:rPr lang="fr-FR" sz="700" b="0" i="0" kern="1200" noProof="0" dirty="0">
-                          <a:solidFill>
-                            <a:schemeClr val="tx1"/>
-                          </a:solidFill>
-                          <a:latin typeface="+mn-lt"/>
-                          <a:ea typeface="+mn-ea"/>
-                          <a:cs typeface="+mn-cs"/>
-                        </a:rPr>
-                        <a:t>Offre au public exemptée de l’obligation de publier un prospectus au titre du Règlement Prospectus (EU) 2017/1129 (tel que modifié) (placement privé uniquement) - France</a:t>
-                      </a:r>
-                    </a:p>
-                  </a:txBody>
-                  <a:tcPr marL="72000" marR="72000" marT="46800" marB="46800" anchor="ctr" horzOverflow="overflow">
-                    <a:lnL w="12700" cap="flat" cmpd="sng" algn="ctr">
-                      <a:solidFill>
-                        <a:schemeClr val="bg1"/>
-                      </a:solidFill>
-                      <a:prstDash val="solid"/>
-                      <a:round/>
-                      <a:headEnd type="none" w="med" len="med"/>
-                      <a:tailEnd type="none" w="med" len="med"/>
-                    </a:lnL>
-                    <a:lnR w="6350" cap="flat" cmpd="sng" algn="ctr">
-                      <a:solidFill>
-                        <a:schemeClr val="bg1">
-                          <a:lumMod val="65000"/>
-                        </a:schemeClr>
-                      </a:solidFill>
-                      <a:prstDash val="solid"/>
-                      <a:round/>
-                      <a:headEnd type="none" w="med" len="med"/>
-                      <a:tailEnd type="none" w="med" len="med"/>
-                    </a:lnR>
-                    <a:lnT w="6350" cap="flat" cmpd="sng" algn="ctr">
-                      <a:solidFill>
-                        <a:schemeClr val="bg1">
-                          <a:lumMod val="65000"/>
-                        </a:schemeClr>
-                      </a:solidFill>
-                      <a:prstDash val="solid"/>
-                      <a:round/>
-                      <a:headEnd type="none" w="med" len="med"/>
-                      <a:tailEnd type="none" w="med" len="med"/>
-                    </a:lnT>
-                    <a:lnB w="6350" cap="flat" cmpd="sng" algn="ctr">
-                      <a:solidFill>
-                        <a:schemeClr val="bg1">
-                          <a:lumMod val="65000"/>
-                        </a:schemeClr>
-                      </a:solidFill>
-                      <a:prstDash val="solid"/>
-                      <a:round/>
-                      <a:headEnd type="none" w="med" len="med"/>
-                      <a:tailEnd type="none" w="med" len="med"/>
-                    </a:lnB>
-                    <a:lnTlToBr w="12700" cmpd="sng">
-                      <a:noFill/>
-                      <a:prstDash val="solid"/>
-                    </a:lnTlToBr>
-                    <a:lnBlToTr w="12700" cmpd="sng">
-                      <a:noFill/>
-                      <a:prstDash val="solid"/>
-                    </a:lnBlToTr>
-                    <a:noFill/>
-                  </a:tcPr>
-                </a:tc>
-                <a:extLst>
-                  <a:ext uri="{0D108BD9-81ED-4DB2-BD59-A6C34878D82A}">
-                    <a16:rowId xmlns:a16="http://schemas.microsoft.com/office/drawing/2014/main" val="1764959970"/>
-                  </a:ext>
-                </a:extLst>
-              </a:tr>
-              <a:tr h="174072">
-                <a:tc>
-                  <a:txBody>
-                    <a:bodyPr/>
-                    <a:lstStyle/>
-                    <a:p>
-                      <a:pPr marL="0" marR="0" lvl="0" indent="0" algn="l" defTabSz="755934" rtl="0" eaLnBrk="1" fontAlgn="auto" latinLnBrk="0" hangingPunct="1">
-                        <a:lnSpc>
-                          <a:spcPct val="90000"/>
-                        </a:lnSpc>
-                        <a:spcBef>
-                          <a:spcPts val="0"/>
-                        </a:spcBef>
-                        <a:spcAft>
-                          <a:spcPts val="0"/>
-                        </a:spcAft>
-                        <a:buClrTx/>
-                        <a:buSzTx/>
-                        <a:buFontTx/>
-                        <a:buNone/>
-                        <a:tabLst/>
-                        <a:defRPr/>
-                      </a:pPr>
-                      <a:r>
-                        <a:rPr lang="fr-FR" sz="700" b="1" kern="1200" dirty="0">
+                        <a:rPr lang="fr-FR" sz="700" b="1" kern="1200">
                           <a:solidFill>
                             <a:srgbClr val="B9A049"/>
                           </a:solidFill>
@@ -14822,7 +14501,7 @@
                         <a:defRPr/>
                       </a:pPr>
                       <a:r>
-                        <a:rPr kumimoji="0" lang="fr-FR" sz="700" b="1" i="0" u="none" strike="noStrike" kern="1200" cap="none" spc="0" normalizeH="0" baseline="0" noProof="0" dirty="0">
+                        <a:rPr kumimoji="0" lang="fr-FR" sz="700" b="1" i="0" u="none" strike="noStrike" kern="1200" cap="none" spc="0" normalizeH="0" baseline="0" noProof="0">
                           <a:ln>
                             <a:noFill/>
                           </a:ln>
@@ -14839,7 +14518,7 @@
                         <a:t>&lt;SJR1&gt; entre &lt;NOMSOUSJACENT&gt; </a:t>
                       </a:r>
                       <a:r>
-                        <a:rPr kumimoji="0" lang="fr-FR" sz="700" b="0" i="0" u="none" strike="noStrike" kern="1200" cap="none" spc="0" normalizeH="0" baseline="0" noProof="0" dirty="0">
+                        <a:rPr kumimoji="0" lang="fr-FR" sz="700" b="0" i="0" u="none" strike="noStrike" kern="1200" cap="none" spc="0" normalizeH="0" baseline="0" noProof="0">
                           <a:ln>
                             <a:noFill/>
                           </a:ln>
@@ -14856,7 +14535,7 @@
                         <a:t>(</a:t>
                       </a:r>
                       <a:r>
-                        <a:rPr kumimoji="0" lang="fr-FR" sz="700" b="1" i="0" u="none" strike="noStrike" kern="1200" cap="none" spc="0" normalizeH="0" baseline="0" noProof="0" dirty="0">
+                        <a:rPr kumimoji="0" lang="fr-FR" sz="700" b="1" i="0" u="none" strike="noStrike" kern="1200" cap="none" spc="0" normalizeH="0" baseline="0" noProof="0">
                           <a:ln>
                             <a:noFill/>
                           </a:ln>
@@ -14873,7 +14552,7 @@
                         <a:t>&lt;DIVIDENDE&gt; </a:t>
                       </a:r>
                       <a:r>
-                        <a:rPr kumimoji="0" lang="fr-FR" sz="700" b="0" i="0" u="none" strike="noStrike" kern="1200" cap="none" spc="0" normalizeH="0" baseline="0" noProof="0" dirty="0">
+                        <a:rPr kumimoji="0" lang="fr-FR" sz="700" b="0" i="0" u="none" strike="noStrike" kern="1200" cap="none" spc="0" normalizeH="0" baseline="0" noProof="0">
                           <a:ln>
                             <a:noFill/>
                           </a:ln>
@@ -14890,7 +14569,7 @@
                         <a:t>; code Bloomberg : &lt;TICKER&gt; ; &lt;sponsor&gt; : &lt;SPONSOR&gt; ; </a:t>
                       </a:r>
                       <a:r>
-                        <a:rPr kumimoji="0" lang="fr-FR" sz="700" b="0" i="0" u="sng" strike="noStrike" kern="1200" cap="none" spc="0" normalizeH="0" baseline="0" noProof="0" dirty="0">
+                        <a:rPr kumimoji="0" lang="fr-FR" sz="700" b="0" i="0" u="sng" strike="noStrike" kern="1200" cap="none" spc="0" normalizeH="0" baseline="0" noProof="0">
                           <a:ln>
                             <a:noFill/>
                           </a:ln>
@@ -14907,7 +14586,7 @@
                         <a:t>&lt;SITE&gt;</a:t>
                       </a:r>
                       <a:r>
-                        <a:rPr kumimoji="0" lang="fr-FR" sz="700" b="0" i="0" u="none" strike="noStrike" kern="1200" cap="none" spc="0" normalizeH="0" baseline="0" noProof="0" dirty="0">
+                        <a:rPr kumimoji="0" lang="fr-FR" sz="700" b="0" i="0" u="none" strike="noStrike" kern="1200" cap="none" spc="0" normalizeH="0" baseline="0" noProof="0">
                           <a:ln>
                             <a:noFill/>
                           </a:ln>
@@ -14924,7 +14603,7 @@
                         <a:t>)</a:t>
                       </a:r>
                       <a:r>
-                        <a:rPr kumimoji="0" lang="fr-FR" sz="700" b="0" i="0" u="none" strike="noStrike" kern="1200" cap="none" spc="0" normalizeH="0" baseline="0" noProof="0" dirty="0">
+                        <a:rPr kumimoji="0" lang="fr-FR" sz="700" b="0" i="0" u="none" strike="noStrike" kern="1200" cap="none" spc="0" normalizeH="0" baseline="0" noProof="0">
                           <a:ln>
                             <a:noFill/>
                           </a:ln>
@@ -15002,198 +14681,7 @@
                   </a:ext>
                 </a:extLst>
               </a:tr>
-              <a:tr h="0">
-                <a:tc>
-                  <a:txBody>
-                    <a:bodyPr/>
-                    <a:lstStyle/>
-                    <a:p>
-                      <a:pPr marL="0" marR="0" lvl="0" indent="0" algn="l" defTabSz="755934" rtl="0" eaLnBrk="1" fontAlgn="auto" latinLnBrk="0" hangingPunct="1">
-                        <a:lnSpc>
-                          <a:spcPct val="90000"/>
-                        </a:lnSpc>
-                        <a:spcBef>
-                          <a:spcPts val="0"/>
-                        </a:spcBef>
-                        <a:spcAft>
-                          <a:spcPts val="0"/>
-                        </a:spcAft>
-                        <a:buClrTx/>
-                        <a:buSzTx/>
-                        <a:buFontTx/>
-                        <a:buNone/>
-                        <a:tabLst/>
-                        <a:defRPr/>
-                      </a:pPr>
-                      <a:r>
-                        <a:rPr lang="fr-FR" sz="700" b="1" kern="1200" dirty="0">
-                          <a:solidFill>
-                            <a:srgbClr val="B9A049"/>
-                          </a:solidFill>
-                          <a:latin typeface="+mn-lt"/>
-                          <a:ea typeface="+mn-ea"/>
-                          <a:cs typeface="+mn-cs"/>
-                        </a:rPr>
-                        <a:t>GARANT</a:t>
-                      </a:r>
-                    </a:p>
-                  </a:txBody>
-                  <a:tcPr marL="72000" marR="72000" marT="46800" marB="46800" anchor="ctr" horzOverflow="overflow">
-                    <a:lnL w="12700" cap="flat" cmpd="sng" algn="ctr">
-                      <a:solidFill>
-                        <a:schemeClr val="bg1">
-                          <a:lumMod val="85000"/>
-                        </a:schemeClr>
-                      </a:solidFill>
-                      <a:prstDash val="solid"/>
-                      <a:round/>
-                      <a:headEnd type="none" w="med" len="med"/>
-                      <a:tailEnd type="none" w="med" len="med"/>
-                    </a:lnL>
-                    <a:lnR w="12700" cap="flat" cmpd="sng" algn="ctr">
-                      <a:solidFill>
-                        <a:schemeClr val="bg1"/>
-                      </a:solidFill>
-                      <a:prstDash val="solid"/>
-                      <a:round/>
-                      <a:headEnd type="none" w="med" len="med"/>
-                      <a:tailEnd type="none" w="med" len="med"/>
-                    </a:lnR>
-                    <a:lnT w="12700" cap="flat" cmpd="sng" algn="ctr">
-                      <a:solidFill>
-                        <a:schemeClr val="bg1"/>
-                      </a:solidFill>
-                      <a:prstDash val="solid"/>
-                      <a:round/>
-                      <a:headEnd type="none" w="med" len="med"/>
-                      <a:tailEnd type="none" w="med" len="med"/>
-                    </a:lnT>
-                    <a:lnB w="12700" cap="flat" cmpd="sng" algn="ctr">
-                      <a:solidFill>
-                        <a:schemeClr val="bg1"/>
-                      </a:solidFill>
-                      <a:prstDash val="solid"/>
-                      <a:round/>
-                      <a:headEnd type="none" w="med" len="med"/>
-                      <a:tailEnd type="none" w="med" len="med"/>
-                    </a:lnB>
-                    <a:lnTlToBr w="12700" cmpd="sng">
-                      <a:noFill/>
-                      <a:prstDash val="solid"/>
-                    </a:lnTlToBr>
-                    <a:lnBlToTr w="12700" cmpd="sng">
-                      <a:noFill/>
-                      <a:prstDash val="solid"/>
-                    </a:lnBlToTr>
-                    <a:solidFill>
-                      <a:schemeClr val="bg1">
-                        <a:lumMod val="95000"/>
-                      </a:schemeClr>
-                    </a:solidFill>
-                  </a:tcPr>
-                </a:tc>
-                <a:tc>
-                  <a:txBody>
-                    <a:bodyPr/>
-                    <a:lstStyle/>
-                    <a:p>
-                      <a:pPr marL="0" marR="0" lvl="1" indent="0" algn="just" defTabSz="755934" rtl="0" eaLnBrk="1" fontAlgn="auto" latinLnBrk="0" hangingPunct="1">
-                        <a:lnSpc>
-                          <a:spcPct val="90000"/>
-                        </a:lnSpc>
-                        <a:spcBef>
-                          <a:spcPts val="800"/>
-                        </a:spcBef>
-                        <a:spcAft>
-                          <a:spcPts val="0"/>
-                        </a:spcAft>
-                        <a:buClrTx/>
-                        <a:buSzTx/>
-                        <a:buFont typeface="Arial" panose="020B0604020202020204" pitchFamily="34" charset="0"/>
-                        <a:buNone/>
-                        <a:tabLst/>
-                        <a:defRPr/>
-                      </a:pPr>
-                      <a:r>
-                        <a:rPr kumimoji="0" lang="fr-FR" sz="700" b="0" i="0" u="none" strike="noStrike" kern="1200" cap="none" spc="0" normalizeH="0" baseline="0" noProof="0" dirty="0">
-                          <a:ln>
-                            <a:noFill/>
-                          </a:ln>
-                          <a:solidFill>
-                            <a:schemeClr val="tx1"/>
-                          </a:solidFill>
-                          <a:effectLst/>
-                          <a:uLnTx/>
-                          <a:uFillTx/>
-                          <a:latin typeface="+mn-lt"/>
-                          <a:ea typeface="+mn-ea"/>
-                          <a:cs typeface="+mn-cs"/>
-                        </a:rPr>
-                        <a:t>Non applicable</a:t>
-                      </a:r>
-                    </a:p>
-                  </a:txBody>
-                  <a:tcPr marL="72000" marR="72000" marT="46800" marB="46800" anchor="ctr" horzOverflow="overflow">
-                    <a:lnL w="12700" cap="flat" cmpd="sng" algn="ctr">
-                      <a:solidFill>
-                        <a:schemeClr val="bg1"/>
-                      </a:solidFill>
-                      <a:prstDash val="solid"/>
-                      <a:round/>
-                      <a:headEnd type="none" w="med" len="med"/>
-                      <a:tailEnd type="none" w="med" len="med"/>
-                    </a:lnL>
-                    <a:lnR w="6350" cap="flat" cmpd="sng" algn="ctr">
-                      <a:solidFill>
-                        <a:schemeClr val="bg1">
-                          <a:lumMod val="65000"/>
-                        </a:schemeClr>
-                      </a:solidFill>
-                      <a:prstDash val="solid"/>
-                      <a:round/>
-                      <a:headEnd type="none" w="med" len="med"/>
-                      <a:tailEnd type="none" w="med" len="med"/>
-                    </a:lnR>
-                    <a:lnT w="6350" cap="flat" cmpd="sng" algn="ctr">
-                      <a:solidFill>
-                        <a:schemeClr val="bg1">
-                          <a:lumMod val="65000"/>
-                        </a:schemeClr>
-                      </a:solidFill>
-                      <a:prstDash val="solid"/>
-                      <a:round/>
-                      <a:headEnd type="none" w="med" len="med"/>
-                      <a:tailEnd type="none" w="med" len="med"/>
-                    </a:lnT>
-                    <a:lnB w="6350" cap="flat" cmpd="sng" algn="ctr">
-                      <a:solidFill>
-                        <a:schemeClr val="bg1">
-                          <a:lumMod val="65000"/>
-                        </a:schemeClr>
-                      </a:solidFill>
-                      <a:prstDash val="solid"/>
-                      <a:round/>
-                      <a:headEnd type="none" w="med" len="med"/>
-                      <a:tailEnd type="none" w="med" len="med"/>
-                    </a:lnB>
-                    <a:lnTlToBr w="12700" cmpd="sng">
-                      <a:noFill/>
-                      <a:prstDash val="solid"/>
-                    </a:lnTlToBr>
-                    <a:lnBlToTr w="12700" cmpd="sng">
-                      <a:noFill/>
-                      <a:prstDash val="solid"/>
-                    </a:lnBlToTr>
-                    <a:noFill/>
-                  </a:tcPr>
-                </a:tc>
-                <a:extLst>
-                  <a:ext uri="{0D108BD9-81ED-4DB2-BD59-A6C34878D82A}">
-                    <a16:rowId xmlns:a16="http://schemas.microsoft.com/office/drawing/2014/main" val="3798383601"/>
-                  </a:ext>
-                </a:extLst>
-              </a:tr>
-              <a:tr h="122060">
+              <a:tr h="198049">
                 <a:tc>
                   <a:txBody>
                     <a:bodyPr/>
@@ -15305,7 +14793,7 @@
                         <a:tabLst/>
                       </a:pPr>
                       <a:r>
-                        <a:rPr lang="fr-FR" sz="700" b="0" i="0" kern="1200" dirty="0">
+                        <a:rPr lang="fr-FR" sz="700" b="0" i="0" kern="1200">
                           <a:solidFill>
                             <a:schemeClr val="tx1"/>
                           </a:solidFill>
@@ -15377,191 +14865,7 @@
                   </a:ext>
                 </a:extLst>
               </a:tr>
-              <a:tr h="122060">
-                <a:tc>
-                  <a:txBody>
-                    <a:bodyPr/>
-                    <a:lstStyle/>
-                    <a:p>
-                      <a:pPr marL="0" marR="0" lvl="0" indent="0" algn="l" defTabSz="755934" rtl="0" eaLnBrk="1" fontAlgn="auto" latinLnBrk="0" hangingPunct="1">
-                        <a:lnSpc>
-                          <a:spcPct val="90000"/>
-                        </a:lnSpc>
-                        <a:spcBef>
-                          <a:spcPts val="0"/>
-                        </a:spcBef>
-                        <a:spcAft>
-                          <a:spcPts val="0"/>
-                        </a:spcAft>
-                        <a:buClrTx/>
-                        <a:buSzTx/>
-                        <a:buFontTx/>
-                        <a:buNone/>
-                        <a:tabLst/>
-                        <a:defRPr/>
-                      </a:pPr>
-                      <a:r>
-                        <a:rPr lang="fr-FR" sz="700" b="1" kern="1200" dirty="0">
-                          <a:solidFill>
-                            <a:srgbClr val="B9A049"/>
-                          </a:solidFill>
-                          <a:latin typeface="+mn-lt"/>
-                          <a:ea typeface="+mn-ea"/>
-                          <a:cs typeface="+mn-cs"/>
-                        </a:rPr>
-                        <a:t>DROIT</a:t>
-                      </a:r>
-                    </a:p>
-                  </a:txBody>
-                  <a:tcPr marL="72000" marR="72000" marT="46800" marB="46800" anchor="ctr" horzOverflow="overflow">
-                    <a:lnL w="12700" cap="flat" cmpd="sng" algn="ctr">
-                      <a:solidFill>
-                        <a:schemeClr val="bg1">
-                          <a:lumMod val="85000"/>
-                        </a:schemeClr>
-                      </a:solidFill>
-                      <a:prstDash val="solid"/>
-                      <a:round/>
-                      <a:headEnd type="none" w="med" len="med"/>
-                      <a:tailEnd type="none" w="med" len="med"/>
-                    </a:lnL>
-                    <a:lnR w="12700" cap="flat" cmpd="sng" algn="ctr">
-                      <a:solidFill>
-                        <a:schemeClr val="bg1"/>
-                      </a:solidFill>
-                      <a:prstDash val="solid"/>
-                      <a:round/>
-                      <a:headEnd type="none" w="med" len="med"/>
-                      <a:tailEnd type="none" w="med" len="med"/>
-                    </a:lnR>
-                    <a:lnT w="12700" cap="flat" cmpd="sng" algn="ctr">
-                      <a:solidFill>
-                        <a:schemeClr val="bg1"/>
-                      </a:solidFill>
-                      <a:prstDash val="solid"/>
-                      <a:round/>
-                      <a:headEnd type="none" w="med" len="med"/>
-                      <a:tailEnd type="none" w="med" len="med"/>
-                    </a:lnT>
-                    <a:lnB w="12700" cap="flat" cmpd="sng" algn="ctr">
-                      <a:solidFill>
-                        <a:schemeClr val="bg1"/>
-                      </a:solidFill>
-                      <a:prstDash val="solid"/>
-                      <a:round/>
-                      <a:headEnd type="none" w="med" len="med"/>
-                      <a:tailEnd type="none" w="med" len="med"/>
-                    </a:lnB>
-                    <a:lnTlToBr w="12700" cmpd="sng">
-                      <a:noFill/>
-                      <a:prstDash val="solid"/>
-                    </a:lnTlToBr>
-                    <a:lnBlToTr w="12700" cmpd="sng">
-                      <a:noFill/>
-                      <a:prstDash val="solid"/>
-                    </a:lnBlToTr>
-                    <a:solidFill>
-                      <a:schemeClr val="bg1">
-                        <a:lumMod val="95000"/>
-                      </a:schemeClr>
-                    </a:solidFill>
-                  </a:tcPr>
-                </a:tc>
-                <a:tc>
-                  <a:txBody>
-                    <a:bodyPr/>
-                    <a:lstStyle/>
-                    <a:p>
-                      <a:pPr marL="0" marR="0" lvl="0" indent="0" algn="just" defTabSz="755934" rtl="0" eaLnBrk="1" fontAlgn="base" latinLnBrk="0" hangingPunct="1">
-                        <a:lnSpc>
-                          <a:spcPct val="100000"/>
-                        </a:lnSpc>
-                        <a:spcBef>
-                          <a:spcPct val="0"/>
-                        </a:spcBef>
-                        <a:spcAft>
-                          <a:spcPct val="0"/>
-                        </a:spcAft>
-                        <a:buClrTx/>
-                        <a:buSzTx/>
-                        <a:buFontTx/>
-                        <a:buNone/>
-                        <a:tabLst/>
-                      </a:pPr>
-                      <a:r>
-                        <a:rPr lang="fr-FR" sz="700" b="0" i="0" kern="1200" dirty="0">
-                          <a:solidFill>
-                            <a:schemeClr val="tx1"/>
-                          </a:solidFill>
-                          <a:latin typeface="+mn-lt"/>
-                          <a:ea typeface="+mn-ea"/>
-                          <a:cs typeface="+mn-cs"/>
-                        </a:rPr>
-                        <a:t>&lt;droit&gt;</a:t>
-                      </a:r>
-                    </a:p>
-                  </a:txBody>
-                  <a:tcPr marL="72000" marR="72000" marT="46800" marB="46800" anchor="ctr" horzOverflow="overflow">
-                    <a:lnL w="12700" cap="flat" cmpd="sng" algn="ctr">
-                      <a:solidFill>
-                        <a:schemeClr val="bg1"/>
-                      </a:solidFill>
-                      <a:prstDash val="solid"/>
-                      <a:round/>
-                      <a:headEnd type="none" w="med" len="med"/>
-                      <a:tailEnd type="none" w="med" len="med"/>
-                    </a:lnL>
-                    <a:lnR w="6350" cap="flat" cmpd="sng" algn="ctr">
-                      <a:solidFill>
-                        <a:schemeClr val="bg1">
-                          <a:lumMod val="65000"/>
-                        </a:schemeClr>
-                      </a:solidFill>
-                      <a:prstDash val="solid"/>
-                      <a:round/>
-                      <a:headEnd type="none" w="med" len="med"/>
-                      <a:tailEnd type="none" w="med" len="med"/>
-                    </a:lnR>
-                    <a:lnT w="6350" cap="flat" cmpd="sng" algn="ctr">
-                      <a:solidFill>
-                        <a:schemeClr val="bg1">
-                          <a:lumMod val="65000"/>
-                        </a:schemeClr>
-                      </a:solidFill>
-                      <a:prstDash val="solid"/>
-                      <a:round/>
-                      <a:headEnd type="none" w="med" len="med"/>
-                      <a:tailEnd type="none" w="med" len="med"/>
-                    </a:lnT>
-                    <a:lnB w="6350" cap="flat" cmpd="sng" algn="ctr">
-                      <a:solidFill>
-                        <a:schemeClr val="bg1">
-                          <a:lumMod val="65000"/>
-                        </a:schemeClr>
-                      </a:solidFill>
-                      <a:prstDash val="solid"/>
-                      <a:round/>
-                      <a:headEnd type="none" w="med" len="med"/>
-                      <a:tailEnd type="none" w="med" len="med"/>
-                    </a:lnB>
-                    <a:lnTlToBr w="12700" cmpd="sng">
-                      <a:noFill/>
-                      <a:prstDash val="solid"/>
-                    </a:lnTlToBr>
-                    <a:lnBlToTr w="12700" cmpd="sng">
-                      <a:noFill/>
-                      <a:prstDash val="solid"/>
-                    </a:lnBlToTr>
-                    <a:noFill/>
-                  </a:tcPr>
-                </a:tc>
-                <a:extLst>
-                  <a:ext uri="{0D108BD9-81ED-4DB2-BD59-A6C34878D82A}">
-                    <a16:rowId xmlns:a16="http://schemas.microsoft.com/office/drawing/2014/main" val="1633799784"/>
-                  </a:ext>
-                </a:extLst>
-              </a:tr>
-              <a:tr h="122060">
+              <a:tr h="198049">
                 <a:tc>
                   <a:txBody>
                     <a:bodyPr/>
@@ -15745,7 +15049,7 @@
                   </a:ext>
                 </a:extLst>
               </a:tr>
-              <a:tr h="122060">
+              <a:tr h="198049">
                 <a:tc>
                   <a:txBody>
                     <a:bodyPr/>
@@ -15857,7 +15161,7 @@
                         <a:tabLst/>
                       </a:pPr>
                       <a:r>
-                        <a:rPr lang="fr-FR" sz="700" b="0" i="0" kern="1200" dirty="0">
+                        <a:rPr lang="fr-FR" sz="700" b="0" i="0" kern="1200">
                           <a:solidFill>
                             <a:schemeClr val="tx1"/>
                           </a:solidFill>
@@ -15929,7 +15233,7 @@
                   </a:ext>
                 </a:extLst>
               </a:tr>
-              <a:tr h="122060">
+              <a:tr h="198049">
                 <a:tc>
                   <a:txBody>
                     <a:bodyPr/>
@@ -15961,7 +15265,7 @@
                           <a:ea typeface="+mn-ea"/>
                           <a:cs typeface="+mn-cs"/>
                         </a:rPr>
-                        <a:t>PRIX D’ÉMISSION</a:t>
+                        <a:t>MONTANT MINIMUM DE SOUSCRIPTION</a:t>
                       </a:r>
                     </a:p>
                   </a:txBody>
@@ -16041,7 +15345,7 @@
                         <a:tabLst/>
                       </a:pPr>
                       <a:r>
-                        <a:rPr lang="fr-FR" sz="700" b="0" i="0" kern="1200" dirty="0">
+                        <a:rPr lang="fr-FR" sz="700" b="0" i="0" kern="1200">
                           <a:solidFill>
                             <a:schemeClr val="tx1"/>
                           </a:solidFill>
@@ -16049,7 +15353,7 @@
                           <a:ea typeface="+mn-ea"/>
                           <a:cs typeface="+mn-cs"/>
                         </a:rPr>
-                        <a:t>100% de la Valeur Nominale</a:t>
+                        <a:t>1 Titre de créance en assurance-vie et contrat de capitalisation ou 100 000 EUR en compte-titres</a:t>
                       </a:r>
                     </a:p>
                   </a:txBody>
@@ -16113,7 +15417,7 @@
                   </a:ext>
                 </a:extLst>
               </a:tr>
-              <a:tr h="122060">
+              <a:tr h="198049">
                 <a:tc>
                   <a:txBody>
                     <a:bodyPr/>
@@ -16297,7 +15601,7 @@
                   </a:ext>
                 </a:extLst>
               </a:tr>
-              <a:tr h="252091">
+              <a:tr h="198049">
                 <a:tc>
                   <a:txBody>
                     <a:bodyPr/>
@@ -16321,7 +15625,191 @@
                         <a:defRPr/>
                       </a:pPr>
                       <a:r>
-                        <a:rPr lang="fr-FR" sz="700" b="1" kern="1200" dirty="0">
+                        <a:rPr lang="fr-FR" sz="700" b="1" kern="1200">
+                          <a:solidFill>
+                            <a:srgbClr val="B9A049"/>
+                          </a:solidFill>
+                          <a:latin typeface="+mn-lt"/>
+                          <a:ea typeface="+mn-ea"/>
+                          <a:cs typeface="+mn-cs"/>
+                        </a:rPr>
+                        <a:t>PRIX D’ÉMISSION</a:t>
+                      </a:r>
+                    </a:p>
+                  </a:txBody>
+                  <a:tcPr marL="72000" marR="72000" marT="46800" marB="46800" anchor="ctr" horzOverflow="overflow">
+                    <a:lnL w="12700" cap="flat" cmpd="sng" algn="ctr">
+                      <a:solidFill>
+                        <a:schemeClr val="bg1">
+                          <a:lumMod val="85000"/>
+                        </a:schemeClr>
+                      </a:solidFill>
+                      <a:prstDash val="solid"/>
+                      <a:round/>
+                      <a:headEnd type="none" w="med" len="med"/>
+                      <a:tailEnd type="none" w="med" len="med"/>
+                    </a:lnL>
+                    <a:lnR w="12700" cap="flat" cmpd="sng" algn="ctr">
+                      <a:solidFill>
+                        <a:schemeClr val="bg1"/>
+                      </a:solidFill>
+                      <a:prstDash val="solid"/>
+                      <a:round/>
+                      <a:headEnd type="none" w="med" len="med"/>
+                      <a:tailEnd type="none" w="med" len="med"/>
+                    </a:lnR>
+                    <a:lnT w="12700" cap="flat" cmpd="sng" algn="ctr">
+                      <a:solidFill>
+                        <a:schemeClr val="bg1"/>
+                      </a:solidFill>
+                      <a:prstDash val="solid"/>
+                      <a:round/>
+                      <a:headEnd type="none" w="med" len="med"/>
+                      <a:tailEnd type="none" w="med" len="med"/>
+                    </a:lnT>
+                    <a:lnB w="12700" cap="flat" cmpd="sng" algn="ctr">
+                      <a:solidFill>
+                        <a:schemeClr val="bg1"/>
+                      </a:solidFill>
+                      <a:prstDash val="solid"/>
+                      <a:round/>
+                      <a:headEnd type="none" w="med" len="med"/>
+                      <a:tailEnd type="none" w="med" len="med"/>
+                    </a:lnB>
+                    <a:lnTlToBr w="12700" cmpd="sng">
+                      <a:noFill/>
+                      <a:prstDash val="solid"/>
+                    </a:lnTlToBr>
+                    <a:lnBlToTr w="12700" cmpd="sng">
+                      <a:noFill/>
+                      <a:prstDash val="solid"/>
+                    </a:lnBlToTr>
+                    <a:solidFill>
+                      <a:schemeClr val="bg1">
+                        <a:lumMod val="95000"/>
+                      </a:schemeClr>
+                    </a:solidFill>
+                  </a:tcPr>
+                </a:tc>
+                <a:tc>
+                  <a:txBody>
+                    <a:bodyPr/>
+                    <a:lstStyle/>
+                    <a:p>
+                      <a:pPr marL="0" marR="0" lvl="0" indent="0" algn="just" defTabSz="755934" rtl="0" eaLnBrk="1" fontAlgn="base" latinLnBrk="0" hangingPunct="1">
+                        <a:lnSpc>
+                          <a:spcPct val="100000"/>
+                        </a:lnSpc>
+                        <a:spcBef>
+                          <a:spcPct val="0"/>
+                        </a:spcBef>
+                        <a:spcAft>
+                          <a:spcPct val="0"/>
+                        </a:spcAft>
+                        <a:buClrTx/>
+                        <a:buSzTx/>
+                        <a:buFontTx/>
+                        <a:buNone/>
+                        <a:tabLst/>
+                      </a:pPr>
+                      <a:r>
+                        <a:rPr lang="fr-FR" sz="700" b="0" i="0" kern="1200">
+                          <a:solidFill>
+                            <a:schemeClr val="tx1"/>
+                          </a:solidFill>
+                          <a:latin typeface="+mn-lt"/>
+                          <a:ea typeface="+mn-ea"/>
+                          <a:cs typeface="+mn-cs"/>
+                        </a:rPr>
+                        <a:t>100% de la Valeur Nominale</a:t>
+                      </a:r>
+                    </a:p>
+                  </a:txBody>
+                  <a:tcPr marL="72000" marR="72000" marT="46800" marB="46800" anchor="ctr" horzOverflow="overflow">
+                    <a:lnL w="12700" cap="flat" cmpd="sng" algn="ctr">
+                      <a:solidFill>
+                        <a:schemeClr val="bg1"/>
+                      </a:solidFill>
+                      <a:prstDash val="solid"/>
+                      <a:round/>
+                      <a:headEnd type="none" w="med" len="med"/>
+                      <a:tailEnd type="none" w="med" len="med"/>
+                    </a:lnL>
+                    <a:lnR w="6350" cap="flat" cmpd="sng" algn="ctr">
+                      <a:solidFill>
+                        <a:schemeClr val="bg1">
+                          <a:lumMod val="65000"/>
+                        </a:schemeClr>
+                      </a:solidFill>
+                      <a:prstDash val="solid"/>
+                      <a:round/>
+                      <a:headEnd type="none" w="med" len="med"/>
+                      <a:tailEnd type="none" w="med" len="med"/>
+                    </a:lnR>
+                    <a:lnT w="6350" cap="flat" cmpd="sng" algn="ctr">
+                      <a:solidFill>
+                        <a:schemeClr val="bg1">
+                          <a:lumMod val="65000"/>
+                        </a:schemeClr>
+                      </a:solidFill>
+                      <a:prstDash val="solid"/>
+                      <a:round/>
+                      <a:headEnd type="none" w="med" len="med"/>
+                      <a:tailEnd type="none" w="med" len="med"/>
+                    </a:lnT>
+                    <a:lnB w="6350" cap="flat" cmpd="sng" algn="ctr">
+                      <a:solidFill>
+                        <a:schemeClr val="bg1">
+                          <a:lumMod val="65000"/>
+                        </a:schemeClr>
+                      </a:solidFill>
+                      <a:prstDash val="solid"/>
+                      <a:round/>
+                      <a:headEnd type="none" w="med" len="med"/>
+                      <a:tailEnd type="none" w="med" len="med"/>
+                    </a:lnB>
+                    <a:lnTlToBr w="12700" cmpd="sng">
+                      <a:noFill/>
+                      <a:prstDash val="solid"/>
+                    </a:lnTlToBr>
+                    <a:lnBlToTr w="12700" cmpd="sng">
+                      <a:noFill/>
+                      <a:prstDash val="solid"/>
+                    </a:lnBlToTr>
+                    <a:noFill/>
+                  </a:tcPr>
+                </a:tc>
+                <a:extLst>
+                  <a:ext uri="{0D108BD9-81ED-4DB2-BD59-A6C34878D82A}">
+                    <a16:rowId xmlns:a16="http://schemas.microsoft.com/office/drawing/2014/main" val="111151207"/>
+                  </a:ext>
+                </a:extLst>
+              </a:tr>
+              <a:tr h="409033">
+                <a:tc>
+                  <a:txBody>
+                    <a:bodyPr/>
+                    <a:lstStyle/>
+                    <a:p>
+                      <a:pPr marL="0" marR="0" lvl="0" indent="0" algn="l" defTabSz="755934" rtl="0" eaLnBrk="1" fontAlgn="auto" latinLnBrk="0" hangingPunct="1">
+                        <a:lnSpc>
+                          <a:spcPct val="90000"/>
+                        </a:lnSpc>
+                        <a:spcBef>
+                          <a:spcPts val="0"/>
+                        </a:spcBef>
+                        <a:spcAft>
+                          <a:spcPts val="0"/>
+                        </a:spcAft>
+                        <a:buClrTx/>
+                        <a:buSzTx/>
+                        <a:buFontTx/>
+                        <a:buNone/>
+                        <a:tabLst/>
+                        <a:defRPr/>
+                      </a:pPr>
+                      <a:r>
+                        <a:rPr lang="fr-FR" sz="700" b="1" kern="1200">
                           <a:solidFill>
                             <a:srgbClr val="B9A049"/>
                           </a:solidFill>
@@ -16492,7 +15980,7 @@
                   </a:ext>
                 </a:extLst>
               </a:tr>
-              <a:tr h="122060">
+              <a:tr h="198049">
                 <a:tc>
                   <a:txBody>
                     <a:bodyPr/>
@@ -16677,7 +16165,7 @@
                   </a:ext>
                 </a:extLst>
               </a:tr>
-              <a:tr h="122060">
+              <a:tr h="198049">
                 <a:tc>
                   <a:txBody>
                     <a:bodyPr/>
@@ -16709,7 +16197,7 @@
                           <a:ea typeface="+mn-ea"/>
                           <a:cs typeface="+mn-cs"/>
                         </a:rPr>
-                        <a:t>  NIVEAU INITIAL</a:t>
+                        <a:t>DETERMINATION DU COURS DE REFERENCE INITIAL</a:t>
                       </a:r>
                     </a:p>
                   </a:txBody>
@@ -16862,7 +16350,7 @@
                   </a:ext>
                 </a:extLst>
               </a:tr>
-              <a:tr h="122060">
+              <a:tr h="198049">
                 <a:tc>
                   <a:txBody>
                     <a:bodyPr/>
@@ -17047,7 +16535,7 @@
                   </a:ext>
                 </a:extLst>
               </a:tr>
-              <a:tr h="122060">
+              <a:tr h="198049">
                 <a:tc>
                   <a:txBody>
                     <a:bodyPr/>
@@ -17231,7 +16719,7 @@
                   </a:ext>
                 </a:extLst>
               </a:tr>
-              <a:tr h="122060">
+              <a:tr h="198049">
                 <a:tc>
                   <a:txBody>
                     <a:bodyPr/>
@@ -17355,7 +16843,35 @@
                           <a:ea typeface="+mn-ea"/>
                           <a:cs typeface="+mn-cs"/>
                         </a:rPr>
-                        <a:t>&lt;Datesconstatations3&gt;</a:t>
+                        <a:t>&lt;</a:t>
+                      </a:r>
+                      <a:r>
+                        <a:rPr lang="fr-FR" sz="700" b="0" i="0" kern="1200" dirty="0" err="1">
+                          <a:solidFill>
+                            <a:schemeClr val="tx1"/>
+                          </a:solidFill>
+                          <a:highlight>
+                            <a:srgbClr val="00FFFF"/>
+                          </a:highlight>
+                          <a:latin typeface="+mn-lt"/>
+                          <a:ea typeface="+mn-ea"/>
+                          <a:cs typeface="+mn-cs"/>
+                        </a:rPr>
+                        <a:t>dates_constat_phoenix</a:t>
+                      </a:r>
+                      <a:r>
+                        <a:rPr lang="fr-FR" sz="700" b="0" i="0" kern="1200" dirty="0">
+                          <a:solidFill>
+                            <a:schemeClr val="tx1"/>
+                          </a:solidFill>
+                          <a:highlight>
+                            <a:srgbClr val="00FFFF"/>
+                          </a:highlight>
+                          <a:latin typeface="+mn-lt"/>
+                          <a:ea typeface="+mn-ea"/>
+                          <a:cs typeface="+mn-cs"/>
+                        </a:rPr>
+                        <a:t>&gt;</a:t>
                       </a:r>
                     </a:p>
                   </a:txBody>
@@ -17419,7 +16935,7 @@
                   </a:ext>
                 </a:extLst>
               </a:tr>
-              <a:tr h="174072">
+              <a:tr h="198049">
                 <a:tc>
                   <a:txBody>
                     <a:bodyPr/>
@@ -17543,7 +17059,35 @@
                           <a:ea typeface="+mn-ea"/>
                           <a:cs typeface="+mn-cs"/>
                         </a:rPr>
-                        <a:t>&lt;Datespaiement1&gt;</a:t>
+                        <a:t>&lt;</a:t>
+                      </a:r>
+                      <a:r>
+                        <a:rPr lang="fr-FR" sz="700" b="0" i="0" kern="1200" dirty="0" err="1">
+                          <a:solidFill>
+                            <a:schemeClr val="tx1"/>
+                          </a:solidFill>
+                          <a:highlight>
+                            <a:srgbClr val="00FFFF"/>
+                          </a:highlight>
+                          <a:latin typeface="+mn-lt"/>
+                          <a:ea typeface="+mn-ea"/>
+                          <a:cs typeface="+mn-cs"/>
+                        </a:rPr>
+                        <a:t>dates_paiement_phoenix</a:t>
+                      </a:r>
+                      <a:r>
+                        <a:rPr lang="fr-FR" sz="700" b="0" i="0" kern="1200" dirty="0">
+                          <a:solidFill>
+                            <a:schemeClr val="tx1"/>
+                          </a:solidFill>
+                          <a:highlight>
+                            <a:srgbClr val="00FFFF"/>
+                          </a:highlight>
+                          <a:latin typeface="+mn-lt"/>
+                          <a:ea typeface="+mn-ea"/>
+                          <a:cs typeface="+mn-cs"/>
+                        </a:rPr>
+                        <a:t>&gt;</a:t>
                       </a:r>
                     </a:p>
                   </a:txBody>
@@ -17607,7 +17151,7 @@
                   </a:ext>
                 </a:extLst>
               </a:tr>
-              <a:tr h="174072">
+              <a:tr h="198049">
                 <a:tc>
                   <a:txBody>
                     <a:bodyPr/>
@@ -17731,7 +17275,35 @@
                           <a:ea typeface="+mn-ea"/>
                           <a:cs typeface="+mn-cs"/>
                         </a:rPr>
-                        <a:t>&lt;Datesremb1&gt;</a:t>
+                        <a:t>&lt;</a:t>
+                      </a:r>
+                      <a:r>
+                        <a:rPr lang="fr-FR" sz="700" b="0" i="0" kern="1200" dirty="0" err="1">
+                          <a:solidFill>
+                            <a:schemeClr val="tx1"/>
+                          </a:solidFill>
+                          <a:highlight>
+                            <a:srgbClr val="00FFFF"/>
+                          </a:highlight>
+                          <a:latin typeface="+mn-lt"/>
+                          <a:ea typeface="+mn-ea"/>
+                          <a:cs typeface="+mn-cs"/>
+                        </a:rPr>
+                        <a:t>dates_last_remboursement_rappel</a:t>
+                      </a:r>
+                      <a:r>
+                        <a:rPr lang="fr-FR" sz="700" b="0" i="0" kern="1200" dirty="0">
+                          <a:solidFill>
+                            <a:schemeClr val="tx1"/>
+                          </a:solidFill>
+                          <a:highlight>
+                            <a:srgbClr val="00FFFF"/>
+                          </a:highlight>
+                          <a:latin typeface="+mn-lt"/>
+                          <a:ea typeface="+mn-ea"/>
+                          <a:cs typeface="+mn-cs"/>
+                        </a:rPr>
+                        <a:t>&gt;</a:t>
                       </a:r>
                     </a:p>
                   </a:txBody>
@@ -17795,7 +17367,7 @@
                   </a:ext>
                 </a:extLst>
               </a:tr>
-              <a:tr h="174072">
+              <a:tr h="187500">
                 <a:tc>
                   <a:txBody>
                     <a:bodyPr/>
@@ -17980,7 +17552,7 @@
                   </a:ext>
                 </a:extLst>
               </a:tr>
-              <a:tr h="0">
+              <a:tr h="187500">
                 <a:tc>
                   <a:txBody>
                     <a:bodyPr/>
@@ -18093,7 +17665,7 @@
                         <a:defRPr/>
                       </a:pPr>
                       <a:r>
-                        <a:rPr lang="fr-FR" sz="700" b="0" i="0" kern="1200">
+                        <a:rPr lang="fr-FR" sz="700" b="0" i="0" kern="1200" dirty="0">
                           <a:solidFill>
                             <a:schemeClr val="tx1"/>
                           </a:solidFill>
@@ -18101,7 +17673,7 @@
                           <a:ea typeface="+mn-ea"/>
                           <a:cs typeface="+mn-cs"/>
                         </a:rPr>
-                        <a:t>&lt;BCPN&gt;% du &lt;NDR&gt; &lt;SJR7&gt;</a:t>
+                        <a:t>&lt;ABAC&gt; du &lt;NDR&gt; &lt;SJR7&gt;</a:t>
                       </a:r>
                     </a:p>
                   </a:txBody>
@@ -18165,7 +17737,7 @@
                   </a:ext>
                 </a:extLst>
               </a:tr>
-              <a:tr h="171441">
+              <a:tr h="185365">
                 <a:tc>
                   <a:txBody>
                     <a:bodyPr/>
@@ -18197,7 +17769,7 @@
                           <a:ea typeface="+mn-ea"/>
                           <a:cs typeface="+mn-cs"/>
                         </a:rPr>
-                        <a:t>BARRIÈRE DE PERTE EN CAPITAL À L’ÉCHÉANCE</a:t>
+                        <a:t>SEUIL DE PERTE EN CAPITAL A L’ECHEANCE</a:t>
                       </a:r>
                     </a:p>
                   </a:txBody>
@@ -18350,7 +17922,7 @@
                   </a:ext>
                 </a:extLst>
               </a:tr>
-              <a:tr h="122060">
+              <a:tr h="198049">
                 <a:tc>
                   <a:txBody>
                     <a:bodyPr/>
@@ -18535,7 +18107,7 @@
                   </a:ext>
                 </a:extLst>
               </a:tr>
-              <a:tr h="122060">
+              <a:tr h="198049">
                 <a:tc>
                   <a:txBody>
                     <a:bodyPr/>
@@ -18655,7 +18227,7 @@
                           <a:ea typeface="+mn-ea"/>
                           <a:cs typeface="+mn-cs"/>
                         </a:rPr>
-                        <a:t>Contrat d’assurance vie ou de capitalisation et/ou compte-titres.</a:t>
+                        <a:t>Contrat d’assurance vie ou de capitalisation</a:t>
                       </a:r>
                     </a:p>
                   </a:txBody>
@@ -18719,7 +18291,7 @@
                   </a:ext>
                 </a:extLst>
               </a:tr>
-              <a:tr h="122060">
+              <a:tr h="198049">
                 <a:tc>
                   <a:txBody>
                     <a:bodyPr/>
@@ -18903,7 +18475,7 @@
                   </a:ext>
                 </a:extLst>
               </a:tr>
-              <a:tr h="122060">
+              <a:tr h="198049">
                 <a:tc>
                   <a:txBody>
                     <a:bodyPr/>
@@ -19088,7 +18660,7 @@
                   </a:ext>
                 </a:extLst>
               </a:tr>
-              <a:tr h="466643">
+              <a:tr h="377385">
                 <a:tc>
                   <a:txBody>
                     <a:bodyPr/>
@@ -19209,7 +18781,7 @@
                           <a:ea typeface="+mn-ea"/>
                           <a:cs typeface="+mn-cs"/>
                         </a:rPr>
-                        <a:t>Dans le cadre de l’offre et de la vente de ces titres de créance, l’Émetteur paiera aux intermédiaires financiers agréés une commission de vente. La commission de vente est incluse dans le prix d’achat des titres de créance et n’excédera pas 1,00% par an multiplié par la durée maximale des titres de créance exprimée en nombre d’années. L’intégralité de la commission de vente sera versée en un paiement unique initial après la fin de la période de commercialisation et sera acquise de manière définitive par les intermédiaires financiers, quelle que soit la durée de détention des titres de créance par les investisseurs. De plus amples informations sont disponibles auprès de l’intermédiaire financier ou de l’Émetteur sur demande. </a:t>
+                        <a:t>Dans le cadre de l’offre et de la vente de ces titres de créance, l’Emetteur paiera aux intermédiaires financiers agréés une commission de vente. La commission de vente est incluse dans le prix d’achat des titres de créance et n’excédera pas 2,0% par an multiplié par la durée maximale des titres de créance exprimée en nombre d’années. L’intégralité de la commission de vente sera versée en un paiement unique initial après la fin de la période de commercialisation et sera acquise de manière définitive par les intermédiaires financiers, quelle que soit la durée de détention des titres de créance par les investisseurs. De plus amples informations sont disponibles auprès de l’intermédiaire financier ou de l’Emetteur sur demande.</a:t>
                       </a:r>
                     </a:p>
                   </a:txBody>
@@ -19273,7 +18845,7 @@
                   </a:ext>
                 </a:extLst>
               </a:tr>
-              <a:tr h="232586">
+              <a:tr h="282443">
                 <a:tc>
                   <a:txBody>
                     <a:bodyPr/>
@@ -19305,7 +18877,7 @@
                           <a:ea typeface="+mn-ea"/>
                           <a:cs typeface="+mn-cs"/>
                         </a:rPr>
-                        <a:t>DOUBLE VALORISATION</a:t>
+                        <a:t>PERIODICITE ET PUBLICATION DE LA VALORISATION</a:t>
                       </a:r>
                     </a:p>
                   </a:txBody>
@@ -19394,7 +18966,192 @@
                           <a:ea typeface="+mn-ea"/>
                           <a:cs typeface="+mn-cs"/>
                         </a:rPr>
-                        <a:t>En plus de celle produite par Goldman Sachs International, une valorisation du titre de créance sera assurée, tous les quinze jours à compter du &lt;Datesconstatations3&gt; par une société de service indépendante financièrement de Goldman Sachs International, </a:t>
+                        <a:t>BLOOMBERG, REUTERS et TELEKURS. Cours publié au moins une fois tous les 15jours et tenu à la disposition du public en permanence.</a:t>
+                      </a:r>
+                    </a:p>
+                  </a:txBody>
+                  <a:tcPr marT="46800" marB="46800" anchor="ctr" horzOverflow="overflow">
+                    <a:lnL w="12700" cap="flat" cmpd="sng" algn="ctr">
+                      <a:solidFill>
+                        <a:schemeClr val="bg1"/>
+                      </a:solidFill>
+                      <a:prstDash val="solid"/>
+                      <a:round/>
+                      <a:headEnd type="none" w="med" len="med"/>
+                      <a:tailEnd type="none" w="med" len="med"/>
+                    </a:lnL>
+                    <a:lnR w="6350" cap="flat" cmpd="sng" algn="ctr">
+                      <a:solidFill>
+                        <a:schemeClr val="bg1">
+                          <a:lumMod val="65000"/>
+                        </a:schemeClr>
+                      </a:solidFill>
+                      <a:prstDash val="solid"/>
+                      <a:round/>
+                      <a:headEnd type="none" w="med" len="med"/>
+                      <a:tailEnd type="none" w="med" len="med"/>
+                    </a:lnR>
+                    <a:lnT w="6350" cap="flat" cmpd="sng" algn="ctr">
+                      <a:solidFill>
+                        <a:schemeClr val="bg1">
+                          <a:lumMod val="65000"/>
+                        </a:schemeClr>
+                      </a:solidFill>
+                      <a:prstDash val="solid"/>
+                      <a:round/>
+                      <a:headEnd type="none" w="med" len="med"/>
+                      <a:tailEnd type="none" w="med" len="med"/>
+                    </a:lnT>
+                    <a:lnB w="6350" cap="flat" cmpd="sng" algn="ctr">
+                      <a:solidFill>
+                        <a:schemeClr val="bg1">
+                          <a:lumMod val="65000"/>
+                        </a:schemeClr>
+                      </a:solidFill>
+                      <a:prstDash val="solid"/>
+                      <a:round/>
+                      <a:headEnd type="none" w="med" len="med"/>
+                      <a:tailEnd type="none" w="med" len="med"/>
+                    </a:lnB>
+                    <a:lnTlToBr w="12700" cmpd="sng">
+                      <a:noFill/>
+                      <a:prstDash val="solid"/>
+                    </a:lnTlToBr>
+                    <a:lnBlToTr w="12700" cmpd="sng">
+                      <a:noFill/>
+                      <a:prstDash val="solid"/>
+                    </a:lnBlToTr>
+                    <a:noFill/>
+                  </a:tcPr>
+                </a:tc>
+                <a:extLst>
+                  <a:ext uri="{0D108BD9-81ED-4DB2-BD59-A6C34878D82A}">
+                    <a16:rowId xmlns:a16="http://schemas.microsoft.com/office/drawing/2014/main" val="1440539583"/>
+                  </a:ext>
+                </a:extLst>
+              </a:tr>
+              <a:tr h="282443">
+                <a:tc>
+                  <a:txBody>
+                    <a:bodyPr/>
+                    <a:lstStyle/>
+                    <a:p>
+                      <a:pPr marL="0" marR="0" lvl="0" indent="0" algn="l" defTabSz="755934" rtl="0" eaLnBrk="1" fontAlgn="auto" latinLnBrk="0" hangingPunct="1">
+                        <a:lnSpc>
+                          <a:spcPct val="90000"/>
+                        </a:lnSpc>
+                        <a:spcBef>
+                          <a:spcPts val="0"/>
+                        </a:spcBef>
+                        <a:spcAft>
+                          <a:spcPts val="0"/>
+                        </a:spcAft>
+                        <a:buClrTx/>
+                        <a:buSzTx/>
+                        <a:buFontTx/>
+                        <a:buNone/>
+                        <a:tabLst/>
+                        <a:defRPr/>
+                      </a:pPr>
+                      <a:r>
+                        <a:rPr lang="fr-FR" sz="700" b="1" kern="1200" dirty="0">
+                          <a:solidFill>
+                            <a:srgbClr val="B9A049"/>
+                          </a:solidFill>
+                          <a:latin typeface="+mn-lt"/>
+                          <a:ea typeface="+mn-ea"/>
+                          <a:cs typeface="+mn-cs"/>
+                        </a:rPr>
+                        <a:t>DOUBLE VALORISATION</a:t>
+                      </a:r>
+                    </a:p>
+                  </a:txBody>
+                  <a:tcPr marT="46800" marB="46800" anchor="ctr" horzOverflow="overflow">
+                    <a:lnL w="12700" cap="flat" cmpd="sng" algn="ctr">
+                      <a:solidFill>
+                        <a:schemeClr val="bg1">
+                          <a:lumMod val="85000"/>
+                        </a:schemeClr>
+                      </a:solidFill>
+                      <a:prstDash val="solid"/>
+                      <a:round/>
+                      <a:headEnd type="none" w="med" len="med"/>
+                      <a:tailEnd type="none" w="med" len="med"/>
+                    </a:lnL>
+                    <a:lnR w="12700" cap="flat" cmpd="sng" algn="ctr">
+                      <a:solidFill>
+                        <a:schemeClr val="bg1"/>
+                      </a:solidFill>
+                      <a:prstDash val="solid"/>
+                      <a:round/>
+                      <a:headEnd type="none" w="med" len="med"/>
+                      <a:tailEnd type="none" w="med" len="med"/>
+                    </a:lnR>
+                    <a:lnT w="12700" cap="flat" cmpd="sng" algn="ctr">
+                      <a:solidFill>
+                        <a:schemeClr val="bg1"/>
+                      </a:solidFill>
+                      <a:prstDash val="solid"/>
+                      <a:round/>
+                      <a:headEnd type="none" w="med" len="med"/>
+                      <a:tailEnd type="none" w="med" len="med"/>
+                    </a:lnT>
+                    <a:lnB w="12700" cap="flat" cmpd="sng" algn="ctr">
+                      <a:solidFill>
+                        <a:schemeClr val="bg1"/>
+                      </a:solidFill>
+                      <a:prstDash val="solid"/>
+                      <a:round/>
+                      <a:headEnd type="none" w="med" len="med"/>
+                      <a:tailEnd type="none" w="med" len="med"/>
+                    </a:lnB>
+                    <a:lnTlToBr w="12700" cmpd="sng">
+                      <a:noFill/>
+                      <a:prstDash val="solid"/>
+                    </a:lnTlToBr>
+                    <a:lnBlToTr w="12700" cmpd="sng">
+                      <a:noFill/>
+                      <a:prstDash val="solid"/>
+                    </a:lnBlToTr>
+                    <a:solidFill>
+                      <a:schemeClr val="bg1">
+                        <a:lumMod val="95000"/>
+                      </a:schemeClr>
+                    </a:solidFill>
+                  </a:tcPr>
+                </a:tc>
+                <a:tc>
+                  <a:txBody>
+                    <a:bodyPr/>
+                    <a:lstStyle/>
+                    <a:p>
+                      <a:pPr marL="0" marR="0" lvl="0" indent="0" algn="just" defTabSz="755934" rtl="0" eaLnBrk="1" fontAlgn="auto" latinLnBrk="0" hangingPunct="1">
+                        <a:lnSpc>
+                          <a:spcPct val="90000"/>
+                        </a:lnSpc>
+                        <a:spcBef>
+                          <a:spcPts val="0"/>
+                        </a:spcBef>
+                        <a:spcAft>
+                          <a:spcPts val="0"/>
+                        </a:spcAft>
+                        <a:buClrTx/>
+                        <a:buSzTx/>
+                        <a:buFontTx/>
+                        <a:buNone/>
+                        <a:tabLst/>
+                        <a:defRPr/>
+                      </a:pPr>
+                      <a:r>
+                        <a:rPr lang="fr-FR" sz="700" b="0" i="0" kern="1200" dirty="0">
+                          <a:solidFill>
+                            <a:schemeClr val="tx1"/>
+                          </a:solidFill>
+                          <a:latin typeface="+mn-lt"/>
+                          <a:ea typeface="+mn-ea"/>
+                          <a:cs typeface="+mn-cs"/>
+                        </a:rPr>
+                        <a:t>En plus de celle produite par Goldman Sachs Finance Corp International Ltd, une valorisation du titre de créance sera assurée, tous les quinze jours à compter du &lt;Datesconstatations3&gt; par une société de service indépendante financièrement de Goldman Sachs Finance Corp International Ltd, </a:t>
                       </a:r>
                       <a:r>
                         <a:rPr lang="fr-FR" sz="700" b="0" i="0" kern="1200" dirty="0" err="1">
@@ -19480,7 +19237,7 @@
                   </a:ext>
                 </a:extLst>
               </a:tr>
-              <a:tr h="285837">
+              <a:tr h="278173">
                 <a:tc>
                   <a:txBody>
                     <a:bodyPr/>
@@ -19601,7 +19358,7 @@
                           <a:ea typeface="+mn-ea"/>
                           <a:cs typeface="+mn-cs"/>
                         </a:rPr>
-                        <a:t>Dans des conditions normales de marché, des prix indicatifs pour une possible sortie et entrée (dans la limite de l’enveloppe disponible) peuvent être proposés quotidiennement pendant toute la durée de vie du titre de créance, avec une fourchette achat/vente maximale de 1,00%. Cf. le « Rachat par Goldman International  » dans les avertissements en page suivante.</a:t>
+                        <a:t>Dans des conditions normales de marché, des prix indicatifs pour une possible sortie et entrée (dans la limite de l’enveloppe disponible) peuvent être proposés quotidiennement pendant toute la durée de vie du titre de créance, avec une fourchette achat/vente maximale de 1,00%. Cf. le « Rachat par Goldman Sachs Finance Corp International Ltd » dans les avertissements en page suivante.</a:t>
                       </a:r>
                     </a:p>
                   </a:txBody>
@@ -19665,7 +19422,7 @@
                   </a:ext>
                 </a:extLst>
               </a:tr>
-              <a:tr h="171441">
+              <a:tr h="198049">
                 <a:tc>
                   <a:txBody>
                     <a:bodyPr/>
@@ -19774,7 +19531,7 @@
                           <a:ea typeface="+mn-ea"/>
                           <a:cs typeface="+mn-cs"/>
                         </a:rPr>
-                        <a:t>Goldman Sachs International, ce qui peut être source de conflit d’intérêts. Les conflits d’intérêts qui peuvent être engendrés sont gérés conformément à la réglementation applicable.</a:t>
+                        <a:t>Goldman Sachs Finance Corp International Ltd, London, GB, ce qui peut être source de conflit d’intérêts(1). Les conflits d’intérêts qui peuvent être engendrés seront gérés conformément à la réglementation applicable.</a:t>
                       </a:r>
                     </a:p>
                   </a:txBody>
@@ -19838,7 +19595,7 @@
                   </a:ext>
                 </a:extLst>
               </a:tr>
-              <a:tr h="122060">
+              <a:tr h="198049">
                 <a:tc>
                   <a:txBody>
                     <a:bodyPr/>
@@ -20023,6 +19780,87 @@
       </p:graphicFrame>
       <p:sp>
         <p:nvSpPr>
+          <p:cNvPr id="2" name="Espace réservé du numéro de diapositive 1">
+            <a:extLst>
+              <a:ext uri="{FF2B5EF4-FFF2-40B4-BE49-F238E27FC236}">
+                <a16:creationId xmlns:a16="http://schemas.microsoft.com/office/drawing/2014/main" id="{0C33C7E1-5760-4AFF-97B6-9362D2C8CD65}"/>
+              </a:ext>
+            </a:extLst>
+          </p:cNvPr>
+          <p:cNvSpPr>
+            <a:spLocks noGrp="1"/>
+          </p:cNvSpPr>
+          <p:nvPr>
+            <p:ph type="sldNum" sz="quarter" idx="4"/>
+          </p:nvPr>
+        </p:nvSpPr>
+        <p:spPr/>
+        <p:txBody>
+          <a:bodyPr/>
+          <a:lstStyle/>
+          <a:p>
+            <a:fld id="{58F0BA28-1212-45AE-B075-64C06113A6D3}" type="slidenum">
+              <a:rPr lang="fr-FR" smtClean="0"/>
+              <a:pPr/>
+              <a:t>13</a:t>
+            </a:fld>
+            <a:endParaRPr lang="fr-FR" dirty="0"/>
+          </a:p>
+        </p:txBody>
+      </p:sp>
+      <p:sp>
+        <p:nvSpPr>
+          <p:cNvPr id="5" name="Text Box 2">
+            <a:extLst>
+              <a:ext uri="{FF2B5EF4-FFF2-40B4-BE49-F238E27FC236}">
+                <a16:creationId xmlns:a16="http://schemas.microsoft.com/office/drawing/2014/main" id="{45E1DCC2-11CD-41F7-969A-E4566F5B1573}"/>
+              </a:ext>
+            </a:extLst>
+          </p:cNvPr>
+          <p:cNvSpPr txBox="1">
+            <a:spLocks noChangeArrowheads="1"/>
+          </p:cNvSpPr>
+          <p:nvPr/>
+        </p:nvSpPr>
+        <p:spPr bwMode="auto">
+          <a:xfrm>
+            <a:off x="361950" y="9765983"/>
+            <a:ext cx="6483350" cy="100027"/>
+          </a:xfrm>
+          <a:prstGeom prst="rect">
+            <a:avLst/>
+          </a:prstGeom>
+          <a:noFill/>
+          <a:ln w="9525">
+            <a:noFill/>
+            <a:miter lim="800000"/>
+            <a:headEnd/>
+            <a:tailEnd/>
+          </a:ln>
+        </p:spPr>
+        <p:txBody>
+          <a:bodyPr wrap="square" lIns="0" tIns="0" rIns="0" bIns="0">
+            <a:spAutoFit/>
+          </a:bodyPr>
+          <a:lstStyle/>
+          <a:p>
+            <a:pPr lvl="0" algn="just" defTabSz="914400"/>
+            <a:r>
+              <a:rPr lang="fr-FR" sz="800" baseline="30000" dirty="0"/>
+              <a:t>(1)</a:t>
+            </a:r>
+            <a:r>
+              <a:rPr lang="fr-FR" sz="650" dirty="0"/>
+              <a:t> Les conflits d’intérêts seront gérés suivant la réglementation en vigueur.</a:t>
+            </a:r>
+            <a:endParaRPr lang="fr-FR" sz="650" i="1" dirty="0">
+              <a:latin typeface="Proxima Nova Rg" panose="02000506030000020004" pitchFamily="2" charset="0"/>
+            </a:endParaRPr>
+          </a:p>
+        </p:txBody>
+      </p:sp>
+      <p:sp>
+        <p:nvSpPr>
           <p:cNvPr id="6" name="Espace réservé du texte 11">
             <a:extLst>
               <a:ext uri="{FF2B5EF4-FFF2-40B4-BE49-F238E27FC236}">
@@ -20254,55 +20092,6 @@
         </p:spPr>
         <p:txBody>
           <a:bodyPr lIns="20981" tIns="20981" rIns="20981" bIns="20981"/>
-          <a:lstStyle/>
-          <a:p>
-            <a:pPr algn="ctr" defTabSz="825500">
-              <a:lnSpc>
-                <a:spcPct val="100000"/>
-              </a:lnSpc>
-              <a:defRPr sz="3200" b="0">
-                <a:solidFill>
-                  <a:srgbClr val="FFFFFF"/>
-                </a:solidFill>
-                <a:latin typeface="Helvetica Neue Medium"/>
-                <a:ea typeface="Helvetica Neue Medium"/>
-                <a:cs typeface="Helvetica Neue Medium"/>
-                <a:sym typeface="Helvetica Neue Medium"/>
-              </a:defRPr>
-            </a:pPr>
-            <a:endParaRPr/>
-          </a:p>
-        </p:txBody>
-      </p:sp>
-      <p:sp>
-        <p:nvSpPr>
-          <p:cNvPr id="8" name="Rectangle">
-            <a:extLst>
-              <a:ext uri="{FF2B5EF4-FFF2-40B4-BE49-F238E27FC236}">
-                <a16:creationId xmlns:a16="http://schemas.microsoft.com/office/drawing/2014/main" id="{B997FA41-CFCA-6D4C-BFDB-7D06B6C376D8}"/>
-              </a:ext>
-            </a:extLst>
-          </p:cNvPr>
-          <p:cNvSpPr/>
-          <p:nvPr/>
-        </p:nvSpPr>
-        <p:spPr>
-          <a:xfrm>
-            <a:off x="359837" y="570116"/>
-            <a:ext cx="6840000" cy="6846"/>
-          </a:xfrm>
-          <a:prstGeom prst="rect">
-            <a:avLst/>
-          </a:prstGeom>
-          <a:solidFill>
-            <a:srgbClr val="C5AF5C"/>
-          </a:solidFill>
-          <a:ln w="3175">
-            <a:miter lim="400000"/>
-          </a:ln>
-        </p:spPr>
-        <p:txBody>
-          <a:bodyPr lIns="20981" tIns="20981" rIns="20981" bIns="20981" anchor="ctr"/>
           <a:lstStyle/>
           <a:p>
             <a:pPr algn="ctr" defTabSz="825500">
@@ -20448,104 +20237,6 @@
           </a:p>
         </p:txBody>
       </p:sp>
-      <p:sp>
-        <p:nvSpPr>
-          <p:cNvPr id="4" name="Rectangle">
-            <a:extLst>
-              <a:ext uri="{FF2B5EF4-FFF2-40B4-BE49-F238E27FC236}">
-                <a16:creationId xmlns:a16="http://schemas.microsoft.com/office/drawing/2014/main" id="{1690BB83-61BD-5DAF-A538-856B023060C3}"/>
-              </a:ext>
-            </a:extLst>
-          </p:cNvPr>
-          <p:cNvSpPr/>
-          <p:nvPr/>
-        </p:nvSpPr>
-        <p:spPr>
-          <a:xfrm>
-            <a:off x="359837" y="570116"/>
-            <a:ext cx="6840000" cy="6846"/>
-          </a:xfrm>
-          <a:prstGeom prst="rect">
-            <a:avLst/>
-          </a:prstGeom>
-          <a:solidFill>
-            <a:srgbClr val="C5AF5C"/>
-          </a:solidFill>
-          <a:ln w="3175">
-            <a:miter lim="400000"/>
-          </a:ln>
-        </p:spPr>
-        <p:txBody>
-          <a:bodyPr lIns="20981" tIns="20981" rIns="20981" bIns="20981" anchor="ctr"/>
-          <a:lstStyle/>
-          <a:p>
-            <a:pPr algn="ctr" defTabSz="825500">
-              <a:lnSpc>
-                <a:spcPct val="100000"/>
-              </a:lnSpc>
-              <a:defRPr sz="3200" b="0">
-                <a:solidFill>
-                  <a:srgbClr val="FFFFFF"/>
-                </a:solidFill>
-                <a:latin typeface="Helvetica Neue Medium"/>
-                <a:ea typeface="Helvetica Neue Medium"/>
-                <a:cs typeface="Helvetica Neue Medium"/>
-                <a:sym typeface="Helvetica Neue Medium"/>
-              </a:defRPr>
-            </a:pPr>
-            <a:endParaRPr/>
-          </a:p>
-        </p:txBody>
-      </p:sp>
-      <p:sp>
-        <p:nvSpPr>
-          <p:cNvPr id="6" name="Rectangle">
-            <a:extLst>
-              <a:ext uri="{FF2B5EF4-FFF2-40B4-BE49-F238E27FC236}">
-                <a16:creationId xmlns:a16="http://schemas.microsoft.com/office/drawing/2014/main" id="{B8E7911D-186C-0D5A-75AD-5E206CA5D7F4}"/>
-              </a:ext>
-            </a:extLst>
-          </p:cNvPr>
-          <p:cNvSpPr/>
-          <p:nvPr/>
-        </p:nvSpPr>
-        <p:spPr>
-          <a:xfrm>
-            <a:off x="359836" y="9624161"/>
-            <a:ext cx="6840000" cy="6846"/>
-          </a:xfrm>
-          <a:prstGeom prst="rect">
-            <a:avLst/>
-          </a:prstGeom>
-          <a:solidFill>
-            <a:srgbClr val="C5AF5C"/>
-          </a:solidFill>
-          <a:ln w="3175">
-            <a:miter lim="400000"/>
-          </a:ln>
-        </p:spPr>
-        <p:txBody>
-          <a:bodyPr lIns="20981" tIns="20981" rIns="20981" bIns="20981" anchor="ctr"/>
-          <a:lstStyle/>
-          <a:p>
-            <a:pPr algn="ctr" defTabSz="825500">
-              <a:lnSpc>
-                <a:spcPct val="100000"/>
-              </a:lnSpc>
-              <a:defRPr sz="3200" b="0">
-                <a:solidFill>
-                  <a:srgbClr val="FFFFFF"/>
-                </a:solidFill>
-                <a:latin typeface="Helvetica Neue Medium"/>
-                <a:ea typeface="Helvetica Neue Medium"/>
-                <a:cs typeface="Helvetica Neue Medium"/>
-                <a:sym typeface="Helvetica Neue Medium"/>
-              </a:defRPr>
-            </a:pPr>
-            <a:endParaRPr/>
-          </a:p>
-        </p:txBody>
-      </p:sp>
     </p:spTree>
     <p:extLst>
       <p:ext uri="{BB962C8B-B14F-4D97-AF65-F5344CB8AC3E}">
@@ -21250,7 +20941,7 @@
         <p:spPr>
           <a:xfrm>
             <a:off x="458462" y="974579"/>
-            <a:ext cx="6741374" cy="3769237"/>
+            <a:ext cx="6741374" cy="3990836"/>
           </a:xfrm>
           <a:prstGeom prst="rect">
             <a:avLst/>
@@ -21483,7 +21174,7 @@
                 <a:ea typeface="+mn-ea"/>
                 <a:cs typeface="+mn-cs"/>
               </a:rPr>
-              <a:t>NOM&gt; soit 1000 EUR. Le montant remboursé est brut hors frais et fiscalité applicable au cadre d’investissement (ni des frais d’entrée/d’arbitrage et de gestion dans les cas d’un contrat d’assurance vie ou de capitalisation ou des frais de souscription et de garde dans le cas d’un investissement en compte-titres, ni des prélèvements sociaux et fiscaux). Les Taux de Rendement Annuel (« TRA ») sont nets de frais de gestion pour les contrats d’assurance vie/capitalisation ou net de droits de garde en compte-titres (en prenant comme hypothèse un taux de frais de gestion ou de droits de garde de 1,00% annuel), mais sans prise en compte des autres frais, de la fiscalité et prélèvements sociaux applicables au cadre d’investissement. Ils sont calculés pour un investissement entre la </a:t>
+              <a:t>NOM&gt; soit 1000 EUR. Le montant remboursé est brut hors frais et fiscalité applicable au cadre d’investissement. Les Taux de Rendement Annuel (« TRA ») sont nets de frais de gestion pour les contrats d’assurance vie/capitalisation ou net de droits de garde en compte-titres (en prenant comme hypothèse un taux de frais de gestion ou de droits de garde de 1,00% annuel), mais sans prise en compte des autres frais, de la fiscalité et prélèvements sociaux applicables au cadre d’investissement. Ils sont calculés pour un investissement entre la </a:t>
             </a:r>
             <a:r>
               <a:rPr lang="fr-FR" sz="800" dirty="0">
@@ -21517,7 +21208,7 @@
                   <a:schemeClr val="tx2"/>
                 </a:solidFill>
               </a:rPr>
-              <a:t> (1)</a:t>
+              <a:t>(1)</a:t>
             </a:r>
             <a:r>
               <a:rPr kumimoji="0" lang="fr-FR" sz="800" b="0" i="0" u="none" strike="noStrike" kern="1200" cap="none" spc="0" normalizeH="0" baseline="0" noProof="0" dirty="0">
@@ -21537,14 +21228,6 @@
               <a:t> (soit le &lt;2PDC&gt;) et la date d’échéance</a:t>
             </a:r>
             <a:r>
-              <a:rPr lang="fr-FR" sz="800" b="1" baseline="30000" dirty="0">
-                <a:solidFill>
-                  <a:schemeClr val="tx2"/>
-                </a:solidFill>
-              </a:rPr>
-              <a:t> </a:t>
-            </a:r>
-            <a:r>
               <a:rPr lang="fr-FR" sz="800" baseline="30000" dirty="0">
                 <a:solidFill>
                   <a:schemeClr val="tx2"/>
@@ -21579,7 +21262,7 @@
                   <a:schemeClr val="tx2"/>
                 </a:solidFill>
               </a:rPr>
-              <a:t> (1) </a:t>
+              <a:t>(1) </a:t>
             </a:r>
             <a:r>
               <a:rPr kumimoji="0" lang="fr-FR" sz="800" b="0" i="0" u="none" strike="noStrike" kern="1200" cap="none" spc="0" normalizeH="0" baseline="0" noProof="0" dirty="0">
@@ -21607,6 +21290,15 @@
               <a:t>(1)</a:t>
             </a:r>
             <a:r>
+              <a:rPr lang="fr-FR" sz="800" dirty="0">
+                <a:solidFill>
+                  <a:schemeClr val="tx1"/>
+                </a:solidFill>
+                <a:latin typeface="Proxima Nova Rg"/>
+              </a:rPr>
+              <a:t> </a:t>
+            </a:r>
+            <a:r>
               <a:rPr kumimoji="0" lang="fr-FR" sz="800" b="0" i="0" u="none" strike="noStrike" kern="1200" cap="none" spc="0" normalizeH="0" baseline="0" noProof="0" dirty="0">
                 <a:ln>
                   <a:noFill/>
@@ -21621,7 +21313,7 @@
                 <a:ea typeface="+mn-ea"/>
                 <a:cs typeface="+mn-cs"/>
               </a:rPr>
-              <a:t> ou la date de remboursement automatique anticipé effective</a:t>
+              <a:t>ou la date de remboursement automatique anticipé effective</a:t>
             </a:r>
             <a:r>
               <a:rPr lang="fr-FR" sz="800" baseline="30000" dirty="0">
@@ -21629,7 +21321,16 @@
                   <a:schemeClr val="tx2"/>
                 </a:solidFill>
               </a:rPr>
-              <a:t> (1)</a:t>
+              <a:t>(1)</a:t>
+            </a:r>
+            <a:r>
+              <a:rPr lang="fr-FR" sz="800" dirty="0">
+                <a:solidFill>
+                  <a:schemeClr val="tx1"/>
+                </a:solidFill>
+                <a:latin typeface="Proxima Nova Rg"/>
+              </a:rPr>
+              <a:t> </a:t>
             </a:r>
             <a:r>
               <a:rPr kumimoji="0" lang="fr-FR" sz="800" b="0" i="0" u="none" strike="noStrike" kern="1200" cap="none" spc="0" normalizeH="0" baseline="0" noProof="0" dirty="0">
@@ -21646,7 +21347,7 @@
                 <a:ea typeface="+mn-ea"/>
                 <a:cs typeface="+mn-cs"/>
               </a:rPr>
-              <a:t> (ou en cas d’arbitrage ou de rachat pour les contrats d’assurance vie ou de capitalisation, ou de dénouement par décès pour les contrats d’assurance vie), le Taux de Rendement Annuel effectif peut être supérieur ou inférieur au Taux de Rendement Annuel indiqué dans la présente brochure. </a:t>
+              <a:t>(ou en cas d’arbitrage ou de rachat pour les contrats d’assurance vie ou de capitalisation, ou de dénouement par décès pour les contrats d’assurance vie), les Taux de Rendement Annuel effectifs peuvent être supérieurs ou inférieurs aux Taux de Rendement Annuel indiqués dans la présente brochure. </a:t>
             </a:r>
             <a:r>
               <a:rPr kumimoji="0" lang="fr-FR" sz="800" b="1" i="0" u="none" strike="noStrike" kern="1200" cap="none" spc="0" normalizeH="0" baseline="0" noProof="0" dirty="0">
@@ -21663,42 +21364,7 @@
                 <a:ea typeface="+mn-ea"/>
                 <a:cs typeface="+mn-cs"/>
               </a:rPr>
-              <a:t>De plus, l’investisseur peut subir une perte en capital partielle ou totale. Les avantages du titre de </a:t>
-            </a:r>
-            <a:r>
-              <a:rPr kumimoji="0" lang="fr-FR" sz="800" b="1" i="0" u="none" strike="noStrike" kern="1200" cap="none" spc="0" normalizeH="0" baseline="0" noProof="0" dirty="0" err="1">
-                <a:ln>
-                  <a:noFill/>
-                </a:ln>
-                <a:solidFill>
-                  <a:schemeClr val="tx1"/>
-                </a:solidFill>
-                <a:effectLst/>
-                <a:uLnTx/>
-                <a:uFillTx/>
-                <a:latin typeface="Proxima Nova Rg"/>
-                <a:ea typeface="+mn-ea"/>
-                <a:cs typeface="+mn-cs"/>
-              </a:rPr>
-              <a:t>cré</a:t>
-            </a:r>
-            <a:r>
-              <a:rPr lang="fr-FR" sz="800" b="1" dirty="0" err="1">
-                <a:solidFill>
-                  <a:schemeClr val="tx1"/>
-                </a:solidFill>
-                <a:latin typeface="Proxima Nova Rg"/>
-              </a:rPr>
-              <a:t>ance</a:t>
-            </a:r>
-            <a:r>
-              <a:rPr lang="fr-FR" sz="800" b="1" dirty="0">
-                <a:solidFill>
-                  <a:schemeClr val="tx1"/>
-                </a:solidFill>
-                <a:latin typeface="Proxima Nova Rg"/>
-              </a:rPr>
-              <a:t> profitent aux seuls investisseurs qui conservent l’instrument financier jusqu’à son échéance effective.</a:t>
+              <a:t>De plus, l’investisseur peut subir une perte en capital partielle ou totale. Les avantages du titre de créance profitent aux seuls investisseurs qui conservent l’instrument financier jusqu’à son échéance effective.</a:t>
             </a:r>
             <a:endParaRPr kumimoji="0" lang="fr-FR" sz="800" b="0" i="0" u="none" strike="noStrike" kern="1200" cap="none" spc="0" normalizeH="0" baseline="0" noProof="0" dirty="0">
               <a:ln>
@@ -22317,10 +21983,10 @@
                 <a:ea typeface="+mn-ea"/>
                 <a:cs typeface="+mn-cs"/>
               </a:rPr>
-              <a:t>Le &lt;</a:t>
-            </a:r>
-            <a:r>
-              <a:rPr kumimoji="0" lang="fr-FR" sz="800" b="1" i="0" u="none" strike="noStrike" kern="1200" cap="none" spc="0" normalizeH="0" baseline="0" noProof="0" dirty="0" err="1">
+              <a:t>Le gain est plafonné </a:t>
+            </a:r>
+            <a:r>
+              <a:rPr kumimoji="0" lang="fr-FR" sz="800" b="0" i="0" u="none" strike="noStrike" kern="1200" cap="none" spc="0" normalizeH="0" baseline="0" noProof="0" dirty="0">
                 <a:ln>
                   <a:noFill/>
                 </a:ln>
@@ -22334,41 +22000,7 @@
                 <a:ea typeface="+mn-ea"/>
                 <a:cs typeface="+mn-cs"/>
               </a:rPr>
-              <a:t>GainOuCoupon</a:t>
-            </a:r>
-            <a:r>
-              <a:rPr kumimoji="0" lang="fr-FR" sz="800" b="1" i="0" u="none" strike="noStrike" kern="1200" cap="none" spc="0" normalizeH="0" baseline="0" noProof="0" dirty="0">
-                <a:ln>
-                  <a:noFill/>
-                </a:ln>
-                <a:solidFill>
-                  <a:schemeClr val="tx1"/>
-                </a:solidFill>
-                <a:effectLst/>
-                <a:uLnTx/>
-                <a:uFillTx/>
-                <a:latin typeface="Proxima Nova Rg"/>
-                <a:ea typeface="+mn-ea"/>
-                <a:cs typeface="+mn-cs"/>
-              </a:rPr>
-              <a:t>&gt; est plafonné </a:t>
-            </a:r>
-            <a:r>
-              <a:rPr kumimoji="0" lang="fr-FR" sz="800" b="0" i="0" u="none" strike="noStrike" kern="1200" cap="none" spc="0" normalizeH="0" baseline="0" noProof="0" dirty="0">
-                <a:ln>
-                  <a:noFill/>
-                </a:ln>
-                <a:solidFill>
-                  <a:schemeClr val="tx1"/>
-                </a:solidFill>
-                <a:effectLst/>
-                <a:uLnTx/>
-                <a:uFillTx/>
-                <a:latin typeface="Proxima Nova Rg"/>
-                <a:ea typeface="+mn-ea"/>
-                <a:cs typeface="+mn-cs"/>
-              </a:rPr>
-              <a:t>: En acceptant de limiter leurs gains à &lt;CPN&gt; par &lt;F0&gt; écoulé (soit un Taux de Rendement Annuel net maximum de &lt;TRA.F.A&gt;%</a:t>
+              <a:t>: En acceptant de limiter leurs gains à &lt;CPN&gt; par &lt;F0&gt; écoulé (soit un Taux de Rendement Annuel net maximum de &lt;TRA.F.A&gt;</a:t>
             </a:r>
             <a:r>
               <a:rPr kumimoji="0" lang="fr-FR" sz="800" b="0" i="0" u="none" strike="noStrike" kern="1200" cap="none" spc="0" normalizeH="0" baseline="30000" noProof="0" dirty="0">
@@ -22424,7 +22056,7 @@
                 <a:ea typeface="+mn-ea"/>
                 <a:cs typeface="+mn-cs"/>
               </a:rPr>
-              <a:t> par rapport à son &lt;NDR&gt; à la date de constatation finale.</a:t>
+              <a:t> par rapport à son &lt;NDR&gt; à l’échéance</a:t>
             </a:r>
             <a:r>
               <a:rPr kumimoji="0" lang="fr-FR" sz="800" b="0" i="0" u="none" strike="noStrike" kern="1200" cap="none" spc="0" normalizeH="0" baseline="30000" noProof="0" dirty="0">
@@ -22531,22 +22163,25 @@
               <a:rPr lang="fr-FR" sz="800" b="1" i="1" dirty="0">
                 <a:latin typeface="Proxima Nova Rg" panose="02000506030000020004" pitchFamily="2" charset="0"/>
               </a:rPr>
-              <a:t>Il est précisé que l’Assureur d’une part et l’Émetteur d’autre part, sont des entités juridiques distinctes.</a:t>
-            </a:r>
-            <a:endParaRPr kumimoji="0" lang="fr-FR" sz="800" b="1" i="1" u="none" strike="noStrike" kern="1200" cap="none" spc="0" normalizeH="0" baseline="0" noProof="0" dirty="0">
-              <a:ln>
-                <a:noFill/>
-              </a:ln>
-              <a:solidFill>
-                <a:schemeClr val="tx1"/>
-              </a:solidFill>
-              <a:effectLst/>
-              <a:uLnTx/>
-              <a:uFillTx/>
-              <a:latin typeface="Proxima Nova Rg"/>
-              <a:ea typeface="+mn-ea"/>
-              <a:cs typeface="+mn-cs"/>
-            </a:endParaRPr>
+              <a:t>Dans le cadre d’un contrat d’assurance vie ou de capitalisation, l’assureur s’engage exclusivement sur le nombre d’unités de compte mais non sur leur valeur, qu’il ne garantit pas. L'émetteur ne s'engage pas sur l'éligibilité des titres dans des contrats d'assurance-vie. La détermination de cette éligibilité est du ressort de l'assureur. Il est précisé que l’Assureur d’une part et l’Émetteur d’autre part, sont des entités juridiques distinctes. Ce document n’a pas été rédigé par l’Assureur.</a:t>
+            </a:r>
+            <a:r>
+              <a:rPr kumimoji="0" lang="fr-FR" sz="800" b="1" i="1" u="none" strike="noStrike" kern="1200" cap="none" spc="0" normalizeH="0" baseline="0" noProof="0" dirty="0">
+                <a:ln>
+                  <a:noFill/>
+                </a:ln>
+                <a:solidFill>
+                  <a:schemeClr val="tx1"/>
+                </a:solidFill>
+                <a:effectLst/>
+                <a:uLnTx/>
+                <a:uFillTx/>
+                <a:latin typeface="Proxima Nova Rg"/>
+                <a:ea typeface="+mn-ea"/>
+                <a:cs typeface="+mn-cs"/>
+              </a:rPr>
+              <a:t> </a:t>
+            </a:r>
           </a:p>
         </p:txBody>
       </p:sp>
@@ -22583,104 +22218,6 @@
               <a:t>&lt;graph1&gt;</a:t>
             </a:r>
             <a:endParaRPr lang="en-US" dirty="0"/>
-          </a:p>
-        </p:txBody>
-      </p:sp>
-      <p:sp>
-        <p:nvSpPr>
-          <p:cNvPr id="13" name="Rectangle">
-            <a:extLst>
-              <a:ext uri="{FF2B5EF4-FFF2-40B4-BE49-F238E27FC236}">
-                <a16:creationId xmlns:a16="http://schemas.microsoft.com/office/drawing/2014/main" id="{6A92F21C-B52B-5426-4073-44A99450A459}"/>
-              </a:ext>
-            </a:extLst>
-          </p:cNvPr>
-          <p:cNvSpPr/>
-          <p:nvPr/>
-        </p:nvSpPr>
-        <p:spPr>
-          <a:xfrm>
-            <a:off x="359837" y="570116"/>
-            <a:ext cx="6840000" cy="6846"/>
-          </a:xfrm>
-          <a:prstGeom prst="rect">
-            <a:avLst/>
-          </a:prstGeom>
-          <a:solidFill>
-            <a:srgbClr val="C5AF5C"/>
-          </a:solidFill>
-          <a:ln w="3175">
-            <a:miter lim="400000"/>
-          </a:ln>
-        </p:spPr>
-        <p:txBody>
-          <a:bodyPr lIns="20981" tIns="20981" rIns="20981" bIns="20981" anchor="ctr"/>
-          <a:lstStyle/>
-          <a:p>
-            <a:pPr algn="ctr" defTabSz="825500">
-              <a:lnSpc>
-                <a:spcPct val="100000"/>
-              </a:lnSpc>
-              <a:defRPr sz="3200" b="0">
-                <a:solidFill>
-                  <a:srgbClr val="FFFFFF"/>
-                </a:solidFill>
-                <a:latin typeface="Helvetica Neue Medium"/>
-                <a:ea typeface="Helvetica Neue Medium"/>
-                <a:cs typeface="Helvetica Neue Medium"/>
-                <a:sym typeface="Helvetica Neue Medium"/>
-              </a:defRPr>
-            </a:pPr>
-            <a:endParaRPr/>
-          </a:p>
-        </p:txBody>
-      </p:sp>
-      <p:sp>
-        <p:nvSpPr>
-          <p:cNvPr id="15" name="Rectangle">
-            <a:extLst>
-              <a:ext uri="{FF2B5EF4-FFF2-40B4-BE49-F238E27FC236}">
-                <a16:creationId xmlns:a16="http://schemas.microsoft.com/office/drawing/2014/main" id="{FAD60E8E-6452-26D6-79C4-48467FCCBFC0}"/>
-              </a:ext>
-            </a:extLst>
-          </p:cNvPr>
-          <p:cNvSpPr/>
-          <p:nvPr/>
-        </p:nvSpPr>
-        <p:spPr>
-          <a:xfrm>
-            <a:off x="359836" y="9700361"/>
-            <a:ext cx="6840000" cy="6846"/>
-          </a:xfrm>
-          <a:prstGeom prst="rect">
-            <a:avLst/>
-          </a:prstGeom>
-          <a:solidFill>
-            <a:srgbClr val="C5AF5C"/>
-          </a:solidFill>
-          <a:ln w="3175">
-            <a:miter lim="400000"/>
-          </a:ln>
-        </p:spPr>
-        <p:txBody>
-          <a:bodyPr lIns="20981" tIns="20981" rIns="20981" bIns="20981" anchor="ctr"/>
-          <a:lstStyle/>
-          <a:p>
-            <a:pPr algn="ctr" defTabSz="825500">
-              <a:lnSpc>
-                <a:spcPct val="100000"/>
-              </a:lnSpc>
-              <a:defRPr sz="3200" b="0">
-                <a:solidFill>
-                  <a:srgbClr val="FFFFFF"/>
-                </a:solidFill>
-                <a:latin typeface="Helvetica Neue Medium"/>
-                <a:ea typeface="Helvetica Neue Medium"/>
-                <a:cs typeface="Helvetica Neue Medium"/>
-                <a:sym typeface="Helvetica Neue Medium"/>
-              </a:defRPr>
-            </a:pPr>
-            <a:endParaRPr/>
           </a:p>
         </p:txBody>
       </p:sp>
@@ -23518,7 +23055,7 @@
         <p:spPr>
           <a:xfrm>
             <a:off x="458462" y="974579"/>
-            <a:ext cx="6741374" cy="3547638"/>
+            <a:ext cx="6741374" cy="3990836"/>
           </a:xfrm>
           <a:prstGeom prst="rect">
             <a:avLst/>
@@ -23759,7 +23296,7 @@
                   <a:schemeClr val="tx2"/>
                 </a:solidFill>
               </a:rPr>
-              <a:t> (1)</a:t>
+              <a:t>(1)</a:t>
             </a:r>
             <a:r>
               <a:rPr kumimoji="0" lang="fr-FR" sz="800" b="0" i="0" u="none" strike="noStrike" kern="1200" cap="none" spc="0" normalizeH="0" baseline="0" noProof="0" dirty="0">
@@ -23779,14 +23316,6 @@
               <a:t> (soit le &lt;2PDC&gt;) et la date d’échéance</a:t>
             </a:r>
             <a:r>
-              <a:rPr lang="fr-FR" sz="800" b="1" baseline="30000" dirty="0">
-                <a:solidFill>
-                  <a:schemeClr val="tx2"/>
-                </a:solidFill>
-              </a:rPr>
-              <a:t> </a:t>
-            </a:r>
-            <a:r>
               <a:rPr lang="fr-FR" sz="800" baseline="30000" dirty="0">
                 <a:solidFill>
                   <a:schemeClr val="tx2"/>
@@ -23838,10 +23367,10 @@
                 <a:ea typeface="+mn-ea"/>
                 <a:cs typeface="+mn-cs"/>
               </a:rPr>
-              <a:t>selon les cas. En cas d’achat après le &lt;2PDC&gt; et/ou de vente du titre de créance avant la date d’</a:t>
-            </a:r>
-            <a:r>
-              <a:rPr kumimoji="0" lang="fr-FR" sz="800" b="0" i="0" u="none" strike="noStrike" kern="1200" cap="none" spc="0" normalizeH="0" baseline="0" noProof="0" dirty="0" err="1">
+              <a:t>selon les cas. En cas d’achat après le &lt;2PDC&gt; et/ou de vente du titre de créance avant la date d’échéance</a:t>
+            </a:r>
+            <a:r>
+              <a:rPr kumimoji="0" lang="fr-FR" sz="800" i="0" u="none" strike="noStrike" kern="1200" cap="none" spc="0" normalizeH="0" baseline="30000" noProof="0" dirty="0">
                 <a:ln>
                   <a:noFill/>
                 </a:ln>
@@ -23855,7 +23384,16 @@
                 <a:ea typeface="+mn-ea"/>
                 <a:cs typeface="+mn-cs"/>
               </a:rPr>
-              <a:t>échance</a:t>
+              <a:t>(1)</a:t>
+            </a:r>
+            <a:r>
+              <a:rPr lang="fr-FR" sz="800" dirty="0">
+                <a:solidFill>
+                  <a:schemeClr val="tx1"/>
+                </a:solidFill>
+                <a:latin typeface="Proxima Nova Rg"/>
+              </a:rPr>
+              <a:t> </a:t>
             </a:r>
             <a:r>
               <a:rPr kumimoji="0" lang="fr-FR" sz="800" b="0" i="0" u="none" strike="noStrike" kern="1200" cap="none" spc="0" normalizeH="0" baseline="0" noProof="0" dirty="0">
@@ -23872,7 +23410,41 @@
                 <a:ea typeface="+mn-ea"/>
                 <a:cs typeface="+mn-cs"/>
               </a:rPr>
-              <a:t> (1) ou la date de remboursement automatique anticipé effective (1) (ou en cas d’arbitrage ou de rachat pour les contrats d’assurance vie ou de capitalisation, ou de dénouement par décès pour les contrats d’assurance vie), les Taux de Rendement Annuel effectifs peuvent être supérieurs ou inférieurs aux Taux de Rendement Annuel indiqués dans la présente brochure. </a:t>
+              <a:t>ou la date de remboursement automatique anticipé effective</a:t>
+            </a:r>
+            <a:r>
+              <a:rPr lang="fr-FR" sz="800" baseline="30000" dirty="0">
+                <a:solidFill>
+                  <a:schemeClr val="tx2"/>
+                </a:solidFill>
+              </a:rPr>
+              <a:t>(1)</a:t>
+            </a:r>
+            <a:r>
+              <a:rPr lang="fr-FR" sz="800" dirty="0">
+                <a:solidFill>
+                  <a:schemeClr val="tx1"/>
+                </a:solidFill>
+                <a:latin typeface="Proxima Nova Rg"/>
+              </a:rPr>
+              <a:t> </a:t>
+            </a:r>
+            <a:r>
+              <a:rPr kumimoji="0" lang="fr-FR" sz="800" b="0" i="0" u="none" strike="noStrike" kern="1200" cap="none" spc="0" normalizeH="0" baseline="0" noProof="0" dirty="0">
+                <a:ln>
+                  <a:noFill/>
+                </a:ln>
+                <a:solidFill>
+                  <a:schemeClr val="tx1"/>
+                </a:solidFill>
+                <a:effectLst/>
+                <a:uLnTx/>
+                <a:uFillTx/>
+                <a:latin typeface="Proxima Nova Rg"/>
+                <a:ea typeface="+mn-ea"/>
+                <a:cs typeface="+mn-cs"/>
+              </a:rPr>
+              <a:t>(ou en cas d’arbitrage ou de rachat pour les contrats d’assurance vie ou de capitalisation, ou de dénouement par décès pour les contrats d’assurance vie), les Taux de Rendement Annuel effectifs peuvent être supérieurs ou inférieurs aux Taux de Rendement Annuel indiqués dans la présente brochure. </a:t>
             </a:r>
             <a:r>
               <a:rPr kumimoji="0" lang="fr-FR" sz="800" b="1" i="0" u="none" strike="noStrike" kern="1200" cap="none" spc="0" normalizeH="0" baseline="0" noProof="0" dirty="0">
@@ -23889,9 +23461,9 @@
                 <a:ea typeface="+mn-ea"/>
                 <a:cs typeface="+mn-cs"/>
               </a:rPr>
-              <a:t>De plus, l’investisseur peut subir une perte en capital pouvant être totale.</a:t>
-            </a:r>
-            <a:endParaRPr kumimoji="0" lang="fr-FR" sz="800" i="0" u="none" strike="noStrike" kern="1200" cap="none" spc="0" normalizeH="0" baseline="0" noProof="0" dirty="0">
+              <a:t>De plus, l’investisseur peut subir une perte en capital partielle ou totale. Les avantages du titre de créance profitent aux seuls investisseurs qui conservent l’instrument financier jusqu’à son échéance effective.</a:t>
+            </a:r>
+            <a:endParaRPr kumimoji="0" lang="fr-FR" sz="800" b="0" i="0" u="none" strike="noStrike" kern="1200" cap="none" spc="0" normalizeH="0" baseline="0" noProof="0" dirty="0">
               <a:ln>
                 <a:noFill/>
               </a:ln>
@@ -24499,15 +24071,24 @@
                 <a:ea typeface="+mn-ea"/>
                 <a:cs typeface="+mn-cs"/>
               </a:rPr>
-              <a:t>: En acceptant de limiter leurs gains à &lt;CPN&gt; par &lt;F0&gt; écoulé (soit un Taux de Rendement Annuel net maximum de &lt;TRA.F.A&gt;%(2)), les investisseurs recevront en contrepartie l’intégralité du capital initial si &lt;SJR1&gt; ne baisse pas de plus de &lt;</a:t>
-            </a:r>
-            <a:r>
-              <a:rPr lang="fr-FR" sz="800" dirty="0">
-                <a:solidFill>
-                  <a:srgbClr val="000000"/>
-                </a:solidFill>
-              </a:rPr>
-              <a:t>PDIPERF&gt;</a:t>
+              <a:t>: En acceptant de limiter leurs gains à &lt;CPN&gt; par &lt;F0&gt; écoulé (soit un Taux de Rendement Annuel net maximum de &lt;TRA.F.A&gt;</a:t>
+            </a:r>
+            <a:r>
+              <a:rPr kumimoji="0" lang="fr-FR" sz="800" i="0" u="none" strike="noStrike" kern="1200" cap="none" spc="0" normalizeH="0" baseline="30000" noProof="0" dirty="0">
+                <a:ln>
+                  <a:noFill/>
+                </a:ln>
+                <a:solidFill>
+                  <a:schemeClr val="tx1"/>
+                </a:solidFill>
+                <a:effectLst/>
+                <a:uLnTx/>
+                <a:uFillTx/>
+                <a:latin typeface="Proxima Nova Rg"/>
+                <a:ea typeface="+mn-ea"/>
+                <a:cs typeface="+mn-cs"/>
+              </a:rPr>
+              <a:t>(2)</a:t>
             </a:r>
             <a:r>
               <a:rPr kumimoji="0" lang="fr-FR" sz="800" b="0" i="0" u="none" strike="noStrike" kern="1200" cap="none" spc="0" normalizeH="0" baseline="0" noProof="0" dirty="0">
@@ -24524,7 +24105,66 @@
                 <a:ea typeface="+mn-ea"/>
                 <a:cs typeface="+mn-cs"/>
               </a:rPr>
-              <a:t> par rapport à son &lt;NDR&gt; à la date de constatation finale(1).</a:t>
+              <a:t>), les investisseurs recevront en contrepartie l’intégralité du capital initial si &lt;SJR1&gt; ne baisse pas de plus de &lt;</a:t>
+            </a:r>
+            <a:r>
+              <a:rPr lang="fr-FR" sz="800" dirty="0">
+                <a:solidFill>
+                  <a:srgbClr val="000000"/>
+                </a:solidFill>
+              </a:rPr>
+              <a:t>PDIPERF&gt;</a:t>
+            </a:r>
+            <a:r>
+              <a:rPr kumimoji="0" lang="fr-FR" sz="800" b="0" i="0" u="none" strike="noStrike" kern="1200" cap="none" spc="0" normalizeH="0" baseline="0" noProof="0" dirty="0">
+                <a:ln>
+                  <a:noFill/>
+                </a:ln>
+                <a:solidFill>
+                  <a:schemeClr val="tx1"/>
+                </a:solidFill>
+                <a:effectLst/>
+                <a:uLnTx/>
+                <a:uFillTx/>
+                <a:latin typeface="Proxima Nova Rg"/>
+                <a:ea typeface="+mn-ea"/>
+                <a:cs typeface="+mn-cs"/>
+              </a:rPr>
+              <a:t> par rapport à son &lt;NDR&gt; à l’échéance</a:t>
+            </a:r>
+            <a:r>
+              <a:rPr kumimoji="0" lang="fr-FR" sz="800" i="0" u="none" strike="noStrike" kern="1200" cap="none" spc="0" normalizeH="0" baseline="30000" noProof="0" dirty="0">
+                <a:ln>
+                  <a:noFill/>
+                </a:ln>
+                <a:solidFill>
+                  <a:schemeClr val="tx1"/>
+                </a:solidFill>
+                <a:effectLst/>
+                <a:uLnTx/>
+                <a:uFillTx/>
+                <a:latin typeface="Proxima Nova Rg"/>
+                <a:ea typeface="+mn-ea"/>
+                <a:cs typeface="+mn-cs"/>
+              </a:rPr>
+              <a:t>(1)</a:t>
+            </a:r>
+            <a:r>
+              <a:rPr kumimoji="0" lang="fr-FR" sz="800" b="0" i="0" u="none" strike="noStrike" kern="1200" cap="none" spc="0" normalizeH="0" baseline="0" noProof="0" dirty="0">
+                <a:ln>
+                  <a:noFill/>
+                </a:ln>
+                <a:solidFill>
+                  <a:schemeClr val="tx1"/>
+                </a:solidFill>
+                <a:effectLst/>
+                <a:uLnTx/>
+                <a:uFillTx/>
+                <a:latin typeface="Proxima Nova Rg"/>
+                <a:ea typeface="+mn-ea"/>
+                <a:cs typeface="+mn-cs"/>
+              </a:rPr>
+              <a:t>.</a:t>
             </a:r>
           </a:p>
           <a:p>
@@ -24597,6 +24237,12 @@
               <a:t>&lt;NOM&gt; » peuvent être proposés comme un actif représentatif d’une unité de compte dans le cadre de contrats d’assurance vie et/ou de capitalisation. L’Assureur s’engage sur le nombre d’unités de compte mais pas sur leur valeur, qu’il ne garantit pas. La présente brochure décrit les caractéristiques du support « &lt;NOM&gt; » et ne prend pas en compte les spécificités des contrats d’assurance vie ou de capitalisation dans le cadre desquels ce produit est proposé. </a:t>
             </a:r>
             <a:r>
+              <a:rPr lang="fr-FR" sz="800" b="1" i="1" dirty="0">
+                <a:latin typeface="Proxima Nova Rg" panose="02000506030000020004" pitchFamily="2" charset="0"/>
+              </a:rPr>
+              <a:t>Dans le cadre d’un contrat d’assurance vie ou de capitalisation, l’assureur s’engage exclusivement sur le nombre d’unités de compte mais non sur leur valeur, qu’il ne garantit pas. L'émetteur ne s'engage pas sur l'éligibilité des titres dans des contrats d'assurance-vie. La détermination de cette éligibilité est du ressort de l'assureur. Il est précisé que l’Assureur d’une part et l’Émetteur d’autre part, sont des entités juridiques distinctes. Ce document n’a pas été rédigé par l’Assureur.</a:t>
+            </a:r>
+            <a:r>
               <a:rPr kumimoji="0" lang="fr-FR" sz="800" b="1" i="1" u="none" strike="noStrike" kern="1200" cap="none" spc="0" normalizeH="0" baseline="0" noProof="0" dirty="0">
                 <a:ln>
                   <a:noFill/>
@@ -24611,7 +24257,7 @@
                 <a:ea typeface="+mn-ea"/>
                 <a:cs typeface="+mn-cs"/>
               </a:rPr>
-              <a:t>Il est précisé que l’Assureur d’une part et l’Emetteur d’autre part sont des entités juridiques distinctes.</a:t>
+              <a:t> </a:t>
             </a:r>
           </a:p>
         </p:txBody>
@@ -24649,104 +24295,6 @@
               <a:t>&lt;graph1&gt;</a:t>
             </a:r>
             <a:endParaRPr lang="en-US" dirty="0"/>
-          </a:p>
-        </p:txBody>
-      </p:sp>
-      <p:sp>
-        <p:nvSpPr>
-          <p:cNvPr id="11" name="Rectangle">
-            <a:extLst>
-              <a:ext uri="{FF2B5EF4-FFF2-40B4-BE49-F238E27FC236}">
-                <a16:creationId xmlns:a16="http://schemas.microsoft.com/office/drawing/2014/main" id="{A90159E4-50E6-BA74-C4F4-408F343E7A0A}"/>
-              </a:ext>
-            </a:extLst>
-          </p:cNvPr>
-          <p:cNvSpPr/>
-          <p:nvPr/>
-        </p:nvSpPr>
-        <p:spPr>
-          <a:xfrm>
-            <a:off x="359837" y="570116"/>
-            <a:ext cx="6840000" cy="6846"/>
-          </a:xfrm>
-          <a:prstGeom prst="rect">
-            <a:avLst/>
-          </a:prstGeom>
-          <a:solidFill>
-            <a:srgbClr val="C5AF5C"/>
-          </a:solidFill>
-          <a:ln w="3175">
-            <a:miter lim="400000"/>
-          </a:ln>
-        </p:spPr>
-        <p:txBody>
-          <a:bodyPr lIns="20981" tIns="20981" rIns="20981" bIns="20981" anchor="ctr"/>
-          <a:lstStyle/>
-          <a:p>
-            <a:pPr algn="ctr" defTabSz="825500">
-              <a:lnSpc>
-                <a:spcPct val="100000"/>
-              </a:lnSpc>
-              <a:defRPr sz="3200" b="0">
-                <a:solidFill>
-                  <a:srgbClr val="FFFFFF"/>
-                </a:solidFill>
-                <a:latin typeface="Helvetica Neue Medium"/>
-                <a:ea typeface="Helvetica Neue Medium"/>
-                <a:cs typeface="Helvetica Neue Medium"/>
-                <a:sym typeface="Helvetica Neue Medium"/>
-              </a:defRPr>
-            </a:pPr>
-            <a:endParaRPr/>
-          </a:p>
-        </p:txBody>
-      </p:sp>
-      <p:sp>
-        <p:nvSpPr>
-          <p:cNvPr id="12" name="Rectangle">
-            <a:extLst>
-              <a:ext uri="{FF2B5EF4-FFF2-40B4-BE49-F238E27FC236}">
-                <a16:creationId xmlns:a16="http://schemas.microsoft.com/office/drawing/2014/main" id="{76C062DC-18FB-1947-2E61-E8B3AE489BFF}"/>
-              </a:ext>
-            </a:extLst>
-          </p:cNvPr>
-          <p:cNvSpPr/>
-          <p:nvPr/>
-        </p:nvSpPr>
-        <p:spPr>
-          <a:xfrm>
-            <a:off x="359836" y="9700361"/>
-            <a:ext cx="6840000" cy="6846"/>
-          </a:xfrm>
-          <a:prstGeom prst="rect">
-            <a:avLst/>
-          </a:prstGeom>
-          <a:solidFill>
-            <a:srgbClr val="C5AF5C"/>
-          </a:solidFill>
-          <a:ln w="3175">
-            <a:miter lim="400000"/>
-          </a:ln>
-        </p:spPr>
-        <p:txBody>
-          <a:bodyPr lIns="20981" tIns="20981" rIns="20981" bIns="20981" anchor="ctr"/>
-          <a:lstStyle/>
-          <a:p>
-            <a:pPr algn="ctr" defTabSz="825500">
-              <a:lnSpc>
-                <a:spcPct val="100000"/>
-              </a:lnSpc>
-              <a:defRPr sz="3200" b="0">
-                <a:solidFill>
-                  <a:srgbClr val="FFFFFF"/>
-                </a:solidFill>
-                <a:latin typeface="Helvetica Neue Medium"/>
-                <a:ea typeface="Helvetica Neue Medium"/>
-                <a:cs typeface="Helvetica Neue Medium"/>
-                <a:sym typeface="Helvetica Neue Medium"/>
-              </a:defRPr>
-            </a:pPr>
-            <a:endParaRPr/>
           </a:p>
         </p:txBody>
       </p:sp>
@@ -25195,8 +24743,8 @@
         </p:nvSpPr>
         <p:spPr>
           <a:xfrm>
-            <a:off x="361950" y="960898"/>
-            <a:ext cx="6837887" cy="3802451"/>
+            <a:off x="359839" y="941043"/>
+            <a:ext cx="6837887" cy="4413259"/>
           </a:xfrm>
           <a:prstGeom prst="rect">
             <a:avLst/>
@@ -25227,6 +24775,21 @@
             </a:r>
           </a:p>
           <a:p>
+            <a:pPr algn="just">
+              <a:lnSpc>
+                <a:spcPct val="95000"/>
+              </a:lnSpc>
+              <a:spcBef>
+                <a:spcPts val="600"/>
+              </a:spcBef>
+            </a:pPr>
+            <a:endParaRPr lang="fr-FR" sz="1000" b="1" dirty="0">
+              <a:solidFill>
+                <a:srgbClr val="B9A049"/>
+              </a:solidFill>
+            </a:endParaRPr>
+          </a:p>
+          <a:p>
             <a:pPr marL="171450" indent="-171450" algn="just">
               <a:lnSpc>
                 <a:spcPct val="95000"/>
@@ -25352,7 +24915,7 @@
                   <a:srgbClr val="000000"/>
                 </a:solidFill>
               </a:rPr>
-              <a:t>, si le mécanisme de remboursement anticipé n’a pas été activé au préalable, et si &lt;SJR1&gt; clôture à un &lt;SJR3&gt; supérieur ou égal à &lt;DBAC&gt; de son &lt;NDR&gt;, l’investisseur récupère alors l’intégralité de son capital initial, majorée d’un &lt;GC&gt; de &lt;CPN&gt; par &lt;F0&gt; &lt;F2&gt; depuis le &lt;DDCI&gt;  (soit un &lt;GC&gt; de &lt;GCE&gt; et un Taux de Rendement Annuel net de &lt;TRA.MG.A&gt;</a:t>
+              <a:t>, si le mécanisme de remboursement anticipé n’a pas été activé au préalable, et si &lt;SJR1&gt; clôture à un &lt;SJR3&gt; supérieur ou égal à &lt;DBAC&gt; de son &lt;NDR&gt;, l’investisseur récupère alors l’intégralité de son capital initial, majorée d’un &lt;GC&gt; de &lt;CPN&gt; par &lt;F0&gt; &lt;F2&gt; depuis le &lt;DDCI&gt; (soit un &lt;GC&gt; de &lt;GCE&gt; et un Taux de Rendement Annuel net de &lt;TRA.MG.A&gt;</a:t>
             </a:r>
             <a:r>
               <a:rPr lang="fr-FR" sz="800" baseline="30000" dirty="0">
@@ -25408,6 +24971,21 @@
               </a:rPr>
               <a:t>INCONVÉNIENTS</a:t>
             </a:r>
+          </a:p>
+          <a:p>
+            <a:pPr marL="0" lvl="1" algn="just">
+              <a:lnSpc>
+                <a:spcPct val="95000"/>
+              </a:lnSpc>
+              <a:spcBef>
+                <a:spcPts val="600"/>
+              </a:spcBef>
+            </a:pPr>
+            <a:endParaRPr lang="fr-FR" sz="1000" b="1" dirty="0">
+              <a:solidFill>
+                <a:srgbClr val="B9A049"/>
+              </a:solidFill>
+            </a:endParaRPr>
           </a:p>
           <a:p>
             <a:pPr marL="171450" indent="-171450" algn="just">
@@ -25781,108 +25359,57 @@
               </a:rPr>
               <a:t>’aux seuls investisseurs ayant investi dans le produit au &lt;2PDC&gt; au plus tard, et conservant le produit jusqu’à son échéance. </a:t>
             </a:r>
-            <a:endParaRPr lang="fr-FR" sz="800" dirty="0">
+            <a:endParaRPr lang="fr-FR" sz="800" b="1" dirty="0">
               <a:effectLst/>
               <a:ea typeface="Calibri" panose="020F0502020204030204" pitchFamily="34" charset="0"/>
             </a:endParaRPr>
           </a:p>
-        </p:txBody>
-      </p:sp>
-      <p:sp>
-        <p:nvSpPr>
-          <p:cNvPr id="7" name="Rectangle">
-            <a:extLst>
-              <a:ext uri="{FF2B5EF4-FFF2-40B4-BE49-F238E27FC236}">
-                <a16:creationId xmlns:a16="http://schemas.microsoft.com/office/drawing/2014/main" id="{2E0A10E0-C997-3FF2-3C62-3F032FE5DFF4}"/>
-              </a:ext>
-            </a:extLst>
-          </p:cNvPr>
-          <p:cNvSpPr/>
-          <p:nvPr/>
-        </p:nvSpPr>
-        <p:spPr>
-          <a:xfrm>
-            <a:off x="359837" y="570116"/>
-            <a:ext cx="6840000" cy="6846"/>
-          </a:xfrm>
-          <a:prstGeom prst="rect">
-            <a:avLst/>
-          </a:prstGeom>
-          <a:solidFill>
-            <a:srgbClr val="C5AF5C"/>
-          </a:solidFill>
-          <a:ln w="3175">
-            <a:miter lim="400000"/>
-          </a:ln>
-        </p:spPr>
-        <p:txBody>
-          <a:bodyPr lIns="20981" tIns="20981" rIns="20981" bIns="20981" anchor="ctr"/>
-          <a:lstStyle/>
           <a:p>
-            <a:pPr algn="ctr" defTabSz="825500">
-              <a:lnSpc>
-                <a:spcPct val="100000"/>
-              </a:lnSpc>
-              <a:defRPr sz="3200" b="0">
-                <a:solidFill>
-                  <a:srgbClr val="FFFFFF"/>
-                </a:solidFill>
-                <a:latin typeface="Helvetica Neue Medium"/>
-                <a:ea typeface="Helvetica Neue Medium"/>
-                <a:cs typeface="Helvetica Neue Medium"/>
-                <a:sym typeface="Helvetica Neue Medium"/>
-              </a:defRPr>
+            <a:pPr marL="171450" indent="-171450" algn="just">
+              <a:lnSpc>
+                <a:spcPct val="92000"/>
+              </a:lnSpc>
+              <a:spcBef>
+                <a:spcPts val="200"/>
+              </a:spcBef>
+              <a:spcAft>
+                <a:spcPts val="200"/>
+              </a:spcAft>
+              <a:buFont typeface="Arial" panose="020B0604020202020204" pitchFamily="34" charset="0"/>
+              <a:buChar char="•"/>
             </a:pPr>
-            <a:endParaRPr/>
-          </a:p>
-        </p:txBody>
-      </p:sp>
-      <p:sp>
-        <p:nvSpPr>
-          <p:cNvPr id="8" name="Rectangle">
-            <a:extLst>
-              <a:ext uri="{FF2B5EF4-FFF2-40B4-BE49-F238E27FC236}">
-                <a16:creationId xmlns:a16="http://schemas.microsoft.com/office/drawing/2014/main" id="{69D0678D-A3CB-1CA6-10D7-511CDE1CC9B8}"/>
-              </a:ext>
-            </a:extLst>
-          </p:cNvPr>
-          <p:cNvSpPr/>
-          <p:nvPr/>
-        </p:nvSpPr>
-        <p:spPr>
-          <a:xfrm>
-            <a:off x="359836" y="9700361"/>
-            <a:ext cx="6840000" cy="6846"/>
-          </a:xfrm>
-          <a:prstGeom prst="rect">
-            <a:avLst/>
-          </a:prstGeom>
-          <a:solidFill>
-            <a:srgbClr val="C5AF5C"/>
-          </a:solidFill>
-          <a:ln w="3175">
-            <a:miter lim="400000"/>
-          </a:ln>
-        </p:spPr>
-        <p:txBody>
-          <a:bodyPr lIns="20981" tIns="20981" rIns="20981" bIns="20981" anchor="ctr"/>
-          <a:lstStyle/>
-          <a:p>
-            <a:pPr algn="ctr" defTabSz="825500">
-              <a:lnSpc>
-                <a:spcPct val="100000"/>
-              </a:lnSpc>
-              <a:defRPr sz="3200" b="0">
-                <a:solidFill>
-                  <a:srgbClr val="FFFFFF"/>
-                </a:solidFill>
-                <a:latin typeface="Helvetica Neue Medium"/>
-                <a:ea typeface="Helvetica Neue Medium"/>
-                <a:cs typeface="Helvetica Neue Medium"/>
-                <a:sym typeface="Helvetica Neue Medium"/>
-              </a:defRPr>
-            </a:pPr>
-            <a:endParaRPr/>
+            <a:r>
+              <a:rPr lang="fr-FR" sz="800" dirty="0">
+                <a:solidFill>
+                  <a:srgbClr val="000000"/>
+                </a:solidFill>
+              </a:rPr>
+              <a:t>&lt;</a:t>
+            </a:r>
+            <a:r>
+              <a:rPr lang="fr-FR" sz="800" dirty="0" err="1">
+                <a:solidFill>
+                  <a:srgbClr val="000000"/>
+                </a:solidFill>
+              </a:rPr>
+              <a:t>inconv</a:t>
+            </a:r>
+            <a:r>
+              <a:rPr lang="fr-FR" sz="800" dirty="0">
+                <a:solidFill>
+                  <a:srgbClr val="000000"/>
+                </a:solidFill>
+              </a:rPr>
+              <a:t>&gt;.</a:t>
+            </a:r>
+            <a:endParaRPr lang="fr-FR" sz="800" dirty="0">
+              <a:solidFill>
+                <a:srgbClr val="000000"/>
+              </a:solidFill>
+              <a:highlight>
+                <a:srgbClr val="FFFF00"/>
+              </a:highlight>
+            </a:endParaRPr>
           </a:p>
         </p:txBody>
       </p:sp>
@@ -26332,7 +25859,7 @@
         <p:spPr>
           <a:xfrm>
             <a:off x="359839" y="954548"/>
-            <a:ext cx="6839998" cy="4160754"/>
+            <a:ext cx="6839998" cy="4654608"/>
           </a:xfrm>
           <a:prstGeom prst="rect">
             <a:avLst/>
@@ -26363,6 +25890,21 @@
             </a:r>
           </a:p>
           <a:p>
+            <a:pPr algn="just">
+              <a:lnSpc>
+                <a:spcPct val="95000"/>
+              </a:lnSpc>
+              <a:spcBef>
+                <a:spcPts val="600"/>
+              </a:spcBef>
+            </a:pPr>
+            <a:endParaRPr lang="fr-FR" sz="1000" b="1" dirty="0">
+              <a:solidFill>
+                <a:srgbClr val="B9A049"/>
+              </a:solidFill>
+            </a:endParaRPr>
+          </a:p>
+          <a:p>
             <a:pPr marL="171450" indent="-171450" algn="just">
               <a:lnSpc>
                 <a:spcPct val="95000"/>
@@ -26485,7 +26027,7 @@
                   <a:srgbClr val="000000"/>
                 </a:solidFill>
               </a:rPr>
-              <a:t>et l’investisseur récupère alors l’intégralité de son capital initial majorée du coupon de &lt;CPN&gt; &lt;Mémoire6&gt; (soit un Taux de Rendement Annuel maximum de </a:t>
+              <a:t>et l’investisseur récupère alors l’intégralité de son capital initial majorée du coupon de &lt;CPN&gt; &lt;Mémoire6&gt; (soit un Taux de Rendement Annuel net </a:t>
             </a:r>
             <a:r>
               <a:rPr lang="fr-FR" sz="800" dirty="0">
@@ -26496,7 +26038,7 @@
                   <a:srgbClr val="FFFF00"/>
                 </a:highlight>
               </a:rPr>
-              <a:t>&lt;TRA.MAX.P&gt;</a:t>
+              <a:t>compris entre &lt;TRA.MAX.P&gt;</a:t>
             </a:r>
             <a:r>
               <a:rPr lang="fr-FR" sz="800" baseline="30000" dirty="0">
@@ -26542,23 +26084,7 @@
                   <a:srgbClr val="000000"/>
                 </a:solidFill>
               </a:rPr>
-              <a:t>A la date de constatation finale(1), si le </a:t>
-            </a:r>
-            <a:r>
-              <a:rPr lang="fr-FR" sz="800" dirty="0" err="1">
-                <a:solidFill>
-                  <a:srgbClr val="000000"/>
-                </a:solidFill>
-              </a:rPr>
-              <a:t>méacanisme</a:t>
-            </a:r>
-            <a:r>
-              <a:rPr lang="fr-FR" sz="800" dirty="0">
-                <a:solidFill>
-                  <a:srgbClr val="000000"/>
-                </a:solidFill>
-              </a:rPr>
-              <a:t> de remboursement anticipé n’a pas été activé au préalable, et si &lt;SJR1&gt; clôture à un cours strictement inférieur à &lt;ABAC2&gt; mais supérieur ou égal à &lt;PDI&gt; de son «&lt;ABAC2&gt;, l’investisseur récupère l’intégralité de son capital initialement investi. Le capital est donc exposé à un risque de perte à l’échéance(1) que si &lt;SJR1&gt; clôture à un &lt;SJR3&gt; strictement inférieur à &lt;PDI&gt; de son &lt;ABAC2&gt; à la date de constatation finale.</a:t>
+              <a:t>A la date de constatation finale(1), si le mécanisme de remboursement anticipé n’a pas été activé au préalable, et si &lt;SJR1&gt; clôture à un cours strictement inférieur à &lt;ABAC2&gt; mais supérieur ou égal à &lt;PDI&gt; de son «&lt;ABAC2&gt;, l’investisseur récupère l’intégralité de son capital initialement investi. Le capital est donc exposé à un risque de perte à l’échéance(1) que si &lt;SJR1&gt; clôture à un &lt;SJR3&gt; strictement inférieur à &lt;PDI&gt; de son &lt;ABAC2&gt; à la date de constatation finale.</a:t>
             </a:r>
           </a:p>
           <a:p>
@@ -26578,6 +26104,21 @@
               </a:rPr>
               <a:t>INCONVÉNIENTS</a:t>
             </a:r>
+          </a:p>
+          <a:p>
+            <a:pPr marL="0" lvl="1" algn="just">
+              <a:lnSpc>
+                <a:spcPct val="95000"/>
+              </a:lnSpc>
+              <a:spcBef>
+                <a:spcPts val="600"/>
+              </a:spcBef>
+            </a:pPr>
+            <a:endParaRPr lang="fr-FR" sz="1000" b="1" dirty="0">
+              <a:solidFill>
+                <a:srgbClr val="B9A049"/>
+              </a:solidFill>
+            </a:endParaRPr>
           </a:p>
           <a:p>
             <a:pPr marL="171450" indent="-171450" algn="just">
@@ -26970,103 +26511,24 @@
               <a:ea typeface="Calibri" panose="020F0502020204030204" pitchFamily="34" charset="0"/>
             </a:endParaRPr>
           </a:p>
-        </p:txBody>
-      </p:sp>
-      <p:sp>
-        <p:nvSpPr>
-          <p:cNvPr id="7" name="Rectangle">
-            <a:extLst>
-              <a:ext uri="{FF2B5EF4-FFF2-40B4-BE49-F238E27FC236}">
-                <a16:creationId xmlns:a16="http://schemas.microsoft.com/office/drawing/2014/main" id="{F200C202-FC2E-B640-95E1-066B9315974F}"/>
-              </a:ext>
-            </a:extLst>
-          </p:cNvPr>
-          <p:cNvSpPr/>
-          <p:nvPr/>
-        </p:nvSpPr>
-        <p:spPr>
-          <a:xfrm>
-            <a:off x="359837" y="570116"/>
-            <a:ext cx="6840000" cy="6846"/>
-          </a:xfrm>
-          <a:prstGeom prst="rect">
-            <a:avLst/>
-          </a:prstGeom>
-          <a:solidFill>
-            <a:srgbClr val="C5AF5C"/>
-          </a:solidFill>
-          <a:ln w="3175">
-            <a:miter lim="400000"/>
-          </a:ln>
-        </p:spPr>
-        <p:txBody>
-          <a:bodyPr lIns="20981" tIns="20981" rIns="20981" bIns="20981" anchor="ctr"/>
-          <a:lstStyle/>
           <a:p>
-            <a:pPr algn="ctr" defTabSz="825500">
-              <a:lnSpc>
-                <a:spcPct val="100000"/>
-              </a:lnSpc>
-              <a:defRPr sz="3200" b="0">
-                <a:solidFill>
-                  <a:srgbClr val="FFFFFF"/>
-                </a:solidFill>
-                <a:latin typeface="Helvetica Neue Medium"/>
-                <a:ea typeface="Helvetica Neue Medium"/>
-                <a:cs typeface="Helvetica Neue Medium"/>
-                <a:sym typeface="Helvetica Neue Medium"/>
-              </a:defRPr>
+            <a:pPr marL="171450" indent="-171450" algn="just">
+              <a:lnSpc>
+                <a:spcPct val="92000"/>
+              </a:lnSpc>
+              <a:spcBef>
+                <a:spcPts val="200"/>
+              </a:spcBef>
+              <a:spcAft>
+                <a:spcPts val="200"/>
+              </a:spcAft>
+              <a:buFont typeface="Arial" panose="020B0604020202020204" pitchFamily="34" charset="0"/>
+              <a:buChar char="•"/>
             </a:pPr>
-            <a:endParaRPr/>
-          </a:p>
-        </p:txBody>
-      </p:sp>
-      <p:sp>
-        <p:nvSpPr>
-          <p:cNvPr id="8" name="Rectangle">
-            <a:extLst>
-              <a:ext uri="{FF2B5EF4-FFF2-40B4-BE49-F238E27FC236}">
-                <a16:creationId xmlns:a16="http://schemas.microsoft.com/office/drawing/2014/main" id="{372CE07A-FFFD-4F75-1C08-25AC6DAD2B88}"/>
-              </a:ext>
-            </a:extLst>
-          </p:cNvPr>
-          <p:cNvSpPr/>
-          <p:nvPr/>
-        </p:nvSpPr>
-        <p:spPr>
-          <a:xfrm>
-            <a:off x="359836" y="9700361"/>
-            <a:ext cx="6840000" cy="6846"/>
-          </a:xfrm>
-          <a:prstGeom prst="rect">
-            <a:avLst/>
-          </a:prstGeom>
-          <a:solidFill>
-            <a:srgbClr val="C5AF5C"/>
-          </a:solidFill>
-          <a:ln w="3175">
-            <a:miter lim="400000"/>
-          </a:ln>
-        </p:spPr>
-        <p:txBody>
-          <a:bodyPr lIns="20981" tIns="20981" rIns="20981" bIns="20981" anchor="ctr"/>
-          <a:lstStyle/>
-          <a:p>
-            <a:pPr algn="ctr" defTabSz="825500">
-              <a:lnSpc>
-                <a:spcPct val="100000"/>
-              </a:lnSpc>
-              <a:defRPr sz="3200" b="0">
-                <a:solidFill>
-                  <a:srgbClr val="FFFFFF"/>
-                </a:solidFill>
-                <a:latin typeface="Helvetica Neue Medium"/>
-                <a:ea typeface="Helvetica Neue Medium"/>
-                <a:cs typeface="Helvetica Neue Medium"/>
-                <a:sym typeface="Helvetica Neue Medium"/>
-              </a:defRPr>
-            </a:pPr>
-            <a:endParaRPr/>
+            <a:endParaRPr lang="fr-FR" sz="800" b="1" dirty="0">
+              <a:effectLst/>
+              <a:ea typeface="Calibri" panose="020F0502020204030204" pitchFamily="34" charset="0"/>
+            </a:endParaRPr>
           </a:p>
         </p:txBody>
       </p:sp>
@@ -29352,7 +28814,7 @@
         </p:nvSpPr>
         <p:spPr>
           <a:xfrm>
-            <a:off x="648905" y="1898483"/>
+            <a:off x="648905" y="1834983"/>
             <a:ext cx="6189422" cy="156714"/>
           </a:xfrm>
           <a:prstGeom prst="rect">
@@ -29808,7 +29270,7 @@
         </p:nvSpPr>
         <p:spPr>
           <a:xfrm>
-            <a:off x="895113" y="4417086"/>
+            <a:off x="910052" y="4341289"/>
             <a:ext cx="6035040" cy="215444"/>
           </a:xfrm>
           <a:prstGeom prst="rect">
@@ -29824,159 +29286,9 @@
           <a:p>
             <a:r>
               <a:rPr lang="fr-FR" sz="800" dirty="0"/>
-              <a:t>&lt;balisedeg2&gt; </a:t>
-            </a:r>
-            <a:r>
-              <a:rPr lang="fr-FR" sz="800" dirty="0">
-                <a:highlight>
-                  <a:srgbClr val="FF00FF"/>
-                </a:highlight>
-              </a:rPr>
-              <a:t>&lt;balisedeg3</a:t>
-            </a:r>
-            <a:r>
-              <a:rPr lang="fr-FR" sz="800" dirty="0"/>
-              <a:t>&gt;</a:t>
+              <a:t>&lt;balisedeg2&gt; &lt;balisedeg3&gt;</a:t>
             </a:r>
             <a:endParaRPr lang="en-US" sz="800" dirty="0"/>
-          </a:p>
-        </p:txBody>
-      </p:sp>
-      <p:sp>
-        <p:nvSpPr>
-          <p:cNvPr id="22" name="Rectangle">
-            <a:extLst>
-              <a:ext uri="{FF2B5EF4-FFF2-40B4-BE49-F238E27FC236}">
-                <a16:creationId xmlns:a16="http://schemas.microsoft.com/office/drawing/2014/main" id="{C9AE3FE2-0A26-3351-00EE-A87F1BD8F9E4}"/>
-              </a:ext>
-            </a:extLst>
-          </p:cNvPr>
-          <p:cNvSpPr/>
-          <p:nvPr/>
-        </p:nvSpPr>
-        <p:spPr>
-          <a:xfrm>
-            <a:off x="359837" y="570116"/>
-            <a:ext cx="6840000" cy="6846"/>
-          </a:xfrm>
-          <a:prstGeom prst="rect">
-            <a:avLst/>
-          </a:prstGeom>
-          <a:solidFill>
-            <a:srgbClr val="C5AF5C"/>
-          </a:solidFill>
-          <a:ln w="3175">
-            <a:miter lim="400000"/>
-          </a:ln>
-        </p:spPr>
-        <p:txBody>
-          <a:bodyPr lIns="20981" tIns="20981" rIns="20981" bIns="20981" anchor="ctr"/>
-          <a:lstStyle/>
-          <a:p>
-            <a:pPr algn="ctr" defTabSz="825500">
-              <a:lnSpc>
-                <a:spcPct val="100000"/>
-              </a:lnSpc>
-              <a:defRPr sz="3200" b="0">
-                <a:solidFill>
-                  <a:srgbClr val="FFFFFF"/>
-                </a:solidFill>
-                <a:latin typeface="Helvetica Neue Medium"/>
-                <a:ea typeface="Helvetica Neue Medium"/>
-                <a:cs typeface="Helvetica Neue Medium"/>
-                <a:sym typeface="Helvetica Neue Medium"/>
-              </a:defRPr>
-            </a:pPr>
-            <a:endParaRPr/>
-          </a:p>
-        </p:txBody>
-      </p:sp>
-      <p:sp>
-        <p:nvSpPr>
-          <p:cNvPr id="23" name="Rectangle">
-            <a:extLst>
-              <a:ext uri="{FF2B5EF4-FFF2-40B4-BE49-F238E27FC236}">
-                <a16:creationId xmlns:a16="http://schemas.microsoft.com/office/drawing/2014/main" id="{AC671B9B-5ACA-26FE-E755-3A46A95CB277}"/>
-              </a:ext>
-            </a:extLst>
-          </p:cNvPr>
-          <p:cNvSpPr/>
-          <p:nvPr/>
-        </p:nvSpPr>
-        <p:spPr>
-          <a:xfrm>
-            <a:off x="359836" y="9725761"/>
-            <a:ext cx="6840000" cy="6846"/>
-          </a:xfrm>
-          <a:prstGeom prst="rect">
-            <a:avLst/>
-          </a:prstGeom>
-          <a:solidFill>
-            <a:srgbClr val="C5AF5C"/>
-          </a:solidFill>
-          <a:ln w="3175">
-            <a:miter lim="400000"/>
-          </a:ln>
-        </p:spPr>
-        <p:txBody>
-          <a:bodyPr lIns="20981" tIns="20981" rIns="20981" bIns="20981" anchor="ctr"/>
-          <a:lstStyle/>
-          <a:p>
-            <a:pPr algn="ctr" defTabSz="825500">
-              <a:lnSpc>
-                <a:spcPct val="100000"/>
-              </a:lnSpc>
-              <a:defRPr sz="3200" b="0">
-                <a:solidFill>
-                  <a:srgbClr val="FFFFFF"/>
-                </a:solidFill>
-                <a:latin typeface="Helvetica Neue Medium"/>
-                <a:ea typeface="Helvetica Neue Medium"/>
-                <a:cs typeface="Helvetica Neue Medium"/>
-                <a:sym typeface="Helvetica Neue Medium"/>
-              </a:defRPr>
-            </a:pPr>
-            <a:endParaRPr/>
-          </a:p>
-        </p:txBody>
-      </p:sp>
-      <p:sp>
-        <p:nvSpPr>
-          <p:cNvPr id="24" name="ZoneTexte 23">
-            <a:extLst>
-              <a:ext uri="{FF2B5EF4-FFF2-40B4-BE49-F238E27FC236}">
-                <a16:creationId xmlns:a16="http://schemas.microsoft.com/office/drawing/2014/main" id="{0CF085A8-04C7-A7EB-0B3E-40168B9997E3}"/>
-              </a:ext>
-            </a:extLst>
-          </p:cNvPr>
-          <p:cNvSpPr txBox="1"/>
-          <p:nvPr/>
-        </p:nvSpPr>
-        <p:spPr>
-          <a:xfrm>
-            <a:off x="901114" y="4139935"/>
-            <a:ext cx="6005163" cy="123111"/>
-          </a:xfrm>
-          <a:prstGeom prst="rect">
-            <a:avLst/>
-          </a:prstGeom>
-          <a:noFill/>
-        </p:spPr>
-        <p:txBody>
-          <a:bodyPr wrap="square" lIns="0" tIns="0" rIns="0" bIns="0" rtlCol="0">
-            <a:spAutoFit/>
-          </a:bodyPr>
-          <a:lstStyle/>
-          <a:p>
-            <a:pPr algn="just"/>
-            <a:r>
-              <a:rPr lang="fr-FR" sz="800" b="1" dirty="0">
-                <a:solidFill>
-                  <a:schemeClr val="tx2"/>
-                </a:solidFill>
-              </a:rPr>
-              <a:t>Sinon, le produit continue.</a:t>
-            </a:r>
           </a:p>
         </p:txBody>
       </p:sp>
@@ -30443,7 +29755,7 @@
         </p:nvSpPr>
         <p:spPr>
           <a:xfrm>
-            <a:off x="840474" y="2524254"/>
+            <a:off x="840137" y="2281793"/>
             <a:ext cx="6005163" cy="123111"/>
           </a:xfrm>
           <a:prstGeom prst="rect">
@@ -30501,8 +29813,8 @@
         </p:nvSpPr>
         <p:spPr>
           <a:xfrm>
-            <a:off x="1592579" y="1244926"/>
-            <a:ext cx="4379887" cy="492443"/>
+            <a:off x="1028701" y="1210851"/>
+            <a:ext cx="5270604" cy="492443"/>
           </a:xfrm>
           <a:prstGeom prst="rect">
             <a:avLst/>
@@ -30915,20 +30227,13 @@
             </a:lvl9pPr>
           </a:lstStyle>
           <a:p>
-            <a:pPr marL="0" lvl="1">
-              <a:lnSpc>
-                <a:spcPct val="90000"/>
-              </a:lnSpc>
-              <a:spcBef>
-                <a:spcPts val="2400"/>
-              </a:spcBef>
-            </a:pPr>
-            <a:r>
-              <a:rPr lang="fr-FR" sz="1100" dirty="0">
+            <a:pPr lvl="1"/>
+            <a:r>
+              <a:rPr lang="fr-FR" sz="900" b="1" cap="none" dirty="0">
                 <a:solidFill>
                   <a:srgbClr val="B9A049"/>
                 </a:solidFill>
-                <a:latin typeface="Futura PT" panose="020B0902020204020203" pitchFamily="34" charset="0"/>
+                <a:latin typeface="+mn-lt"/>
               </a:rPr>
               <a:t>Détermination du &lt;NDR&gt;</a:t>
             </a:r>
@@ -30951,7 +30256,7 @@
         </p:nvSpPr>
         <p:spPr>
           <a:xfrm>
-            <a:off x="827725" y="2123808"/>
+            <a:off x="648905" y="1879723"/>
             <a:ext cx="6189422" cy="156714"/>
           </a:xfrm>
           <a:prstGeom prst="rect">
@@ -31130,20 +30435,13 @@
             </a:lvl9pPr>
           </a:lstStyle>
           <a:p>
-            <a:pPr marL="0" lvl="1">
-              <a:lnSpc>
-                <a:spcPct val="90000"/>
-              </a:lnSpc>
-              <a:spcBef>
-                <a:spcPts val="2400"/>
-              </a:spcBef>
-            </a:pPr>
-            <a:r>
-              <a:rPr lang="fr-FR" sz="1100" dirty="0">
+            <a:pPr lvl="1" algn="just"/>
+            <a:r>
+              <a:rPr lang="fr-FR" sz="900" b="1" cap="none" dirty="0">
                 <a:solidFill>
                   <a:srgbClr val="B9A049"/>
                 </a:solidFill>
-                <a:latin typeface="Futura PT" panose="020B0902020204020203" pitchFamily="34" charset="0"/>
+                <a:latin typeface="+mn-lt"/>
               </a:rPr>
               <a:t>Mécanisme de paiement des coupons</a:t>
             </a:r>
@@ -31164,7 +30462,7 @@
         </p:nvSpPr>
         <p:spPr>
           <a:xfrm>
-            <a:off x="831875" y="3086877"/>
+            <a:off x="840137" y="2783443"/>
             <a:ext cx="6185272" cy="246221"/>
           </a:xfrm>
           <a:prstGeom prst="rect">
@@ -31267,8 +30565,8 @@
         </p:nvSpPr>
         <p:spPr>
           <a:xfrm>
-            <a:off x="1592579" y="3671991"/>
-            <a:ext cx="4379887" cy="612815"/>
+            <a:off x="1028701" y="3325734"/>
+            <a:ext cx="5483168" cy="548640"/>
           </a:xfrm>
           <a:prstGeom prst="rect">
             <a:avLst/>
@@ -31283,7 +30581,7 @@
           </a:ln>
         </p:spPr>
         <p:txBody>
-          <a:bodyPr wrap="square" lIns="108000" tIns="180000" rIns="108000" bIns="180000" anchor="ctr">
+          <a:bodyPr wrap="square" lIns="108000" tIns="137160" rIns="108000" bIns="72000" anchor="ctr">
             <a:spAutoFit/>
           </a:bodyPr>
           <a:lstStyle>
@@ -31501,7 +30799,7 @@
         </p:nvSpPr>
         <p:spPr>
           <a:xfrm>
-            <a:off x="845257" y="4691599"/>
+            <a:off x="838566" y="4194913"/>
             <a:ext cx="6182731" cy="246221"/>
           </a:xfrm>
           <a:prstGeom prst="rect">
@@ -31604,8 +30902,8 @@
         </p:nvSpPr>
         <p:spPr>
           <a:xfrm>
-            <a:off x="1592580" y="5296460"/>
-            <a:ext cx="4379886" cy="540000"/>
+            <a:off x="1028701" y="4806116"/>
+            <a:ext cx="5483168" cy="283906"/>
           </a:xfrm>
           <a:prstGeom prst="rect">
             <a:avLst/>
@@ -31824,7 +31122,7 @@
         </p:nvSpPr>
         <p:spPr>
           <a:xfrm>
-            <a:off x="831875" y="6186570"/>
+            <a:off x="648905" y="5603788"/>
             <a:ext cx="6189422" cy="156714"/>
           </a:xfrm>
           <a:prstGeom prst="rect">
@@ -32003,20 +31301,13 @@
             </a:lvl9pPr>
           </a:lstStyle>
           <a:p>
-            <a:pPr marL="0" lvl="1">
-              <a:lnSpc>
-                <a:spcPct val="90000"/>
-              </a:lnSpc>
-              <a:spcBef>
-                <a:spcPts val="2400"/>
-              </a:spcBef>
-            </a:pPr>
-            <a:r>
-              <a:rPr lang="fr-FR" sz="1100" dirty="0">
+            <a:pPr lvl="1" algn="just"/>
+            <a:r>
+              <a:rPr lang="fr-FR" sz="900" b="1" cap="none" dirty="0">
                 <a:solidFill>
                   <a:srgbClr val="B9A049"/>
                 </a:solidFill>
-                <a:latin typeface="Futura PT" panose="020B0902020204020203" pitchFamily="34" charset="0"/>
+                <a:latin typeface="+mn-lt"/>
               </a:rPr>
               <a:t>Mécanisme de remboursement anticipé automatique</a:t>
             </a:r>
@@ -32037,7 +31328,7 @@
         </p:nvSpPr>
         <p:spPr>
           <a:xfrm>
-            <a:off x="833164" y="6582914"/>
+            <a:off x="833164" y="6112785"/>
             <a:ext cx="6005163" cy="738664"/>
           </a:xfrm>
           <a:prstGeom prst="rect">
@@ -32179,8 +31470,8 @@
         </p:nvSpPr>
         <p:spPr>
           <a:xfrm>
-            <a:off x="1514766" y="7527810"/>
-            <a:ext cx="4457700" cy="1080000"/>
+            <a:off x="1028701" y="7194999"/>
+            <a:ext cx="5483168" cy="637849"/>
           </a:xfrm>
           <a:prstGeom prst="rect">
             <a:avLst/>
@@ -32456,10 +31747,10 @@
       </p:sp>
       <p:sp>
         <p:nvSpPr>
-          <p:cNvPr id="20" name="ZoneTexte 19">
+          <p:cNvPr id="27" name="ZoneTexte 26">
             <a:extLst>
               <a:ext uri="{FF2B5EF4-FFF2-40B4-BE49-F238E27FC236}">
-                <a16:creationId xmlns:a16="http://schemas.microsoft.com/office/drawing/2014/main" id="{C03ECC7D-53D6-C757-3BF6-BC25C2727666}"/>
+                <a16:creationId xmlns:a16="http://schemas.microsoft.com/office/drawing/2014/main" id="{A5593142-B0A9-0322-4DCF-14192E048E25}"/>
               </a:ext>
             </a:extLst>
           </p:cNvPr>
@@ -32468,7 +31759,7 @@
         </p:nvSpPr>
         <p:spPr>
           <a:xfrm>
-            <a:off x="840474" y="8932356"/>
+            <a:off x="780910" y="8071465"/>
             <a:ext cx="5997853" cy="215444"/>
           </a:xfrm>
           <a:prstGeom prst="rect">
@@ -32484,119 +31775,9 @@
           <a:p>
             <a:r>
               <a:rPr lang="fr-FR" sz="800" dirty="0"/>
-              <a:t>&lt;balisedeg2&gt; </a:t>
-            </a:r>
-            <a:r>
-              <a:rPr lang="fr-FR" sz="800" dirty="0">
-                <a:highlight>
-                  <a:srgbClr val="FF00FF"/>
-                </a:highlight>
-              </a:rPr>
-              <a:t>&lt;balisedeg3</a:t>
-            </a:r>
-            <a:r>
-              <a:rPr lang="fr-FR" sz="800" dirty="0"/>
-              <a:t>&gt;</a:t>
+              <a:t>&lt;balisedeg2&gt; &lt;balisedeg3&gt;</a:t>
             </a:r>
             <a:endParaRPr lang="en-US" sz="800" dirty="0"/>
-          </a:p>
-        </p:txBody>
-      </p:sp>
-      <p:sp>
-        <p:nvSpPr>
-          <p:cNvPr id="21" name="Rectangle">
-            <a:extLst>
-              <a:ext uri="{FF2B5EF4-FFF2-40B4-BE49-F238E27FC236}">
-                <a16:creationId xmlns:a16="http://schemas.microsoft.com/office/drawing/2014/main" id="{6F16BA3C-0A8A-87F6-2ADF-3A610FE54004}"/>
-              </a:ext>
-            </a:extLst>
-          </p:cNvPr>
-          <p:cNvSpPr/>
-          <p:nvPr/>
-        </p:nvSpPr>
-        <p:spPr>
-          <a:xfrm>
-            <a:off x="359837" y="570116"/>
-            <a:ext cx="6840000" cy="6846"/>
-          </a:xfrm>
-          <a:prstGeom prst="rect">
-            <a:avLst/>
-          </a:prstGeom>
-          <a:solidFill>
-            <a:srgbClr val="C5AF5C"/>
-          </a:solidFill>
-          <a:ln w="3175">
-            <a:miter lim="400000"/>
-          </a:ln>
-        </p:spPr>
-        <p:txBody>
-          <a:bodyPr lIns="20981" tIns="20981" rIns="20981" bIns="20981" anchor="ctr"/>
-          <a:lstStyle/>
-          <a:p>
-            <a:pPr algn="ctr" defTabSz="825500">
-              <a:lnSpc>
-                <a:spcPct val="100000"/>
-              </a:lnSpc>
-              <a:defRPr sz="3200" b="0">
-                <a:solidFill>
-                  <a:srgbClr val="FFFFFF"/>
-                </a:solidFill>
-                <a:latin typeface="Helvetica Neue Medium"/>
-                <a:ea typeface="Helvetica Neue Medium"/>
-                <a:cs typeface="Helvetica Neue Medium"/>
-                <a:sym typeface="Helvetica Neue Medium"/>
-              </a:defRPr>
-            </a:pPr>
-            <a:endParaRPr/>
-          </a:p>
-        </p:txBody>
-      </p:sp>
-      <p:sp>
-        <p:nvSpPr>
-          <p:cNvPr id="26" name="Rectangle">
-            <a:extLst>
-              <a:ext uri="{FF2B5EF4-FFF2-40B4-BE49-F238E27FC236}">
-                <a16:creationId xmlns:a16="http://schemas.microsoft.com/office/drawing/2014/main" id="{7FFEC344-73B8-DA8F-5435-E14BF3488E46}"/>
-              </a:ext>
-            </a:extLst>
-          </p:cNvPr>
-          <p:cNvSpPr/>
-          <p:nvPr/>
-        </p:nvSpPr>
-        <p:spPr>
-          <a:xfrm>
-            <a:off x="359836" y="9668611"/>
-            <a:ext cx="6840000" cy="6846"/>
-          </a:xfrm>
-          <a:prstGeom prst="rect">
-            <a:avLst/>
-          </a:prstGeom>
-          <a:solidFill>
-            <a:srgbClr val="C5AF5C"/>
-          </a:solidFill>
-          <a:ln w="3175">
-            <a:miter lim="400000"/>
-          </a:ln>
-        </p:spPr>
-        <p:txBody>
-          <a:bodyPr lIns="20981" tIns="20981" rIns="20981" bIns="20981" anchor="ctr"/>
-          <a:lstStyle/>
-          <a:p>
-            <a:pPr algn="ctr" defTabSz="825500">
-              <a:lnSpc>
-                <a:spcPct val="100000"/>
-              </a:lnSpc>
-              <a:defRPr sz="3200" b="0">
-                <a:solidFill>
-                  <a:srgbClr val="FFFFFF"/>
-                </a:solidFill>
-                <a:latin typeface="Helvetica Neue Medium"/>
-                <a:ea typeface="Helvetica Neue Medium"/>
-                <a:cs typeface="Helvetica Neue Medium"/>
-                <a:sym typeface="Helvetica Neue Medium"/>
-              </a:defRPr>
-            </a:pPr>
-            <a:endParaRPr/>
           </a:p>
         </p:txBody>
       </p:sp>
@@ -32635,7 +31816,7 @@
           <p:cNvPr id="2" name="Espace réservé du numéro de diapositive 1">
             <a:extLst>
               <a:ext uri="{FF2B5EF4-FFF2-40B4-BE49-F238E27FC236}">
-                <a16:creationId xmlns:a16="http://schemas.microsoft.com/office/drawing/2014/main" id="{AE89DA3B-BEA5-48BE-97BB-69F5827F127A}"/>
+                <a16:creationId xmlns:a16="http://schemas.microsoft.com/office/drawing/2014/main" id="{E0E64D20-4BEF-9D52-A738-E939DAE9E488}"/>
               </a:ext>
             </a:extLst>
           </p:cNvPr>
@@ -32662,143 +31843,10 @@
       </p:sp>
       <p:sp>
         <p:nvSpPr>
-          <p:cNvPr id="5" name="Text Box 2">
+          <p:cNvPr id="3" name="Espace réservé du texte 36">
             <a:extLst>
               <a:ext uri="{FF2B5EF4-FFF2-40B4-BE49-F238E27FC236}">
-                <a16:creationId xmlns:a16="http://schemas.microsoft.com/office/drawing/2014/main" id="{E7F9AAE2-20F9-4949-802A-4850732E6C2B}"/>
-              </a:ext>
-            </a:extLst>
-          </p:cNvPr>
-          <p:cNvSpPr txBox="1">
-            <a:spLocks noChangeArrowheads="1"/>
-          </p:cNvSpPr>
-          <p:nvPr/>
-        </p:nvSpPr>
-        <p:spPr bwMode="auto">
-          <a:xfrm>
-            <a:off x="361950" y="9765983"/>
-            <a:ext cx="6483350" cy="623248"/>
-          </a:xfrm>
-          <a:prstGeom prst="rect">
-            <a:avLst/>
-          </a:prstGeom>
-          <a:noFill/>
-          <a:ln w="9525">
-            <a:noFill/>
-            <a:miter lim="800000"/>
-            <a:headEnd/>
-            <a:tailEnd/>
-          </a:ln>
-        </p:spPr>
-        <p:txBody>
-          <a:bodyPr wrap="square" lIns="0" tIns="0" rIns="0" bIns="0">
-            <a:spAutoFit/>
-          </a:bodyPr>
-          <a:lstStyle/>
-          <a:p>
-            <a:pPr algn="just"/>
-            <a:r>
-              <a:rPr lang="fr-FR" sz="650" baseline="30000" dirty="0">
-                <a:solidFill>
-                  <a:srgbClr val="000000"/>
-                </a:solidFill>
-                <a:latin typeface="Proxima Nova Rg" panose="02000506030000020004" pitchFamily="2" charset="0"/>
-              </a:rPr>
-              <a:t>(1) </a:t>
-            </a:r>
-            <a:r>
-              <a:rPr lang="fr-FR" sz="650" dirty="0">
-                <a:solidFill>
-                  <a:srgbClr val="000000"/>
-                </a:solidFill>
-                <a:latin typeface="Proxima Nova Rg" panose="02000506030000020004" pitchFamily="2" charset="0"/>
-              </a:rPr>
-              <a:t>Veuillez vous référer au tableau récapitulant les principales caractéristiques financières en &lt;PAGE&gt; pour le détail des dates. </a:t>
-            </a:r>
-          </a:p>
-          <a:p>
-            <a:pPr algn="just"/>
-            <a:r>
-              <a:rPr lang="fr-FR" sz="650" baseline="30000" dirty="0">
-                <a:solidFill>
-                  <a:srgbClr val="000000"/>
-                </a:solidFill>
-                <a:latin typeface="Proxima Nova Rg" panose="02000506030000020004" pitchFamily="2" charset="0"/>
-              </a:rPr>
-              <a:t>(2)</a:t>
-            </a:r>
-            <a:r>
-              <a:rPr lang="fr-FR" sz="650" dirty="0">
-                <a:solidFill>
-                  <a:srgbClr val="000000"/>
-                </a:solidFill>
-                <a:latin typeface="Proxima Nova Rg" panose="02000506030000020004" pitchFamily="2" charset="0"/>
-              </a:rPr>
-              <a:t> </a:t>
-            </a:r>
-            <a:r>
-              <a:rPr lang="fr-FR" sz="700" dirty="0">
-                <a:solidFill>
-                  <a:srgbClr val="000000"/>
-                </a:solidFill>
-                <a:latin typeface="Proxima Nova Rg" panose="02000506030000020004" pitchFamily="2" charset="0"/>
-              </a:rPr>
-              <a:t>En prenant comme hypothèse 1,00% de frais de gestion du contrat d’assurance vie ou de capitalisation ou de droits de garde en compte-titres. TRA net hors autres frais, fiscalité et prélèvements sociaux applicables au cadre d’investissement, et hors défaut de paiement et/ou faillite et hors mise en résolution de l’Émetteur. Les TRA sont calculés à partir </a:t>
-            </a:r>
-            <a:r>
-              <a:rPr lang="fr-FR" sz="650" dirty="0">
-                <a:solidFill>
-                  <a:srgbClr val="000000"/>
-                </a:solidFill>
-                <a:latin typeface="Proxima Nova Rg" panose="02000506030000020004" pitchFamily="2" charset="0"/>
-              </a:rPr>
-              <a:t>du &lt;2PDC&gt; jusqu’à la date de remboursement anticipé automatique éventuel</a:t>
-            </a:r>
-            <a:r>
-              <a:rPr lang="fr-FR" sz="650" baseline="30000" dirty="0">
-                <a:solidFill>
-                  <a:srgbClr val="000000"/>
-                </a:solidFill>
-                <a:latin typeface="Proxima Nova Rg" panose="02000506030000020004" pitchFamily="2" charset="0"/>
-              </a:rPr>
-              <a:t>(1)</a:t>
-            </a:r>
-            <a:r>
-              <a:rPr lang="fr-FR" sz="650" dirty="0">
-                <a:solidFill>
-                  <a:srgbClr val="000000"/>
-                </a:solidFill>
-                <a:latin typeface="Proxima Nova Rg" panose="02000506030000020004" pitchFamily="2" charset="0"/>
-              </a:rPr>
-              <a:t> ou d’échéance</a:t>
-            </a:r>
-            <a:r>
-              <a:rPr lang="fr-FR" sz="650" baseline="30000" dirty="0">
-                <a:solidFill>
-                  <a:srgbClr val="000000"/>
-                </a:solidFill>
-                <a:latin typeface="Proxima Nova Rg" panose="02000506030000020004" pitchFamily="2" charset="0"/>
-              </a:rPr>
-              <a:t>(1)</a:t>
-            </a:r>
-            <a:r>
-              <a:rPr lang="fr-FR" sz="650" dirty="0">
-                <a:solidFill>
-                  <a:srgbClr val="000000"/>
-                </a:solidFill>
-                <a:latin typeface="Proxima Nova Rg" panose="02000506030000020004" pitchFamily="2" charset="0"/>
-              </a:rPr>
-              <a:t> selon les scénarios. Une sortie anticipée à l’initiative de l’investisseur se fera à un &lt;SJR3&gt; dépendant de l’évolution des paramètres de marché au moment de la sortie (&lt;SJR3&gt; &lt;SJR7&gt;, des taux d’intérêt, de la volatilité et des primes de risque de crédit notamment) et pourra donc entraîner un risque de perte en capital.</a:t>
-            </a:r>
-          </a:p>
-        </p:txBody>
-      </p:sp>
-      <p:sp>
-        <p:nvSpPr>
-          <p:cNvPr id="27" name="Espace réservé du texte 36">
-            <a:extLst>
-              <a:ext uri="{FF2B5EF4-FFF2-40B4-BE49-F238E27FC236}">
-                <a16:creationId xmlns:a16="http://schemas.microsoft.com/office/drawing/2014/main" id="{305947C6-6BAD-9C30-C816-C6985E993E97}"/>
+                <a16:creationId xmlns:a16="http://schemas.microsoft.com/office/drawing/2014/main" id="{DF6D83DD-D517-7A33-022D-95B5C79B9F43}"/>
               </a:ext>
             </a:extLst>
           </p:cNvPr>
@@ -32809,8 +31857,8 @@
         </p:nvSpPr>
         <p:spPr>
           <a:xfrm>
-            <a:off x="1268906" y="2711286"/>
-            <a:ext cx="5021862" cy="1080000"/>
+            <a:off x="1186723" y="3169026"/>
+            <a:ext cx="5021862" cy="637849"/>
           </a:xfrm>
           <a:prstGeom prst="rect">
             <a:avLst/>
@@ -33086,10 +32134,214 @@
       </p:sp>
       <p:sp>
         <p:nvSpPr>
-          <p:cNvPr id="29" name="ZoneTexte 28">
+          <p:cNvPr id="4" name="Espace réservé du texte 11">
             <a:extLst>
               <a:ext uri="{FF2B5EF4-FFF2-40B4-BE49-F238E27FC236}">
-                <a16:creationId xmlns:a16="http://schemas.microsoft.com/office/drawing/2014/main" id="{4779550E-6BC8-22D5-1741-CB0D6E7C1F73}"/>
+                <a16:creationId xmlns:a16="http://schemas.microsoft.com/office/drawing/2014/main" id="{4AAB1197-9E26-30DF-4263-0FF4F93AF6B1}"/>
+              </a:ext>
+            </a:extLst>
+          </p:cNvPr>
+          <p:cNvSpPr txBox="1">
+            <a:spLocks/>
+          </p:cNvSpPr>
+          <p:nvPr/>
+        </p:nvSpPr>
+        <p:spPr>
+          <a:xfrm>
+            <a:off x="285664" y="897648"/>
+            <a:ext cx="3307879" cy="141412"/>
+          </a:xfrm>
+          <a:prstGeom prst="rect">
+            <a:avLst/>
+          </a:prstGeom>
+        </p:spPr>
+        <p:txBody>
+          <a:bodyPr/>
+          <a:lstStyle>
+            <a:lvl1pPr marL="188984" indent="-188984" algn="l" defTabSz="755934" rtl="0" eaLnBrk="1" latinLnBrk="0" hangingPunct="1">
+              <a:lnSpc>
+                <a:spcPct val="90000"/>
+              </a:lnSpc>
+              <a:spcBef>
+                <a:spcPts val="827"/>
+              </a:spcBef>
+              <a:buFont typeface="Arial" panose="020B0604020202020204" pitchFamily="34" charset="0"/>
+              <a:buChar char="•"/>
+              <a:defRPr sz="2315" kern="1200">
+                <a:solidFill>
+                  <a:schemeClr val="tx1"/>
+                </a:solidFill>
+                <a:latin typeface="+mn-lt"/>
+                <a:ea typeface="+mn-ea"/>
+                <a:cs typeface="+mn-cs"/>
+              </a:defRPr>
+            </a:lvl1pPr>
+            <a:lvl2pPr marL="566951" indent="-188984" algn="l" defTabSz="755934" rtl="0" eaLnBrk="1" latinLnBrk="0" hangingPunct="1">
+              <a:lnSpc>
+                <a:spcPct val="90000"/>
+              </a:lnSpc>
+              <a:spcBef>
+                <a:spcPts val="413"/>
+              </a:spcBef>
+              <a:buFont typeface="Arial" panose="020B0604020202020204" pitchFamily="34" charset="0"/>
+              <a:buChar char="•"/>
+              <a:defRPr sz="1984" kern="1200">
+                <a:solidFill>
+                  <a:schemeClr val="tx1"/>
+                </a:solidFill>
+                <a:latin typeface="+mn-lt"/>
+                <a:ea typeface="+mn-ea"/>
+                <a:cs typeface="+mn-cs"/>
+              </a:defRPr>
+            </a:lvl2pPr>
+            <a:lvl3pPr marL="944918" indent="-188984" algn="l" defTabSz="755934" rtl="0" eaLnBrk="1" latinLnBrk="0" hangingPunct="1">
+              <a:lnSpc>
+                <a:spcPct val="90000"/>
+              </a:lnSpc>
+              <a:spcBef>
+                <a:spcPts val="413"/>
+              </a:spcBef>
+              <a:buFont typeface="Arial" panose="020B0604020202020204" pitchFamily="34" charset="0"/>
+              <a:buChar char="•"/>
+              <a:defRPr sz="1653" kern="1200">
+                <a:solidFill>
+                  <a:schemeClr val="tx1"/>
+                </a:solidFill>
+                <a:latin typeface="+mn-lt"/>
+                <a:ea typeface="+mn-ea"/>
+                <a:cs typeface="+mn-cs"/>
+              </a:defRPr>
+            </a:lvl3pPr>
+            <a:lvl4pPr marL="1322885" indent="-188984" algn="l" defTabSz="755934" rtl="0" eaLnBrk="1" latinLnBrk="0" hangingPunct="1">
+              <a:lnSpc>
+                <a:spcPct val="90000"/>
+              </a:lnSpc>
+              <a:spcBef>
+                <a:spcPts val="413"/>
+              </a:spcBef>
+              <a:buFont typeface="Arial" panose="020B0604020202020204" pitchFamily="34" charset="0"/>
+              <a:buChar char="•"/>
+              <a:defRPr sz="1488" kern="1200">
+                <a:solidFill>
+                  <a:schemeClr val="tx1"/>
+                </a:solidFill>
+                <a:latin typeface="+mn-lt"/>
+                <a:ea typeface="+mn-ea"/>
+                <a:cs typeface="+mn-cs"/>
+              </a:defRPr>
+            </a:lvl4pPr>
+            <a:lvl5pPr marL="1700853" indent="-188984" algn="l" defTabSz="755934" rtl="0" eaLnBrk="1" latinLnBrk="0" hangingPunct="1">
+              <a:lnSpc>
+                <a:spcPct val="90000"/>
+              </a:lnSpc>
+              <a:spcBef>
+                <a:spcPts val="413"/>
+              </a:spcBef>
+              <a:buFont typeface="Arial" panose="020B0604020202020204" pitchFamily="34" charset="0"/>
+              <a:buChar char="•"/>
+              <a:defRPr sz="1488" kern="1200">
+                <a:solidFill>
+                  <a:schemeClr val="tx1"/>
+                </a:solidFill>
+                <a:latin typeface="+mn-lt"/>
+                <a:ea typeface="+mn-ea"/>
+                <a:cs typeface="+mn-cs"/>
+              </a:defRPr>
+            </a:lvl5pPr>
+            <a:lvl6pPr marL="2078820" indent="-188984" algn="l" defTabSz="755934" rtl="0" eaLnBrk="1" latinLnBrk="0" hangingPunct="1">
+              <a:lnSpc>
+                <a:spcPct val="90000"/>
+              </a:lnSpc>
+              <a:spcBef>
+                <a:spcPts val="413"/>
+              </a:spcBef>
+              <a:buFont typeface="Arial" panose="020B0604020202020204" pitchFamily="34" charset="0"/>
+              <a:buChar char="•"/>
+              <a:defRPr sz="1488" kern="1200">
+                <a:solidFill>
+                  <a:schemeClr val="tx1"/>
+                </a:solidFill>
+                <a:latin typeface="+mn-lt"/>
+                <a:ea typeface="+mn-ea"/>
+                <a:cs typeface="+mn-cs"/>
+              </a:defRPr>
+            </a:lvl6pPr>
+            <a:lvl7pPr marL="2456787" indent="-188984" algn="l" defTabSz="755934" rtl="0" eaLnBrk="1" latinLnBrk="0" hangingPunct="1">
+              <a:lnSpc>
+                <a:spcPct val="90000"/>
+              </a:lnSpc>
+              <a:spcBef>
+                <a:spcPts val="413"/>
+              </a:spcBef>
+              <a:buFont typeface="Arial" panose="020B0604020202020204" pitchFamily="34" charset="0"/>
+              <a:buChar char="•"/>
+              <a:defRPr sz="1488" kern="1200">
+                <a:solidFill>
+                  <a:schemeClr val="tx1"/>
+                </a:solidFill>
+                <a:latin typeface="+mn-lt"/>
+                <a:ea typeface="+mn-ea"/>
+                <a:cs typeface="+mn-cs"/>
+              </a:defRPr>
+            </a:lvl7pPr>
+            <a:lvl8pPr marL="2834754" indent="-188984" algn="l" defTabSz="755934" rtl="0" eaLnBrk="1" latinLnBrk="0" hangingPunct="1">
+              <a:lnSpc>
+                <a:spcPct val="90000"/>
+              </a:lnSpc>
+              <a:spcBef>
+                <a:spcPts val="413"/>
+              </a:spcBef>
+              <a:buFont typeface="Arial" panose="020B0604020202020204" pitchFamily="34" charset="0"/>
+              <a:buChar char="•"/>
+              <a:defRPr sz="1488" kern="1200">
+                <a:solidFill>
+                  <a:schemeClr val="tx1"/>
+                </a:solidFill>
+                <a:latin typeface="+mn-lt"/>
+                <a:ea typeface="+mn-ea"/>
+                <a:cs typeface="+mn-cs"/>
+              </a:defRPr>
+            </a:lvl8pPr>
+            <a:lvl9pPr marL="3212722" indent="-188984" algn="l" defTabSz="755934" rtl="0" eaLnBrk="1" latinLnBrk="0" hangingPunct="1">
+              <a:lnSpc>
+                <a:spcPct val="90000"/>
+              </a:lnSpc>
+              <a:spcBef>
+                <a:spcPts val="413"/>
+              </a:spcBef>
+              <a:buFont typeface="Arial" panose="020B0604020202020204" pitchFamily="34" charset="0"/>
+              <a:buChar char="•"/>
+              <a:defRPr sz="1488" kern="1200">
+                <a:solidFill>
+                  <a:schemeClr val="tx1"/>
+                </a:solidFill>
+                <a:latin typeface="+mn-lt"/>
+                <a:ea typeface="+mn-ea"/>
+                <a:cs typeface="+mn-cs"/>
+              </a:defRPr>
+            </a:lvl9pPr>
+          </a:lstStyle>
+          <a:p>
+            <a:pPr marL="0" indent="0" algn="ctr">
+              <a:buNone/>
+            </a:pPr>
+            <a:r>
+              <a:rPr lang="fr-FR" sz="900" b="1" dirty="0">
+                <a:solidFill>
+                  <a:srgbClr val="B9A049"/>
+                </a:solidFill>
+              </a:rPr>
+              <a:t>Mécanisme de remboursement à l’échéance</a:t>
+            </a:r>
+          </a:p>
+        </p:txBody>
+      </p:sp>
+      <p:sp>
+        <p:nvSpPr>
+          <p:cNvPr id="5" name="ZoneTexte 4">
+            <a:extLst>
+              <a:ext uri="{FF2B5EF4-FFF2-40B4-BE49-F238E27FC236}">
+                <a16:creationId xmlns:a16="http://schemas.microsoft.com/office/drawing/2014/main" id="{64798689-4B89-EB9D-0E25-4CF8D548D6F4}"/>
               </a:ext>
             </a:extLst>
           </p:cNvPr>
@@ -33098,8 +32350,8 @@
         </p:nvSpPr>
         <p:spPr>
           <a:xfrm>
-            <a:off x="534662" y="1137226"/>
-            <a:ext cx="6741374" cy="246221"/>
+            <a:off x="790749" y="1541746"/>
+            <a:ext cx="6005163" cy="246221"/>
           </a:xfrm>
           <a:prstGeom prst="rect">
             <a:avLst/>
@@ -33142,10 +32394,10 @@
       </p:sp>
       <p:sp>
         <p:nvSpPr>
-          <p:cNvPr id="33" name="ZoneTexte 32">
+          <p:cNvPr id="6" name="ZoneTexte 5">
             <a:extLst>
               <a:ext uri="{FF2B5EF4-FFF2-40B4-BE49-F238E27FC236}">
-                <a16:creationId xmlns:a16="http://schemas.microsoft.com/office/drawing/2014/main" id="{B6CE84D9-51BF-BED3-D816-C182433B118A}"/>
+                <a16:creationId xmlns:a16="http://schemas.microsoft.com/office/drawing/2014/main" id="{0EF90391-0A90-49BA-DA69-FF18B3CEB0FD}"/>
               </a:ext>
             </a:extLst>
           </p:cNvPr>
@@ -33154,7 +32406,7 @@
         </p:nvSpPr>
         <p:spPr>
           <a:xfrm>
-            <a:off x="534662" y="1932532"/>
+            <a:off x="790749" y="2646253"/>
             <a:ext cx="6073677" cy="123111"/>
           </a:xfrm>
           <a:prstGeom prst="rect">
@@ -33222,10 +32474,10 @@
       </p:sp>
       <p:sp>
         <p:nvSpPr>
-          <p:cNvPr id="42" name="ZoneTexte 41">
+          <p:cNvPr id="7" name="ZoneTexte 6">
             <a:extLst>
               <a:ext uri="{FF2B5EF4-FFF2-40B4-BE49-F238E27FC236}">
-                <a16:creationId xmlns:a16="http://schemas.microsoft.com/office/drawing/2014/main" id="{1C2DCFFF-043E-BF00-E3D6-27D4B701A7FA}"/>
+                <a16:creationId xmlns:a16="http://schemas.microsoft.com/office/drawing/2014/main" id="{D930E553-9835-0FF3-80B1-6767EAA49A5D}"/>
               </a:ext>
             </a:extLst>
           </p:cNvPr>
@@ -33234,7 +32486,7 @@
         </p:nvSpPr>
         <p:spPr>
           <a:xfrm>
-            <a:off x="534662" y="5637401"/>
+            <a:off x="790749" y="6386499"/>
             <a:ext cx="6073677" cy="246221"/>
           </a:xfrm>
           <a:prstGeom prst="rect">
@@ -33286,10 +32538,10 @@
       </p:sp>
       <p:sp>
         <p:nvSpPr>
-          <p:cNvPr id="43" name="Espace réservé du texte 36">
+          <p:cNvPr id="8" name="Espace réservé du texte 36">
             <a:extLst>
               <a:ext uri="{FF2B5EF4-FFF2-40B4-BE49-F238E27FC236}">
-                <a16:creationId xmlns:a16="http://schemas.microsoft.com/office/drawing/2014/main" id="{EB17517F-1355-E335-003F-D6221862496E}"/>
+                <a16:creationId xmlns:a16="http://schemas.microsoft.com/office/drawing/2014/main" id="{920C4643-E47A-80AD-EE65-79D69F00F506}"/>
               </a:ext>
             </a:extLst>
           </p:cNvPr>
@@ -33300,8 +32552,8 @@
         </p:nvSpPr>
         <p:spPr>
           <a:xfrm>
-            <a:off x="1268906" y="6613989"/>
-            <a:ext cx="5021862" cy="900000"/>
+            <a:off x="1096003" y="6994360"/>
+            <a:ext cx="5203302" cy="637849"/>
           </a:xfrm>
           <a:prstGeom prst="rect">
             <a:avLst/>
@@ -33314,7 +32566,7 @@
           </a:ln>
         </p:spPr>
         <p:txBody>
-          <a:bodyPr wrap="square" lIns="108000" tIns="72000" rIns="108000" bIns="72000" anchor="ctr">
+          <a:bodyPr lIns="108000" tIns="72000" rIns="108000" bIns="72000" anchor="ctr">
             <a:spAutoFit/>
           </a:bodyPr>
           <a:lstStyle>
@@ -33557,10 +32809,10 @@
       </p:sp>
       <p:sp>
         <p:nvSpPr>
-          <p:cNvPr id="44" name="Espace réservé du texte 36">
+          <p:cNvPr id="9" name="Espace réservé du texte 36">
             <a:extLst>
               <a:ext uri="{FF2B5EF4-FFF2-40B4-BE49-F238E27FC236}">
-                <a16:creationId xmlns:a16="http://schemas.microsoft.com/office/drawing/2014/main" id="{8742ED3C-BD8C-5602-202A-3615281A0B12}"/>
+                <a16:creationId xmlns:a16="http://schemas.microsoft.com/office/drawing/2014/main" id="{6727FAD9-AAEB-5358-4BAD-ACD04774D223}"/>
               </a:ext>
             </a:extLst>
           </p:cNvPr>
@@ -33571,8 +32823,8 @@
         </p:nvSpPr>
         <p:spPr>
           <a:xfrm>
-            <a:off x="1268906" y="4650430"/>
-            <a:ext cx="5021862" cy="504000"/>
+            <a:off x="1182913" y="5135549"/>
+            <a:ext cx="5029482" cy="391628"/>
           </a:xfrm>
           <a:prstGeom prst="rect">
             <a:avLst/>
@@ -33585,7 +32837,7 @@
           </a:ln>
         </p:spPr>
         <p:txBody>
-          <a:bodyPr wrap="square" lIns="108000" tIns="72000" rIns="108000" bIns="72000" anchor="ctr">
+          <a:bodyPr lIns="108000" tIns="72000" rIns="108000" bIns="72000" anchor="ctr">
             <a:spAutoFit/>
           </a:bodyPr>
           <a:lstStyle>
@@ -33751,10 +33003,10 @@
       </p:sp>
       <p:sp>
         <p:nvSpPr>
-          <p:cNvPr id="45" name="ZoneTexte 44">
+          <p:cNvPr id="10" name="ZoneTexte 9">
             <a:extLst>
               <a:ext uri="{FF2B5EF4-FFF2-40B4-BE49-F238E27FC236}">
-                <a16:creationId xmlns:a16="http://schemas.microsoft.com/office/drawing/2014/main" id="{8F688049-5D4B-34DB-0040-665D53C730DF}"/>
+                <a16:creationId xmlns:a16="http://schemas.microsoft.com/office/drawing/2014/main" id="{09678265-1F84-0E83-4BE0-8DD0E05B64B7}"/>
               </a:ext>
             </a:extLst>
           </p:cNvPr>
@@ -33763,7 +33015,7 @@
         </p:nvSpPr>
         <p:spPr>
           <a:xfrm>
-            <a:off x="534662" y="4113126"/>
+            <a:off x="790749" y="4435136"/>
             <a:ext cx="6353527" cy="246221"/>
           </a:xfrm>
           <a:prstGeom prst="rect">
@@ -33813,364 +33065,10 @@
           </a:p>
         </p:txBody>
       </p:sp>
-      <p:sp>
-        <p:nvSpPr>
-          <p:cNvPr id="46" name="Espace réservé du texte 11">
-            <a:extLst>
-              <a:ext uri="{FF2B5EF4-FFF2-40B4-BE49-F238E27FC236}">
-                <a16:creationId xmlns:a16="http://schemas.microsoft.com/office/drawing/2014/main" id="{6089C719-1D06-352A-27C2-198A47553086}"/>
-              </a:ext>
-            </a:extLst>
-          </p:cNvPr>
-          <p:cNvSpPr txBox="1">
-            <a:spLocks/>
-          </p:cNvSpPr>
-          <p:nvPr/>
-        </p:nvSpPr>
-        <p:spPr>
-          <a:xfrm>
-            <a:off x="534662" y="670080"/>
-            <a:ext cx="3852000" cy="230950"/>
-          </a:xfrm>
-          <a:prstGeom prst="rect">
-            <a:avLst/>
-          </a:prstGeom>
-        </p:spPr>
-        <p:txBody>
-          <a:bodyPr lIns="0" tIns="0" rIns="0" bIns="0" anchor="ctr">
-            <a:noAutofit/>
-          </a:bodyPr>
-          <a:lstStyle>
-            <a:lvl1pPr marL="0" indent="0" algn="l" defTabSz="755934" rtl="0" eaLnBrk="1" latinLnBrk="0" hangingPunct="1">
-              <a:lnSpc>
-                <a:spcPct val="90000"/>
-              </a:lnSpc>
-              <a:spcBef>
-                <a:spcPts val="2400"/>
-              </a:spcBef>
-              <a:buFont typeface="Arial" panose="020B0604020202020204" pitchFamily="34" charset="0"/>
-              <a:buNone/>
-              <a:defRPr sz="1600" b="0" kern="1200" cap="all" baseline="0">
-                <a:solidFill>
-                  <a:schemeClr val="tx1"/>
-                </a:solidFill>
-                <a:latin typeface="Gotham Bold" pitchFamily="50" charset="0"/>
-                <a:ea typeface="+mn-ea"/>
-                <a:cs typeface="Gotham Bold" pitchFamily="50" charset="0"/>
-              </a:defRPr>
-            </a:lvl1pPr>
-            <a:lvl2pPr marL="179388" indent="0" algn="l" defTabSz="755934" rtl="0" eaLnBrk="1" latinLnBrk="0" hangingPunct="1">
-              <a:lnSpc>
-                <a:spcPct val="100000"/>
-              </a:lnSpc>
-              <a:spcBef>
-                <a:spcPts val="900"/>
-              </a:spcBef>
-              <a:buFont typeface="Arial" panose="020B0604020202020204" pitchFamily="34" charset="0"/>
-              <a:buNone/>
-              <a:defRPr sz="1200" kern="1200" cap="all" baseline="0">
-                <a:solidFill>
-                  <a:schemeClr val="tx1"/>
-                </a:solidFill>
-                <a:latin typeface="Gotham Medium" pitchFamily="50" charset="0"/>
-                <a:ea typeface="+mn-ea"/>
-                <a:cs typeface="Gotham Medium" pitchFamily="50" charset="0"/>
-              </a:defRPr>
-            </a:lvl2pPr>
-            <a:lvl3pPr marL="179388" indent="0" algn="l" defTabSz="755934" rtl="0" eaLnBrk="1" latinLnBrk="0" hangingPunct="1">
-              <a:lnSpc>
-                <a:spcPct val="100000"/>
-              </a:lnSpc>
-              <a:spcBef>
-                <a:spcPts val="600"/>
-              </a:spcBef>
-              <a:buFont typeface="Arial" panose="020B0604020202020204" pitchFamily="34" charset="0"/>
-              <a:buNone/>
-              <a:defRPr sz="900" kern="1200">
-                <a:solidFill>
-                  <a:schemeClr val="tx2"/>
-                </a:solidFill>
-                <a:latin typeface="+mn-lt"/>
-                <a:ea typeface="+mn-ea"/>
-                <a:cs typeface="+mn-cs"/>
-              </a:defRPr>
-            </a:lvl3pPr>
-            <a:lvl4pPr marL="0" indent="0" algn="ctr" defTabSz="755934" rtl="0" eaLnBrk="1" latinLnBrk="0" hangingPunct="1">
-              <a:lnSpc>
-                <a:spcPct val="100000"/>
-              </a:lnSpc>
-              <a:spcBef>
-                <a:spcPts val="1000"/>
-              </a:spcBef>
-              <a:spcAft>
-                <a:spcPts val="1000"/>
-              </a:spcAft>
-              <a:buFont typeface="Arial" panose="020B0604020202020204" pitchFamily="34" charset="0"/>
-              <a:buNone/>
-              <a:defRPr sz="900" u="none" kern="1200">
-                <a:solidFill>
-                  <a:schemeClr val="tx2"/>
-                </a:solidFill>
-                <a:latin typeface="Ciutadella Light" panose="02000000000000000000" pitchFamily="50" charset="0"/>
-                <a:ea typeface="+mn-ea"/>
-                <a:cs typeface="+mn-cs"/>
-              </a:defRPr>
-            </a:lvl4pPr>
-            <a:lvl5pPr marL="179388" indent="0" algn="l" defTabSz="755934" rtl="0" eaLnBrk="1" latinLnBrk="0" hangingPunct="1">
-              <a:lnSpc>
-                <a:spcPct val="100000"/>
-              </a:lnSpc>
-              <a:spcBef>
-                <a:spcPts val="600"/>
-              </a:spcBef>
-              <a:buFont typeface="Arial" panose="020B0604020202020204" pitchFamily="34" charset="0"/>
-              <a:buNone/>
-              <a:defRPr sz="900" kern="1200">
-                <a:solidFill>
-                  <a:schemeClr val="tx2"/>
-                </a:solidFill>
-                <a:latin typeface="Ciutadella Medium" panose="01000000000000000000" pitchFamily="50" charset="0"/>
-                <a:ea typeface="+mn-ea"/>
-                <a:cs typeface="+mn-cs"/>
-              </a:defRPr>
-            </a:lvl5pPr>
-            <a:lvl6pPr marL="2078820" indent="-188984" algn="l" defTabSz="755934" rtl="0" eaLnBrk="1" latinLnBrk="0" hangingPunct="1">
-              <a:lnSpc>
-                <a:spcPct val="90000"/>
-              </a:lnSpc>
-              <a:spcBef>
-                <a:spcPts val="413"/>
-              </a:spcBef>
-              <a:buFont typeface="Arial" panose="020B0604020202020204" pitchFamily="34" charset="0"/>
-              <a:buChar char="•"/>
-              <a:defRPr sz="1488" kern="1200">
-                <a:solidFill>
-                  <a:schemeClr val="tx1"/>
-                </a:solidFill>
-                <a:latin typeface="+mn-lt"/>
-                <a:ea typeface="+mn-ea"/>
-                <a:cs typeface="+mn-cs"/>
-              </a:defRPr>
-            </a:lvl6pPr>
-            <a:lvl7pPr marL="2456787" indent="-188984" algn="l" defTabSz="755934" rtl="0" eaLnBrk="1" latinLnBrk="0" hangingPunct="1">
-              <a:lnSpc>
-                <a:spcPct val="90000"/>
-              </a:lnSpc>
-              <a:spcBef>
-                <a:spcPts val="413"/>
-              </a:spcBef>
-              <a:buFont typeface="Arial" panose="020B0604020202020204" pitchFamily="34" charset="0"/>
-              <a:buChar char="•"/>
-              <a:defRPr sz="1488" kern="1200">
-                <a:solidFill>
-                  <a:schemeClr val="tx1"/>
-                </a:solidFill>
-                <a:latin typeface="+mn-lt"/>
-                <a:ea typeface="+mn-ea"/>
-                <a:cs typeface="+mn-cs"/>
-              </a:defRPr>
-            </a:lvl7pPr>
-            <a:lvl8pPr marL="2834754" indent="-188984" algn="l" defTabSz="755934" rtl="0" eaLnBrk="1" latinLnBrk="0" hangingPunct="1">
-              <a:lnSpc>
-                <a:spcPct val="90000"/>
-              </a:lnSpc>
-              <a:spcBef>
-                <a:spcPts val="413"/>
-              </a:spcBef>
-              <a:buFont typeface="Arial" panose="020B0604020202020204" pitchFamily="34" charset="0"/>
-              <a:buChar char="•"/>
-              <a:defRPr sz="1488" kern="1200">
-                <a:solidFill>
-                  <a:schemeClr val="tx1"/>
-                </a:solidFill>
-                <a:latin typeface="+mn-lt"/>
-                <a:ea typeface="+mn-ea"/>
-                <a:cs typeface="+mn-cs"/>
-              </a:defRPr>
-            </a:lvl8pPr>
-            <a:lvl9pPr marL="3212722" indent="-188984" algn="l" defTabSz="755934" rtl="0" eaLnBrk="1" latinLnBrk="0" hangingPunct="1">
-              <a:lnSpc>
-                <a:spcPct val="90000"/>
-              </a:lnSpc>
-              <a:spcBef>
-                <a:spcPts val="413"/>
-              </a:spcBef>
-              <a:buFont typeface="Arial" panose="020B0604020202020204" pitchFamily="34" charset="0"/>
-              <a:buChar char="•"/>
-              <a:defRPr sz="1488" kern="1200">
-                <a:solidFill>
-                  <a:schemeClr val="tx1"/>
-                </a:solidFill>
-                <a:latin typeface="+mn-lt"/>
-                <a:ea typeface="+mn-ea"/>
-                <a:cs typeface="+mn-cs"/>
-              </a:defRPr>
-            </a:lvl9pPr>
-          </a:lstStyle>
-          <a:p>
-            <a:r>
-              <a:rPr lang="fr-FR" sz="1200" dirty="0">
-                <a:solidFill>
-                  <a:srgbClr val="000000"/>
-                </a:solidFill>
-                <a:latin typeface="Futura PT" panose="020B0902020204020203" pitchFamily="34" charset="0"/>
-              </a:rPr>
-              <a:t>MÉCANISME DE REMBOURSEMENT</a:t>
-            </a:r>
-          </a:p>
-        </p:txBody>
-      </p:sp>
-      <p:sp>
-        <p:nvSpPr>
-          <p:cNvPr id="47" name="Rectangle">
-            <a:extLst>
-              <a:ext uri="{FF2B5EF4-FFF2-40B4-BE49-F238E27FC236}">
-                <a16:creationId xmlns:a16="http://schemas.microsoft.com/office/drawing/2014/main" id="{38522346-7C08-8B57-6FB3-B1BBB41A44E8}"/>
-              </a:ext>
-            </a:extLst>
-          </p:cNvPr>
-          <p:cNvSpPr/>
-          <p:nvPr/>
-        </p:nvSpPr>
-        <p:spPr>
-          <a:xfrm>
-            <a:off x="438150" y="703340"/>
-            <a:ext cx="45719" cy="138398"/>
-          </a:xfrm>
-          <a:prstGeom prst="rect">
-            <a:avLst/>
-          </a:prstGeom>
-          <a:solidFill>
-            <a:srgbClr val="B9A049"/>
-          </a:solidFill>
-          <a:ln w="3175">
-            <a:miter lim="400000"/>
-          </a:ln>
-        </p:spPr>
-        <p:txBody>
-          <a:bodyPr lIns="20981" tIns="20981" rIns="20981" bIns="20981"/>
-          <a:lstStyle/>
-          <a:p>
-            <a:pPr algn="ctr" defTabSz="825500">
-              <a:lnSpc>
-                <a:spcPct val="100000"/>
-              </a:lnSpc>
-              <a:defRPr sz="3200" b="0">
-                <a:solidFill>
-                  <a:srgbClr val="FFFFFF"/>
-                </a:solidFill>
-                <a:latin typeface="Helvetica Neue Medium"/>
-                <a:ea typeface="Helvetica Neue Medium"/>
-                <a:cs typeface="Helvetica Neue Medium"/>
-                <a:sym typeface="Helvetica Neue Medium"/>
-              </a:defRPr>
-            </a:pPr>
-            <a:endParaRPr/>
-          </a:p>
-        </p:txBody>
-      </p:sp>
-      <p:sp>
-        <p:nvSpPr>
-          <p:cNvPr id="13" name="Rectangle">
-            <a:extLst>
-              <a:ext uri="{FF2B5EF4-FFF2-40B4-BE49-F238E27FC236}">
-                <a16:creationId xmlns:a16="http://schemas.microsoft.com/office/drawing/2014/main" id="{CED5A5EE-B965-8FB1-0FFF-4487BC87BC89}"/>
-              </a:ext>
-            </a:extLst>
-          </p:cNvPr>
-          <p:cNvSpPr/>
-          <p:nvPr/>
-        </p:nvSpPr>
-        <p:spPr>
-          <a:xfrm>
-            <a:off x="359837" y="570116"/>
-            <a:ext cx="6840000" cy="6846"/>
-          </a:xfrm>
-          <a:prstGeom prst="rect">
-            <a:avLst/>
-          </a:prstGeom>
-          <a:solidFill>
-            <a:srgbClr val="C5AF5C"/>
-          </a:solidFill>
-          <a:ln w="3175">
-            <a:miter lim="400000"/>
-          </a:ln>
-        </p:spPr>
-        <p:txBody>
-          <a:bodyPr lIns="20981" tIns="20981" rIns="20981" bIns="20981" anchor="ctr"/>
-          <a:lstStyle/>
-          <a:p>
-            <a:pPr algn="ctr" defTabSz="825500">
-              <a:lnSpc>
-                <a:spcPct val="100000"/>
-              </a:lnSpc>
-              <a:defRPr sz="3200" b="0">
-                <a:solidFill>
-                  <a:srgbClr val="FFFFFF"/>
-                </a:solidFill>
-                <a:latin typeface="Helvetica Neue Medium"/>
-                <a:ea typeface="Helvetica Neue Medium"/>
-                <a:cs typeface="Helvetica Neue Medium"/>
-                <a:sym typeface="Helvetica Neue Medium"/>
-              </a:defRPr>
-            </a:pPr>
-            <a:endParaRPr/>
-          </a:p>
-        </p:txBody>
-      </p:sp>
-      <p:sp>
-        <p:nvSpPr>
-          <p:cNvPr id="14" name="Rectangle">
-            <a:extLst>
-              <a:ext uri="{FF2B5EF4-FFF2-40B4-BE49-F238E27FC236}">
-                <a16:creationId xmlns:a16="http://schemas.microsoft.com/office/drawing/2014/main" id="{D50256C1-57F8-6913-C5A8-E94FA2FCA993}"/>
-              </a:ext>
-            </a:extLst>
-          </p:cNvPr>
-          <p:cNvSpPr/>
-          <p:nvPr/>
-        </p:nvSpPr>
-        <p:spPr>
-          <a:xfrm>
-            <a:off x="359836" y="9668611"/>
-            <a:ext cx="6840000" cy="6846"/>
-          </a:xfrm>
-          <a:prstGeom prst="rect">
-            <a:avLst/>
-          </a:prstGeom>
-          <a:solidFill>
-            <a:srgbClr val="C5AF5C"/>
-          </a:solidFill>
-          <a:ln w="3175">
-            <a:miter lim="400000"/>
-          </a:ln>
-        </p:spPr>
-        <p:txBody>
-          <a:bodyPr lIns="20981" tIns="20981" rIns="20981" bIns="20981" anchor="ctr"/>
-          <a:lstStyle/>
-          <a:p>
-            <a:pPr algn="ctr" defTabSz="825500">
-              <a:lnSpc>
-                <a:spcPct val="100000"/>
-              </a:lnSpc>
-              <a:defRPr sz="3200" b="0">
-                <a:solidFill>
-                  <a:srgbClr val="FFFFFF"/>
-                </a:solidFill>
-                <a:latin typeface="Helvetica Neue Medium"/>
-                <a:ea typeface="Helvetica Neue Medium"/>
-                <a:cs typeface="Helvetica Neue Medium"/>
-                <a:sym typeface="Helvetica Neue Medium"/>
-              </a:defRPr>
-            </a:pPr>
-            <a:endParaRPr/>
-          </a:p>
-        </p:txBody>
-      </p:sp>
     </p:spTree>
     <p:extLst>
       <p:ext uri="{BB962C8B-B14F-4D97-AF65-F5344CB8AC3E}">
-        <p14:creationId xmlns:p14="http://schemas.microsoft.com/office/powerpoint/2010/main" val="2926139847"/>
+        <p14:creationId xmlns:p14="http://schemas.microsoft.com/office/powerpoint/2010/main" val="3121533281"/>
       </p:ext>
     </p:extLst>
   </p:cSld>
@@ -34668,8 +33566,8 @@
         </p:nvSpPr>
         <p:spPr bwMode="auto">
           <a:xfrm>
-            <a:off x="456347" y="1024054"/>
-            <a:ext cx="6741374" cy="230832"/>
+            <a:off x="458462" y="953313"/>
+            <a:ext cx="6741374" cy="246221"/>
           </a:xfrm>
           <a:prstGeom prst="rect">
             <a:avLst/>
@@ -34690,13 +33588,190 @@
           <a:p>
             <a:pPr algn="just"/>
             <a:r>
-              <a:rPr lang="fr-FR" sz="750" b="1" i="1" dirty="0">
-                <a:solidFill>
-                  <a:schemeClr val="tx2"/>
-                </a:solidFill>
-                <a:latin typeface="Proxima Nova Rg" panose="02000506030000020004"/>
-              </a:rPr>
-              <a:t>Les données chiffrées utilisées dans ces exemples n’ont qu’une valeur indicative et informative, l’objectif étant de décrire le mécanisme des titres de créance. Elles ne préjugent en rien des résultats futurs et ne sauraient constituer en aucune manière une offre commerciale.</a:t>
+              <a:rPr lang="fr-FR" sz="800" b="1" dirty="0">
+                <a:latin typeface="Proxima Nova Rg" panose="02000506030000020004" pitchFamily="2" charset="0"/>
+              </a:rPr>
+              <a:t>Les données chiffrées utilisées dans ces exemples n’ont qu’une valeur indicative et informative, l’objectif étant de décrire le mécanisme du produit. Ces illustrations ont été réalisées de bonne foi à titre d'information uniquement. Elles ne préjugent en rien de l'évolution future &lt;SJR7&gt; et du produit.</a:t>
+            </a:r>
+          </a:p>
+        </p:txBody>
+      </p:sp>
+      <p:sp>
+        <p:nvSpPr>
+          <p:cNvPr id="8" name="ZoneTexte 7">
+            <a:extLst>
+              <a:ext uri="{FF2B5EF4-FFF2-40B4-BE49-F238E27FC236}">
+                <a16:creationId xmlns:a16="http://schemas.microsoft.com/office/drawing/2014/main" id="{FFCF2BB5-A92A-4145-BAC5-803B42C466A2}"/>
+              </a:ext>
+            </a:extLst>
+          </p:cNvPr>
+          <p:cNvSpPr txBox="1"/>
+          <p:nvPr/>
+        </p:nvSpPr>
+        <p:spPr>
+          <a:xfrm>
+            <a:off x="458460" y="1377910"/>
+            <a:ext cx="6741375" cy="123111"/>
+          </a:xfrm>
+          <a:prstGeom prst="rect">
+            <a:avLst/>
+          </a:prstGeom>
+          <a:noFill/>
+        </p:spPr>
+        <p:txBody>
+          <a:bodyPr wrap="square" lIns="0" tIns="0" rIns="0" bIns="0" rtlCol="0">
+            <a:spAutoFit/>
+          </a:bodyPr>
+          <a:lstStyle/>
+          <a:p>
+            <a:pPr algn="just"/>
+            <a:r>
+              <a:rPr lang="fr-FR" sz="800" b="1" dirty="0">
+                <a:solidFill>
+                  <a:srgbClr val="B9A049"/>
+                </a:solidFill>
+              </a:rPr>
+              <a:t>SCÉNARIO DÉFAVORABLE </a:t>
+            </a:r>
+            <a:r>
+              <a:rPr lang="fr-FR" sz="800" dirty="0">
+                <a:solidFill>
+                  <a:srgbClr val="B9A049"/>
+                </a:solidFill>
+              </a:rPr>
+              <a:t>: À la date de constatation finale</a:t>
+            </a:r>
+            <a:r>
+              <a:rPr lang="fr-FR" sz="800" baseline="30000" dirty="0">
+                <a:solidFill>
+                  <a:srgbClr val="B9A049"/>
+                </a:solidFill>
+              </a:rPr>
+              <a:t>(1)</a:t>
+            </a:r>
+            <a:r>
+              <a:rPr lang="fr-FR" sz="800" dirty="0">
+                <a:solidFill>
+                  <a:srgbClr val="B9A049"/>
+                </a:solidFill>
+              </a:rPr>
+              <a:t>, &lt;SJR1&gt; clôture à un &lt;SJR3&gt; strictement inférieur à &lt;PDI&gt; de son &lt;NDR&gt;</a:t>
+            </a:r>
+          </a:p>
+        </p:txBody>
+      </p:sp>
+      <p:sp>
+        <p:nvSpPr>
+          <p:cNvPr id="9" name="ZoneTexte 8">
+            <a:extLst>
+              <a:ext uri="{FF2B5EF4-FFF2-40B4-BE49-F238E27FC236}">
+                <a16:creationId xmlns:a16="http://schemas.microsoft.com/office/drawing/2014/main" id="{EC8EA57A-F6C8-4630-A4E0-A7B9CB234556}"/>
+              </a:ext>
+            </a:extLst>
+          </p:cNvPr>
+          <p:cNvSpPr txBox="1"/>
+          <p:nvPr/>
+        </p:nvSpPr>
+        <p:spPr>
+          <a:xfrm>
+            <a:off x="458459" y="4163001"/>
+            <a:ext cx="6741373" cy="110800"/>
+          </a:xfrm>
+          <a:prstGeom prst="rect">
+            <a:avLst/>
+          </a:prstGeom>
+          <a:noFill/>
+        </p:spPr>
+        <p:txBody>
+          <a:bodyPr wrap="square" lIns="0" tIns="0" rIns="0" bIns="0" rtlCol="0">
+            <a:spAutoFit/>
+          </a:bodyPr>
+          <a:lstStyle>
+            <a:defPPr>
+              <a:defRPr lang="en-US"/>
+            </a:defPPr>
+            <a:lvl1pPr algn="just">
+              <a:lnSpc>
+                <a:spcPct val="90000"/>
+              </a:lnSpc>
+              <a:defRPr sz="900" b="1">
+                <a:solidFill>
+                  <a:srgbClr val="B9A049"/>
+                </a:solidFill>
+                <a:latin typeface="Futura PT" panose="020B0902020204020203" pitchFamily="34" charset="0"/>
+              </a:defRPr>
+            </a:lvl1pPr>
+          </a:lstStyle>
+          <a:p>
+            <a:r>
+              <a:rPr lang="fr-FR" sz="800" dirty="0">
+                <a:latin typeface="+mn-lt"/>
+              </a:rPr>
+              <a:t>SCÉNARIO MÉDIAN : </a:t>
+            </a:r>
+            <a:r>
+              <a:rPr lang="fr-FR" sz="800" b="0" dirty="0">
+                <a:latin typeface="+mn-lt"/>
+              </a:rPr>
+              <a:t>&lt;baliseCM3&gt;</a:t>
+            </a:r>
+          </a:p>
+        </p:txBody>
+      </p:sp>
+      <p:sp>
+        <p:nvSpPr>
+          <p:cNvPr id="10" name="ZoneTexte 9">
+            <a:extLst>
+              <a:ext uri="{FF2B5EF4-FFF2-40B4-BE49-F238E27FC236}">
+                <a16:creationId xmlns:a16="http://schemas.microsoft.com/office/drawing/2014/main" id="{C8AE3A6A-C537-450E-A547-0EC6DD9F7A53}"/>
+              </a:ext>
+            </a:extLst>
+          </p:cNvPr>
+          <p:cNvSpPr txBox="1"/>
+          <p:nvPr/>
+        </p:nvSpPr>
+        <p:spPr>
+          <a:xfrm>
+            <a:off x="458459" y="6787332"/>
+            <a:ext cx="6741373" cy="221599"/>
+          </a:xfrm>
+          <a:prstGeom prst="rect">
+            <a:avLst/>
+          </a:prstGeom>
+          <a:noFill/>
+        </p:spPr>
+        <p:txBody>
+          <a:bodyPr wrap="square" lIns="0" tIns="0" rIns="0" bIns="0" rtlCol="0">
+            <a:spAutoFit/>
+          </a:bodyPr>
+          <a:lstStyle>
+            <a:defPPr>
+              <a:defRPr lang="en-US"/>
+            </a:defPPr>
+            <a:lvl1pPr algn="just">
+              <a:lnSpc>
+                <a:spcPct val="90000"/>
+              </a:lnSpc>
+              <a:defRPr sz="900" b="1">
+                <a:solidFill>
+                  <a:srgbClr val="B9A049"/>
+                </a:solidFill>
+                <a:latin typeface="Futura PT" panose="020B0902020204020203" pitchFamily="34" charset="0"/>
+              </a:defRPr>
+            </a:lvl1pPr>
+          </a:lstStyle>
+          <a:p>
+            <a:r>
+              <a:rPr lang="fr-FR" sz="800" dirty="0">
+                <a:latin typeface="+mn-lt"/>
+              </a:rPr>
+              <a:t>SCÉNARIO FAVORABLE : </a:t>
+            </a:r>
+            <a:r>
+              <a:rPr lang="fr-FR" sz="800" b="0" dirty="0">
+                <a:latin typeface="+mn-lt"/>
+              </a:rPr>
+              <a:t>Dès la première date de constatation du mécanisme de remboursement anticipé automatique, &lt;SJR1&gt; clôture à un &lt;SJR3&gt; supérieur ou égal à &lt;ABAC&gt;</a:t>
             </a:r>
           </a:p>
         </p:txBody>
@@ -35590,308 +34665,6 @@
               <a:t>&lt;graph4&gt;</a:t>
             </a:r>
             <a:endParaRPr lang="en-US" dirty="0"/>
-          </a:p>
-        </p:txBody>
-      </p:sp>
-      <p:sp>
-        <p:nvSpPr>
-          <p:cNvPr id="10" name="ZoneTexte 9">
-            <a:extLst>
-              <a:ext uri="{FF2B5EF4-FFF2-40B4-BE49-F238E27FC236}">
-                <a16:creationId xmlns:a16="http://schemas.microsoft.com/office/drawing/2014/main" id="{C8AE3A6A-C537-450E-A547-0EC6DD9F7A53}"/>
-              </a:ext>
-            </a:extLst>
-          </p:cNvPr>
-          <p:cNvSpPr txBox="1"/>
-          <p:nvPr/>
-        </p:nvSpPr>
-        <p:spPr>
-          <a:xfrm>
-            <a:off x="456348" y="6683464"/>
-            <a:ext cx="6741373" cy="235449"/>
-          </a:xfrm>
-          <a:prstGeom prst="rect">
-            <a:avLst/>
-          </a:prstGeom>
-          <a:noFill/>
-        </p:spPr>
-        <p:txBody>
-          <a:bodyPr wrap="square" lIns="0" tIns="0" rIns="0" bIns="0" rtlCol="0">
-            <a:spAutoFit/>
-          </a:bodyPr>
-          <a:lstStyle>
-            <a:defPPr>
-              <a:defRPr lang="en-US"/>
-            </a:defPPr>
-            <a:lvl1pPr algn="just">
-              <a:lnSpc>
-                <a:spcPct val="90000"/>
-              </a:lnSpc>
-              <a:defRPr sz="900" b="1">
-                <a:solidFill>
-                  <a:srgbClr val="B9A049"/>
-                </a:solidFill>
-                <a:latin typeface="Futura PT" panose="020B0902020204020203" pitchFamily="34" charset="0"/>
-              </a:defRPr>
-            </a:lvl1pPr>
-          </a:lstStyle>
-          <a:p>
-            <a:r>
-              <a:rPr lang="fr-FR" b="0" u="sng" dirty="0">
-                <a:latin typeface="Proxima Nova Rg" panose="02000506030000020004" pitchFamily="2" charset="0"/>
-              </a:rPr>
-              <a:t>SCÉNARIO FAVORABLE</a:t>
-            </a:r>
-            <a:r>
-              <a:rPr lang="fr-FR" b="0" dirty="0">
-                <a:latin typeface="Proxima Nova Rg" panose="02000506030000020004" pitchFamily="2" charset="0"/>
-              </a:rPr>
-              <a:t> : </a:t>
-            </a:r>
-            <a:r>
-              <a:rPr lang="fr-FR" sz="800" b="0" dirty="0">
-                <a:latin typeface="+mn-lt"/>
-              </a:rPr>
-              <a:t>Dès la première date de constatation du mécanisme de remboursement anticipé automatique, &lt;SJR1&gt; clôture à un &lt;SJR3&gt; supérieur ou égal à &lt;ABAC&gt;</a:t>
-            </a:r>
-          </a:p>
-        </p:txBody>
-      </p:sp>
-      <p:sp>
-        <p:nvSpPr>
-          <p:cNvPr id="9" name="ZoneTexte 8">
-            <a:extLst>
-              <a:ext uri="{FF2B5EF4-FFF2-40B4-BE49-F238E27FC236}">
-                <a16:creationId xmlns:a16="http://schemas.microsoft.com/office/drawing/2014/main" id="{EC8EA57A-F6C8-4630-A4E0-A7B9CB234556}"/>
-              </a:ext>
-            </a:extLst>
-          </p:cNvPr>
-          <p:cNvSpPr txBox="1"/>
-          <p:nvPr/>
-        </p:nvSpPr>
-        <p:spPr>
-          <a:xfrm>
-            <a:off x="458459" y="4163001"/>
-            <a:ext cx="6741373" cy="124650"/>
-          </a:xfrm>
-          <a:prstGeom prst="rect">
-            <a:avLst/>
-          </a:prstGeom>
-          <a:noFill/>
-        </p:spPr>
-        <p:txBody>
-          <a:bodyPr wrap="square" lIns="0" tIns="0" rIns="0" bIns="0" rtlCol="0">
-            <a:spAutoFit/>
-          </a:bodyPr>
-          <a:lstStyle>
-            <a:defPPr>
-              <a:defRPr lang="en-US"/>
-            </a:defPPr>
-            <a:lvl1pPr algn="just">
-              <a:lnSpc>
-                <a:spcPct val="90000"/>
-              </a:lnSpc>
-              <a:defRPr sz="900" b="1">
-                <a:solidFill>
-                  <a:srgbClr val="B9A049"/>
-                </a:solidFill>
-                <a:latin typeface="Futura PT" panose="020B0902020204020203" pitchFamily="34" charset="0"/>
-              </a:defRPr>
-            </a:lvl1pPr>
-          </a:lstStyle>
-          <a:p>
-            <a:r>
-              <a:rPr lang="fr-FR" b="0" u="sng" dirty="0">
-                <a:latin typeface="Proxima Nova Rg" panose="02000506030000020004" pitchFamily="2" charset="0"/>
-              </a:rPr>
-              <a:t>SCÉNARIO MÉDIAN</a:t>
-            </a:r>
-            <a:r>
-              <a:rPr lang="fr-FR" b="0" dirty="0">
-                <a:latin typeface="Proxima Nova Rg" panose="02000506030000020004" pitchFamily="2" charset="0"/>
-              </a:rPr>
-              <a:t> : </a:t>
-            </a:r>
-            <a:r>
-              <a:rPr lang="fr-FR" sz="800" b="0" dirty="0">
-                <a:latin typeface="+mn-lt"/>
-              </a:rPr>
-              <a:t>&lt;baliseCM3&gt;</a:t>
-            </a:r>
-          </a:p>
-        </p:txBody>
-      </p:sp>
-      <p:sp>
-        <p:nvSpPr>
-          <p:cNvPr id="8" name="ZoneTexte 7">
-            <a:extLst>
-              <a:ext uri="{FF2B5EF4-FFF2-40B4-BE49-F238E27FC236}">
-                <a16:creationId xmlns:a16="http://schemas.microsoft.com/office/drawing/2014/main" id="{FFCF2BB5-A92A-4145-BAC5-803B42C466A2}"/>
-              </a:ext>
-            </a:extLst>
-          </p:cNvPr>
-          <p:cNvSpPr txBox="1"/>
-          <p:nvPr/>
-        </p:nvSpPr>
-        <p:spPr>
-          <a:xfrm>
-            <a:off x="456347" y="1351612"/>
-            <a:ext cx="6741375" cy="138499"/>
-          </a:xfrm>
-          <a:prstGeom prst="rect">
-            <a:avLst/>
-          </a:prstGeom>
-          <a:noFill/>
-        </p:spPr>
-        <p:txBody>
-          <a:bodyPr wrap="square" lIns="0" tIns="0" rIns="0" bIns="0" rtlCol="0">
-            <a:spAutoFit/>
-          </a:bodyPr>
-          <a:lstStyle/>
-          <a:p>
-            <a:pPr algn="just"/>
-            <a:r>
-              <a:rPr lang="fr-FR" sz="900" u="sng" dirty="0">
-                <a:solidFill>
-                  <a:srgbClr val="B9A049"/>
-                </a:solidFill>
-                <a:latin typeface="Proxima Nova Rg" panose="02000506030000020004" pitchFamily="2" charset="0"/>
-              </a:rPr>
-              <a:t>SCÉNARIO DÉFAVORABLE</a:t>
-            </a:r>
-            <a:r>
-              <a:rPr lang="fr-FR" sz="900" dirty="0">
-                <a:solidFill>
-                  <a:srgbClr val="B9A049"/>
-                </a:solidFill>
-                <a:latin typeface="Proxima Nova Rg" panose="02000506030000020004" pitchFamily="2" charset="0"/>
-              </a:rPr>
-              <a:t> : À la date de constatation finale</a:t>
-            </a:r>
-            <a:r>
-              <a:rPr lang="fr-FR" sz="900" baseline="30000" dirty="0">
-                <a:solidFill>
-                  <a:srgbClr val="B9A049"/>
-                </a:solidFill>
-                <a:latin typeface="Proxima Nova Rg" panose="02000506030000020004" pitchFamily="2" charset="0"/>
-              </a:rPr>
-              <a:t>(1)</a:t>
-            </a:r>
-            <a:r>
-              <a:rPr lang="fr-FR" sz="900" dirty="0">
-                <a:solidFill>
-                  <a:srgbClr val="B9A049"/>
-                </a:solidFill>
-                <a:latin typeface="Proxima Nova Rg" panose="02000506030000020004" pitchFamily="2" charset="0"/>
-              </a:rPr>
-              <a:t>, &lt;SJR1&gt; clôture à un &lt;SJR3&gt; strictement inférieur à &lt;PDI&gt; de son &lt;NDR</a:t>
-            </a:r>
-            <a:r>
-              <a:rPr lang="fr-FR" sz="800" dirty="0">
-                <a:solidFill>
-                  <a:srgbClr val="B9A049"/>
-                </a:solidFill>
-              </a:rPr>
-              <a:t>&gt;</a:t>
-            </a:r>
-          </a:p>
-        </p:txBody>
-      </p:sp>
-      <p:sp>
-        <p:nvSpPr>
-          <p:cNvPr id="17" name="Rectangle">
-            <a:extLst>
-              <a:ext uri="{FF2B5EF4-FFF2-40B4-BE49-F238E27FC236}">
-                <a16:creationId xmlns:a16="http://schemas.microsoft.com/office/drawing/2014/main" id="{01041F6E-DED6-9330-7A99-694DB60E5175}"/>
-              </a:ext>
-            </a:extLst>
-          </p:cNvPr>
-          <p:cNvSpPr/>
-          <p:nvPr/>
-        </p:nvSpPr>
-        <p:spPr>
-          <a:xfrm>
-            <a:off x="359837" y="570116"/>
-            <a:ext cx="6840000" cy="6846"/>
-          </a:xfrm>
-          <a:prstGeom prst="rect">
-            <a:avLst/>
-          </a:prstGeom>
-          <a:solidFill>
-            <a:srgbClr val="C5AF5C"/>
-          </a:solidFill>
-          <a:ln w="3175">
-            <a:miter lim="400000"/>
-          </a:ln>
-        </p:spPr>
-        <p:txBody>
-          <a:bodyPr lIns="20981" tIns="20981" rIns="20981" bIns="20981" anchor="ctr"/>
-          <a:lstStyle/>
-          <a:p>
-            <a:pPr algn="ctr" defTabSz="825500">
-              <a:lnSpc>
-                <a:spcPct val="100000"/>
-              </a:lnSpc>
-              <a:defRPr sz="3200" b="0">
-                <a:solidFill>
-                  <a:srgbClr val="FFFFFF"/>
-                </a:solidFill>
-                <a:latin typeface="Helvetica Neue Medium"/>
-                <a:ea typeface="Helvetica Neue Medium"/>
-                <a:cs typeface="Helvetica Neue Medium"/>
-                <a:sym typeface="Helvetica Neue Medium"/>
-              </a:defRPr>
-            </a:pPr>
-            <a:endParaRPr/>
-          </a:p>
-        </p:txBody>
-      </p:sp>
-      <p:sp>
-        <p:nvSpPr>
-          <p:cNvPr id="19" name="Rectangle">
-            <a:extLst>
-              <a:ext uri="{FF2B5EF4-FFF2-40B4-BE49-F238E27FC236}">
-                <a16:creationId xmlns:a16="http://schemas.microsoft.com/office/drawing/2014/main" id="{C6DCB57B-0EC4-7855-7C59-F4A0AE91986F}"/>
-              </a:ext>
-            </a:extLst>
-          </p:cNvPr>
-          <p:cNvSpPr/>
-          <p:nvPr/>
-        </p:nvSpPr>
-        <p:spPr>
-          <a:xfrm>
-            <a:off x="359836" y="9725761"/>
-            <a:ext cx="6840000" cy="6846"/>
-          </a:xfrm>
-          <a:prstGeom prst="rect">
-            <a:avLst/>
-          </a:prstGeom>
-          <a:solidFill>
-            <a:srgbClr val="C5AF5C"/>
-          </a:solidFill>
-          <a:ln w="3175">
-            <a:miter lim="400000"/>
-          </a:ln>
-        </p:spPr>
-        <p:txBody>
-          <a:bodyPr lIns="20981" tIns="20981" rIns="20981" bIns="20981" anchor="ctr"/>
-          <a:lstStyle/>
-          <a:p>
-            <a:pPr algn="ctr" defTabSz="825500">
-              <a:lnSpc>
-                <a:spcPct val="100000"/>
-              </a:lnSpc>
-              <a:defRPr sz="3200" b="0">
-                <a:solidFill>
-                  <a:srgbClr val="FFFFFF"/>
-                </a:solidFill>
-                <a:latin typeface="Helvetica Neue Medium"/>
-                <a:ea typeface="Helvetica Neue Medium"/>
-                <a:cs typeface="Helvetica Neue Medium"/>
-                <a:sym typeface="Helvetica Neue Medium"/>
-              </a:defRPr>
-            </a:pPr>
-            <a:endParaRPr/>
           </a:p>
         </p:txBody>
       </p:sp>
@@ -36640,27 +35413,6 @@
 </file>
 
 <file path=customXml/item1.xml><?xml version="1.0" encoding="utf-8"?>
-<p:properties xmlns:p="http://schemas.microsoft.com/office/2006/metadata/properties" xmlns:xsi="http://www.w3.org/2001/XMLSchema-instance" xmlns:pc="http://schemas.microsoft.com/office/infopath/2007/PartnerControls">
-  <documentManagement>
-    <_Flow_SignoffStatus xmlns="ef624bc2-1644-4d69-8362-5c28ca496374" xsi:nil="true"/>
-    <TaxCatchAll xmlns="514a554b-82b0-4359-b247-fc84018a95f0" xsi:nil="true"/>
-    <lcf76f155ced4ddcb4097134ff3c332f xmlns="ef624bc2-1644-4d69-8362-5c28ca496374">
-      <Terms xmlns="http://schemas.microsoft.com/office/infopath/2007/PartnerControls"/>
-    </lcf76f155ced4ddcb4097134ff3c332f>
-  </documentManagement>
-</p:properties>
-</file>
-
-<file path=customXml/item2.xml><?xml version="1.0" encoding="utf-8"?>
-<?mso-contentType ?>
-<FormTemplates xmlns="http://schemas.microsoft.com/sharepoint/v3/contenttype/forms">
-  <Display>DocumentLibraryForm</Display>
-  <Edit>DocumentLibraryForm</Edit>
-  <New>DocumentLibraryForm</New>
-</FormTemplates>
-</file>
-
-<file path=customXml/item3.xml><?xml version="1.0" encoding="utf-8"?>
 <ct:contentTypeSchema xmlns:ct="http://schemas.microsoft.com/office/2006/metadata/contentType" xmlns:ma="http://schemas.microsoft.com/office/2006/metadata/properties/metaAttributes" ct:_="" ma:_="" ma:contentTypeName="Document" ma:contentTypeID="0x0101005DDE610BC516E448BB8152259F39635A" ma:contentTypeVersion="17" ma:contentTypeDescription="Crée un document." ma:contentTypeScope="" ma:versionID="bfb75e103009df80b8e5001438c41194">
   <xsd:schema xmlns:xsd="http://www.w3.org/2001/XMLSchema" xmlns:xs="http://www.w3.org/2001/XMLSchema" xmlns:p="http://schemas.microsoft.com/office/2006/metadata/properties" xmlns:ns2="ef624bc2-1644-4d69-8362-5c28ca496374" xmlns:ns3="514a554b-82b0-4359-b247-fc84018a95f0" targetNamespace="http://schemas.microsoft.com/office/2006/metadata/properties" ma:root="true" ma:fieldsID="2ae3df86d13efbb4a35042af2564d386" ns2:_="" ns3:_="">
     <xsd:import namespace="ef624bc2-1644-4d69-8362-5c28ca496374"/>
@@ -36909,34 +35661,29 @@
 </ct:contentTypeSchema>
 </file>
 
-<file path=customXml/itemProps1.xml><?xml version="1.0" encoding="utf-8"?>
-<ds:datastoreItem xmlns:ds="http://schemas.openxmlformats.org/officeDocument/2006/customXml" ds:itemID="{25DE574B-2CD2-4078-9BEA-2A14717D9698}">
-  <ds:schemaRefs>
-    <ds:schemaRef ds:uri="http://purl.org/dc/terms/"/>
-    <ds:schemaRef ds:uri="http://schemas.microsoft.com/office/infopath/2007/PartnerControls"/>
-    <ds:schemaRef ds:uri="http://schemas.microsoft.com/office/2006/metadata/properties"/>
-    <ds:schemaRef ds:uri="http://www.w3.org/XML/1998/namespace"/>
-    <ds:schemaRef ds:uri="http://schemas.microsoft.com/office/2006/documentManagement/types"/>
-    <ds:schemaRef ds:uri="http://purl.org/dc/elements/1.1/"/>
-    <ds:schemaRef ds:uri="6fcc2ccd-5c68-47b8-8f7d-3c9edbbfd1f2"/>
-    <ds:schemaRef ds:uri="http://schemas.openxmlformats.org/package/2006/metadata/core-properties"/>
-    <ds:schemaRef ds:uri="http://purl.org/dc/dcmitype/"/>
-    <ds:schemaRef ds:uri="ef624bc2-1644-4d69-8362-5c28ca496374"/>
-    <ds:schemaRef ds:uri="514a554b-82b0-4359-b247-fc84018a95f0"/>
-  </ds:schemaRefs>
-</ds:datastoreItem>
+<file path=customXml/item2.xml><?xml version="1.0" encoding="utf-8"?>
+<?mso-contentType ?>
+<FormTemplates xmlns="http://schemas.microsoft.com/sharepoint/v3/contenttype/forms">
+  <Display>DocumentLibraryForm</Display>
+  <Edit>DocumentLibraryForm</Edit>
+  <New>DocumentLibraryForm</New>
+</FormTemplates>
 </file>
 
-<file path=customXml/itemProps2.xml><?xml version="1.0" encoding="utf-8"?>
-<ds:datastoreItem xmlns:ds="http://schemas.openxmlformats.org/officeDocument/2006/customXml" ds:itemID="{B00FC41E-FBDE-42E2-B58A-20EBD240A376}">
-  <ds:schemaRefs>
-    <ds:schemaRef ds:uri="http://schemas.microsoft.com/sharepoint/v3/contenttype/forms"/>
-  </ds:schemaRefs>
-</ds:datastoreItem>
+<file path=customXml/item3.xml><?xml version="1.0" encoding="utf-8"?>
+<p:properties xmlns:p="http://schemas.microsoft.com/office/2006/metadata/properties" xmlns:xsi="http://www.w3.org/2001/XMLSchema-instance" xmlns:pc="http://schemas.microsoft.com/office/infopath/2007/PartnerControls">
+  <documentManagement>
+    <_Flow_SignoffStatus xmlns="ef624bc2-1644-4d69-8362-5c28ca496374" xsi:nil="true"/>
+    <TaxCatchAll xmlns="514a554b-82b0-4359-b247-fc84018a95f0" xsi:nil="true"/>
+    <lcf76f155ced4ddcb4097134ff3c332f xmlns="ef624bc2-1644-4d69-8362-5c28ca496374">
+      <Terms xmlns="http://schemas.microsoft.com/office/infopath/2007/PartnerControls"/>
+    </lcf76f155ced4ddcb4097134ff3c332f>
+  </documentManagement>
+</p:properties>
 </file>
 
-<file path=customXml/itemProps3.xml><?xml version="1.0" encoding="utf-8"?>
-<ds:datastoreItem xmlns:ds="http://schemas.openxmlformats.org/officeDocument/2006/customXml" ds:itemID="{115E78FA-E8F9-439D-BA67-131B3AD00AC0}">
+<file path=customXml/itemProps1.xml><?xml version="1.0" encoding="utf-8"?>
+<ds:datastoreItem xmlns:ds="http://schemas.openxmlformats.org/officeDocument/2006/customXml" ds:itemID="{3830A3F7-FDB6-49F5-B063-BA0EEEB33172}">
   <ds:schemaRefs>
     <ds:schemaRef ds:uri="http://schemas.microsoft.com/office/2006/metadata/contentType"/>
     <ds:schemaRef ds:uri="http://schemas.microsoft.com/office/2006/metadata/properties/metaAttributes"/>
@@ -36952,4 +35699,29 @@
     <ds:schemaRef ds:uri="http://schemas.microsoft.com/internal/obd"/>
   </ds:schemaRefs>
 </ds:datastoreItem>
+</file>
+
+<file path=customXml/itemProps2.xml><?xml version="1.0" encoding="utf-8"?>
+<ds:datastoreItem xmlns:ds="http://schemas.openxmlformats.org/officeDocument/2006/customXml" ds:itemID="{B00FC41E-FBDE-42E2-B58A-20EBD240A376}">
+  <ds:schemaRefs>
+    <ds:schemaRef ds:uri="http://schemas.microsoft.com/sharepoint/v3/contenttype/forms"/>
+  </ds:schemaRefs>
+</ds:datastoreItem>
+</file>
+
+<file path=customXml/itemProps3.xml><?xml version="1.0" encoding="utf-8"?>
+<ds:datastoreItem xmlns:ds="http://schemas.openxmlformats.org/officeDocument/2006/customXml" ds:itemID="{25DE574B-2CD2-4078-9BEA-2A14717D9698}">
+  <ds:schemaRefs>
+    <ds:schemaRef ds:uri="514a554b-82b0-4359-b247-fc84018a95f0"/>
+    <ds:schemaRef ds:uri="ef624bc2-1644-4d69-8362-5c28ca496374"/>
+    <ds:schemaRef ds:uri="http://purl.org/dc/dcmitype/"/>
+    <ds:schemaRef ds:uri="http://purl.org/dc/elements/1.1/"/>
+    <ds:schemaRef ds:uri="http://purl.org/dc/terms/"/>
+    <ds:schemaRef ds:uri="http://schemas.microsoft.com/office/2006/documentManagement/types"/>
+    <ds:schemaRef ds:uri="http://schemas.microsoft.com/office/2006/metadata/properties"/>
+    <ds:schemaRef ds:uri="http://schemas.microsoft.com/office/infopath/2007/PartnerControls"/>
+    <ds:schemaRef ds:uri="http://schemas.openxmlformats.org/package/2006/metadata/core-properties"/>
+    <ds:schemaRef ds:uri="http://www.w3.org/XML/1998/namespace"/>
+  </ds:schemaRefs>
+</ds:datastoreItem>
 </file>
--- a/Templates/goldman sachs fci.pptx
+++ b/Templates/goldman sachs fci.pptx
@@ -148,385 +148,6 @@
 </p:presentation>
 </file>
 
-<file path=ppt/changesInfos/changesInfo1.xml><?xml version="1.0" encoding="utf-8"?>
-<pc:chgInfo xmlns:a="http://schemas.openxmlformats.org/drawingml/2006/main" xmlns:r="http://schemas.openxmlformats.org/officeDocument/2006/relationships" xmlns:ac="http://schemas.microsoft.com/office/drawing/2013/main/command" xmlns:pc="http://schemas.microsoft.com/office/powerpoint/2013/main/command">
-  <pc:docChgLst>
-    <pc:chgData name="Wally PILLER" userId="e1c1cba4-6299-482b-91e7-ffd34a654594" providerId="ADAL" clId="{DFA9AA0A-EE88-4261-8C73-545A6F3FB253}"/>
-    <pc:docChg chg="undo custSel addSld delSld modSld">
-      <pc:chgData name="Wally PILLER" userId="e1c1cba4-6299-482b-91e7-ffd34a654594" providerId="ADAL" clId="{DFA9AA0A-EE88-4261-8C73-545A6F3FB253}" dt="2022-06-29T10:10:19.547" v="866" actId="1076"/>
-      <pc:docMkLst>
-        <pc:docMk/>
-      </pc:docMkLst>
-      <pc:sldChg chg="modSp mod">
-        <pc:chgData name="Wally PILLER" userId="e1c1cba4-6299-482b-91e7-ffd34a654594" providerId="ADAL" clId="{DFA9AA0A-EE88-4261-8C73-545A6F3FB253}" dt="2022-06-29T09:38:46.531" v="34" actId="20577"/>
-        <pc:sldMkLst>
-          <pc:docMk/>
-          <pc:sldMk cId="279835308" sldId="283"/>
-        </pc:sldMkLst>
-        <pc:spChg chg="mod">
-          <ac:chgData name="Wally PILLER" userId="e1c1cba4-6299-482b-91e7-ffd34a654594" providerId="ADAL" clId="{DFA9AA0A-EE88-4261-8C73-545A6F3FB253}" dt="2022-06-29T09:38:46.531" v="34" actId="20577"/>
-          <ac:spMkLst>
-            <pc:docMk/>
-            <pc:sldMk cId="279835308" sldId="283"/>
-            <ac:spMk id="18" creationId="{CFFC8B5E-6E2E-4EB2-BF37-16231C4C9B24}"/>
-          </ac:spMkLst>
-        </pc:spChg>
-      </pc:sldChg>
-      <pc:sldChg chg="modSp mod">
-        <pc:chgData name="Wally PILLER" userId="e1c1cba4-6299-482b-91e7-ffd34a654594" providerId="ADAL" clId="{DFA9AA0A-EE88-4261-8C73-545A6F3FB253}" dt="2022-06-29T09:33:27.940" v="23" actId="20577"/>
-        <pc:sldMkLst>
-          <pc:docMk/>
-          <pc:sldMk cId="4283008219" sldId="284"/>
-        </pc:sldMkLst>
-        <pc:spChg chg="mod">
-          <ac:chgData name="Wally PILLER" userId="e1c1cba4-6299-482b-91e7-ffd34a654594" providerId="ADAL" clId="{DFA9AA0A-EE88-4261-8C73-545A6F3FB253}" dt="2022-06-29T09:33:27.940" v="23" actId="20577"/>
-          <ac:spMkLst>
-            <pc:docMk/>
-            <pc:sldMk cId="4283008219" sldId="284"/>
-            <ac:spMk id="16" creationId="{E676ECD3-0DEA-491E-887F-9613472B311F}"/>
-          </ac:spMkLst>
-        </pc:spChg>
-      </pc:sldChg>
-      <pc:sldChg chg="modSp mod">
-        <pc:chgData name="Wally PILLER" userId="e1c1cba4-6299-482b-91e7-ffd34a654594" providerId="ADAL" clId="{DFA9AA0A-EE88-4261-8C73-545A6F3FB253}" dt="2022-06-29T09:44:42.397" v="51" actId="13926"/>
-        <pc:sldMkLst>
-          <pc:docMk/>
-          <pc:sldMk cId="1251430996" sldId="285"/>
-        </pc:sldMkLst>
-        <pc:spChg chg="mod">
-          <ac:chgData name="Wally PILLER" userId="e1c1cba4-6299-482b-91e7-ffd34a654594" providerId="ADAL" clId="{DFA9AA0A-EE88-4261-8C73-545A6F3FB253}" dt="2022-06-29T09:44:42.397" v="51" actId="13926"/>
-          <ac:spMkLst>
-            <pc:docMk/>
-            <pc:sldMk cId="1251430996" sldId="285"/>
-            <ac:spMk id="3" creationId="{CA03B948-52BE-4099-9E3E-FCC2F2CB0E31}"/>
-          </ac:spMkLst>
-        </pc:spChg>
-      </pc:sldChg>
-      <pc:sldChg chg="modSp mod">
-        <pc:chgData name="Wally PILLER" userId="e1c1cba4-6299-482b-91e7-ffd34a654594" providerId="ADAL" clId="{DFA9AA0A-EE88-4261-8C73-545A6F3FB253}" dt="2022-06-29T09:42:50.038" v="45" actId="20577"/>
-        <pc:sldMkLst>
-          <pc:docMk/>
-          <pc:sldMk cId="2335663946" sldId="286"/>
-        </pc:sldMkLst>
-        <pc:spChg chg="mod">
-          <ac:chgData name="Wally PILLER" userId="e1c1cba4-6299-482b-91e7-ffd34a654594" providerId="ADAL" clId="{DFA9AA0A-EE88-4261-8C73-545A6F3FB253}" dt="2022-06-29T09:42:50.038" v="45" actId="20577"/>
-          <ac:spMkLst>
-            <pc:docMk/>
-            <pc:sldMk cId="2335663946" sldId="286"/>
-            <ac:spMk id="11" creationId="{FED2574D-6984-4E56-B512-D9093DAE028A}"/>
-          </ac:spMkLst>
-        </pc:spChg>
-      </pc:sldChg>
-      <pc:sldChg chg="modSp">
-        <pc:chgData name="Wally PILLER" userId="e1c1cba4-6299-482b-91e7-ffd34a654594" providerId="ADAL" clId="{DFA9AA0A-EE88-4261-8C73-545A6F3FB253}" dt="2022-06-29T09:24:20.685" v="1"/>
-        <pc:sldMkLst>
-          <pc:docMk/>
-          <pc:sldMk cId="713649784" sldId="289"/>
-        </pc:sldMkLst>
-        <pc:graphicFrameChg chg="mod">
-          <ac:chgData name="Wally PILLER" userId="e1c1cba4-6299-482b-91e7-ffd34a654594" providerId="ADAL" clId="{DFA9AA0A-EE88-4261-8C73-545A6F3FB253}" dt="2022-06-29T09:24:20.685" v="1"/>
-          <ac:graphicFrameMkLst>
-            <pc:docMk/>
-            <pc:sldMk cId="713649784" sldId="289"/>
-            <ac:graphicFrameMk id="4" creationId="{D75964C9-9893-4B10-B127-424F0758DE3D}"/>
-          </ac:graphicFrameMkLst>
-        </pc:graphicFrameChg>
-      </pc:sldChg>
-      <pc:sldChg chg="modSp mod">
-        <pc:chgData name="Wally PILLER" userId="e1c1cba4-6299-482b-91e7-ffd34a654594" providerId="ADAL" clId="{DFA9AA0A-EE88-4261-8C73-545A6F3FB253}" dt="2022-06-29T09:34:08.544" v="33" actId="20577"/>
-        <pc:sldMkLst>
-          <pc:docMk/>
-          <pc:sldMk cId="1502825947" sldId="291"/>
-        </pc:sldMkLst>
-        <pc:spChg chg="mod">
-          <ac:chgData name="Wally PILLER" userId="e1c1cba4-6299-482b-91e7-ffd34a654594" providerId="ADAL" clId="{DFA9AA0A-EE88-4261-8C73-545A6F3FB253}" dt="2022-06-29T09:34:08.544" v="33" actId="20577"/>
-          <ac:spMkLst>
-            <pc:docMk/>
-            <pc:sldMk cId="1502825947" sldId="291"/>
-            <ac:spMk id="21" creationId="{6808357B-C123-4053-520E-9D6A9FD5E37E}"/>
-          </ac:spMkLst>
-        </pc:spChg>
-      </pc:sldChg>
-      <pc:sldChg chg="addSp delSp modSp mod">
-        <pc:chgData name="Wally PILLER" userId="e1c1cba4-6299-482b-91e7-ffd34a654594" providerId="ADAL" clId="{DFA9AA0A-EE88-4261-8C73-545A6F3FB253}" dt="2022-06-29T10:10:19.547" v="866" actId="1076"/>
-        <pc:sldMkLst>
-          <pc:docMk/>
-          <pc:sldMk cId="3215453978" sldId="292"/>
-        </pc:sldMkLst>
-        <pc:spChg chg="mod">
-          <ac:chgData name="Wally PILLER" userId="e1c1cba4-6299-482b-91e7-ffd34a654594" providerId="ADAL" clId="{DFA9AA0A-EE88-4261-8C73-545A6F3FB253}" dt="2022-06-29T10:10:19.547" v="866" actId="1076"/>
-          <ac:spMkLst>
-            <pc:docMk/>
-            <pc:sldMk cId="3215453978" sldId="292"/>
-            <ac:spMk id="11" creationId="{6DC45A7B-7BFC-4642-8DD1-B4A6D781A216}"/>
-          </ac:spMkLst>
-        </pc:spChg>
-        <pc:spChg chg="mod">
-          <ac:chgData name="Wally PILLER" userId="e1c1cba4-6299-482b-91e7-ffd34a654594" providerId="ADAL" clId="{DFA9AA0A-EE88-4261-8C73-545A6F3FB253}" dt="2022-06-29T10:09:34.745" v="826" actId="1036"/>
-          <ac:spMkLst>
-            <pc:docMk/>
-            <pc:sldMk cId="3215453978" sldId="292"/>
-            <ac:spMk id="17" creationId="{0C43F8B6-2C0F-4FE0-B057-C5BBAC6005C9}"/>
-          </ac:spMkLst>
-        </pc:spChg>
-        <pc:spChg chg="mod">
-          <ac:chgData name="Wally PILLER" userId="e1c1cba4-6299-482b-91e7-ffd34a654594" providerId="ADAL" clId="{DFA9AA0A-EE88-4261-8C73-545A6F3FB253}" dt="2022-06-29T10:09:32.028" v="816" actId="1036"/>
-          <ac:spMkLst>
-            <pc:docMk/>
-            <pc:sldMk cId="3215453978" sldId="292"/>
-            <ac:spMk id="19" creationId="{902C1127-3574-44E3-A3C3-163258CD6D38}"/>
-          </ac:spMkLst>
-        </pc:spChg>
-        <pc:spChg chg="mod">
-          <ac:chgData name="Wally PILLER" userId="e1c1cba4-6299-482b-91e7-ffd34a654594" providerId="ADAL" clId="{DFA9AA0A-EE88-4261-8C73-545A6F3FB253}" dt="2022-06-29T10:09:24.067" v="781" actId="1036"/>
-          <ac:spMkLst>
-            <pc:docMk/>
-            <pc:sldMk cId="3215453978" sldId="292"/>
-            <ac:spMk id="22" creationId="{A0759AA1-226B-4F0F-B9DA-DA9B8AA11E05}"/>
-          </ac:spMkLst>
-        </pc:spChg>
-        <pc:spChg chg="mod">
-          <ac:chgData name="Wally PILLER" userId="e1c1cba4-6299-482b-91e7-ffd34a654594" providerId="ADAL" clId="{DFA9AA0A-EE88-4261-8C73-545A6F3FB253}" dt="2022-06-29T10:09:19.883" v="758" actId="1036"/>
-          <ac:spMkLst>
-            <pc:docMk/>
-            <pc:sldMk cId="3215453978" sldId="292"/>
-            <ac:spMk id="23" creationId="{60F957CA-DD4C-409F-955B-5E6481F3A4AC}"/>
-          </ac:spMkLst>
-        </pc:spChg>
-        <pc:spChg chg="mod">
-          <ac:chgData name="Wally PILLER" userId="e1c1cba4-6299-482b-91e7-ffd34a654594" providerId="ADAL" clId="{DFA9AA0A-EE88-4261-8C73-545A6F3FB253}" dt="2022-06-29T10:09:42.628" v="840" actId="1036"/>
-          <ac:spMkLst>
-            <pc:docMk/>
-            <pc:sldMk cId="3215453978" sldId="292"/>
-            <ac:spMk id="24" creationId="{8B8AE09C-0D6F-4497-B219-E6C39009F89E}"/>
-          </ac:spMkLst>
-        </pc:spChg>
-        <pc:spChg chg="mod">
-          <ac:chgData name="Wally PILLER" userId="e1c1cba4-6299-482b-91e7-ffd34a654594" providerId="ADAL" clId="{DFA9AA0A-EE88-4261-8C73-545A6F3FB253}" dt="2022-06-29T10:09:10.173" v="685" actId="1035"/>
-          <ac:spMkLst>
-            <pc:docMk/>
-            <pc:sldMk cId="3215453978" sldId="292"/>
-            <ac:spMk id="25" creationId="{A471EC61-E0F7-4167-ADB5-4AEBB8678A51}"/>
-          </ac:spMkLst>
-        </pc:spChg>
-        <pc:spChg chg="del">
-          <ac:chgData name="Wally PILLER" userId="e1c1cba4-6299-482b-91e7-ffd34a654594" providerId="ADAL" clId="{DFA9AA0A-EE88-4261-8C73-545A6F3FB253}" dt="2022-06-29T09:46:30.164" v="52" actId="478"/>
-          <ac:spMkLst>
-            <pc:docMk/>
-            <pc:sldMk cId="3215453978" sldId="292"/>
-            <ac:spMk id="26" creationId="{992E5EC1-0362-45EE-89F2-08F93F255E19}"/>
-          </ac:spMkLst>
-        </pc:spChg>
-        <pc:spChg chg="add mod">
-          <ac:chgData name="Wally PILLER" userId="e1c1cba4-6299-482b-91e7-ffd34a654594" providerId="ADAL" clId="{DFA9AA0A-EE88-4261-8C73-545A6F3FB253}" dt="2022-06-29T10:06:32.403" v="153" actId="1076"/>
-          <ac:spMkLst>
-            <pc:docMk/>
-            <pc:sldMk cId="3215453978" sldId="292"/>
-            <ac:spMk id="27" creationId="{A5593142-B0A9-0322-4DCF-14192E048E25}"/>
-          </ac:spMkLst>
-        </pc:spChg>
-        <pc:spChg chg="mod">
-          <ac:chgData name="Wally PILLER" userId="e1c1cba4-6299-482b-91e7-ffd34a654594" providerId="ADAL" clId="{DFA9AA0A-EE88-4261-8C73-545A6F3FB253}" dt="2022-06-29T10:09:57.123" v="865" actId="1036"/>
-          <ac:spMkLst>
-            <pc:docMk/>
-            <pc:sldMk cId="3215453978" sldId="292"/>
-            <ac:spMk id="30" creationId="{52F75EB6-A896-3509-50F5-319D90E7E92F}"/>
-          </ac:spMkLst>
-        </pc:spChg>
-        <pc:spChg chg="mod">
-          <ac:chgData name="Wally PILLER" userId="e1c1cba4-6299-482b-91e7-ffd34a654594" providerId="ADAL" clId="{DFA9AA0A-EE88-4261-8C73-545A6F3FB253}" dt="2022-06-29T10:09:52.214" v="859" actId="1036"/>
-          <ac:spMkLst>
-            <pc:docMk/>
-            <pc:sldMk cId="3215453978" sldId="292"/>
-            <ac:spMk id="31" creationId="{B9045B55-AE7F-278A-9552-D0651213E8D1}"/>
-          </ac:spMkLst>
-        </pc:spChg>
-        <pc:spChg chg="mod">
-          <ac:chgData name="Wally PILLER" userId="e1c1cba4-6299-482b-91e7-ffd34a654594" providerId="ADAL" clId="{DFA9AA0A-EE88-4261-8C73-545A6F3FB253}" dt="2022-06-29T10:06:18.259" v="151" actId="1076"/>
-          <ac:spMkLst>
-            <pc:docMk/>
-            <pc:sldMk cId="3215453978" sldId="292"/>
-            <ac:spMk id="32" creationId="{BCC650CD-4277-30FF-1209-171D0CDF1FA6}"/>
-          </ac:spMkLst>
-        </pc:spChg>
-        <pc:spChg chg="del mod">
-          <ac:chgData name="Wally PILLER" userId="e1c1cba4-6299-482b-91e7-ffd34a654594" providerId="ADAL" clId="{DFA9AA0A-EE88-4261-8C73-545A6F3FB253}" dt="2022-06-29T10:06:03.518" v="150" actId="478"/>
-          <ac:spMkLst>
-            <pc:docMk/>
-            <pc:sldMk cId="3215453978" sldId="292"/>
-            <ac:spMk id="34" creationId="{6F0E7304-2D6E-543F-7280-78DD5B3644F1}"/>
-          </ac:spMkLst>
-        </pc:spChg>
-        <pc:spChg chg="del mod">
-          <ac:chgData name="Wally PILLER" userId="e1c1cba4-6299-482b-91e7-ffd34a654594" providerId="ADAL" clId="{DFA9AA0A-EE88-4261-8C73-545A6F3FB253}" dt="2022-06-29T10:06:03.518" v="150" actId="478"/>
-          <ac:spMkLst>
-            <pc:docMk/>
-            <pc:sldMk cId="3215453978" sldId="292"/>
-            <ac:spMk id="35" creationId="{466540E6-8C9A-D38B-240A-DA388B137182}"/>
-          </ac:spMkLst>
-        </pc:spChg>
-        <pc:spChg chg="del mod">
-          <ac:chgData name="Wally PILLER" userId="e1c1cba4-6299-482b-91e7-ffd34a654594" providerId="ADAL" clId="{DFA9AA0A-EE88-4261-8C73-545A6F3FB253}" dt="2022-06-29T10:06:03.518" v="150" actId="478"/>
-          <ac:spMkLst>
-            <pc:docMk/>
-            <pc:sldMk cId="3215453978" sldId="292"/>
-            <ac:spMk id="36" creationId="{EDFDD023-1B58-AEEC-57A4-9FA73241504A}"/>
-          </ac:spMkLst>
-        </pc:spChg>
-        <pc:spChg chg="del mod">
-          <ac:chgData name="Wally PILLER" userId="e1c1cba4-6299-482b-91e7-ffd34a654594" providerId="ADAL" clId="{DFA9AA0A-EE88-4261-8C73-545A6F3FB253}" dt="2022-06-29T10:06:03.518" v="150" actId="478"/>
-          <ac:spMkLst>
-            <pc:docMk/>
-            <pc:sldMk cId="3215453978" sldId="292"/>
-            <ac:spMk id="37" creationId="{5EAF19C5-E029-C08B-078A-5B837CCC6A17}"/>
-          </ac:spMkLst>
-        </pc:spChg>
-        <pc:spChg chg="del mod">
-          <ac:chgData name="Wally PILLER" userId="e1c1cba4-6299-482b-91e7-ffd34a654594" providerId="ADAL" clId="{DFA9AA0A-EE88-4261-8C73-545A6F3FB253}" dt="2022-06-29T10:06:03.518" v="150" actId="478"/>
-          <ac:spMkLst>
-            <pc:docMk/>
-            <pc:sldMk cId="3215453978" sldId="292"/>
-            <ac:spMk id="38" creationId="{792C6920-B699-13FD-147A-69FC73EAD0EC}"/>
-          </ac:spMkLst>
-        </pc:spChg>
-        <pc:spChg chg="del mod">
-          <ac:chgData name="Wally PILLER" userId="e1c1cba4-6299-482b-91e7-ffd34a654594" providerId="ADAL" clId="{DFA9AA0A-EE88-4261-8C73-545A6F3FB253}" dt="2022-06-29T10:06:03.518" v="150" actId="478"/>
-          <ac:spMkLst>
-            <pc:docMk/>
-            <pc:sldMk cId="3215453978" sldId="292"/>
-            <ac:spMk id="39" creationId="{695F9341-1EBD-9EAA-2853-C5B4A8FBEE26}"/>
-          </ac:spMkLst>
-        </pc:spChg>
-        <pc:spChg chg="del mod">
-          <ac:chgData name="Wally PILLER" userId="e1c1cba4-6299-482b-91e7-ffd34a654594" providerId="ADAL" clId="{DFA9AA0A-EE88-4261-8C73-545A6F3FB253}" dt="2022-06-29T10:06:03.518" v="150" actId="478"/>
-          <ac:spMkLst>
-            <pc:docMk/>
-            <pc:sldMk cId="3215453978" sldId="292"/>
-            <ac:spMk id="40" creationId="{3C7BE1F2-6E4B-F6C4-E750-5E050CBDB8AA}"/>
-          </ac:spMkLst>
-        </pc:spChg>
-        <pc:spChg chg="del mod">
-          <ac:chgData name="Wally PILLER" userId="e1c1cba4-6299-482b-91e7-ffd34a654594" providerId="ADAL" clId="{DFA9AA0A-EE88-4261-8C73-545A6F3FB253}" dt="2022-06-29T10:06:03.518" v="150" actId="478"/>
-          <ac:spMkLst>
-            <pc:docMk/>
-            <pc:sldMk cId="3215453978" sldId="292"/>
-            <ac:spMk id="41" creationId="{B8A087D0-376D-A0D0-A731-494978CD0F2D}"/>
-          </ac:spMkLst>
-        </pc:spChg>
-      </pc:sldChg>
-      <pc:sldChg chg="modSp mod">
-        <pc:chgData name="Wally PILLER" userId="e1c1cba4-6299-482b-91e7-ffd34a654594" providerId="ADAL" clId="{DFA9AA0A-EE88-4261-8C73-545A6F3FB253}" dt="2022-06-29T09:44:07.051" v="50" actId="313"/>
-        <pc:sldMkLst>
-          <pc:docMk/>
-          <pc:sldMk cId="2416999927" sldId="294"/>
-        </pc:sldMkLst>
-        <pc:spChg chg="mod">
-          <ac:chgData name="Wally PILLER" userId="e1c1cba4-6299-482b-91e7-ffd34a654594" providerId="ADAL" clId="{DFA9AA0A-EE88-4261-8C73-545A6F3FB253}" dt="2022-06-29T09:44:07.051" v="50" actId="313"/>
-          <ac:spMkLst>
-            <pc:docMk/>
-            <pc:sldMk cId="2416999927" sldId="294"/>
-            <ac:spMk id="11" creationId="{FED2574D-6984-4E56-B512-D9093DAE028A}"/>
-          </ac:spMkLst>
-        </pc:spChg>
-      </pc:sldChg>
-      <pc:sldChg chg="modSp">
-        <pc:chgData name="Wally PILLER" userId="e1c1cba4-6299-482b-91e7-ffd34a654594" providerId="ADAL" clId="{DFA9AA0A-EE88-4261-8C73-545A6F3FB253}" dt="2022-06-29T09:25:11.798" v="5"/>
-        <pc:sldMkLst>
-          <pc:docMk/>
-          <pc:sldMk cId="3358940979" sldId="296"/>
-        </pc:sldMkLst>
-        <pc:graphicFrameChg chg="mod">
-          <ac:chgData name="Wally PILLER" userId="e1c1cba4-6299-482b-91e7-ffd34a654594" providerId="ADAL" clId="{DFA9AA0A-EE88-4261-8C73-545A6F3FB253}" dt="2022-06-29T09:25:11.798" v="5"/>
-          <ac:graphicFrameMkLst>
-            <pc:docMk/>
-            <pc:sldMk cId="3358940979" sldId="296"/>
-            <ac:graphicFrameMk id="9" creationId="{CDF24725-4E16-F687-E839-9CDE396BAF0D}"/>
-          </ac:graphicFrameMkLst>
-        </pc:graphicFrameChg>
-      </pc:sldChg>
-      <pc:sldChg chg="new del">
-        <pc:chgData name="Wally PILLER" userId="e1c1cba4-6299-482b-91e7-ffd34a654594" providerId="ADAL" clId="{DFA9AA0A-EE88-4261-8C73-545A6F3FB253}" dt="2022-06-29T10:05:15.960" v="54" actId="47"/>
-        <pc:sldMkLst>
-          <pc:docMk/>
-          <pc:sldMk cId="2461135488" sldId="297"/>
-        </pc:sldMkLst>
-      </pc:sldChg>
-      <pc:sldChg chg="addSp modSp new mod">
-        <pc:chgData name="Wally PILLER" userId="e1c1cba4-6299-482b-91e7-ffd34a654594" providerId="ADAL" clId="{DFA9AA0A-EE88-4261-8C73-545A6F3FB253}" dt="2022-06-29T10:08:39.879" v="650" actId="1035"/>
-        <pc:sldMkLst>
-          <pc:docMk/>
-          <pc:sldMk cId="3121533281" sldId="297"/>
-        </pc:sldMkLst>
-        <pc:spChg chg="add mod">
-          <ac:chgData name="Wally PILLER" userId="e1c1cba4-6299-482b-91e7-ffd34a654594" providerId="ADAL" clId="{DFA9AA0A-EE88-4261-8C73-545A6F3FB253}" dt="2022-06-29T10:08:20.619" v="563" actId="1035"/>
-          <ac:spMkLst>
-            <pc:docMk/>
-            <pc:sldMk cId="3121533281" sldId="297"/>
-            <ac:spMk id="3" creationId="{DF6D83DD-D517-7A33-022D-95B5C79B9F43}"/>
-          </ac:spMkLst>
-        </pc:spChg>
-        <pc:spChg chg="add mod">
-          <ac:chgData name="Wally PILLER" userId="e1c1cba4-6299-482b-91e7-ffd34a654594" providerId="ADAL" clId="{DFA9AA0A-EE88-4261-8C73-545A6F3FB253}" dt="2022-06-29T10:07:43.836" v="280" actId="1035"/>
-          <ac:spMkLst>
-            <pc:docMk/>
-            <pc:sldMk cId="3121533281" sldId="297"/>
-            <ac:spMk id="4" creationId="{4AAB1197-9E26-30DF-4263-0FF4F93AF6B1}"/>
-          </ac:spMkLst>
-        </pc:spChg>
-        <pc:spChg chg="add mod">
-          <ac:chgData name="Wally PILLER" userId="e1c1cba4-6299-482b-91e7-ffd34a654594" providerId="ADAL" clId="{DFA9AA0A-EE88-4261-8C73-545A6F3FB253}" dt="2022-06-29T10:08:39.879" v="650" actId="1035"/>
-          <ac:spMkLst>
-            <pc:docMk/>
-            <pc:sldMk cId="3121533281" sldId="297"/>
-            <ac:spMk id="5" creationId="{64798689-4B89-EB9D-0E25-4CF8D548D6F4}"/>
-          </ac:spMkLst>
-        </pc:spChg>
-        <pc:spChg chg="add mod">
-          <ac:chgData name="Wally PILLER" userId="e1c1cba4-6299-482b-91e7-ffd34a654594" providerId="ADAL" clId="{DFA9AA0A-EE88-4261-8C73-545A6F3FB253}" dt="2022-06-29T10:08:26.843" v="601" actId="1036"/>
-          <ac:spMkLst>
-            <pc:docMk/>
-            <pc:sldMk cId="3121533281" sldId="297"/>
-            <ac:spMk id="6" creationId="{0EF90391-0A90-49BA-DA69-FF18B3CEB0FD}"/>
-          </ac:spMkLst>
-        </pc:spChg>
-        <pc:spChg chg="add mod">
-          <ac:chgData name="Wally PILLER" userId="e1c1cba4-6299-482b-91e7-ffd34a654594" providerId="ADAL" clId="{DFA9AA0A-EE88-4261-8C73-545A6F3FB253}" dt="2022-06-29T10:08:00.504" v="404" actId="1036"/>
-          <ac:spMkLst>
-            <pc:docMk/>
-            <pc:sldMk cId="3121533281" sldId="297"/>
-            <ac:spMk id="7" creationId="{D930E553-9835-0FF3-80B1-6767EAA49A5D}"/>
-          </ac:spMkLst>
-        </pc:spChg>
-        <pc:spChg chg="add mod">
-          <ac:chgData name="Wally PILLER" userId="e1c1cba4-6299-482b-91e7-ffd34a654594" providerId="ADAL" clId="{DFA9AA0A-EE88-4261-8C73-545A6F3FB253}" dt="2022-06-29T10:07:53.413" v="334" actId="1036"/>
-          <ac:spMkLst>
-            <pc:docMk/>
-            <pc:sldMk cId="3121533281" sldId="297"/>
-            <ac:spMk id="8" creationId="{920C4643-E47A-80AD-EE65-79D69F00F506}"/>
-          </ac:spMkLst>
-        </pc:spChg>
-        <pc:spChg chg="add mod">
-          <ac:chgData name="Wally PILLER" userId="e1c1cba4-6299-482b-91e7-ffd34a654594" providerId="ADAL" clId="{DFA9AA0A-EE88-4261-8C73-545A6F3FB253}" dt="2022-06-29T10:08:07.829" v="469" actId="1036"/>
-          <ac:spMkLst>
-            <pc:docMk/>
-            <pc:sldMk cId="3121533281" sldId="297"/>
-            <ac:spMk id="9" creationId="{6727FAD9-AAEB-5358-4BAD-ACD04774D223}"/>
-          </ac:spMkLst>
-        </pc:spChg>
-        <pc:spChg chg="add mod">
-          <ac:chgData name="Wally PILLER" userId="e1c1cba4-6299-482b-91e7-ffd34a654594" providerId="ADAL" clId="{DFA9AA0A-EE88-4261-8C73-545A6F3FB253}" dt="2022-06-29T10:08:14.119" v="526" actId="1036"/>
-          <ac:spMkLst>
-            <pc:docMk/>
-            <pc:sldMk cId="3121533281" sldId="297"/>
-            <ac:spMk id="10" creationId="{09678265-1F84-0E83-4BE0-8DD0E05B64B7}"/>
-          </ac:spMkLst>
-        </pc:spChg>
-      </pc:sldChg>
-    </pc:docChg>
-  </pc:docChgLst>
-</pc:chgInfo>
-</file>
-
 <file path=ppt/handoutMasters/handoutMaster1.xml><?xml version="1.0" encoding="utf-8"?>
 <p:handoutMaster xmlns:a="http://schemas.openxmlformats.org/drawingml/2006/main" xmlns:r="http://schemas.openxmlformats.org/officeDocument/2006/relationships" xmlns:p="http://schemas.openxmlformats.org/presentationml/2006/main">
   <p:cSld>
@@ -609,7 +230,7 @@
           <a:p>
             <a:fld id="{515CCE07-1711-4DC7-A7D8-7ED312C82FB8}" type="datetimeFigureOut">
               <a:rPr lang="fr-FR" smtClean="0"/>
-              <a:t>29/06/2022</a:t>
+              <a:t>13/07/2022</a:t>
             </a:fld>
             <a:endParaRPr lang="fr-FR"/>
           </a:p>
@@ -774,7 +395,7 @@
           <a:p>
             <a:fld id="{014ABEAC-8B63-4BD1-9569-A14EB8752A94}" type="datetimeFigureOut">
               <a:rPr lang="fr-FR" smtClean="0"/>
-              <a:t>29/06/2022</a:t>
+              <a:t>13/07/2022</a:t>
             </a:fld>
             <a:endParaRPr lang="fr-FR"/>
           </a:p>
@@ -2298,21 +1919,20 @@
               <a:t> et à l’échéance</a:t>
             </a:r>
             <a:r>
-              <a:rPr lang="fr-FR" sz="800" b="1" baseline="30000" dirty="0">
+              <a:rPr lang="fr-FR" sz="800" b="1" dirty="0">
                 <a:solidFill>
                   <a:schemeClr val="tx2"/>
                 </a:solidFill>
               </a:rPr>
-              <a:t>(1)</a:t>
+              <a:t>, </a:t>
             </a:r>
             <a:r>
               <a:rPr lang="fr-FR" sz="800" b="1" cap="none" dirty="0">
                 <a:solidFill>
                   <a:schemeClr val="tx2"/>
                 </a:solidFill>
-                <a:latin typeface="Proxima Nova Rg" panose="02000506030000020004" pitchFamily="2" charset="0"/>
-              </a:rPr>
-              <a:t> .</a:t>
+              </a:rPr>
+              <a:t>ci après le titre de créance.</a:t>
             </a:r>
             <a:endParaRPr lang="fr-FR" sz="800" b="1" cap="none" dirty="0">
               <a:highlight>
@@ -2391,7 +2011,23 @@
                   <a:schemeClr val="tx2"/>
                 </a:solidFill>
               </a:rPr>
-              <a:t>(hors remboursement anticipé automatique). </a:t>
+              <a:t>(hors remboursement anticipé automatique)</a:t>
+            </a:r>
+            <a:r>
+              <a:rPr lang="fr-FR" sz="800" cap="none" baseline="30000" dirty="0">
+                <a:solidFill>
+                  <a:schemeClr val="tx2"/>
+                </a:solidFill>
+              </a:rPr>
+              <a:t>(2)</a:t>
+            </a:r>
+            <a:r>
+              <a:rPr lang="fr-FR" sz="800" cap="none" dirty="0">
+                <a:solidFill>
+                  <a:schemeClr val="tx2"/>
+                </a:solidFill>
+              </a:rPr>
+              <a:t>. </a:t>
             </a:r>
           </a:p>
           <a:p>
@@ -2421,10 +2057,6 @@
                   <a:schemeClr val="tx2"/>
                 </a:solidFill>
               </a:rPr>
-              <a:t>.</a:t>
-            </a:r>
-            <a:r>
-              <a:rPr lang="fr-FR" sz="800" i="1" cap="none" dirty="0"/>
               <a:t>.</a:t>
             </a:r>
             <a:endParaRPr lang="fr-FR" sz="800" cap="none" dirty="0"/>
@@ -2941,11 +2573,11 @@
                 </a:solidFill>
                 <a:latin typeface="Proxima Nova Rg" panose="02000506030000020004" pitchFamily="2" charset="0"/>
               </a:rPr>
-              <a:t> Le remboursement automatique anticipé ne pourra pas se faire, en tout état de cause, avant le &lt;</a:t>
-            </a:r>
-            <a:r>
-              <a:rPr lang="fr-FR" sz="700" dirty="0"/>
-              <a:t>2PDC_MAJ&gt;.</a:t>
+              <a:t> Le remboursement automatique anticipé ne pourra pas se faire, en tout état de cause, avant le </a:t>
+            </a:r>
+            <a:r>
+              <a:rPr lang="fr-FR" sz="700" cap="none" dirty="0"/>
+              <a:t>&lt;DR1&gt;</a:t>
             </a:r>
             <a:endParaRPr lang="fr-FR" sz="650" dirty="0">
               <a:solidFill>
@@ -2993,25 +2625,7 @@
                 </a:solidFill>
                 <a:latin typeface="Proxima Nova Rg" panose="02000506030000020004" pitchFamily="2" charset="0"/>
               </a:rPr>
-              <a:t> Standard &amp; </a:t>
-            </a:r>
-            <a:r>
-              <a:rPr lang="fr-FR" sz="650" dirty="0" err="1">
-                <a:solidFill>
-                  <a:schemeClr val="tx2"/>
-                </a:solidFill>
-                <a:latin typeface="Proxima Nova Rg" panose="02000506030000020004" pitchFamily="2" charset="0"/>
-              </a:rPr>
-              <a:t>Poor’s</a:t>
-            </a:r>
-            <a:r>
-              <a:rPr lang="fr-FR" sz="650" dirty="0">
-                <a:solidFill>
-                  <a:schemeClr val="tx2"/>
-                </a:solidFill>
-                <a:latin typeface="Proxima Nova Rg" panose="02000506030000020004" pitchFamily="2" charset="0"/>
-              </a:rPr>
-              <a:t> BBB+, Moody’s A2, Fitch A. Notations en vigueur au moment de la rédaction de la présente brochure le &lt;DDR_MAJ&gt;. Ces notations peuvent être révisées à tout moment et ne sont pas une garantie de solvabilité de l'Émetteur et/ou du Garant. Elles ne sauraient constituer un argument de souscription au titre de créance.</a:t>
+              <a:t> Standard &amp; Poor’s : BBB+, Moody’s : A2, Fitch : A. Notations en vigueur au moment de la rédaction de la présente brochure le &lt;DDR_MAJ&gt;. Ces notations peuvent être révisées à tout moment et ne sont pas une garantie de solvabilité de l'Émetteur et/ou du Garant. Elles ne sauraient constituer un argument de souscription au titre de créance.</a:t>
             </a:r>
           </a:p>
         </p:txBody>
@@ -3668,7 +3282,19 @@
               <a:rPr lang="fr-FR" sz="800" b="0" dirty="0">
                 <a:latin typeface="+mn-lt"/>
               </a:rPr>
-              <a:t>Dès la première date de constatation du mécanisme de remboursement anticipé automatique, &lt;SJR1&gt; clôture à un &lt;SJR3&gt; supérieur ou égal à &lt;ABAC&gt;</a:t>
+              <a:t>Dès la première date de constatation du mécanisme de remboursement anticipé automatique</a:t>
+            </a:r>
+            <a:r>
+              <a:rPr lang="fr-FR" sz="800" b="0" baseline="30000" dirty="0">
+                <a:latin typeface="+mn-lt"/>
+              </a:rPr>
+              <a:t>(1)</a:t>
+            </a:r>
+            <a:r>
+              <a:rPr lang="fr-FR" sz="800" b="0" dirty="0">
+                <a:latin typeface="+mn-lt"/>
+              </a:rPr>
+              <a:t>, &lt;SJR1&gt; clôture à un &lt;SJR3&gt; supérieur ou égal à &lt;ABAC&gt;</a:t>
             </a:r>
           </a:p>
         </p:txBody>
@@ -4091,9 +3717,6 @@
                 <a:solidFill>
                   <a:srgbClr val="000000"/>
                 </a:solidFill>
-                <a:highlight>
-                  <a:srgbClr val="00FFFF"/>
-                </a:highlight>
               </a:rPr>
               <a:t>&lt;TRA.D.P&gt;</a:t>
             </a:r>
@@ -4110,9 +3733,6 @@
                 <a:solidFill>
                   <a:srgbClr val="000000"/>
                 </a:solidFill>
-                <a:highlight>
-                  <a:srgbClr val="00FFFF"/>
-                </a:highlight>
               </a:rPr>
               <a:t>&lt;TRA.D.A&gt;</a:t>
             </a:r>
@@ -4257,9 +3877,6 @@
                 <a:solidFill>
                   <a:srgbClr val="000000"/>
                 </a:solidFill>
-                <a:highlight>
-                  <a:srgbClr val="00FFFF"/>
-                </a:highlight>
                 <a:latin typeface="+mn-lt"/>
               </a:rPr>
               <a:t>&lt;TRA.RM.P&gt;</a:t>
@@ -4293,9 +3910,6 @@
                 <a:solidFill>
                   <a:srgbClr val="000000"/>
                 </a:solidFill>
-                <a:highlight>
-                  <a:srgbClr val="00FFFF"/>
-                </a:highlight>
                 <a:latin typeface="+mn-lt"/>
               </a:rPr>
               <a:t>&lt;TRA.M.SJ&gt;</a:t>
@@ -4448,26 +4062,7 @@
                   <a:schemeClr val="tx2"/>
                 </a:solidFill>
               </a:rPr>
-              <a:t>, &lt;SJR1&gt; clôture à un &lt;SJR3&gt; supérieur à </a:t>
-            </a:r>
-            <a:r>
-              <a:rPr lang="fr-FR" sz="800" dirty="0">
-                <a:solidFill>
-                  <a:schemeClr val="tx2"/>
-                </a:solidFill>
-                <a:highlight>
-                  <a:srgbClr val="FF00FF"/>
-                </a:highlight>
-              </a:rPr>
-              <a:t>&lt;ABAC2</a:t>
-            </a:r>
-            <a:r>
-              <a:rPr lang="fr-FR" sz="800" dirty="0">
-                <a:solidFill>
-                  <a:schemeClr val="tx2"/>
-                </a:solidFill>
-              </a:rPr>
-              <a:t>&gt;. Le produit verse alors un coupon de &lt;CPN&gt; au titre de chaque &lt;F0&gt;.</a:t>
+              <a:t>, &lt;SJR1&gt; clôture à un &lt;SJR3&gt; supérieur à &lt;ABAC2&gt;. Le produit verse alors un coupon de &lt;CPN&gt; au titre de chaque &lt;F0&gt;.</a:t>
             </a:r>
           </a:p>
           <a:p>
@@ -4513,72 +4108,35 @@
                   <a:srgbClr val="04202E"/>
                 </a:solidFill>
               </a:rPr>
-              <a:t>Ce qui correspond à un Taux de Rendement Annuel net de </a:t>
+              <a:t>Ce qui correspond à un Taux de Rendement Annuel net de &lt;TRA.F.P&gt;</a:t>
+            </a:r>
+            <a:r>
+              <a:rPr lang="fr-FR" sz="800" baseline="30000" dirty="0">
+                <a:solidFill>
+                  <a:srgbClr val="04202E"/>
+                </a:solidFill>
+              </a:rPr>
+              <a:t>(2)</a:t>
             </a:r>
             <a:r>
               <a:rPr lang="fr-FR" sz="800" dirty="0">
                 <a:solidFill>
                   <a:srgbClr val="04202E"/>
                 </a:solidFill>
-                <a:highlight>
-                  <a:srgbClr val="00FFFF"/>
-                </a:highlight>
-              </a:rPr>
-              <a:t>&lt;TRA.F.P&gt;</a:t>
+              </a:rPr>
+              <a:t>, contre un Taux de Rendement Annuel net de </a:t>
+            </a:r>
+            <a:r>
+              <a:rPr lang="fr-FR" sz="800" dirty="0"/>
+              <a:t>&lt;TRA.F.SJ&gt;</a:t>
             </a:r>
             <a:r>
               <a:rPr lang="fr-FR" sz="800" baseline="30000" dirty="0">
                 <a:solidFill>
                   <a:srgbClr val="04202E"/>
                 </a:solidFill>
-                <a:highlight>
-                  <a:srgbClr val="00FFFF"/>
-                </a:highlight>
-              </a:rPr>
-              <a:t>(</a:t>
-            </a:r>
-            <a:r>
-              <a:rPr lang="fr-FR" sz="800" baseline="30000" dirty="0">
-                <a:solidFill>
-                  <a:srgbClr val="04202E"/>
-                </a:solidFill>
-              </a:rPr>
-              <a:t>2)</a:t>
-            </a:r>
-            <a:r>
-              <a:rPr lang="fr-FR" sz="800" dirty="0">
-                <a:solidFill>
-                  <a:srgbClr val="04202E"/>
-                </a:solidFill>
-              </a:rPr>
-              <a:t>, contre un Taux de Rendement Annuel net de </a:t>
-            </a:r>
-            <a:r>
-              <a:rPr lang="fr-FR" sz="800" dirty="0">
-                <a:highlight>
-                  <a:srgbClr val="00FFFF"/>
-                </a:highlight>
-              </a:rPr>
-              <a:t>&lt;TRA.F.SJ&gt;</a:t>
-            </a:r>
-            <a:r>
-              <a:rPr lang="fr-FR" sz="800" baseline="30000" dirty="0">
-                <a:solidFill>
-                  <a:srgbClr val="04202E"/>
-                </a:solidFill>
-                <a:highlight>
-                  <a:srgbClr val="00FFFF"/>
-                </a:highlight>
-              </a:rPr>
-              <a:t>(</a:t>
-            </a:r>
-            <a:r>
-              <a:rPr lang="fr-FR" sz="800" baseline="30000" dirty="0">
-                <a:solidFill>
-                  <a:srgbClr val="04202E"/>
-                </a:solidFill>
-              </a:rPr>
-              <a:t>2)</a:t>
+              </a:rPr>
+              <a:t>(2)</a:t>
             </a:r>
             <a:r>
               <a:rPr lang="fr-FR" sz="800" dirty="0">
@@ -4745,7 +4303,7 @@
         </p:nvSpPr>
         <p:spPr>
           <a:xfrm>
-            <a:off x="5684520" y="9174546"/>
+            <a:off x="5684520" y="9080417"/>
             <a:ext cx="1646522" cy="215444"/>
           </a:xfrm>
           <a:prstGeom prst="rect">
@@ -5357,13 +4915,13 @@
           <p:nvPr>
             <p:extLst>
               <p:ext uri="{D42A27DB-BD31-4B8C-83A1-F6EECF244321}">
-                <p14:modId xmlns:p14="http://schemas.microsoft.com/office/powerpoint/2010/main" val="1405868519"/>
+                <p14:modId xmlns:p14="http://schemas.microsoft.com/office/powerpoint/2010/main" val="2903417911"/>
               </p:ext>
             </p:extLst>
           </p:nvPr>
         </p:nvGraphicFramePr>
         <p:xfrm>
-          <a:off x="458462" y="8326240"/>
+          <a:off x="458462" y="8539600"/>
           <a:ext cx="6544320" cy="558652"/>
         </p:xfrm>
         <a:graphic>
@@ -6001,47 +5559,6 @@
       </p:graphicFrame>
       <p:sp>
         <p:nvSpPr>
-          <p:cNvPr id="13" name="ZoneTexte 12">
-            <a:extLst>
-              <a:ext uri="{FF2B5EF4-FFF2-40B4-BE49-F238E27FC236}">
-                <a16:creationId xmlns:a16="http://schemas.microsoft.com/office/drawing/2014/main" id="{A4F2091A-6D5E-49D4-A23C-B34C523C9402}"/>
-              </a:ext>
-            </a:extLst>
-          </p:cNvPr>
-          <p:cNvSpPr txBox="1"/>
-          <p:nvPr/>
-        </p:nvSpPr>
-        <p:spPr>
-          <a:xfrm>
-            <a:off x="-51235" y="9413887"/>
-            <a:ext cx="5332412" cy="200055"/>
-          </a:xfrm>
-          <a:prstGeom prst="rect">
-            <a:avLst/>
-          </a:prstGeom>
-          <a:noFill/>
-        </p:spPr>
-        <p:txBody>
-          <a:bodyPr wrap="square">
-            <a:spAutoFit/>
-          </a:bodyPr>
-          <a:lstStyle/>
-          <a:p>
-            <a:pPr lvl="1" algn="just"/>
-            <a:r>
-              <a:rPr lang="fr-FR" sz="700" i="1" dirty="0">
-                <a:solidFill>
-                  <a:schemeClr val="tx2"/>
-                </a:solidFill>
-                <a:latin typeface="Proxima Nova Rg" panose="02000506030000020004" pitchFamily="2" charset="0"/>
-              </a:rPr>
-              <a:t>*Les performances des actions sont calculées dividendes non réinvestis et sans frais.</a:t>
-            </a:r>
-          </a:p>
-        </p:txBody>
-      </p:sp>
-      <p:sp>
-        <p:nvSpPr>
           <p:cNvPr id="14" name="Espace réservé du texte 10">
             <a:extLst>
               <a:ext uri="{FF2B5EF4-FFF2-40B4-BE49-F238E27FC236}">
@@ -6056,8 +5573,8 @@
         </p:nvSpPr>
         <p:spPr>
           <a:xfrm>
-            <a:off x="359839" y="9771664"/>
-            <a:ext cx="6482920" cy="500137"/>
+            <a:off x="359838" y="9764454"/>
+            <a:ext cx="6839997" cy="300082"/>
           </a:xfrm>
           <a:prstGeom prst="rect">
             <a:avLst/>
@@ -6234,43 +5751,13 @@
           <a:p>
             <a:pPr algn="just"/>
             <a:r>
-              <a:rPr lang="fr-FR" sz="650" dirty="0">
-                <a:solidFill>
-                  <a:schemeClr val="tx2"/>
-                </a:solidFill>
-                <a:latin typeface="+mn-lt"/>
-              </a:rPr>
-              <a:t>LES DONNÉES RELATIVES AUX PERFORMANCES PASSÉES ONT TRAIT OU SE RÉFÈRENT À DES PÉRIODES PASSÉES ET NE SONT PAS UN INDICATEUR FIABLE DES RÉSULTATS FUTURS. CECI EST VALABLE ÉGALEMENT POUR CE QUI EST DES DONNÉES HISTORIQUES DE MARCHÉ. </a:t>
-            </a:r>
-          </a:p>
-          <a:p>
-            <a:pPr lvl="1" algn="just"/>
-            <a:r>
-              <a:rPr lang="fr-FR" sz="650" dirty="0">
-                <a:solidFill>
-                  <a:schemeClr val="tx2"/>
-                </a:solidFill>
-                <a:latin typeface="+mn-lt"/>
-              </a:rPr>
-              <a:t>L’exactitude, l’exhaustivité ou la pertinence de l’information provenant de sources externes ne sont pas garanties, bien qu’elles aient été obtenues auprès de sources raisonnablement jugées fiables. Sous réserve des lois applicables, </a:t>
-            </a:r>
-            <a:r>
-              <a:rPr lang="en-US" sz="650" dirty="0">
-                <a:solidFill>
-                  <a:schemeClr val="tx2"/>
-                </a:solidFill>
-                <a:latin typeface="+mn-lt"/>
-              </a:rPr>
-              <a:t>BNP Paribas </a:t>
-            </a:r>
-            <a:r>
-              <a:rPr lang="fr-FR" sz="650" dirty="0">
-                <a:solidFill>
-                  <a:schemeClr val="tx2"/>
-                </a:solidFill>
-                <a:latin typeface="+mn-lt"/>
-              </a:rPr>
-              <a:t>n’assume pas de responsabilité à cet égard. Les éléments du présent document relatifs aux données de marchés sont fournis sur la base de données constatées à un moment précis et qui sont susceptibles de varier.</a:t>
+              <a:rPr lang="fr-FR" sz="650" cap="none" dirty="0">
+                <a:solidFill>
+                  <a:srgbClr val="000000"/>
+                </a:solidFill>
+                <a:latin typeface="Proxima Nova Rg" panose="02000506030000020004" pitchFamily="2" charset="0"/>
+              </a:rPr>
+              <a:t>L’exactitude, l’exhaustivité ou la pertinence de l’information provenant de sources externes ne sont pas garanties, bien qu’elles aient été obtenues auprès de sources raisonnablement jugées fiables. Sous réserve des lois applicables, Goldman Sachs et ses sociétés affiliées n’assument aucune responsabilité à cet égard. Les éléments du présent document relatifs aux données de marchés sont fournis sur la base de données constatées à un moment précis et qui sont susceptibles de varier.</a:t>
             </a:r>
           </a:p>
         </p:txBody>
@@ -6552,7 +6039,7 @@
         </p:nvSpPr>
         <p:spPr>
           <a:xfrm>
-            <a:off x="586146" y="4386429"/>
+            <a:off x="586146" y="4531209"/>
             <a:ext cx="4057650" cy="369332"/>
           </a:xfrm>
           <a:prstGeom prst="rect">
@@ -6603,37 +6090,22 @@
           <a:lstStyle/>
           <a:p>
             <a:r>
-              <a:rPr lang="fr-FR" sz="800" u="sng">
-                <a:highlight>
-                  <a:srgbClr val="FF00FF"/>
-                </a:highlight>
-              </a:rPr>
+              <a:rPr lang="fr-FR" sz="800" u="sng" dirty="0"/>
               <a:t>Source :</a:t>
             </a:r>
             <a:r>
-              <a:rPr lang="fr-FR" sz="800">
-                <a:highlight>
-                  <a:srgbClr val="FF00FF"/>
-                </a:highlight>
-              </a:rPr>
+              <a:rPr lang="fr-FR" sz="800" dirty="0"/>
               <a:t> Bloomberg, le </a:t>
             </a:r>
             <a:r>
-              <a:rPr lang="fr-FR" sz="800">
+              <a:rPr lang="fr-FR" sz="800" dirty="0">
                 <a:solidFill>
                   <a:schemeClr val="tx2"/>
                 </a:solidFill>
-                <a:highlight>
-                  <a:srgbClr val="FF00FF"/>
-                </a:highlight>
               </a:rPr>
               <a:t>&lt;DDR1_MAJ&gt;</a:t>
             </a:r>
-            <a:endParaRPr lang="fr-FR" sz="800">
-              <a:highlight>
-                <a:srgbClr val="FF00FF"/>
-              </a:highlight>
-            </a:endParaRPr>
+            <a:endParaRPr lang="fr-FR" sz="800" dirty="0"/>
           </a:p>
         </p:txBody>
       </p:sp>
@@ -6651,7 +6123,7 @@
         </p:nvSpPr>
         <p:spPr>
           <a:xfrm>
-            <a:off x="5417820" y="7967599"/>
+            <a:off x="5417820" y="8142859"/>
             <a:ext cx="1913222" cy="215444"/>
           </a:xfrm>
           <a:prstGeom prst="rect">
@@ -6666,37 +6138,22 @@
           <a:lstStyle/>
           <a:p>
             <a:r>
-              <a:rPr lang="fr-FR" sz="800" u="sng">
-                <a:highlight>
-                  <a:srgbClr val="FF00FF"/>
-                </a:highlight>
-              </a:rPr>
+              <a:rPr lang="fr-FR" sz="800" u="sng" dirty="0"/>
               <a:t>Source :</a:t>
             </a:r>
             <a:r>
-              <a:rPr lang="fr-FR" sz="800">
-                <a:highlight>
-                  <a:srgbClr val="FF00FF"/>
-                </a:highlight>
-              </a:rPr>
+              <a:rPr lang="fr-FR" sz="800" dirty="0"/>
               <a:t> Bloomberg, le </a:t>
             </a:r>
             <a:r>
-              <a:rPr lang="fr-FR" sz="800">
+              <a:rPr lang="fr-FR" sz="800" dirty="0">
                 <a:solidFill>
                   <a:schemeClr val="tx2"/>
                 </a:solidFill>
-                <a:highlight>
-                  <a:srgbClr val="FF00FF"/>
-                </a:highlight>
               </a:rPr>
               <a:t>&lt;DDR1_MAJ&gt;</a:t>
             </a:r>
-            <a:endParaRPr lang="fr-FR" sz="800">
-              <a:highlight>
-                <a:srgbClr val="FF00FF"/>
-              </a:highlight>
-            </a:endParaRPr>
+            <a:endParaRPr lang="fr-FR" sz="800" dirty="0"/>
           </a:p>
         </p:txBody>
       </p:sp>
@@ -6836,7 +6293,7 @@
           <p:nvPr>
             <p:extLst>
               <p:ext uri="{D42A27DB-BD31-4B8C-83A1-F6EECF244321}">
-                <p14:modId xmlns:p14="http://schemas.microsoft.com/office/powerpoint/2010/main" val="1366894946"/>
+                <p14:modId xmlns:p14="http://schemas.microsoft.com/office/powerpoint/2010/main" val="3918558798"/>
               </p:ext>
             </p:extLst>
           </p:nvPr>
@@ -9457,9 +8914,6 @@
                           <a:solidFill>
                             <a:srgbClr val="B9A049"/>
                           </a:solidFill>
-                          <a:highlight>
-                            <a:srgbClr val="FFFF00"/>
-                          </a:highlight>
                           <a:latin typeface="+mn-lt"/>
                           <a:ea typeface="+mn-ea"/>
                           <a:cs typeface="+mn-cs"/>
@@ -10103,9 +9557,6 @@
                           <a:solidFill>
                             <a:schemeClr val="tx1"/>
                           </a:solidFill>
-                          <a:highlight>
-                            <a:srgbClr val="00FFFF"/>
-                          </a:highlight>
                           <a:latin typeface="+mn-lt"/>
                           <a:ea typeface="+mn-ea"/>
                           <a:cs typeface="+mn-cs"/>
@@ -10117,9 +9568,6 @@
                           <a:solidFill>
                             <a:schemeClr val="tx1"/>
                           </a:solidFill>
-                          <a:highlight>
-                            <a:srgbClr val="00FFFF"/>
-                          </a:highlight>
                           <a:latin typeface="+mn-lt"/>
                           <a:ea typeface="+mn-ea"/>
                           <a:cs typeface="+mn-cs"/>
@@ -10131,9 +9579,6 @@
                           <a:solidFill>
                             <a:schemeClr val="tx1"/>
                           </a:solidFill>
-                          <a:highlight>
-                            <a:srgbClr val="00FFFF"/>
-                          </a:highlight>
                           <a:latin typeface="+mn-lt"/>
                           <a:ea typeface="+mn-ea"/>
                           <a:cs typeface="+mn-cs"/>
@@ -10319,9 +9764,6 @@
                           <a:solidFill>
                             <a:srgbClr val="FF0000"/>
                           </a:solidFill>
-                          <a:highlight>
-                            <a:srgbClr val="00FFFF"/>
-                          </a:highlight>
                           <a:latin typeface="+mn-lt"/>
                           <a:ea typeface="+mn-ea"/>
                           <a:cs typeface="+mn-cs"/>
@@ -10333,9 +9775,6 @@
                           <a:solidFill>
                             <a:schemeClr val="tx1"/>
                           </a:solidFill>
-                          <a:highlight>
-                            <a:srgbClr val="00FFFF"/>
-                          </a:highlight>
                           <a:latin typeface="+mn-lt"/>
                           <a:ea typeface="+mn-ea"/>
                           <a:cs typeface="+mn-cs"/>
@@ -10347,9 +9786,6 @@
                           <a:solidFill>
                             <a:schemeClr val="tx1"/>
                           </a:solidFill>
-                          <a:highlight>
-                            <a:srgbClr val="00FFFF"/>
-                          </a:highlight>
                           <a:latin typeface="+mn-lt"/>
                           <a:ea typeface="+mn-ea"/>
                           <a:cs typeface="+mn-cs"/>
@@ -13427,7 +12863,7 @@
           <p:nvPr>
             <p:extLst>
               <p:ext uri="{D42A27DB-BD31-4B8C-83A1-F6EECF244321}">
-                <p14:modId xmlns:p14="http://schemas.microsoft.com/office/powerpoint/2010/main" val="227458976"/>
+                <p14:modId xmlns:p14="http://schemas.microsoft.com/office/powerpoint/2010/main" val="1418514870"/>
               </p:ext>
             </p:extLst>
           </p:nvPr>
@@ -16836,9 +16272,6 @@
                           <a:solidFill>
                             <a:schemeClr val="tx1"/>
                           </a:solidFill>
-                          <a:highlight>
-                            <a:srgbClr val="00FFFF"/>
-                          </a:highlight>
                           <a:latin typeface="+mn-lt"/>
                           <a:ea typeface="+mn-ea"/>
                           <a:cs typeface="+mn-cs"/>
@@ -16850,9 +16283,6 @@
                           <a:solidFill>
                             <a:schemeClr val="tx1"/>
                           </a:solidFill>
-                          <a:highlight>
-                            <a:srgbClr val="00FFFF"/>
-                          </a:highlight>
                           <a:latin typeface="+mn-lt"/>
                           <a:ea typeface="+mn-ea"/>
                           <a:cs typeface="+mn-cs"/>
@@ -16864,9 +16294,6 @@
                           <a:solidFill>
                             <a:schemeClr val="tx1"/>
                           </a:solidFill>
-                          <a:highlight>
-                            <a:srgbClr val="00FFFF"/>
-                          </a:highlight>
                           <a:latin typeface="+mn-lt"/>
                           <a:ea typeface="+mn-ea"/>
                           <a:cs typeface="+mn-cs"/>
@@ -17052,9 +16479,6 @@
                           <a:solidFill>
                             <a:schemeClr val="tx1"/>
                           </a:solidFill>
-                          <a:highlight>
-                            <a:srgbClr val="00FFFF"/>
-                          </a:highlight>
                           <a:latin typeface="+mn-lt"/>
                           <a:ea typeface="+mn-ea"/>
                           <a:cs typeface="+mn-cs"/>
@@ -17066,9 +16490,6 @@
                           <a:solidFill>
                             <a:schemeClr val="tx1"/>
                           </a:solidFill>
-                          <a:highlight>
-                            <a:srgbClr val="00FFFF"/>
-                          </a:highlight>
                           <a:latin typeface="+mn-lt"/>
                           <a:ea typeface="+mn-ea"/>
                           <a:cs typeface="+mn-cs"/>
@@ -17080,9 +16501,6 @@
                           <a:solidFill>
                             <a:schemeClr val="tx1"/>
                           </a:solidFill>
-                          <a:highlight>
-                            <a:srgbClr val="00FFFF"/>
-                          </a:highlight>
                           <a:latin typeface="+mn-lt"/>
                           <a:ea typeface="+mn-ea"/>
                           <a:cs typeface="+mn-cs"/>
@@ -17268,9 +16686,6 @@
                           <a:solidFill>
                             <a:schemeClr val="tx1"/>
                           </a:solidFill>
-                          <a:highlight>
-                            <a:srgbClr val="00FFFF"/>
-                          </a:highlight>
                           <a:latin typeface="+mn-lt"/>
                           <a:ea typeface="+mn-ea"/>
                           <a:cs typeface="+mn-cs"/>
@@ -17282,9 +16697,6 @@
                           <a:solidFill>
                             <a:schemeClr val="tx1"/>
                           </a:solidFill>
-                          <a:highlight>
-                            <a:srgbClr val="00FFFF"/>
-                          </a:highlight>
                           <a:latin typeface="+mn-lt"/>
                           <a:ea typeface="+mn-ea"/>
                           <a:cs typeface="+mn-cs"/>
@@ -17296,9 +16708,6 @@
                           <a:solidFill>
                             <a:schemeClr val="tx1"/>
                           </a:solidFill>
-                          <a:highlight>
-                            <a:srgbClr val="00FFFF"/>
-                          </a:highlight>
                           <a:latin typeface="+mn-lt"/>
                           <a:ea typeface="+mn-ea"/>
                           <a:cs typeface="+mn-cs"/>
@@ -20684,7 +20093,7 @@
         </p:nvSpPr>
         <p:spPr>
           <a:xfrm>
-            <a:off x="458462" y="5904665"/>
+            <a:off x="458462" y="5245762"/>
             <a:ext cx="4248000" cy="230950"/>
           </a:xfrm>
           <a:prstGeom prst="rect">
@@ -20889,7 +20298,7 @@
         </p:nvSpPr>
         <p:spPr>
           <a:xfrm>
-            <a:off x="361950" y="5937925"/>
+            <a:off x="361950" y="5279022"/>
             <a:ext cx="45719" cy="138398"/>
           </a:xfrm>
           <a:prstGeom prst="rect">
@@ -21148,7 +20557,7 @@
                 <a:ea typeface="+mn-ea"/>
                 <a:cs typeface="+mn-cs"/>
               </a:rPr>
-              <a:t>Les termes « capital » et « capital initial » utilisés dans cette brochure désignent la Valeur Nominale des titres de créance </a:t>
+              <a:t>Les termes « capital » et « capital initial » utilisés dans cette brochure désignent la Valeur Nominale des titres de créance « </a:t>
             </a:r>
             <a:r>
               <a:rPr lang="fr-FR" sz="800" dirty="0">
@@ -21157,7 +20566,7 @@
                 </a:solidFill>
                 <a:latin typeface="Proxima Nova Rg"/>
               </a:rPr>
-              <a:t>&lt;</a:t>
+              <a:t>&lt;NOM&gt;</a:t>
             </a:r>
             <a:r>
               <a:rPr kumimoji="0" lang="fr-FR" sz="800" b="0" i="0" u="none" strike="noStrike" kern="1200" cap="none" spc="0" normalizeH="0" baseline="0" noProof="0" dirty="0">
@@ -21174,7 +20583,7 @@
                 <a:ea typeface="+mn-ea"/>
                 <a:cs typeface="+mn-cs"/>
               </a:rPr>
-              <a:t>NOM&gt; soit 1000 EUR. Le montant remboursé est brut hors frais et fiscalité applicable au cadre d’investissement. Les Taux de Rendement Annuel (« TRA ») sont nets de frais de gestion pour les contrats d’assurance vie/capitalisation ou net de droits de garde en compte-titres (en prenant comme hypothèse un taux de frais de gestion ou de droits de garde de 1,00% annuel), mais sans prise en compte des autres frais, de la fiscalité et prélèvements sociaux applicables au cadre d’investissement. Ils sont calculés pour un investissement entre la </a:t>
+              <a:t> » soit 1000 EUR. Le montant remboursé est brut hors frais et fiscalité applicable au cadre d’investissement. Les Taux de Rendement Annuel (« TRA ») sont nets de frais de gestion pour les contrats d’assurance vie/capitalisation ou net de droits de garde en compte-titres (en prenant comme hypothèse un taux de frais de gestion ou de droits de garde de 1,00% annuel), mais sans prise en compte des autres frais, de la fiscalité et prélèvements sociaux applicables au cadre d’investissement. Ils sont calculés pour un investissement entre la </a:t>
             </a:r>
             <a:r>
               <a:rPr lang="fr-FR" sz="800" dirty="0">
@@ -21852,7 +21261,7 @@
                 <a:ea typeface="+mn-ea"/>
                 <a:cs typeface="+mn-cs"/>
               </a:rPr>
-              <a:t>ou égal à &lt;BCPN&gt; &lt;balisedeg1&gt;</a:t>
+              <a:t>ou égal à &lt;ABAC&gt; &lt;balisedeg1&gt;</a:t>
             </a:r>
             <a:r>
               <a:rPr kumimoji="0" lang="fr-FR" sz="800" b="0" i="0" u="none" strike="noStrike" kern="1200" cap="none" spc="0" normalizeH="0" baseline="0" noProof="0" dirty="0">
@@ -22031,32 +21440,7 @@
                 <a:ea typeface="+mn-ea"/>
                 <a:cs typeface="+mn-cs"/>
               </a:rPr>
-              <a:t>), les investisseurs recevront en contrepartie l’intégralité du capital initial si &lt;SJR1&gt; ne baisse pas de plus de &lt;</a:t>
-            </a:r>
-            <a:r>
-              <a:rPr lang="fr-FR" sz="800" dirty="0">
-                <a:solidFill>
-                  <a:srgbClr val="000000"/>
-                </a:solidFill>
-              </a:rPr>
-              <a:t>PDIPERF&gt;</a:t>
-            </a:r>
-            <a:r>
-              <a:rPr kumimoji="0" lang="fr-FR" sz="800" b="0" i="0" u="none" strike="noStrike" kern="1200" cap="none" spc="0" normalizeH="0" baseline="0" noProof="0" dirty="0">
-                <a:ln>
-                  <a:noFill/>
-                </a:ln>
-                <a:solidFill>
-                  <a:schemeClr val="tx1"/>
-                </a:solidFill>
-                <a:effectLst/>
-                <a:uLnTx/>
-                <a:uFillTx/>
-                <a:latin typeface="Proxima Nova Rg"/>
-                <a:ea typeface="+mn-ea"/>
-                <a:cs typeface="+mn-cs"/>
-              </a:rPr>
-              <a:t> par rapport à son &lt;NDR&gt; à l’échéance</a:t>
+              <a:t>), les investisseurs recevront en contrepartie l’intégralité du capital initial si &lt;SJR1&gt; ne baisse pas de plus de &lt;PDIPERF&gt; par rapport à son &lt;NDR&gt; à l’échéance</a:t>
             </a:r>
             <a:r>
               <a:rPr kumimoji="0" lang="fr-FR" sz="800" b="0" i="0" u="none" strike="noStrike" kern="1200" cap="none" spc="0" normalizeH="0" baseline="30000" noProof="0" dirty="0">
@@ -22199,7 +21583,7 @@
         </p:nvSpPr>
         <p:spPr>
           <a:xfrm>
-            <a:off x="407669" y="6830047"/>
+            <a:off x="407669" y="6171144"/>
             <a:ext cx="6242589" cy="369332"/>
           </a:xfrm>
           <a:prstGeom prst="rect">
@@ -22784,262 +22168,6 @@
       </p:sp>
       <p:sp>
         <p:nvSpPr>
-          <p:cNvPr id="19" name="Espace réservé du texte 11">
-            <a:extLst>
-              <a:ext uri="{FF2B5EF4-FFF2-40B4-BE49-F238E27FC236}">
-                <a16:creationId xmlns:a16="http://schemas.microsoft.com/office/drawing/2014/main" id="{2F06D158-A267-FB4F-2C42-339AB03BC597}"/>
-              </a:ext>
-            </a:extLst>
-          </p:cNvPr>
-          <p:cNvSpPr txBox="1">
-            <a:spLocks/>
-          </p:cNvSpPr>
-          <p:nvPr/>
-        </p:nvSpPr>
-        <p:spPr>
-          <a:xfrm>
-            <a:off x="458462" y="5904665"/>
-            <a:ext cx="4248000" cy="230950"/>
-          </a:xfrm>
-          <a:prstGeom prst="rect">
-            <a:avLst/>
-          </a:prstGeom>
-        </p:spPr>
-        <p:txBody>
-          <a:bodyPr lIns="0" tIns="0" rIns="0" bIns="0" anchor="ctr">
-            <a:noAutofit/>
-          </a:bodyPr>
-          <a:lstStyle>
-            <a:lvl1pPr marL="0" indent="0" algn="l" defTabSz="755934" rtl="0" eaLnBrk="1" latinLnBrk="0" hangingPunct="1">
-              <a:lnSpc>
-                <a:spcPct val="90000"/>
-              </a:lnSpc>
-              <a:spcBef>
-                <a:spcPts val="2400"/>
-              </a:spcBef>
-              <a:buFont typeface="Arial" panose="020B0604020202020204" pitchFamily="34" charset="0"/>
-              <a:buNone/>
-              <a:defRPr sz="1600" b="0" kern="1200" cap="all" baseline="0">
-                <a:solidFill>
-                  <a:schemeClr val="tx1"/>
-                </a:solidFill>
-                <a:latin typeface="Gotham Bold" pitchFamily="50" charset="0"/>
-                <a:ea typeface="+mn-ea"/>
-                <a:cs typeface="Gotham Bold" pitchFamily="50" charset="0"/>
-              </a:defRPr>
-            </a:lvl1pPr>
-            <a:lvl2pPr marL="179388" indent="0" algn="l" defTabSz="755934" rtl="0" eaLnBrk="1" latinLnBrk="0" hangingPunct="1">
-              <a:lnSpc>
-                <a:spcPct val="100000"/>
-              </a:lnSpc>
-              <a:spcBef>
-                <a:spcPts val="900"/>
-              </a:spcBef>
-              <a:buFont typeface="Arial" panose="020B0604020202020204" pitchFamily="34" charset="0"/>
-              <a:buNone/>
-              <a:defRPr sz="1200" kern="1200" cap="all" baseline="0">
-                <a:solidFill>
-                  <a:schemeClr val="tx1"/>
-                </a:solidFill>
-                <a:latin typeface="Gotham Medium" pitchFamily="50" charset="0"/>
-                <a:ea typeface="+mn-ea"/>
-                <a:cs typeface="Gotham Medium" pitchFamily="50" charset="0"/>
-              </a:defRPr>
-            </a:lvl2pPr>
-            <a:lvl3pPr marL="179388" indent="0" algn="l" defTabSz="755934" rtl="0" eaLnBrk="1" latinLnBrk="0" hangingPunct="1">
-              <a:lnSpc>
-                <a:spcPct val="100000"/>
-              </a:lnSpc>
-              <a:spcBef>
-                <a:spcPts val="600"/>
-              </a:spcBef>
-              <a:buFont typeface="Arial" panose="020B0604020202020204" pitchFamily="34" charset="0"/>
-              <a:buNone/>
-              <a:defRPr sz="900" kern="1200">
-                <a:solidFill>
-                  <a:schemeClr val="tx2"/>
-                </a:solidFill>
-                <a:latin typeface="+mn-lt"/>
-                <a:ea typeface="+mn-ea"/>
-                <a:cs typeface="+mn-cs"/>
-              </a:defRPr>
-            </a:lvl3pPr>
-            <a:lvl4pPr marL="0" indent="0" algn="ctr" defTabSz="755934" rtl="0" eaLnBrk="1" latinLnBrk="0" hangingPunct="1">
-              <a:lnSpc>
-                <a:spcPct val="100000"/>
-              </a:lnSpc>
-              <a:spcBef>
-                <a:spcPts val="1000"/>
-              </a:spcBef>
-              <a:spcAft>
-                <a:spcPts val="1000"/>
-              </a:spcAft>
-              <a:buFont typeface="Arial" panose="020B0604020202020204" pitchFamily="34" charset="0"/>
-              <a:buNone/>
-              <a:defRPr sz="900" u="none" kern="1200">
-                <a:solidFill>
-                  <a:schemeClr val="tx2"/>
-                </a:solidFill>
-                <a:latin typeface="Ciutadella Light" panose="02000000000000000000" pitchFamily="50" charset="0"/>
-                <a:ea typeface="+mn-ea"/>
-                <a:cs typeface="+mn-cs"/>
-              </a:defRPr>
-            </a:lvl4pPr>
-            <a:lvl5pPr marL="179388" indent="0" algn="l" defTabSz="755934" rtl="0" eaLnBrk="1" latinLnBrk="0" hangingPunct="1">
-              <a:lnSpc>
-                <a:spcPct val="100000"/>
-              </a:lnSpc>
-              <a:spcBef>
-                <a:spcPts val="600"/>
-              </a:spcBef>
-              <a:buFont typeface="Arial" panose="020B0604020202020204" pitchFamily="34" charset="0"/>
-              <a:buNone/>
-              <a:defRPr sz="900" kern="1200">
-                <a:solidFill>
-                  <a:schemeClr val="tx2"/>
-                </a:solidFill>
-                <a:latin typeface="Ciutadella Medium" panose="01000000000000000000" pitchFamily="50" charset="0"/>
-                <a:ea typeface="+mn-ea"/>
-                <a:cs typeface="+mn-cs"/>
-              </a:defRPr>
-            </a:lvl5pPr>
-            <a:lvl6pPr marL="2078820" indent="-188984" algn="l" defTabSz="755934" rtl="0" eaLnBrk="1" latinLnBrk="0" hangingPunct="1">
-              <a:lnSpc>
-                <a:spcPct val="90000"/>
-              </a:lnSpc>
-              <a:spcBef>
-                <a:spcPts val="413"/>
-              </a:spcBef>
-              <a:buFont typeface="Arial" panose="020B0604020202020204" pitchFamily="34" charset="0"/>
-              <a:buChar char="•"/>
-              <a:defRPr sz="1488" kern="1200">
-                <a:solidFill>
-                  <a:schemeClr val="tx1"/>
-                </a:solidFill>
-                <a:latin typeface="+mn-lt"/>
-                <a:ea typeface="+mn-ea"/>
-                <a:cs typeface="+mn-cs"/>
-              </a:defRPr>
-            </a:lvl6pPr>
-            <a:lvl7pPr marL="2456787" indent="-188984" algn="l" defTabSz="755934" rtl="0" eaLnBrk="1" latinLnBrk="0" hangingPunct="1">
-              <a:lnSpc>
-                <a:spcPct val="90000"/>
-              </a:lnSpc>
-              <a:spcBef>
-                <a:spcPts val="413"/>
-              </a:spcBef>
-              <a:buFont typeface="Arial" panose="020B0604020202020204" pitchFamily="34" charset="0"/>
-              <a:buChar char="•"/>
-              <a:defRPr sz="1488" kern="1200">
-                <a:solidFill>
-                  <a:schemeClr val="tx1"/>
-                </a:solidFill>
-                <a:latin typeface="+mn-lt"/>
-                <a:ea typeface="+mn-ea"/>
-                <a:cs typeface="+mn-cs"/>
-              </a:defRPr>
-            </a:lvl7pPr>
-            <a:lvl8pPr marL="2834754" indent="-188984" algn="l" defTabSz="755934" rtl="0" eaLnBrk="1" latinLnBrk="0" hangingPunct="1">
-              <a:lnSpc>
-                <a:spcPct val="90000"/>
-              </a:lnSpc>
-              <a:spcBef>
-                <a:spcPts val="413"/>
-              </a:spcBef>
-              <a:buFont typeface="Arial" panose="020B0604020202020204" pitchFamily="34" charset="0"/>
-              <a:buChar char="•"/>
-              <a:defRPr sz="1488" kern="1200">
-                <a:solidFill>
-                  <a:schemeClr val="tx1"/>
-                </a:solidFill>
-                <a:latin typeface="+mn-lt"/>
-                <a:ea typeface="+mn-ea"/>
-                <a:cs typeface="+mn-cs"/>
-              </a:defRPr>
-            </a:lvl8pPr>
-            <a:lvl9pPr marL="3212722" indent="-188984" algn="l" defTabSz="755934" rtl="0" eaLnBrk="1" latinLnBrk="0" hangingPunct="1">
-              <a:lnSpc>
-                <a:spcPct val="90000"/>
-              </a:lnSpc>
-              <a:spcBef>
-                <a:spcPts val="413"/>
-              </a:spcBef>
-              <a:buFont typeface="Arial" panose="020B0604020202020204" pitchFamily="34" charset="0"/>
-              <a:buChar char="•"/>
-              <a:defRPr sz="1488" kern="1200">
-                <a:solidFill>
-                  <a:schemeClr val="tx1"/>
-                </a:solidFill>
-                <a:latin typeface="+mn-lt"/>
-                <a:ea typeface="+mn-ea"/>
-                <a:cs typeface="+mn-cs"/>
-              </a:defRPr>
-            </a:lvl9pPr>
-          </a:lstStyle>
-          <a:p>
-            <a:r>
-              <a:rPr lang="fr-FR" sz="1200" dirty="0">
-                <a:solidFill>
-                  <a:srgbClr val="000000"/>
-                </a:solidFill>
-                <a:latin typeface="Futura PT" panose="020B0902020204020203" pitchFamily="34" charset="0"/>
-              </a:rPr>
-              <a:t>SCHÉMA DU MÉCANISME DE REMBOURSEMENT</a:t>
-            </a:r>
-          </a:p>
-        </p:txBody>
-      </p:sp>
-      <p:sp>
-        <p:nvSpPr>
-          <p:cNvPr id="20" name="Rectangle">
-            <a:extLst>
-              <a:ext uri="{FF2B5EF4-FFF2-40B4-BE49-F238E27FC236}">
-                <a16:creationId xmlns:a16="http://schemas.microsoft.com/office/drawing/2014/main" id="{A5A8EA0F-CD65-95B8-77DE-0C5D4699E444}"/>
-              </a:ext>
-            </a:extLst>
-          </p:cNvPr>
-          <p:cNvSpPr/>
-          <p:nvPr/>
-        </p:nvSpPr>
-        <p:spPr>
-          <a:xfrm>
-            <a:off x="361950" y="5937925"/>
-            <a:ext cx="45719" cy="138398"/>
-          </a:xfrm>
-          <a:prstGeom prst="rect">
-            <a:avLst/>
-          </a:prstGeom>
-          <a:solidFill>
-            <a:srgbClr val="B9A049"/>
-          </a:solidFill>
-          <a:ln w="3175">
-            <a:miter lim="400000"/>
-          </a:ln>
-        </p:spPr>
-        <p:txBody>
-          <a:bodyPr lIns="20981" tIns="20981" rIns="20981" bIns="20981"/>
-          <a:lstStyle/>
-          <a:p>
-            <a:pPr algn="ctr" defTabSz="825500">
-              <a:lnSpc>
-                <a:spcPct val="100000"/>
-              </a:lnSpc>
-              <a:defRPr sz="3200" b="0">
-                <a:solidFill>
-                  <a:srgbClr val="FFFFFF"/>
-                </a:solidFill>
-                <a:latin typeface="Helvetica Neue Medium"/>
-                <a:ea typeface="Helvetica Neue Medium"/>
-                <a:cs typeface="Helvetica Neue Medium"/>
-                <a:sym typeface="Helvetica Neue Medium"/>
-              </a:defRPr>
-            </a:pPr>
-            <a:endParaRPr/>
-          </a:p>
-        </p:txBody>
-      </p:sp>
-      <p:sp>
-        <p:nvSpPr>
           <p:cNvPr id="21" name="Espace réservé du texte 11">
             <a:extLst>
               <a:ext uri="{FF2B5EF4-FFF2-40B4-BE49-F238E27FC236}">
@@ -24264,10 +23392,266 @@
       </p:sp>
       <p:sp>
         <p:nvSpPr>
-          <p:cNvPr id="22" name="ZoneTexte 21">
+          <p:cNvPr id="11" name="Espace réservé du texte 11">
             <a:extLst>
               <a:ext uri="{FF2B5EF4-FFF2-40B4-BE49-F238E27FC236}">
-                <a16:creationId xmlns:a16="http://schemas.microsoft.com/office/drawing/2014/main" id="{A3E3112C-18B3-117A-02D1-3C212B32FBFF}"/>
+                <a16:creationId xmlns:a16="http://schemas.microsoft.com/office/drawing/2014/main" id="{3DD71502-B04E-5C4F-C7F2-9F64DE6B1C11}"/>
+              </a:ext>
+            </a:extLst>
+          </p:cNvPr>
+          <p:cNvSpPr txBox="1">
+            <a:spLocks/>
+          </p:cNvSpPr>
+          <p:nvPr/>
+        </p:nvSpPr>
+        <p:spPr>
+          <a:xfrm>
+            <a:off x="458462" y="5245762"/>
+            <a:ext cx="4248000" cy="230950"/>
+          </a:xfrm>
+          <a:prstGeom prst="rect">
+            <a:avLst/>
+          </a:prstGeom>
+        </p:spPr>
+        <p:txBody>
+          <a:bodyPr lIns="0" tIns="0" rIns="0" bIns="0" anchor="ctr">
+            <a:noAutofit/>
+          </a:bodyPr>
+          <a:lstStyle>
+            <a:lvl1pPr marL="0" indent="0" algn="l" defTabSz="755934" rtl="0" eaLnBrk="1" latinLnBrk="0" hangingPunct="1">
+              <a:lnSpc>
+                <a:spcPct val="90000"/>
+              </a:lnSpc>
+              <a:spcBef>
+                <a:spcPts val="2400"/>
+              </a:spcBef>
+              <a:buFont typeface="Arial" panose="020B0604020202020204" pitchFamily="34" charset="0"/>
+              <a:buNone/>
+              <a:defRPr sz="1600" b="0" kern="1200" cap="all" baseline="0">
+                <a:solidFill>
+                  <a:schemeClr val="tx1"/>
+                </a:solidFill>
+                <a:latin typeface="Gotham Bold" pitchFamily="50" charset="0"/>
+                <a:ea typeface="+mn-ea"/>
+                <a:cs typeface="Gotham Bold" pitchFamily="50" charset="0"/>
+              </a:defRPr>
+            </a:lvl1pPr>
+            <a:lvl2pPr marL="179388" indent="0" algn="l" defTabSz="755934" rtl="0" eaLnBrk="1" latinLnBrk="0" hangingPunct="1">
+              <a:lnSpc>
+                <a:spcPct val="100000"/>
+              </a:lnSpc>
+              <a:spcBef>
+                <a:spcPts val="900"/>
+              </a:spcBef>
+              <a:buFont typeface="Arial" panose="020B0604020202020204" pitchFamily="34" charset="0"/>
+              <a:buNone/>
+              <a:defRPr sz="1200" kern="1200" cap="all" baseline="0">
+                <a:solidFill>
+                  <a:schemeClr val="tx1"/>
+                </a:solidFill>
+                <a:latin typeface="Gotham Medium" pitchFamily="50" charset="0"/>
+                <a:ea typeface="+mn-ea"/>
+                <a:cs typeface="Gotham Medium" pitchFamily="50" charset="0"/>
+              </a:defRPr>
+            </a:lvl2pPr>
+            <a:lvl3pPr marL="179388" indent="0" algn="l" defTabSz="755934" rtl="0" eaLnBrk="1" latinLnBrk="0" hangingPunct="1">
+              <a:lnSpc>
+                <a:spcPct val="100000"/>
+              </a:lnSpc>
+              <a:spcBef>
+                <a:spcPts val="600"/>
+              </a:spcBef>
+              <a:buFont typeface="Arial" panose="020B0604020202020204" pitchFamily="34" charset="0"/>
+              <a:buNone/>
+              <a:defRPr sz="900" kern="1200">
+                <a:solidFill>
+                  <a:schemeClr val="tx2"/>
+                </a:solidFill>
+                <a:latin typeface="+mn-lt"/>
+                <a:ea typeface="+mn-ea"/>
+                <a:cs typeface="+mn-cs"/>
+              </a:defRPr>
+            </a:lvl3pPr>
+            <a:lvl4pPr marL="0" indent="0" algn="ctr" defTabSz="755934" rtl="0" eaLnBrk="1" latinLnBrk="0" hangingPunct="1">
+              <a:lnSpc>
+                <a:spcPct val="100000"/>
+              </a:lnSpc>
+              <a:spcBef>
+                <a:spcPts val="1000"/>
+              </a:spcBef>
+              <a:spcAft>
+                <a:spcPts val="1000"/>
+              </a:spcAft>
+              <a:buFont typeface="Arial" panose="020B0604020202020204" pitchFamily="34" charset="0"/>
+              <a:buNone/>
+              <a:defRPr sz="900" u="none" kern="1200">
+                <a:solidFill>
+                  <a:schemeClr val="tx2"/>
+                </a:solidFill>
+                <a:latin typeface="Ciutadella Light" panose="02000000000000000000" pitchFamily="50" charset="0"/>
+                <a:ea typeface="+mn-ea"/>
+                <a:cs typeface="+mn-cs"/>
+              </a:defRPr>
+            </a:lvl4pPr>
+            <a:lvl5pPr marL="179388" indent="0" algn="l" defTabSz="755934" rtl="0" eaLnBrk="1" latinLnBrk="0" hangingPunct="1">
+              <a:lnSpc>
+                <a:spcPct val="100000"/>
+              </a:lnSpc>
+              <a:spcBef>
+                <a:spcPts val="600"/>
+              </a:spcBef>
+              <a:buFont typeface="Arial" panose="020B0604020202020204" pitchFamily="34" charset="0"/>
+              <a:buNone/>
+              <a:defRPr sz="900" kern="1200">
+                <a:solidFill>
+                  <a:schemeClr val="tx2"/>
+                </a:solidFill>
+                <a:latin typeface="Ciutadella Medium" panose="01000000000000000000" pitchFamily="50" charset="0"/>
+                <a:ea typeface="+mn-ea"/>
+                <a:cs typeface="+mn-cs"/>
+              </a:defRPr>
+            </a:lvl5pPr>
+            <a:lvl6pPr marL="2078820" indent="-188984" algn="l" defTabSz="755934" rtl="0" eaLnBrk="1" latinLnBrk="0" hangingPunct="1">
+              <a:lnSpc>
+                <a:spcPct val="90000"/>
+              </a:lnSpc>
+              <a:spcBef>
+                <a:spcPts val="413"/>
+              </a:spcBef>
+              <a:buFont typeface="Arial" panose="020B0604020202020204" pitchFamily="34" charset="0"/>
+              <a:buChar char="•"/>
+              <a:defRPr sz="1488" kern="1200">
+                <a:solidFill>
+                  <a:schemeClr val="tx1"/>
+                </a:solidFill>
+                <a:latin typeface="+mn-lt"/>
+                <a:ea typeface="+mn-ea"/>
+                <a:cs typeface="+mn-cs"/>
+              </a:defRPr>
+            </a:lvl6pPr>
+            <a:lvl7pPr marL="2456787" indent="-188984" algn="l" defTabSz="755934" rtl="0" eaLnBrk="1" latinLnBrk="0" hangingPunct="1">
+              <a:lnSpc>
+                <a:spcPct val="90000"/>
+              </a:lnSpc>
+              <a:spcBef>
+                <a:spcPts val="413"/>
+              </a:spcBef>
+              <a:buFont typeface="Arial" panose="020B0604020202020204" pitchFamily="34" charset="0"/>
+              <a:buChar char="•"/>
+              <a:defRPr sz="1488" kern="1200">
+                <a:solidFill>
+                  <a:schemeClr val="tx1"/>
+                </a:solidFill>
+                <a:latin typeface="+mn-lt"/>
+                <a:ea typeface="+mn-ea"/>
+                <a:cs typeface="+mn-cs"/>
+              </a:defRPr>
+            </a:lvl7pPr>
+            <a:lvl8pPr marL="2834754" indent="-188984" algn="l" defTabSz="755934" rtl="0" eaLnBrk="1" latinLnBrk="0" hangingPunct="1">
+              <a:lnSpc>
+                <a:spcPct val="90000"/>
+              </a:lnSpc>
+              <a:spcBef>
+                <a:spcPts val="413"/>
+              </a:spcBef>
+              <a:buFont typeface="Arial" panose="020B0604020202020204" pitchFamily="34" charset="0"/>
+              <a:buChar char="•"/>
+              <a:defRPr sz="1488" kern="1200">
+                <a:solidFill>
+                  <a:schemeClr val="tx1"/>
+                </a:solidFill>
+                <a:latin typeface="+mn-lt"/>
+                <a:ea typeface="+mn-ea"/>
+                <a:cs typeface="+mn-cs"/>
+              </a:defRPr>
+            </a:lvl8pPr>
+            <a:lvl9pPr marL="3212722" indent="-188984" algn="l" defTabSz="755934" rtl="0" eaLnBrk="1" latinLnBrk="0" hangingPunct="1">
+              <a:lnSpc>
+                <a:spcPct val="90000"/>
+              </a:lnSpc>
+              <a:spcBef>
+                <a:spcPts val="413"/>
+              </a:spcBef>
+              <a:buFont typeface="Arial" panose="020B0604020202020204" pitchFamily="34" charset="0"/>
+              <a:buChar char="•"/>
+              <a:defRPr sz="1488" kern="1200">
+                <a:solidFill>
+                  <a:schemeClr val="tx1"/>
+                </a:solidFill>
+                <a:latin typeface="+mn-lt"/>
+                <a:ea typeface="+mn-ea"/>
+                <a:cs typeface="+mn-cs"/>
+              </a:defRPr>
+            </a:lvl9pPr>
+          </a:lstStyle>
+          <a:p>
+            <a:r>
+              <a:rPr lang="fr-FR" sz="1200" dirty="0">
+                <a:solidFill>
+                  <a:srgbClr val="000000"/>
+                </a:solidFill>
+                <a:latin typeface="Futura PT" panose="020B0902020204020203" pitchFamily="34" charset="0"/>
+              </a:rPr>
+              <a:t>SCHÉMA DU MÉCANISME DE REMBOURSEMENT</a:t>
+            </a:r>
+          </a:p>
+        </p:txBody>
+      </p:sp>
+      <p:sp>
+        <p:nvSpPr>
+          <p:cNvPr id="12" name="Rectangle">
+            <a:extLst>
+              <a:ext uri="{FF2B5EF4-FFF2-40B4-BE49-F238E27FC236}">
+                <a16:creationId xmlns:a16="http://schemas.microsoft.com/office/drawing/2014/main" id="{E038A5E5-88E6-B3AF-56B5-777EF1EA5175}"/>
+              </a:ext>
+            </a:extLst>
+          </p:cNvPr>
+          <p:cNvSpPr/>
+          <p:nvPr/>
+        </p:nvSpPr>
+        <p:spPr>
+          <a:xfrm>
+            <a:off x="361950" y="5279022"/>
+            <a:ext cx="45719" cy="138398"/>
+          </a:xfrm>
+          <a:prstGeom prst="rect">
+            <a:avLst/>
+          </a:prstGeom>
+          <a:solidFill>
+            <a:srgbClr val="B9A049"/>
+          </a:solidFill>
+          <a:ln w="3175">
+            <a:miter lim="400000"/>
+          </a:ln>
+        </p:spPr>
+        <p:txBody>
+          <a:bodyPr lIns="20981" tIns="20981" rIns="20981" bIns="20981"/>
+          <a:lstStyle/>
+          <a:p>
+            <a:pPr algn="ctr" defTabSz="825500">
+              <a:lnSpc>
+                <a:spcPct val="100000"/>
+              </a:lnSpc>
+              <a:defRPr sz="3200" b="0">
+                <a:solidFill>
+                  <a:srgbClr val="FFFFFF"/>
+                </a:solidFill>
+                <a:latin typeface="Helvetica Neue Medium"/>
+                <a:ea typeface="Helvetica Neue Medium"/>
+                <a:cs typeface="Helvetica Neue Medium"/>
+                <a:sym typeface="Helvetica Neue Medium"/>
+              </a:defRPr>
+            </a:pPr>
+            <a:endParaRPr/>
+          </a:p>
+        </p:txBody>
+      </p:sp>
+      <p:sp>
+        <p:nvSpPr>
+          <p:cNvPr id="14" name="ZoneTexte 13">
+            <a:extLst>
+              <a:ext uri="{FF2B5EF4-FFF2-40B4-BE49-F238E27FC236}">
+                <a16:creationId xmlns:a16="http://schemas.microsoft.com/office/drawing/2014/main" id="{3C8F155A-D960-69D8-8339-5FAAC888A39A}"/>
               </a:ext>
             </a:extLst>
           </p:cNvPr>
@@ -24276,7 +23660,7 @@
         </p:nvSpPr>
         <p:spPr>
           <a:xfrm>
-            <a:off x="407669" y="6830047"/>
+            <a:off x="407669" y="6171144"/>
             <a:ext cx="6242589" cy="369332"/>
           </a:xfrm>
           <a:prstGeom prst="rect">
@@ -24744,7 +24128,7 @@
         <p:spPr>
           <a:xfrm>
             <a:off x="359839" y="941043"/>
-            <a:ext cx="6837887" cy="4413259"/>
+            <a:ext cx="6837887" cy="4135491"/>
           </a:xfrm>
           <a:prstGeom prst="rect">
             <a:avLst/>
@@ -24822,7 +24206,23 @@
                   <a:srgbClr val="000000"/>
                 </a:solidFill>
               </a:rPr>
-              <a:t> &lt;F1&gt; &lt;SJR1&gt; clôture à un &lt;SJR3&gt; supérieur ou égal à &lt;ABAC&gt;, </a:t>
+              <a:t> &lt;F1&gt;</a:t>
+            </a:r>
+            <a:r>
+              <a:rPr lang="fr-FR" sz="800" baseline="30000" dirty="0">
+                <a:solidFill>
+                  <a:srgbClr val="000000"/>
+                </a:solidFill>
+              </a:rPr>
+              <a:t>(1)</a:t>
+            </a:r>
+            <a:r>
+              <a:rPr lang="fr-FR" sz="800" dirty="0">
+                <a:solidFill>
+                  <a:srgbClr val="000000"/>
+                </a:solidFill>
+              </a:rPr>
+              <a:t> &lt;SJR1&gt; clôture à un &lt;SJR3&gt; supérieur ou égal à &lt;ABAC&gt;, </a:t>
             </a:r>
             <a:r>
               <a:rPr lang="fr-FR" sz="800" b="1" dirty="0">
@@ -25139,7 +24539,7 @@
                   <a:srgbClr val="000000"/>
                 </a:solidFill>
               </a:rPr>
-              <a:t>L’investisseur est exposé à un éventuel défaut de paiement et/ou de faillite </a:t>
+              <a:t>L’investisseur est exposé à un éventuel défaut de paiement et/ou de faillite et/ou de mise en résolution </a:t>
             </a:r>
             <a:r>
               <a:rPr lang="fr-FR" sz="800" dirty="0">
@@ -25172,7 +24572,7 @@
                 </a:solidFill>
                 <a:latin typeface="Proxima Nova Rg" panose="02000506030000020004" pitchFamily="2" charset="0"/>
               </a:rPr>
-              <a:t>(qui induit un risque sur la valeur de marché du titre de créance) de l’Émetteur.</a:t>
+              <a:t>(qui induit un risque sur la valeur de marché du titre de créance) de l’Émetteur et/ou du Garant.</a:t>
             </a:r>
             <a:endParaRPr lang="fr-FR" sz="800" dirty="0">
               <a:solidFill>
@@ -25348,59 +24748,11 @@
             </a:pPr>
             <a:r>
               <a:rPr lang="fr-FR" sz="800" dirty="0">
-                <a:effectLst/>
-                <a:ea typeface="Calibri" panose="020F0502020204030204" pitchFamily="34" charset="0"/>
-              </a:rPr>
-              <a:t>Les avantages du produit ne profitent qu</a:t>
-            </a:r>
-            <a:r>
-              <a:rPr lang="fr-FR" sz="800" dirty="0">
-                <a:ea typeface="Calibri" panose="020F0502020204030204" pitchFamily="34" charset="0"/>
-              </a:rPr>
-              <a:t>’aux seuls investisseurs ayant investi dans le produit au &lt;2PDC&gt; au plus tard, et conservant le produit jusqu’à son échéance. </a:t>
-            </a:r>
-            <a:endParaRPr lang="fr-FR" sz="800" b="1" dirty="0">
-              <a:effectLst/>
-              <a:ea typeface="Calibri" panose="020F0502020204030204" pitchFamily="34" charset="0"/>
-            </a:endParaRPr>
-          </a:p>
-          <a:p>
-            <a:pPr marL="171450" indent="-171450" algn="just">
-              <a:lnSpc>
-                <a:spcPct val="92000"/>
-              </a:lnSpc>
-              <a:spcBef>
-                <a:spcPts val="200"/>
-              </a:spcBef>
-              <a:spcAft>
-                <a:spcPts val="200"/>
-              </a:spcAft>
-              <a:buFont typeface="Arial" panose="020B0604020202020204" pitchFamily="34" charset="0"/>
-              <a:buChar char="•"/>
-            </a:pPr>
-            <a:r>
-              <a:rPr lang="fr-FR" sz="800" dirty="0">
                 <a:solidFill>
                   <a:srgbClr val="000000"/>
                 </a:solidFill>
               </a:rPr>
-              <a:t>&lt;</a:t>
-            </a:r>
-            <a:r>
-              <a:rPr lang="fr-FR" sz="800" dirty="0" err="1">
-                <a:solidFill>
-                  <a:srgbClr val="000000"/>
-                </a:solidFill>
-              </a:rPr>
-              <a:t>inconv</a:t>
-            </a:r>
-            <a:r>
-              <a:rPr lang="fr-FR" sz="800" dirty="0">
-                <a:solidFill>
-                  <a:srgbClr val="000000"/>
-                </a:solidFill>
-              </a:rPr>
-              <a:t>&gt;.</a:t>
+              <a:t>&lt;inconvénient&gt;.</a:t>
             </a:r>
             <a:endParaRPr lang="fr-FR" sz="800" dirty="0">
               <a:solidFill>
@@ -25859,7 +25211,7 @@
         <p:spPr>
           <a:xfrm>
             <a:off x="359839" y="954548"/>
-            <a:ext cx="6839998" cy="4654608"/>
+            <a:ext cx="6839998" cy="4376839"/>
           </a:xfrm>
           <a:prstGeom prst="rect">
             <a:avLst/>
@@ -26084,7 +25436,23 @@
                   <a:srgbClr val="000000"/>
                 </a:solidFill>
               </a:rPr>
-              <a:t>A la date de constatation finale(1), si le mécanisme de remboursement anticipé n’a pas été activé au préalable, et si &lt;SJR1&gt; clôture à un cours strictement inférieur à &lt;ABAC2&gt; mais supérieur ou égal à &lt;PDI&gt; de son «&lt;ABAC2&gt;, l’investisseur récupère l’intégralité de son capital initialement investi. Le capital est donc exposé à un risque de perte à l’échéance(1) que si &lt;SJR1&gt; clôture à un &lt;SJR3&gt; strictement inférieur à &lt;PDI&gt; de son &lt;ABAC2&gt; à la date de constatation finale.</a:t>
+              <a:t>A la date de constatation finale(1), si le mécanisme de remboursement anticipé n’a pas été activé au préalable, et si &lt;SJR1&gt; clôture à un cours strictement inférieur à &lt;ABAC2&gt; mais supérieur ou égal à &lt;PDI&gt; de son «&lt;ABAC2&gt;, l’investisseur récupère l’intégralité de son capital initialement investi. Le capital est donc exposé à un risque de perte à l’échéance</a:t>
+            </a:r>
+            <a:r>
+              <a:rPr lang="fr-FR" sz="800" baseline="30000" dirty="0">
+                <a:solidFill>
+                  <a:srgbClr val="000000"/>
+                </a:solidFill>
+              </a:rPr>
+              <a:t>(1)</a:t>
+            </a:r>
+            <a:r>
+              <a:rPr lang="fr-FR" sz="800" dirty="0">
+                <a:solidFill>
+                  <a:srgbClr val="000000"/>
+                </a:solidFill>
+              </a:rPr>
+              <a:t> que si &lt;SJR1&gt; clôture à un &lt;SJR3&gt; strictement inférieur à &lt;PDI&gt; de son &lt;ABAC2&gt; à la date de constatation finale.</a:t>
             </a:r>
           </a:p>
           <a:p>
@@ -26478,38 +25846,6 @@
               </a:rPr>
               <a:t>.</a:t>
             </a:r>
-          </a:p>
-          <a:p>
-            <a:pPr marL="171450" indent="-171450" algn="just">
-              <a:lnSpc>
-                <a:spcPct val="92000"/>
-              </a:lnSpc>
-              <a:spcBef>
-                <a:spcPts val="200"/>
-              </a:spcBef>
-              <a:spcAft>
-                <a:spcPts val="200"/>
-              </a:spcAft>
-              <a:buFont typeface="Arial" panose="020B0604020202020204" pitchFamily="34" charset="0"/>
-              <a:buChar char="•"/>
-            </a:pPr>
-            <a:r>
-              <a:rPr lang="fr-FR" sz="800" dirty="0">
-                <a:effectLst/>
-                <a:ea typeface="Calibri" panose="020F0502020204030204" pitchFamily="34" charset="0"/>
-              </a:rPr>
-              <a:t>Les avantages du produit ne profitent qu</a:t>
-            </a:r>
-            <a:r>
-              <a:rPr lang="fr-FR" sz="800" dirty="0">
-                <a:ea typeface="Calibri" panose="020F0502020204030204" pitchFamily="34" charset="0"/>
-              </a:rPr>
-              <a:t>’aux seuls investisseurs ayant investi dans le produit au &lt;2PDC&gt; au plus tard, et conservant le produit jusqu’à son échéance. </a:t>
-            </a:r>
-            <a:endParaRPr lang="fr-FR" sz="800" dirty="0">
-              <a:effectLst/>
-              <a:ea typeface="Calibri" panose="020F0502020204030204" pitchFamily="34" charset="0"/>
-            </a:endParaRPr>
           </a:p>
           <a:p>
             <a:pPr marL="171450" indent="-171450" algn="just">
@@ -27202,7 +26538,15 @@
             </a:pPr>
             <a:r>
               <a:rPr lang="fr-FR" sz="800" dirty="0"/>
-              <a:t>Un gain plafonné fixe de &lt;CPN&gt; par &lt;F0&gt; &lt;F2&gt; depuis le &lt;DDCI&gt;</a:t>
+              <a:t>Un </a:t>
+            </a:r>
+            <a:r>
+              <a:rPr lang="fr-FR" sz="800" b="1" dirty="0"/>
+              <a:t>gain plafonné fixe de &lt;CPN&gt;</a:t>
+            </a:r>
+            <a:r>
+              <a:rPr lang="fr-FR" sz="800" dirty="0"/>
+              <a:t> par &lt;F0&gt; &lt;F2&gt; depuis le &lt;DDCI&gt;</a:t>
             </a:r>
           </a:p>
           <a:p>
@@ -27217,15 +26561,7 @@
             </a:pPr>
             <a:r>
               <a:rPr lang="fr-FR" sz="800" dirty="0"/>
-              <a:t>(soit un &lt;GC&gt; de &lt;GCE&gt; et un Taux de Rendement Annuel net de </a:t>
-            </a:r>
-            <a:r>
-              <a:rPr lang="fr-FR" sz="800" dirty="0">
-                <a:highlight>
-                  <a:srgbClr val="FFFF00"/>
-                </a:highlight>
-              </a:rPr>
-              <a:t>&lt;TRA.MG.A&gt;</a:t>
+              <a:t>(soit un &lt;GC&gt; de &lt;GCE&gt; et un Taux de Rendement Annuel net de &lt;TRA.MG.A&gt;</a:t>
             </a:r>
             <a:r>
               <a:rPr lang="fr-FR" sz="800" baseline="30000" dirty="0"/>
@@ -27477,7 +26813,15 @@
             </a:pPr>
             <a:r>
               <a:rPr lang="fr-FR" sz="800" dirty="0"/>
-              <a:t>Un gain plafonné fixe de &lt;CPN&gt; par &lt;F0&gt; &lt;F2&gt; depuis le &lt;DDCI&gt; </a:t>
+              <a:t>Un </a:t>
+            </a:r>
+            <a:r>
+              <a:rPr lang="fr-FR" sz="800" b="1" dirty="0"/>
+              <a:t>gain plafonné fixe de &lt;CPN&gt;</a:t>
+            </a:r>
+            <a:r>
+              <a:rPr lang="fr-FR" sz="800" dirty="0"/>
+              <a:t> par &lt;F0&gt; &lt;F2&gt; depuis le &lt;DDCI&gt; </a:t>
             </a:r>
           </a:p>
           <a:p>
@@ -27492,15 +26836,7 @@
             </a:pPr>
             <a:r>
               <a:rPr lang="fr-FR" sz="800" dirty="0"/>
-              <a:t>(Soit un Taux de Rendement Annuel net compris entre </a:t>
-            </a:r>
-            <a:r>
-              <a:rPr lang="fr-FR" sz="800" dirty="0">
-                <a:highlight>
-                  <a:srgbClr val="FFFF00"/>
-                </a:highlight>
-              </a:rPr>
-              <a:t>&lt;TRA.MRA.MIN.A&gt;</a:t>
+              <a:t>(Soit un Taux de Rendement Annuel net entre &lt;TRA.MRA.MIN.A&gt;</a:t>
             </a:r>
             <a:r>
               <a:rPr lang="fr-FR" sz="800" baseline="30000" dirty="0"/>
@@ -27508,15 +26844,7 @@
             </a:r>
             <a:r>
               <a:rPr lang="fr-FR" sz="800" dirty="0"/>
-              <a:t>et </a:t>
-            </a:r>
-            <a:r>
-              <a:rPr lang="fr-FR" sz="800" dirty="0">
-                <a:highlight>
-                  <a:srgbClr val="FFFF00"/>
-                </a:highlight>
-              </a:rPr>
-              <a:t>&lt;TRA.F.A&gt;</a:t>
+              <a:t>et &lt;TRA.F.A&gt;</a:t>
             </a:r>
             <a:r>
               <a:rPr lang="fr-FR" sz="800" baseline="30000" dirty="0"/>
@@ -27692,7 +27020,7 @@
         </p:nvSpPr>
         <p:spPr>
           <a:xfrm>
-            <a:off x="646631" y="4849273"/>
+            <a:off x="617953" y="4849273"/>
             <a:ext cx="3307879" cy="141412"/>
           </a:xfrm>
           <a:prstGeom prst="rect">
@@ -27866,7 +27194,7 @@
             </a:lvl9pPr>
           </a:lstStyle>
           <a:p>
-            <a:pPr marL="0" indent="0" algn="ctr">
+            <a:pPr marL="0" indent="0" algn="just">
               <a:buNone/>
             </a:pPr>
             <a:r>
@@ -28031,7 +27359,7 @@
         <p:spPr>
           <a:xfrm>
             <a:off x="917672" y="8553774"/>
-            <a:ext cx="6073677" cy="246221"/>
+            <a:ext cx="6073677" cy="123111"/>
           </a:xfrm>
           <a:prstGeom prst="rect">
             <a:avLst/>
@@ -28075,7 +27403,7 @@
                   <a:schemeClr val="tx2"/>
                 </a:solidFill>
               </a:rPr>
-              <a:t>clôture à un &lt;SJR3&gt; strictement inférieur à &lt;PDI&gt; de son &lt;SJR3&gt; de Référence, l’investisseur reçoit, le &lt;DEC_MAJ&gt;</a:t>
+              <a:t>clôture à un &lt;SJR3&gt; strictement inférieur à &lt;PDI&gt; de son &lt;NDR&gt;, l’investisseur reçoit, le &lt;DEC_MAJ&gt; :</a:t>
             </a:r>
           </a:p>
         </p:txBody>
@@ -28304,7 +27632,7 @@
             </a:pPr>
             <a:r>
               <a:rPr lang="fr-FR" sz="800" dirty="0"/>
-              <a:t>par &lt;SJR1&gt; entre le &lt;DDCI&gt; et le &lt;DCF&gt;</a:t>
+              <a:t>par &lt;SJR1&gt; entre son &lt;NDR&gt; et son &lt;SJR3&gt; final le &lt;DCF&gt;</a:t>
             </a:r>
           </a:p>
           <a:p>
@@ -28319,19 +27647,11 @@
             </a:pPr>
             <a:r>
               <a:rPr lang="fr-FR" sz="800" dirty="0"/>
-              <a:t>(Soit un Taux de Rendement Annuel net inférieur ou égal </a:t>
-            </a:r>
-            <a:r>
-              <a:rPr lang="fr-FR" sz="800"/>
-              <a:t>à &lt;TRA.ECHEANCE.PERTE.A&gt;</a:t>
-            </a:r>
-            <a:r>
-              <a:rPr lang="fr-FR" sz="800" baseline="30000"/>
-              <a:t>(</a:t>
+              <a:t>(Soit un Taux de Rendement Annuel net inférieur ou égal à &lt;TRA.ECHEANCE.PERTE.A&gt;</a:t>
             </a:r>
             <a:r>
               <a:rPr lang="fr-FR" sz="800" baseline="30000" dirty="0"/>
-              <a:t>2)</a:t>
+              <a:t>(2)</a:t>
             </a:r>
             <a:r>
               <a:rPr lang="fr-FR" sz="800" dirty="0"/>
@@ -28814,7 +28134,7 @@
         </p:nvSpPr>
         <p:spPr>
           <a:xfrm>
-            <a:off x="648905" y="1834983"/>
+            <a:off x="617953" y="1834983"/>
             <a:ext cx="6189422" cy="156714"/>
           </a:xfrm>
           <a:prstGeom prst="rect">
@@ -29258,10 +28578,10 @@
       </p:sp>
       <p:sp>
         <p:nvSpPr>
-          <p:cNvPr id="3" name="ZoneTexte 2">
+          <p:cNvPr id="22" name="ZoneTexte 21">
             <a:extLst>
               <a:ext uri="{FF2B5EF4-FFF2-40B4-BE49-F238E27FC236}">
-                <a16:creationId xmlns:a16="http://schemas.microsoft.com/office/drawing/2014/main" id="{CA03B948-52BE-4099-9E3E-FCC2F2CB0E31}"/>
+                <a16:creationId xmlns:a16="http://schemas.microsoft.com/office/drawing/2014/main" id="{CFB4D981-81FC-9D6B-FF91-3F11593C6302}"/>
               </a:ext>
             </a:extLst>
           </p:cNvPr>
@@ -29286,7 +28606,7 @@
           <a:p>
             <a:r>
               <a:rPr lang="fr-FR" sz="800" dirty="0"/>
-              <a:t>&lt;balisedeg2&gt; &lt;balisedeg3&gt;</a:t>
+              <a:t>&lt;balisedeg2&gt;</a:t>
             </a:r>
             <a:endParaRPr lang="en-US" sz="800" dirty="0"/>
           </a:p>
@@ -31708,15 +31028,7 @@
             </a:pPr>
             <a:r>
               <a:rPr lang="fr-FR" sz="800" dirty="0"/>
-              <a:t>(Soit un Taux de Rendement Annuel net compris entre </a:t>
-            </a:r>
-            <a:r>
-              <a:rPr lang="fr-FR" sz="800" dirty="0">
-                <a:highlight>
-                  <a:srgbClr val="FFFF00"/>
-                </a:highlight>
-              </a:rPr>
-              <a:t>&lt;TRA.MRA.MIN.A&gt;</a:t>
+              <a:t>(Soit un Taux de Rendement Annuel net compris entre &lt;TRA.MRA.MIN.A&gt;</a:t>
             </a:r>
             <a:r>
               <a:rPr lang="fr-FR" sz="800" baseline="30000" dirty="0"/>
@@ -31724,15 +31036,7 @@
             </a:r>
             <a:r>
               <a:rPr lang="fr-FR" sz="800" dirty="0"/>
-              <a:t>et </a:t>
-            </a:r>
-            <a:r>
-              <a:rPr lang="fr-FR" sz="800" dirty="0">
-                <a:highlight>
-                  <a:srgbClr val="FFFF00"/>
-                </a:highlight>
-              </a:rPr>
-              <a:t>&lt;TRA.F.A&gt;</a:t>
+              <a:t>et &lt;TRA.F.A&gt;</a:t>
             </a:r>
             <a:r>
               <a:rPr lang="fr-FR" sz="800" baseline="30000" dirty="0"/>
@@ -32095,15 +31399,7 @@
             </a:pPr>
             <a:r>
               <a:rPr lang="fr-FR" sz="800" dirty="0"/>
-              <a:t>(soit un Taux de Rendement Annuel net entre </a:t>
-            </a:r>
-            <a:r>
-              <a:rPr lang="fr-FR" sz="800" dirty="0">
-                <a:highlight>
-                  <a:srgbClr val="00FFFF"/>
-                </a:highlight>
-              </a:rPr>
-              <a:t>&lt;TRA.MRE.MIN.PM&gt;</a:t>
+              <a:t>(soit un Taux de Rendement Annuel net entre &lt;TRA.MRE.MIN.PM&gt;</a:t>
             </a:r>
             <a:r>
               <a:rPr lang="fr-FR" sz="800" baseline="30000" dirty="0"/>
@@ -32111,15 +31407,7 @@
             </a:r>
             <a:r>
               <a:rPr lang="fr-FR" sz="800" dirty="0"/>
-              <a:t> et </a:t>
-            </a:r>
-            <a:r>
-              <a:rPr lang="fr-FR" sz="800" dirty="0">
-                <a:highlight>
-                  <a:srgbClr val="00FFFF"/>
-                </a:highlight>
-              </a:rPr>
-              <a:t>&lt;TRA.TOUT.P&gt;</a:t>
+              <a:t> et &lt;TRA.TOUT.P&gt;</a:t>
             </a:r>
             <a:r>
               <a:rPr lang="fr-FR" sz="800" baseline="30000" dirty="0"/>
@@ -32979,11 +32267,7 @@
               <a:t>(soit un Taux de Rendement Annuel net compris entre -1,00% et </a:t>
             </a:r>
             <a:r>
-              <a:rPr lang="fr-FR" sz="800" dirty="0">
-                <a:highlight>
-                  <a:srgbClr val="00FFFF"/>
-                </a:highlight>
-              </a:rPr>
+              <a:rPr lang="fr-FR" sz="800" dirty="0"/>
               <a:t>&lt;TRA.TOUT.SAUF.P&gt;</a:t>
             </a:r>
             <a:r>
@@ -33247,40 +32531,22 @@
                 </a:solidFill>
                 <a:latin typeface="+mn-lt"/>
               </a:rPr>
-              <a:t>(3</a:t>
-            </a:r>
-            <a:r>
-              <a:rPr lang="fr-FR" sz="650" baseline="30000" dirty="0">
+              <a:t>(3) </a:t>
+            </a:r>
+            <a:r>
+              <a:rPr lang="fr-FR" sz="650" dirty="0">
                 <a:solidFill>
                   <a:schemeClr val="tx2"/>
                 </a:solidFill>
-                <a:highlight>
-                  <a:srgbClr val="FFFF00"/>
-                </a:highlight>
                 <a:latin typeface="+mn-lt"/>
               </a:rPr>
-              <a:t>) </a:t>
-            </a:r>
-            <a:r>
-              <a:rPr lang="fr-FR" sz="650" dirty="0">
+              <a:t>Hors prise en compte des dividendes éventuels détachés par </a:t>
+            </a:r>
+            <a:r>
+              <a:rPr lang="it-IT" sz="650" dirty="0">
                 <a:solidFill>
                   <a:schemeClr val="tx2"/>
                 </a:solidFill>
-                <a:highlight>
-                  <a:srgbClr val="FFFF00"/>
-                </a:highlight>
-                <a:latin typeface="+mn-lt"/>
-              </a:rPr>
-              <a:t>Hors prise en compte des dividendes éventuels détachés par </a:t>
-            </a:r>
-            <a:r>
-              <a:rPr lang="it-IT" sz="650" dirty="0">
-                <a:solidFill>
-                  <a:schemeClr val="tx2"/>
-                </a:solidFill>
-                <a:highlight>
-                  <a:srgbClr val="FFFF00"/>
-                </a:highlight>
                 <a:latin typeface="+mn-lt"/>
               </a:rPr>
               <a:t>&lt;SJR1&gt;</a:t>
@@ -33289,9 +32555,6 @@
               <a:solidFill>
                 <a:schemeClr val="tx2"/>
               </a:solidFill>
-              <a:highlight>
-                <a:srgbClr val="FFFF00"/>
-              </a:highlight>
               <a:latin typeface="+mn-lt"/>
             </a:endParaRPr>
           </a:p>
@@ -33771,7 +33034,19 @@
               <a:rPr lang="fr-FR" sz="800" b="0" dirty="0">
                 <a:latin typeface="+mn-lt"/>
               </a:rPr>
-              <a:t>Dès la première date de constatation du mécanisme de remboursement anticipé automatique, &lt;SJR1&gt; clôture à un &lt;SJR3&gt; supérieur ou égal à &lt;ABAC&gt;</a:t>
+              <a:t>Dès la première date de constatation du mécanisme de remboursement anticipé automatique</a:t>
+            </a:r>
+            <a:r>
+              <a:rPr lang="fr-FR" sz="800" b="0" baseline="30000" dirty="0">
+                <a:latin typeface="+mn-lt"/>
+              </a:rPr>
+              <a:t>(1)</a:t>
+            </a:r>
+            <a:r>
+              <a:rPr lang="fr-FR" sz="800" b="0" dirty="0">
+                <a:latin typeface="+mn-lt"/>
+              </a:rPr>
+              <a:t>, &lt;SJR1&gt; clôture à un &lt;SJR3&gt; supérieur ou égal à &lt;ABAC&gt;</a:t>
             </a:r>
           </a:p>
         </p:txBody>
@@ -34459,23 +33734,21 @@
                   <a:schemeClr val="tx2"/>
                 </a:solidFill>
               </a:rPr>
-              <a:t>Dès la première date de constatation &lt;F1&gt;</a:t>
-            </a:r>
-            <a:r>
-              <a:rPr lang="fr-FR" sz="800" baseline="30000" dirty="0">
-                <a:solidFill>
-                  <a:srgbClr val="04202E"/>
-                </a:solidFill>
-              </a:rPr>
-              <a:t>(1)</a:t>
+              <a:t>Dès la fin du &lt;F0&gt; </a:t>
             </a:r>
             <a:r>
               <a:rPr lang="fr-FR" sz="800" dirty="0">
+                <a:latin typeface="+mn-lt"/>
+              </a:rPr>
+              <a:t>&lt;1PR&gt;</a:t>
+            </a:r>
+            <a:r>
+              <a:rPr lang="fr-FR" sz="800" dirty="0">
                 <a:solidFill>
                   <a:schemeClr val="tx2"/>
                 </a:solidFill>
               </a:rPr>
-              <a:t> du mécanisme de remboursement anticipé automatique, </a:t>
+              <a:t>, </a:t>
             </a:r>
             <a:r>
               <a:rPr lang="it-IT" sz="800" dirty="0">
@@ -34508,7 +33781,7 @@
                   <a:schemeClr val="tx2"/>
                 </a:solidFill>
               </a:rPr>
-              <a:t>(&lt;NSF&gt; dans cet exemple). Le produit est automatiquement remboursé par anticipation. Il verse alors l’intégralité du capital initial majorée d’un &lt;GC&gt; de &lt;CPN&gt; par &lt;F0&gt; &lt;F2&gt; depuis le &lt;DDCI&gt;, soit un gain de &lt;GCA&gt; dans notre exemple.</a:t>
+              <a:t>(&lt;NSF&gt; dans cet exemple). Le produit est automatiquement remboursé par anticipation. Il verse alors l’intégralité du capital initial majorée d’un &lt;GC&gt; de &lt;CPN&gt; par &lt;F0&gt; &lt;F2&gt; depuis le &lt;DDCI&gt;, soit un gain de &lt;CPR1&gt; dans notre exemple.</a:t>
             </a:r>
           </a:p>
           <a:p>
@@ -34555,7 +33828,7 @@
                   <a:schemeClr val="tx2"/>
                 </a:solidFill>
               </a:rPr>
-              <a:t>mécanisme de plafonnement des gains à &lt;CPN&gt; par &lt;F0&gt; &lt;F2&gt; depuis le &lt;DDCI&gt;.</a:t>
+              <a:t>mécanisme de plafonnement des gains à &lt;CPN&gt; par &lt;F0&gt; &lt;F2&gt; depuis le &lt;DDCI&gt;&lt;exclus&gt;.</a:t>
             </a:r>
           </a:p>
         </p:txBody>
@@ -35413,6 +34686,18 @@
 </file>
 
 <file path=customXml/item1.xml><?xml version="1.0" encoding="utf-8"?>
+<p:properties xmlns:p="http://schemas.microsoft.com/office/2006/metadata/properties" xmlns:xsi="http://www.w3.org/2001/XMLSchema-instance" xmlns:pc="http://schemas.microsoft.com/office/infopath/2007/PartnerControls">
+  <documentManagement>
+    <_Flow_SignoffStatus xmlns="ef624bc2-1644-4d69-8362-5c28ca496374" xsi:nil="true"/>
+    <TaxCatchAll xmlns="514a554b-82b0-4359-b247-fc84018a95f0" xsi:nil="true"/>
+    <lcf76f155ced4ddcb4097134ff3c332f xmlns="ef624bc2-1644-4d69-8362-5c28ca496374">
+      <Terms xmlns="http://schemas.microsoft.com/office/infopath/2007/PartnerControls"/>
+    </lcf76f155ced4ddcb4097134ff3c332f>
+  </documentManagement>
+</p:properties>
+</file>
+
+<file path=customXml/item2.xml><?xml version="1.0" encoding="utf-8"?>
 <ct:contentTypeSchema xmlns:ct="http://schemas.microsoft.com/office/2006/metadata/contentType" xmlns:ma="http://schemas.microsoft.com/office/2006/metadata/properties/metaAttributes" ct:_="" ma:_="" ma:contentTypeName="Document" ma:contentTypeID="0x0101005DDE610BC516E448BB8152259F39635A" ma:contentTypeVersion="17" ma:contentTypeDescription="Crée un document." ma:contentTypeScope="" ma:versionID="bfb75e103009df80b8e5001438c41194">
   <xsd:schema xmlns:xsd="http://www.w3.org/2001/XMLSchema" xmlns:xs="http://www.w3.org/2001/XMLSchema" xmlns:p="http://schemas.microsoft.com/office/2006/metadata/properties" xmlns:ns2="ef624bc2-1644-4d69-8362-5c28ca496374" xmlns:ns3="514a554b-82b0-4359-b247-fc84018a95f0" targetNamespace="http://schemas.microsoft.com/office/2006/metadata/properties" ma:root="true" ma:fieldsID="2ae3df86d13efbb4a35042af2564d386" ns2:_="" ns3:_="">
     <xsd:import namespace="ef624bc2-1644-4d69-8362-5c28ca496374"/>
@@ -35661,7 +34946,7 @@
 </ct:contentTypeSchema>
 </file>
 
-<file path=customXml/item2.xml><?xml version="1.0" encoding="utf-8"?>
+<file path=customXml/item3.xml><?xml version="1.0" encoding="utf-8"?>
 <?mso-contentType ?>
 <FormTemplates xmlns="http://schemas.microsoft.com/sharepoint/v3/contenttype/forms">
   <Display>DocumentLibraryForm</Display>
@@ -35670,19 +34955,24 @@
 </FormTemplates>
 </file>
 
-<file path=customXml/item3.xml><?xml version="1.0" encoding="utf-8"?>
-<p:properties xmlns:p="http://schemas.microsoft.com/office/2006/metadata/properties" xmlns:xsi="http://www.w3.org/2001/XMLSchema-instance" xmlns:pc="http://schemas.microsoft.com/office/infopath/2007/PartnerControls">
-  <documentManagement>
-    <_Flow_SignoffStatus xmlns="ef624bc2-1644-4d69-8362-5c28ca496374" xsi:nil="true"/>
-    <TaxCatchAll xmlns="514a554b-82b0-4359-b247-fc84018a95f0" xsi:nil="true"/>
-    <lcf76f155ced4ddcb4097134ff3c332f xmlns="ef624bc2-1644-4d69-8362-5c28ca496374">
-      <Terms xmlns="http://schemas.microsoft.com/office/infopath/2007/PartnerControls"/>
-    </lcf76f155ced4ddcb4097134ff3c332f>
-  </documentManagement>
-</p:properties>
+<file path=customXml/itemProps1.xml><?xml version="1.0" encoding="utf-8"?>
+<ds:datastoreItem xmlns:ds="http://schemas.openxmlformats.org/officeDocument/2006/customXml" ds:itemID="{25DE574B-2CD2-4078-9BEA-2A14717D9698}">
+  <ds:schemaRefs>
+    <ds:schemaRef ds:uri="514a554b-82b0-4359-b247-fc84018a95f0"/>
+    <ds:schemaRef ds:uri="ef624bc2-1644-4d69-8362-5c28ca496374"/>
+    <ds:schemaRef ds:uri="http://purl.org/dc/dcmitype/"/>
+    <ds:schemaRef ds:uri="http://purl.org/dc/elements/1.1/"/>
+    <ds:schemaRef ds:uri="http://purl.org/dc/terms/"/>
+    <ds:schemaRef ds:uri="http://schemas.microsoft.com/office/2006/documentManagement/types"/>
+    <ds:schemaRef ds:uri="http://schemas.microsoft.com/office/2006/metadata/properties"/>
+    <ds:schemaRef ds:uri="http://schemas.microsoft.com/office/infopath/2007/PartnerControls"/>
+    <ds:schemaRef ds:uri="http://schemas.openxmlformats.org/package/2006/metadata/core-properties"/>
+    <ds:schemaRef ds:uri="http://www.w3.org/XML/1998/namespace"/>
+  </ds:schemaRefs>
+</ds:datastoreItem>
 </file>
 
-<file path=customXml/itemProps1.xml><?xml version="1.0" encoding="utf-8"?>
+<file path=customXml/itemProps2.xml><?xml version="1.0" encoding="utf-8"?>
 <ds:datastoreItem xmlns:ds="http://schemas.openxmlformats.org/officeDocument/2006/customXml" ds:itemID="{3830A3F7-FDB6-49F5-B063-BA0EEEB33172}">
   <ds:schemaRefs>
     <ds:schemaRef ds:uri="http://schemas.microsoft.com/office/2006/metadata/contentType"/>
@@ -35701,27 +34991,10 @@
 </ds:datastoreItem>
 </file>
 
-<file path=customXml/itemProps2.xml><?xml version="1.0" encoding="utf-8"?>
+<file path=customXml/itemProps3.xml><?xml version="1.0" encoding="utf-8"?>
 <ds:datastoreItem xmlns:ds="http://schemas.openxmlformats.org/officeDocument/2006/customXml" ds:itemID="{B00FC41E-FBDE-42E2-B58A-20EBD240A376}">
   <ds:schemaRefs>
     <ds:schemaRef ds:uri="http://schemas.microsoft.com/sharepoint/v3/contenttype/forms"/>
   </ds:schemaRefs>
 </ds:datastoreItem>
-</file>
-
-<file path=customXml/itemProps3.xml><?xml version="1.0" encoding="utf-8"?>
-<ds:datastoreItem xmlns:ds="http://schemas.openxmlformats.org/officeDocument/2006/customXml" ds:itemID="{25DE574B-2CD2-4078-9BEA-2A14717D9698}">
-  <ds:schemaRefs>
-    <ds:schemaRef ds:uri="514a554b-82b0-4359-b247-fc84018a95f0"/>
-    <ds:schemaRef ds:uri="ef624bc2-1644-4d69-8362-5c28ca496374"/>
-    <ds:schemaRef ds:uri="http://purl.org/dc/dcmitype/"/>
-    <ds:schemaRef ds:uri="http://purl.org/dc/elements/1.1/"/>
-    <ds:schemaRef ds:uri="http://purl.org/dc/terms/"/>
-    <ds:schemaRef ds:uri="http://schemas.microsoft.com/office/2006/documentManagement/types"/>
-    <ds:schemaRef ds:uri="http://schemas.microsoft.com/office/2006/metadata/properties"/>
-    <ds:schemaRef ds:uri="http://schemas.microsoft.com/office/infopath/2007/PartnerControls"/>
-    <ds:schemaRef ds:uri="http://schemas.openxmlformats.org/package/2006/metadata/core-properties"/>
-    <ds:schemaRef ds:uri="http://www.w3.org/XML/1998/namespace"/>
-  </ds:schemaRefs>
-</ds:datastoreItem>
 </file>
--- a/Templates/goldman sachs fci.pptx
+++ b/Templates/goldman sachs fci.pptx
@@ -230,7 +230,7 @@
           <a:p>
             <a:fld id="{515CCE07-1711-4DC7-A7D8-7ED312C82FB8}" type="datetimeFigureOut">
               <a:rPr lang="fr-FR" smtClean="0"/>
-              <a:t>13/07/2022</a:t>
+              <a:t>15/07/2022</a:t>
             </a:fld>
             <a:endParaRPr lang="fr-FR"/>
           </a:p>
@@ -395,7 +395,7 @@
           <a:p>
             <a:fld id="{014ABEAC-8B63-4BD1-9569-A14EB8752A94}" type="datetimeFigureOut">
               <a:rPr lang="fr-FR" smtClean="0"/>
-              <a:t>13/07/2022</a:t>
+              <a:t>15/07/2022</a:t>
             </a:fld>
             <a:endParaRPr lang="fr-FR"/>
           </a:p>
@@ -2537,47 +2537,29 @@
           <a:p>
             <a:pPr algn="just" defTabSz="914400"/>
             <a:r>
-              <a:rPr lang="fr-FR" sz="650" baseline="30000" dirty="0">
+              <a:rPr lang="fr-FR" sz="650" dirty="0">
                 <a:solidFill>
                   <a:schemeClr val="tx2"/>
                 </a:solidFill>
                 <a:latin typeface="Proxima Nova Rg" panose="02000506030000020004" pitchFamily="2" charset="0"/>
               </a:rPr>
-              <a:t>(1) </a:t>
-            </a:r>
-            <a:r>
-              <a:rPr lang="fr-FR" sz="650" dirty="0">
-                <a:solidFill>
-                  <a:schemeClr val="tx2"/>
-                </a:solidFill>
-                <a:latin typeface="Proxima Nova Rg" panose="02000506030000020004" pitchFamily="2" charset="0"/>
-              </a:rPr>
-              <a:t>L’investisseur prend un risque de perte en capital non mesurable a priori si le titre de créance est revendu avant la date d’échéance ou de remboursement automatique anticipé effective. L’investisseur supporte le risque de défaut de paiement, de faillite ainsi que de mise en résolution de l'Émetteur et/ou du Garant. Les risques associés à ce titre de créance sont détaillés dans cette brochure. </a:t>
+              <a:t>(1) L’investisseur prend un risque de perte en capital non mesurable a priori si le titre de créance est revendu avant la date d’échéance ou de remboursement automatique anticipé effective. L’investisseur supporte le risque de défaut de paiement, de faillite ainsi que de mise en résolution de l'Émetteur et/ou du Garant. Les risques associés à ce titre de créance sont détaillés dans cette brochure. </a:t>
             </a:r>
           </a:p>
           <a:p>
             <a:pPr algn="just" defTabSz="914400"/>
             <a:r>
-              <a:rPr lang="fr-FR" sz="650" baseline="30000" dirty="0">
+              <a:rPr lang="fr-FR" sz="650" dirty="0">
                 <a:solidFill>
                   <a:schemeClr val="tx2"/>
                 </a:solidFill>
                 <a:latin typeface="Proxima Nova Rg" panose="02000506030000020004" pitchFamily="2" charset="0"/>
               </a:rPr>
-              <a:t>(2)</a:t>
-            </a:r>
-            <a:r>
-              <a:rPr lang="fr-FR" sz="650" dirty="0">
-                <a:solidFill>
-                  <a:schemeClr val="tx2"/>
-                </a:solidFill>
-                <a:latin typeface="Proxima Nova Rg" panose="02000506030000020004" pitchFamily="2" charset="0"/>
-              </a:rPr>
-              <a:t> Le remboursement automatique anticipé ne pourra pas se faire, en tout état de cause, avant le </a:t>
+              <a:t>(2) Le remboursement automatique anticipé ne pourra pas se faire, en tout état de cause, avant le </a:t>
             </a:r>
             <a:r>
               <a:rPr lang="fr-FR" sz="700" cap="none" dirty="0"/>
-              <a:t>&lt;DR1&gt;</a:t>
+              <a:t>&lt;DR1&gt;.</a:t>
             </a:r>
             <a:endParaRPr lang="fr-FR" sz="650" dirty="0">
               <a:solidFill>
@@ -2589,43 +2571,25 @@
           <a:p>
             <a:pPr algn="just" defTabSz="914400"/>
             <a:r>
-              <a:rPr lang="fr-FR" sz="650" baseline="30000" dirty="0">
+              <a:rPr lang="fr-FR" sz="650" dirty="0">
                 <a:solidFill>
                   <a:schemeClr val="tx2"/>
                 </a:solidFill>
                 <a:latin typeface="Proxima Nova Rg" panose="02000506030000020004" pitchFamily="2" charset="0"/>
               </a:rPr>
-              <a:t>(3)</a:t>
-            </a:r>
-            <a:r>
-              <a:rPr lang="fr-FR" sz="650" dirty="0">
-                <a:solidFill>
-                  <a:schemeClr val="tx2"/>
-                </a:solidFill>
-                <a:latin typeface="Proxima Nova Rg" panose="02000506030000020004" pitchFamily="2" charset="0"/>
-              </a:rPr>
-              <a:t> L’Émetteur n’a sollicité ou obtenu aucune notation des principales agences de notation.</a:t>
+              <a:t>(3) L’Émetteur n’a sollicité ou obtenu aucune notation des principales agences de notation.</a:t>
             </a:r>
           </a:p>
           <a:p>
             <a:pPr algn="just" defTabSz="914400"/>
             <a:r>
-              <a:rPr lang="fr-FR" sz="650" baseline="30000" dirty="0">
+              <a:rPr lang="fr-FR" sz="650" dirty="0">
                 <a:solidFill>
                   <a:schemeClr val="tx2"/>
                 </a:solidFill>
                 <a:latin typeface="Proxima Nova Rg" panose="02000506030000020004" pitchFamily="2" charset="0"/>
               </a:rPr>
-              <a:t>(4)</a:t>
-            </a:r>
-            <a:r>
-              <a:rPr lang="fr-FR" sz="650" dirty="0">
-                <a:solidFill>
-                  <a:schemeClr val="tx2"/>
-                </a:solidFill>
-                <a:latin typeface="Proxima Nova Rg" panose="02000506030000020004" pitchFamily="2" charset="0"/>
-              </a:rPr>
-              <a:t> Standard &amp; Poor’s : BBB+, Moody’s : A2, Fitch : A. Notations en vigueur au moment de la rédaction de la présente brochure le &lt;DDR_MAJ&gt;. Ces notations peuvent être révisées à tout moment et ne sont pas une garantie de solvabilité de l'Émetteur et/ou du Garant. Elles ne sauraient constituer un argument de souscription au titre de créance.</a:t>
+              <a:t>(4) Standard &amp; Poor’s : BBB+, Moody’s : A2, Fitch : A. Notations en vigueur au moment de la rédaction de la présente brochure le &lt;DDR_MAJ&gt;. Ces notations peuvent être révisées à tout moment et ne sont pas une garantie de solvabilité de l'Émetteur et/ou du Garant. Elles ne sauraient constituer un argument de souscription au titre de créance.</a:t>
             </a:r>
           </a:p>
         </p:txBody>
@@ -2728,43 +2692,25 @@
           <a:p>
             <a:pPr marL="0" lvl="1" algn="just"/>
             <a:r>
-              <a:rPr lang="fr-FR" sz="650" baseline="30000" dirty="0">
+              <a:rPr lang="fr-FR" sz="650" dirty="0">
                 <a:solidFill>
                   <a:schemeClr val="tx2"/>
                 </a:solidFill>
                 <a:latin typeface="+mn-lt"/>
               </a:rPr>
-              <a:t>(1)</a:t>
-            </a:r>
-            <a:r>
-              <a:rPr lang="fr-FR" sz="650" dirty="0">
-                <a:solidFill>
-                  <a:schemeClr val="tx2"/>
-                </a:solidFill>
-                <a:latin typeface="+mn-lt"/>
-              </a:rPr>
-              <a:t> Veuillez vous référer au tableau récapitulant les principales caractéristiques financières en &lt;PAGE&gt; pour le détail des dates. </a:t>
+              <a:t>(1) Veuillez vous référer au tableau récapitulant les principales caractéristiques financières en &lt;PAGE&gt; pour le détail des dates. </a:t>
             </a:r>
           </a:p>
           <a:p>
             <a:pPr marL="0" lvl="1" algn="just"/>
             <a:r>
-              <a:rPr lang="fr-FR" sz="650" baseline="30000" dirty="0">
+              <a:rPr lang="fr-FR" sz="650" dirty="0">
                 <a:solidFill>
                   <a:schemeClr val="tx2"/>
                 </a:solidFill>
                 <a:latin typeface="+mn-lt"/>
               </a:rPr>
-              <a:t>(2)</a:t>
-            </a:r>
-            <a:r>
-              <a:rPr lang="fr-FR" sz="650" dirty="0">
-                <a:solidFill>
-                  <a:schemeClr val="tx2"/>
-                </a:solidFill>
-                <a:latin typeface="+mn-lt"/>
-              </a:rPr>
-              <a:t> En prenant comme hypothèse 1,00% de frais de gestion du contrat d’assurance vie ou de capitalisation. TRA nets hors autres frais, fiscalité et prélèvements sociaux applicables au cadre d’investissement, et hors défaut de paiement et/ou faillite de l’Émetteur et du Garant de la formule et hors mise en résolution du Garant de la formule. Les TRA sont calculés à partir du &lt;2PDC&gt; jusqu’à la date de remboursement anticipé automatique éventuel</a:t>
+              <a:t>(2) En prenant comme hypothèse 1,00% de frais de gestion du contrat d’assurance vie ou de capitalisation. TRA nets hors autres frais, fiscalité et prélèvements sociaux applicables au cadre d’investissement, et hors défaut de paiement et/ou faillite de l’Émetteur et du Garant de la formule et hors mise en résolution du Garant de la formule. Les TRA sont calculés à partir du &lt;2PDC&gt; jusqu’à la date de remboursement anticipé automatique éventuel</a:t>
             </a:r>
             <a:r>
               <a:rPr lang="fr-FR" sz="650" baseline="30000" dirty="0">
@@ -4596,7 +4542,22 @@
               <a:rPr lang="fr-FR" sz="1200" cap="none" dirty="0">
                 <a:latin typeface="Futura PT" panose="020B0902020204020203" pitchFamily="34" charset="0"/>
               </a:rPr>
-              <a:t>ZOOM SUR &lt;NOMSOUSJACENTP1&gt;   </a:t>
+              <a:t>ZOOM SUR &lt;</a:t>
+            </a:r>
+            <a:r>
+              <a:rPr lang="fr-FR" sz="1200" cap="none" dirty="0">
+                <a:solidFill>
+                  <a:srgbClr val="B9A049"/>
+                </a:solidFill>
+                <a:latin typeface="Futura PT" panose="020B0902020204020203" pitchFamily="34" charset="0"/>
+              </a:rPr>
+              <a:t>NOMSOUSJACENTP1</a:t>
+            </a:r>
+            <a:r>
+              <a:rPr lang="fr-FR" sz="1200" cap="none" dirty="0">
+                <a:latin typeface="Futura PT" panose="020B0902020204020203" pitchFamily="34" charset="0"/>
+              </a:rPr>
+              <a:t>&gt;   </a:t>
             </a:r>
           </a:p>
         </p:txBody>
@@ -4915,7 +4876,7 @@
           <p:nvPr>
             <p:extLst>
               <p:ext uri="{D42A27DB-BD31-4B8C-83A1-F6EECF244321}">
-                <p14:modId xmlns:p14="http://schemas.microsoft.com/office/powerpoint/2010/main" val="2903417911"/>
+                <p14:modId xmlns:p14="http://schemas.microsoft.com/office/powerpoint/2010/main" val="75297192"/>
               </p:ext>
             </p:extLst>
           </p:nvPr>
@@ -4987,7 +4948,7 @@
                           <a:effectLst/>
                           <a:latin typeface="Proxima Nova Rg" panose="02000506030000020004" pitchFamily="2" charset="0"/>
                         </a:rPr>
-                        <a:t>Performances cumulées au &lt;DDR1&gt;</a:t>
+                        <a:t>Performances au &lt;DDR1&gt;</a:t>
                       </a:r>
                     </a:p>
                   </a:txBody>
@@ -5296,7 +5257,7 @@
                           <a:ea typeface="+mn-ea"/>
                           <a:cs typeface="+mn-cs"/>
                         </a:rPr>
-                        <a:t>&lt;NOMSOUSJACENT&gt;</a:t>
+                        <a:t>&lt;NOMSOUSJACENTP1&gt;</a:t>
                       </a:r>
                     </a:p>
                   </a:txBody>
@@ -5794,14 +5755,46 @@
               <a:rPr lang="fr-FR" sz="1200" cap="none" dirty="0">
                 <a:latin typeface="Futura PT" panose="020B0902020204020203" pitchFamily="34" charset="0"/>
               </a:rPr>
-              <a:t>ÉVOLUTION &lt;SJR6P1&gt; &lt;NOMSOUSJACENTP1&gt; ENTRE LE </a:t>
+              <a:t>ÉVOLUTION &lt;SJR6P1&gt; </a:t>
+            </a:r>
+            <a:r>
+              <a:rPr lang="fr-FR" sz="1200" cap="none" dirty="0">
+                <a:solidFill>
+                  <a:srgbClr val="B9A049"/>
+                </a:solidFill>
+                <a:latin typeface="Futura PT" panose="020B0902020204020203" pitchFamily="34" charset="0"/>
+              </a:rPr>
+              <a:t>&lt;NOMSOUSJACENTP1&gt;</a:t>
+            </a:r>
+            <a:r>
+              <a:rPr lang="fr-FR" sz="1200" cap="none" dirty="0">
+                <a:latin typeface="Futura PT" panose="020B0902020204020203" pitchFamily="34" charset="0"/>
+              </a:rPr>
+              <a:t> ENTRE LE </a:t>
             </a:r>
             <a:r>
               <a:rPr lang="en-US" sz="1200" b="0" dirty="0">
                 <a:effectLst/>
                 <a:latin typeface="+mj-lt"/>
               </a:rPr>
-              <a:t>&lt;DDR1-12_MAJ&gt;</a:t>
+              <a:t>&lt;</a:t>
+            </a:r>
+            <a:r>
+              <a:rPr lang="en-US" sz="1200" b="0" dirty="0">
+                <a:solidFill>
+                  <a:srgbClr val="B9A049"/>
+                </a:solidFill>
+                <a:effectLst/>
+                <a:latin typeface="+mj-lt"/>
+              </a:rPr>
+              <a:t>DDR1-12</a:t>
+            </a:r>
+            <a:r>
+              <a:rPr lang="en-US" sz="1200" b="0" dirty="0">
+                <a:effectLst/>
+                <a:latin typeface="+mj-lt"/>
+              </a:rPr>
+              <a:t>&gt;</a:t>
             </a:r>
             <a:r>
               <a:rPr lang="en-US" sz="1200" dirty="0">
@@ -5813,7 +5806,22 @@
               <a:rPr lang="fr-FR" sz="1200" cap="none" dirty="0">
                 <a:latin typeface="Futura PT" panose="020B0902020204020203" pitchFamily="34" charset="0"/>
               </a:rPr>
-              <a:t>ET LE &lt;DDR1_MAJ&gt;</a:t>
+              <a:t>ET LE &lt;</a:t>
+            </a:r>
+            <a:r>
+              <a:rPr lang="fr-FR" sz="1200" cap="none" dirty="0">
+                <a:solidFill>
+                  <a:srgbClr val="B9A049"/>
+                </a:solidFill>
+                <a:latin typeface="Futura PT" panose="020B0902020204020203" pitchFamily="34" charset="0"/>
+              </a:rPr>
+              <a:t>DDR1</a:t>
+            </a:r>
+            <a:r>
+              <a:rPr lang="fr-FR" sz="1200" cap="none" dirty="0">
+                <a:latin typeface="Futura PT" panose="020B0902020204020203" pitchFamily="34" charset="0"/>
+              </a:rPr>
+              <a:t>&gt;</a:t>
             </a:r>
           </a:p>
         </p:txBody>
@@ -6255,22 +6263,13 @@
           <a:p>
             <a:pPr lvl="0" algn="just" defTabSz="914400"/>
             <a:r>
-              <a:rPr lang="fr-FR" sz="700" baseline="30000" dirty="0">
+              <a:rPr lang="fr-FR" sz="700" dirty="0">
                 <a:solidFill>
                   <a:srgbClr val="000000"/>
                 </a:solidFill>
                 <a:latin typeface="Proxima Nova Rg" panose="02000506030000020004" pitchFamily="2" charset="0"/>
               </a:rPr>
-              <a:t>(1)</a:t>
-            </a:r>
-            <a:r>
-              <a:rPr lang="fr-FR" sz="700" dirty="0">
-                <a:solidFill>
-                  <a:srgbClr val="000000"/>
-                </a:solidFill>
-                <a:latin typeface="Proxima Nova Rg" panose="02000506030000020004" pitchFamily="2" charset="0"/>
-              </a:rPr>
-              <a:t> Les conflits d’intérêts seront gérés suivant la réglementation en vigueur</a:t>
+              <a:t>(1) Les conflits d’intérêts seront gérés suivant la réglementation en vigueur</a:t>
             </a:r>
             <a:endParaRPr lang="fr-FR" sz="650" i="1" dirty="0">
               <a:latin typeface="Proxima Nova Rg" panose="02000506030000020004" pitchFamily="2" charset="0"/>
@@ -6293,7 +6292,7 @@
           <p:nvPr>
             <p:extLst>
               <p:ext uri="{D42A27DB-BD31-4B8C-83A1-F6EECF244321}">
-                <p14:modId xmlns:p14="http://schemas.microsoft.com/office/powerpoint/2010/main" val="3918558798"/>
+                <p14:modId xmlns:p14="http://schemas.microsoft.com/office/powerpoint/2010/main" val="2730221094"/>
               </p:ext>
             </p:extLst>
           </p:nvPr>
@@ -9762,7 +9761,7 @@
                       <a:r>
                         <a:rPr lang="fr-FR" sz="700" b="0" i="0" kern="1200" dirty="0">
                           <a:solidFill>
-                            <a:srgbClr val="FF0000"/>
+                            <a:schemeClr val="tx1"/>
                           </a:solidFill>
                           <a:latin typeface="+mn-lt"/>
                           <a:ea typeface="+mn-ea"/>
@@ -9975,7 +9974,7 @@
                           <a:ea typeface="+mn-ea"/>
                           <a:cs typeface="+mn-cs"/>
                         </a:rPr>
-                        <a:t>&lt;BAC&gt; du &lt;NDR&gt; &lt;SJR7&gt;</a:t>
+                        <a:t>&lt;BRA&gt;</a:t>
                       </a:r>
                     </a:p>
                   </a:txBody>
@@ -10160,7 +10159,7 @@
                           <a:ea typeface="+mn-ea"/>
                           <a:cs typeface="+mn-cs"/>
                         </a:rPr>
-                        <a:t>&lt;SV&gt; du &lt;NDR&gt; &lt;SJR7&gt;</a:t>
+                        <a:t>&lt;BVC&gt;</a:t>
                       </a:r>
                     </a:p>
                   </a:txBody>
@@ -12863,7 +12862,7 @@
           <p:nvPr>
             <p:extLst>
               <p:ext uri="{D42A27DB-BD31-4B8C-83A1-F6EECF244321}">
-                <p14:modId xmlns:p14="http://schemas.microsoft.com/office/powerpoint/2010/main" val="1418514870"/>
+                <p14:modId xmlns:p14="http://schemas.microsoft.com/office/powerpoint/2010/main" val="1702016450"/>
               </p:ext>
             </p:extLst>
           </p:nvPr>
@@ -16897,7 +16896,7 @@
                           <a:ea typeface="+mn-ea"/>
                           <a:cs typeface="+mn-cs"/>
                         </a:rPr>
-                        <a:t>&lt;BAC&gt; du &lt;NDR&gt; &lt;SJR7&gt;</a:t>
+                        <a:t>&lt;BRA&gt;</a:t>
                       </a:r>
                     </a:p>
                   </a:txBody>
@@ -17074,7 +17073,7 @@
                         <a:defRPr/>
                       </a:pPr>
                       <a:r>
-                        <a:rPr lang="fr-FR" sz="700" b="0" i="0" kern="1200" dirty="0">
+                        <a:rPr lang="fr-FR" sz="700" b="0" i="0" kern="1200">
                           <a:solidFill>
                             <a:schemeClr val="tx1"/>
                           </a:solidFill>
@@ -17082,8 +17081,16 @@
                           <a:ea typeface="+mn-ea"/>
                           <a:cs typeface="+mn-cs"/>
                         </a:rPr>
-                        <a:t>&lt;ABAC&gt; du &lt;NDR&gt; &lt;SJR7&gt;</a:t>
+                        <a:t>&lt;BVC&gt;</a:t>
                       </a:r>
+                      <a:endParaRPr lang="fr-FR" sz="700" b="0" i="0" kern="1200" dirty="0">
+                        <a:solidFill>
+                          <a:schemeClr val="tx1"/>
+                        </a:solidFill>
+                        <a:latin typeface="+mn-lt"/>
+                        <a:ea typeface="+mn-ea"/>
+                        <a:cs typeface="+mn-cs"/>
+                      </a:endParaRPr>
                     </a:p>
                   </a:txBody>
                   <a:tcPr marT="46800" marB="46800" anchor="ctr" horzOverflow="overflow">
@@ -19234,7 +19241,7 @@
         <p:spPr bwMode="auto">
           <a:xfrm>
             <a:off x="361950" y="9765983"/>
-            <a:ext cx="6483350" cy="100027"/>
+            <a:ext cx="6483350" cy="123111"/>
           </a:xfrm>
           <a:prstGeom prst="rect">
             <a:avLst/>
@@ -19255,7 +19262,7 @@
           <a:p>
             <a:pPr lvl="0" algn="just" defTabSz="914400"/>
             <a:r>
-              <a:rPr lang="fr-FR" sz="800" baseline="30000" dirty="0"/>
+              <a:rPr lang="fr-FR" sz="800" dirty="0"/>
               <a:t>(1)</a:t>
             </a:r>
             <a:r>
@@ -19744,43 +19751,25 @@
           <a:p>
             <a:pPr algn="just"/>
             <a:r>
-              <a:rPr lang="fr-FR" sz="650" baseline="30000" dirty="0">
+              <a:rPr lang="fr-FR" sz="650" dirty="0">
                 <a:solidFill>
                   <a:srgbClr val="000000"/>
                 </a:solidFill>
                 <a:latin typeface="Proxima Nova Rg" panose="02000506030000020004" pitchFamily="2" charset="0"/>
               </a:rPr>
-              <a:t>(1) </a:t>
-            </a:r>
-            <a:r>
-              <a:rPr lang="fr-FR" sz="650" dirty="0">
-                <a:solidFill>
-                  <a:srgbClr val="000000"/>
-                </a:solidFill>
-                <a:latin typeface="Proxima Nova Rg" panose="02000506030000020004" pitchFamily="2" charset="0"/>
-              </a:rPr>
-              <a:t>Veuillez vous référer au tableau récapitulant les principales caractéristiques financières en &lt;PAGE&gt; pour le détail des dates. </a:t>
+              <a:t>(1) Veuillez vous référer au tableau récapitulant les principales caractéristiques financières en &lt;PAGE&gt; pour le détail des dates. </a:t>
             </a:r>
           </a:p>
           <a:p>
             <a:pPr algn="just"/>
             <a:r>
-              <a:rPr lang="fr-FR" sz="650" baseline="30000" dirty="0">
+              <a:rPr lang="fr-FR" sz="650" dirty="0">
                 <a:solidFill>
                   <a:srgbClr val="000000"/>
                 </a:solidFill>
                 <a:latin typeface="Proxima Nova Rg" panose="02000506030000020004" pitchFamily="2" charset="0"/>
               </a:rPr>
-              <a:t>(2)</a:t>
-            </a:r>
-            <a:r>
-              <a:rPr lang="fr-FR" sz="650" dirty="0">
-                <a:solidFill>
-                  <a:srgbClr val="000000"/>
-                </a:solidFill>
-                <a:latin typeface="Proxima Nova Rg" panose="02000506030000020004" pitchFamily="2" charset="0"/>
-              </a:rPr>
-              <a:t> En prenant comme hypothèse 1,00% de frais de gestion du contrat d’assurance vie ou de capitalisation. TRA nets hors autres frais, fiscalité et prélèvements sociaux applicables au cadre d’investissement, et hors défaut de paiement et/ou faillite de l’Émetteur et du Garant de la formule et hors mise en résolution du Garant de la formule. Les TRA sont calculés à partir du &lt;2PDC_MAJ&gt; jusqu’à la date de remboursement anticipé automatique éventuel</a:t>
+              <a:t>(2) En prenant comme hypothèse 1,00% de frais de gestion du contrat d’assurance vie ou de capitalisation. TRA nets hors autres frais, fiscalité et prélèvements sociaux applicables au cadre d’investissement, et hors défaut de paiement et/ou faillite de l’Émetteur et du Garant de la formule et hors mise en résolution du Garant de la formule. Les TRA sont calculés à partir du &lt;2PDC&gt; jusqu’à la date de remboursement anticipé automatique éventuel</a:t>
             </a:r>
             <a:r>
               <a:rPr lang="fr-FR" sz="650" baseline="30000" dirty="0">
@@ -20350,7 +20339,7 @@
         <p:spPr>
           <a:xfrm>
             <a:off x="458462" y="974579"/>
-            <a:ext cx="6741374" cy="3990836"/>
+            <a:ext cx="6741374" cy="3769237"/>
           </a:xfrm>
           <a:prstGeom prst="rect">
             <a:avLst/>
@@ -20583,7 +20572,7 @@
                 <a:ea typeface="+mn-ea"/>
                 <a:cs typeface="+mn-cs"/>
               </a:rPr>
-              <a:t> » soit 1000 EUR. Le montant remboursé est brut hors frais et fiscalité applicable au cadre d’investissement. Les Taux de Rendement Annuel (« TRA ») sont nets de frais de gestion pour les contrats d’assurance vie/capitalisation ou net de droits de garde en compte-titres (en prenant comme hypothèse un taux de frais de gestion ou de droits de garde de 1,00% annuel), mais sans prise en compte des autres frais, de la fiscalité et prélèvements sociaux applicables au cadre d’investissement. Ils sont calculés pour un investissement entre la </a:t>
+              <a:t> » soit 1000 EUR. Le montant remboursé est brut hors frais et fiscalité applicable au cadre d’investissement. Les Taux de Rendement Annuel (« TRA ») sont nets de frais de gestion pour les contrats d’assurance vie/capitalisation ou net de droits de garde en compte-titres (en prenant comme hypothèse un taux de frais de gestion ou de droits de garde de 1,00% annuel), mais sans prise en compte des autres frais, de la fiscalité et prélèvements sociaux applicables au cadre d’investissement. Ils sont calculés pour un investissement entre le </a:t>
             </a:r>
             <a:r>
               <a:rPr lang="fr-FR" sz="800" dirty="0">
@@ -20592,7 +20581,7 @@
                 </a:solidFill>
                 <a:latin typeface="Proxima Nova Rg"/>
               </a:rPr>
-              <a:t>&lt;DDCI_M_B_STRIKE&gt; </a:t>
+              <a:t>&lt;2PDC&gt; </a:t>
             </a:r>
             <a:r>
               <a:rPr kumimoji="0" lang="fr-FR" sz="800" b="0" i="0" u="none" strike="noStrike" kern="1200" cap="none" spc="0" normalizeH="0" baseline="0" noProof="0" dirty="0">
@@ -20609,32 +20598,7 @@
                 <a:ea typeface="+mn-ea"/>
                 <a:cs typeface="+mn-cs"/>
               </a:rPr>
-              <a:t>date de constatation initiale</a:t>
-            </a:r>
-            <a:r>
-              <a:rPr lang="fr-FR" sz="800" baseline="30000" dirty="0">
-                <a:solidFill>
-                  <a:schemeClr val="tx2"/>
-                </a:solidFill>
-              </a:rPr>
-              <a:t>(1)</a:t>
-            </a:r>
-            <a:r>
-              <a:rPr kumimoji="0" lang="fr-FR" sz="800" b="0" i="0" u="none" strike="noStrike" kern="1200" cap="none" spc="0" normalizeH="0" baseline="0" noProof="0" dirty="0">
-                <a:ln>
-                  <a:noFill/>
-                </a:ln>
-                <a:solidFill>
-                  <a:schemeClr val="tx1"/>
-                </a:solidFill>
-                <a:effectLst/>
-                <a:uLnTx/>
-                <a:uFillTx/>
-                <a:latin typeface="Proxima Nova Rg"/>
-                <a:ea typeface="+mn-ea"/>
-                <a:cs typeface="+mn-cs"/>
-              </a:rPr>
-              <a:t> (soit le &lt;2PDC&gt;) et la date d’échéance</a:t>
+              <a:t>et la date d’échéance</a:t>
             </a:r>
             <a:r>
               <a:rPr lang="fr-FR" sz="800" baseline="30000" dirty="0">
@@ -20823,16 +20787,7 @@
                 <a:ea typeface="+mn-ea"/>
                 <a:cs typeface="+mn-cs"/>
               </a:rPr>
-              <a:t>Pour un investissement dans « &lt;NOM&gt; », vous êtes exposé pour une durée de &lt;1PR&gt; à &lt;DPRR&gt; &lt;F0&gt;&lt;F0s&gt; à la performance positive ou négative &lt;SJR6&gt;</a:t>
-            </a:r>
-            <a:r>
-              <a:rPr lang="fr-FR" sz="800" b="1" dirty="0">
-                <a:solidFill>
-                  <a:schemeClr val="tx1"/>
-                </a:solidFill>
-                <a:latin typeface="Proxima Nova Rg"/>
-              </a:rPr>
-              <a:t> </a:t>
+              <a:t>Pour un investissement dans « &lt;NOM&gt; », vous êtes exposés pour une durée &lt;DUREE&gt; à l’évolution &lt;SJR6&gt; </a:t>
             </a:r>
             <a:r>
               <a:rPr kumimoji="0" lang="fr-FR" sz="800" b="1" i="0" u="none" strike="noStrike" kern="1200" cap="none" spc="0" normalizeH="0" baseline="0" dirty="0">
@@ -21011,33 +20966,7 @@
                 <a:ea typeface="+mn-ea"/>
                 <a:cs typeface="+mn-cs"/>
               </a:rPr>
-              <a:t>… avec un mécanisme de remboursement anticipé activable automatiquement à toutes les dates de </a:t>
-            </a:r>
-            <a:r>
-              <a:rPr lang="fr-FR" sz="800" b="1" dirty="0">
-                <a:solidFill>
-                  <a:srgbClr val="B9A049"/>
-                </a:solidFill>
-                <a:latin typeface="Proxima Nova Rg"/>
-              </a:rPr>
-              <a:t>constatation &lt;F1&gt; dès </a:t>
-            </a:r>
-            <a:r>
-              <a:rPr kumimoji="0" lang="fr-FR" sz="800" b="1" i="0" u="none" strike="noStrike" kern="1200" cap="none" spc="0" normalizeH="0" baseline="0" noProof="0" dirty="0">
-                <a:ln>
-                  <a:noFill/>
-                </a:ln>
-                <a:solidFill>
-                  <a:srgbClr val="B9A049"/>
-                </a:solidFill>
-                <a:effectLst/>
-                <a:uLnTx/>
-                <a:uFillTx/>
-                <a:latin typeface="Proxima Nova Rg"/>
-                <a:ea typeface="+mn-ea"/>
-                <a:cs typeface="+mn-cs"/>
-              </a:rPr>
-              <a:t>la fin &lt;DU&gt; &lt;F0&gt; &lt;1PR&gt; jusqu'à la fin &lt;DU&gt; &lt;F0&gt; &lt;ADPR&gt;</a:t>
+              <a:t>… avec un mécanisme de remboursement anticipé activable automatiquement &lt;PERIODE_DE_REMBOURSEMENT&gt;</a:t>
             </a:r>
             <a:r>
               <a:rPr kumimoji="0" lang="fr-FR" sz="800" b="1" i="0" u="none" strike="noStrike" kern="1200" cap="none" spc="0" normalizeH="0" baseline="0" noProof="0" dirty="0">
@@ -21191,7 +21120,7 @@
                 <a:ea typeface="+mn-ea"/>
                 <a:cs typeface="+mn-cs"/>
               </a:rPr>
-              <a:t>avec un objectif de gain fixe plafonné à &lt;CPN&gt; par &lt;F0&gt; &lt;F2&gt; depuis le &lt;DDCI&gt; (soit &lt;GCA&gt; par année écoulée) </a:t>
+              <a:t>avec un objectif de gain fixe plafonné à &lt;CPN&gt; &lt;environ&gt; par &lt;F0&gt; &lt;F2&gt; depuis le &lt;DDCI&gt;&lt;exclus&gt; &lt;ANNUALISE&gt; </a:t>
             </a:r>
             <a:r>
               <a:rPr kumimoji="0" lang="fr-FR" sz="800" b="0" i="0" u="none" strike="noStrike" kern="1200" cap="none" spc="0" normalizeH="0" baseline="0" noProof="0" dirty="0">
@@ -21833,43 +21762,25 @@
           <a:p>
             <a:pPr algn="just"/>
             <a:r>
-              <a:rPr lang="fr-FR" sz="650" baseline="30000" dirty="0">
+              <a:rPr lang="fr-FR" sz="650" dirty="0">
                 <a:solidFill>
                   <a:srgbClr val="000000"/>
                 </a:solidFill>
                 <a:latin typeface="Proxima Nova Rg" panose="02000506030000020004" pitchFamily="2" charset="0"/>
               </a:rPr>
-              <a:t>(1) </a:t>
-            </a:r>
-            <a:r>
-              <a:rPr lang="fr-FR" sz="650" dirty="0">
-                <a:solidFill>
-                  <a:srgbClr val="000000"/>
-                </a:solidFill>
-                <a:latin typeface="Proxima Nova Rg" panose="02000506030000020004" pitchFamily="2" charset="0"/>
-              </a:rPr>
-              <a:t>Veuillez vous référer au tableau récapitulant les principales caractéristiques financières en &lt;PAGE&gt; pour le détail des dates. </a:t>
+              <a:t>(1) Veuillez vous référer au tableau récapitulant les principales caractéristiques financières en &lt;PAGE&gt; pour le détail des dates. </a:t>
             </a:r>
           </a:p>
           <a:p>
             <a:pPr algn="just"/>
             <a:r>
-              <a:rPr lang="fr-FR" sz="650" baseline="30000" dirty="0">
+              <a:rPr lang="fr-FR" sz="650" dirty="0">
                 <a:solidFill>
                   <a:srgbClr val="000000"/>
                 </a:solidFill>
                 <a:latin typeface="Proxima Nova Rg" panose="02000506030000020004" pitchFamily="2" charset="0"/>
               </a:rPr>
-              <a:t>(2)</a:t>
-            </a:r>
-            <a:r>
-              <a:rPr lang="fr-FR" sz="650" dirty="0">
-                <a:solidFill>
-                  <a:srgbClr val="000000"/>
-                </a:solidFill>
-                <a:latin typeface="Proxima Nova Rg" panose="02000506030000020004" pitchFamily="2" charset="0"/>
-              </a:rPr>
-              <a:t> En prenant comme hypothèse 1,00% de frais de gestion du contrat d’assurance vie ou de capitalisation. TRA nets hors autres frais, fiscalité et prélèvements sociaux applicables au cadre d’investissement, et hors défaut de paiement et/ou faillite de l’Émetteur et du Garant de la formule et hors mise en résolution du Garant de la formule. Les TRA sont calculés à partir du &lt;2PDC_MAJ&gt; jusqu’à la date de remboursement anticipé automatique éventuel</a:t>
+              <a:t>(2) En prenant comme hypothèse 1,00% de frais de gestion du contrat d’assurance vie ou de capitalisation. TRA nets hors autres frais, fiscalité et prélèvements sociaux applicables au cadre d’investissement, et hors défaut de paiement et/ou faillite de l’Émetteur et du Garant de la formule et hors mise en résolution du Garant de la formule. Les TRA sont calculés à partir du &lt;2PDC&gt; jusqu’à la date de remboursement anticipé automatique éventuel</a:t>
             </a:r>
             <a:r>
               <a:rPr lang="fr-FR" sz="650" baseline="30000" dirty="0">
@@ -22183,7 +22094,7 @@
         <p:spPr>
           <a:xfrm>
             <a:off x="458462" y="974579"/>
-            <a:ext cx="6741374" cy="3990836"/>
+            <a:ext cx="6741374" cy="3769237"/>
           </a:xfrm>
           <a:prstGeom prst="rect">
             <a:avLst/>
@@ -22399,7 +22310,7 @@
                 </a:solidFill>
                 <a:latin typeface="Proxima Nova Rg"/>
               </a:rPr>
-              <a:t>la &lt;DDCI_M_B_STRIKE&gt; </a:t>
+              <a:t>le &lt;2PDC&gt; </a:t>
             </a:r>
             <a:r>
               <a:rPr kumimoji="0" lang="fr-FR" sz="800" b="0" i="0" u="none" strike="noStrike" kern="1200" cap="none" spc="0" normalizeH="0" baseline="0" noProof="0" dirty="0">
@@ -22416,32 +22327,7 @@
                 <a:ea typeface="+mn-ea"/>
                 <a:cs typeface="+mn-cs"/>
               </a:rPr>
-              <a:t>date de constatation initiale</a:t>
-            </a:r>
-            <a:r>
-              <a:rPr lang="fr-FR" sz="800" baseline="30000" dirty="0">
-                <a:solidFill>
-                  <a:schemeClr val="tx2"/>
-                </a:solidFill>
-              </a:rPr>
-              <a:t>(1)</a:t>
-            </a:r>
-            <a:r>
-              <a:rPr kumimoji="0" lang="fr-FR" sz="800" b="0" i="0" u="none" strike="noStrike" kern="1200" cap="none" spc="0" normalizeH="0" baseline="0" noProof="0" dirty="0">
-                <a:ln>
-                  <a:noFill/>
-                </a:ln>
-                <a:solidFill>
-                  <a:schemeClr val="tx1"/>
-                </a:solidFill>
-                <a:effectLst/>
-                <a:uLnTx/>
-                <a:uFillTx/>
-                <a:latin typeface="Proxima Nova Rg"/>
-                <a:ea typeface="+mn-ea"/>
-                <a:cs typeface="+mn-cs"/>
-              </a:rPr>
-              <a:t> (soit le &lt;2PDC&gt;) et la date d’échéance</a:t>
+              <a:t>et la date d’échéance</a:t>
             </a:r>
             <a:r>
               <a:rPr lang="fr-FR" sz="800" baseline="30000" dirty="0">
@@ -22639,7 +22525,33 @@
                 <a:ea typeface="+mn-ea"/>
                 <a:cs typeface="+mn-cs"/>
               </a:rPr>
-              <a:t>Pour un investissement dans « &lt;NOM&gt; », vous êtes exposé pour une durée de &lt;1PR&gt; à &lt;DPRR&gt; &lt;F0&gt;&lt;F0s&gt; à la performance positive ou négative &lt;SJR6&gt;</a:t>
+              <a:t>Pour un investissement dans « &lt;NOM&gt; », vous êtes exposés pour une durée &lt;DUREE&gt; à l’</a:t>
+            </a:r>
+            <a:r>
+              <a:rPr lang="fr-FR" sz="800" b="1" dirty="0">
+                <a:solidFill>
+                  <a:schemeClr val="tx1"/>
+                </a:solidFill>
+                <a:latin typeface="Proxima Nova Rg"/>
+              </a:rPr>
+              <a:t>évolution </a:t>
+            </a:r>
+            <a:r>
+              <a:rPr kumimoji="0" lang="fr-FR" sz="800" b="1" i="0" u="none" strike="noStrike" kern="1200" cap="none" spc="0" normalizeH="0" baseline="0" noProof="0" dirty="0">
+                <a:ln>
+                  <a:noFill/>
+                </a:ln>
+                <a:solidFill>
+                  <a:schemeClr val="tx1"/>
+                </a:solidFill>
+                <a:effectLst/>
+                <a:uLnTx/>
+                <a:uFillTx/>
+                <a:latin typeface="Proxima Nova Rg"/>
+                <a:ea typeface="+mn-ea"/>
+                <a:cs typeface="+mn-cs"/>
+              </a:rPr>
+              <a:t>&lt;SJR6&gt;</a:t>
             </a:r>
             <a:r>
               <a:rPr lang="fr-FR" sz="800" b="1" dirty="0">
@@ -22981,7 +22893,7 @@
                 <a:ea typeface="+mn-ea"/>
                 <a:cs typeface="+mn-cs"/>
               </a:rPr>
-              <a:t>avec un objectif de gain fixe plafonné à &lt;CPN&gt; par &lt;F0&gt; &lt;F2&gt; depuis le &lt;DDCI&gt; (soit &lt;GCA&gt; par année écoulée) </a:t>
+              <a:t>avec un objectif de coupon fixe plafonné à &lt;CPN&gt; &lt;environ&gt; par &lt;F0&gt; &lt;ANNUALISE&gt; &lt;Mémoire6&gt; </a:t>
             </a:r>
             <a:r>
               <a:rPr kumimoji="0" lang="fr-FR" sz="800" b="0" i="0" u="none" strike="noStrike" kern="1200" cap="none" spc="0" normalizeH="0" baseline="0" noProof="0" dirty="0">
@@ -23051,7 +22963,7 @@
                 <a:ea typeface="+mn-ea"/>
                 <a:cs typeface="+mn-cs"/>
               </a:rPr>
-              <a:t>ou égal à &lt;BCPN&gt; &lt;balisedeg1&gt;</a:t>
+              <a:t>ou égal à &lt;ABAC2&gt;</a:t>
             </a:r>
             <a:r>
               <a:rPr kumimoji="0" lang="fr-FR" sz="800" b="0" i="0" u="none" strike="noStrike" kern="1200" cap="none" spc="0" normalizeH="0" baseline="0" noProof="0" dirty="0">
@@ -23780,43 +23692,25 @@
           <a:p>
             <a:pPr marL="0" lvl="1" algn="just"/>
             <a:r>
-              <a:rPr lang="fr-FR" sz="650" baseline="30000" dirty="0">
+              <a:rPr lang="fr-FR" sz="650" dirty="0">
                 <a:solidFill>
                   <a:schemeClr val="tx2"/>
                 </a:solidFill>
                 <a:latin typeface="+mn-lt"/>
               </a:rPr>
-              <a:t>(1)</a:t>
-            </a:r>
-            <a:r>
-              <a:rPr lang="fr-FR" sz="650" dirty="0">
-                <a:solidFill>
-                  <a:schemeClr val="tx2"/>
-                </a:solidFill>
-                <a:latin typeface="+mn-lt"/>
-              </a:rPr>
-              <a:t> Veuillez vous référer au tableau récapitulant les principales caractéristiques financières en &lt;PAGE&gt; pour le détail des dates. </a:t>
+              <a:t>(1) Veuillez vous référer au tableau récapitulant les principales caractéristiques financières en &lt;PAGE&gt; pour le détail des dates. </a:t>
             </a:r>
           </a:p>
           <a:p>
             <a:pPr marL="0" lvl="1" algn="just"/>
             <a:r>
-              <a:rPr lang="fr-FR" sz="650" baseline="30000" dirty="0">
+              <a:rPr lang="fr-FR" sz="650" dirty="0">
                 <a:solidFill>
                   <a:schemeClr val="tx2"/>
                 </a:solidFill>
                 <a:latin typeface="+mn-lt"/>
               </a:rPr>
-              <a:t>(2)</a:t>
-            </a:r>
-            <a:r>
-              <a:rPr lang="fr-FR" sz="650" dirty="0">
-                <a:solidFill>
-                  <a:schemeClr val="tx2"/>
-                </a:solidFill>
-                <a:latin typeface="+mn-lt"/>
-              </a:rPr>
-              <a:t> En prenant comme hypothèse 1,00% de frais de gestion du contrat d’assurance vie ou de capitalisation. TRA nets hors autres frais, fiscalité et prélèvements sociaux applicables au cadre d’investissement, et hors défaut de paiement et/ou faillite de l’Émetteur et du Garant de la formule et hors mise en résolution du Garant de la formule. Les TRA sont calculés à partir du &lt;2PDC&gt; jusqu’à la date de remboursement anticipé automatique éventuel</a:t>
+              <a:t>(2) En prenant comme hypothèse 1,00% de frais de gestion du contrat d’assurance vie ou de capitalisation. TRA nets hors autres frais, fiscalité et prélèvements sociaux applicables au cadre d’investissement, et hors défaut de paiement et/ou faillite de l’Émetteur et du Garant de la formule et hors mise en résolution du Garant de la formule. Les TRA sont calculés à partir du &lt;2PDC&gt; jusqu’à la date de remboursement anticipé automatique éventuel</a:t>
             </a:r>
             <a:r>
               <a:rPr lang="fr-FR" sz="650" baseline="30000" dirty="0">
@@ -24190,7 +24084,7 @@
                   <a:srgbClr val="000000"/>
                 </a:solidFill>
               </a:rPr>
-              <a:t>De la fin &lt;DU&gt; &lt;F0&gt; &lt;1PR&gt; jusqu'à la fin &lt;DU&gt; &lt;F0&gt; &lt;ADPR&gt;, si à l’une des dates de constatation</a:t>
+              <a:t>&lt;PERIODE_DE_REMBOURSEMENT&gt;, si à l’une des dates de constatation &lt;F1&gt;</a:t>
             </a:r>
             <a:r>
               <a:rPr lang="fr-FR" sz="800" baseline="30000" dirty="0">
@@ -24206,15 +24100,15 @@
                   <a:srgbClr val="000000"/>
                 </a:solidFill>
               </a:rPr>
-              <a:t> &lt;F1&gt;</a:t>
-            </a:r>
-            <a:r>
-              <a:rPr lang="fr-FR" sz="800" baseline="30000" dirty="0">
+              <a:t> &lt;SJR1&gt; clôture à un &lt;SJR3&gt; supérieur ou égal à &lt;ABAC&gt;, </a:t>
+            </a:r>
+            <a:r>
+              <a:rPr lang="fr-FR" sz="800" b="1" dirty="0">
                 <a:solidFill>
                   <a:srgbClr val="000000"/>
                 </a:solidFill>
               </a:rPr>
-              <a:t>(1)</a:t>
+              <a:t>un mécanisme de remboursement anticipé est automatiquement activé </a:t>
             </a:r>
             <a:r>
               <a:rPr lang="fr-FR" sz="800" dirty="0">
@@ -24222,23 +24116,7 @@
                   <a:srgbClr val="000000"/>
                 </a:solidFill>
               </a:rPr>
-              <a:t> &lt;SJR1&gt; clôture à un &lt;SJR3&gt; supérieur ou égal à &lt;ABAC&gt;, </a:t>
-            </a:r>
-            <a:r>
-              <a:rPr lang="fr-FR" sz="800" b="1" dirty="0">
-                <a:solidFill>
-                  <a:srgbClr val="000000"/>
-                </a:solidFill>
-              </a:rPr>
-              <a:t>un mécanisme de remboursement anticipé est automatiquement activé </a:t>
-            </a:r>
-            <a:r>
-              <a:rPr lang="fr-FR" sz="800" dirty="0">
-                <a:solidFill>
-                  <a:srgbClr val="000000"/>
-                </a:solidFill>
-              </a:rPr>
-              <a:t>et l’investisseur récupère alors l’intégralité de son capital initial, majorée d’un &lt;GC&gt; de &lt;CPN&gt; par &lt;F0&gt; &lt;F2&gt; depuis le &lt;DDCI&gt; (soit &lt;GCA&gt;</a:t>
+              <a:t>et l’investisseur récupère alors l’intégralité de son capital initial, majorée d’un &lt;GC&gt; de &lt;CPN&gt; &lt;environ&gt; par &lt;F0&gt; &lt;F2&gt; depuis le &lt;DDCI&gt;&lt;exclus&gt; (soit &lt;GCA&gt;</a:t>
             </a:r>
             <a:r>
               <a:rPr lang="fr-FR" sz="800" i="1" dirty="0">
@@ -24315,7 +24193,7 @@
                   <a:srgbClr val="000000"/>
                 </a:solidFill>
               </a:rPr>
-              <a:t>, si le mécanisme de remboursement anticipé n’a pas été activé au préalable, et si &lt;SJR1&gt; clôture à un &lt;SJR3&gt; supérieur ou égal à &lt;DBAC&gt; de son &lt;NDR&gt;, l’investisseur récupère alors l’intégralité de son capital initial, majorée d’un &lt;GC&gt; de &lt;CPN&gt; par &lt;F0&gt; &lt;F2&gt; depuis le &lt;DDCI&gt; (soit un &lt;GC&gt; de &lt;GCE&gt; et un Taux de Rendement Annuel net de &lt;TRA.MG.A&gt;</a:t>
+              <a:t>, si le mécanisme de remboursement anticipé n’a pas été activé au préalable, et si &lt;SJR1&gt; clôture à un &lt;SJR3&gt; supérieur ou égal à &lt;DBAC&gt; de son &lt;NDR&gt;, l’investisseur récupère alors l’intégralité de son capital initial, majorée d’un &lt;GC&gt; de &lt;CPN&gt; &lt;environ&gt; par &lt;F0&gt; &lt;F2&gt; depuis le &lt;DDCI&gt;&lt;exclus&gt; (soit un &lt;GC&gt; de &lt;GCE&gt; et un Taux de Rendement Annuel net de &lt;TRA.MG.A&gt;</a:t>
             </a:r>
             <a:r>
               <a:rPr lang="fr-FR" sz="800" baseline="30000" dirty="0">
@@ -24608,7 +24486,7 @@
                   <a:srgbClr val="000000"/>
                 </a:solidFill>
               </a:rPr>
-              <a:t>&lt;1PR&gt; à &lt;DPRR&gt; &lt;F0&gt;&lt;F0s&gt;.</a:t>
+              <a:t>&lt;DUREE&gt;.</a:t>
             </a:r>
           </a:p>
           <a:p>
@@ -24639,7 +24517,7 @@
                   <a:srgbClr val="000000"/>
                 </a:solidFill>
               </a:rPr>
-              <a:t>mécanisme de plafonnement des gains à &lt;CPN&gt; par &lt;F0&gt; &lt;F2&gt; depuis le &lt;DDCI&gt; </a:t>
+              <a:t>mécanisme de plafonnement des gains à &lt;CPN&gt; &lt;environ&gt; par &lt;F0&gt; &lt;F2&gt; depuis le &lt;DDCI&gt;&lt;exclus&gt; </a:t>
             </a:r>
             <a:r>
               <a:rPr lang="fr-FR" sz="800" dirty="0">
@@ -24863,43 +24741,25 @@
           <a:p>
             <a:pPr marL="0" lvl="1" algn="just"/>
             <a:r>
-              <a:rPr lang="fr-FR" sz="650" baseline="30000" dirty="0">
+              <a:rPr lang="fr-FR" sz="650" dirty="0">
                 <a:solidFill>
                   <a:schemeClr val="tx2"/>
                 </a:solidFill>
                 <a:latin typeface="+mn-lt"/>
               </a:rPr>
-              <a:t>(1)</a:t>
-            </a:r>
-            <a:r>
-              <a:rPr lang="fr-FR" sz="650" dirty="0">
-                <a:solidFill>
-                  <a:schemeClr val="tx2"/>
-                </a:solidFill>
-                <a:latin typeface="+mn-lt"/>
-              </a:rPr>
-              <a:t> Veuillez vous référer au tableau récapitulant les principales caractéristiques financières en &lt;PAGE&gt; pour le détail des dates. </a:t>
+              <a:t>(1) Veuillez vous référer au tableau récapitulant les principales caractéristiques financières en &lt;PAGE&gt; pour le détail des dates. </a:t>
             </a:r>
           </a:p>
           <a:p>
             <a:pPr marL="0" lvl="1" algn="just"/>
             <a:r>
-              <a:rPr lang="fr-FR" sz="650" baseline="30000" dirty="0">
+              <a:rPr lang="fr-FR" sz="650" dirty="0">
                 <a:solidFill>
                   <a:schemeClr val="tx2"/>
                 </a:solidFill>
                 <a:latin typeface="+mn-lt"/>
               </a:rPr>
-              <a:t>(2)</a:t>
-            </a:r>
-            <a:r>
-              <a:rPr lang="fr-FR" sz="650" dirty="0">
-                <a:solidFill>
-                  <a:schemeClr val="tx2"/>
-                </a:solidFill>
-                <a:latin typeface="+mn-lt"/>
-              </a:rPr>
-              <a:t> En prenant comme hypothèse 1,00% de frais de gestion du contrat d’assurance vie ou de capitalisation. TRA nets hors autres frais, fiscalité et prélèvements sociaux applicables au cadre d’investissement, et hors défaut de paiement et/ou faillite de l’Émetteur et du Garant de la formule et hors mise en résolution du Garant de la formule. Les TRA sont calculés à partir du &lt;2PDC&gt; jusqu’à la date de remboursement anticipé automatique éventuel</a:t>
+              <a:t>(2) En prenant comme hypothèse 1,00% de frais de gestion du contrat d’assurance vie ou de capitalisation. TRA nets hors autres frais, fiscalité et prélèvements sociaux applicables au cadre d’investissement, et hors défaut de paiement et/ou faillite de l’Émetteur et du Garant de la formule et hors mise en résolution du Garant de la formule. Les TRA sont calculés à partir du &lt;2PDC&gt; jusqu’à la date de remboursement anticipé automatique éventuel</a:t>
             </a:r>
             <a:r>
               <a:rPr lang="fr-FR" sz="650" baseline="30000" dirty="0">
@@ -25211,7 +25071,7 @@
         <p:spPr>
           <a:xfrm>
             <a:off x="359839" y="954548"/>
-            <a:ext cx="6839998" cy="4376839"/>
+            <a:ext cx="6839998" cy="4493794"/>
           </a:xfrm>
           <a:prstGeom prst="rect">
             <a:avLst/>
@@ -25273,7 +25133,7 @@
                   <a:srgbClr val="000000"/>
                 </a:solidFill>
               </a:rPr>
-              <a:t>A chaque date de constatation &lt;F1&gt;</a:t>
+              <a:t>À chaque date de constatation &lt;F1&gt;</a:t>
             </a:r>
             <a:r>
               <a:rPr lang="fr-FR" sz="800" baseline="30000" dirty="0">
@@ -25347,7 +25207,7 @@
                   <a:srgbClr val="000000"/>
                 </a:solidFill>
               </a:rPr>
-              <a:t>A l’issue &lt;DU&gt; &lt;F0&gt; &lt;1PR&gt; à &lt;ADPR&gt;, si à l’une des dates de constatation &lt;F1&gt; correspondantes</a:t>
+              <a:t>De la fin &lt;DU&gt; &lt;F0&gt; &lt;1PR&gt; jusqu’à la fin &lt;DU&gt; &lt;F0&gt; &lt;1PR&gt; à &lt;ADPR&gt;, si à l’une des dates de constatation &lt;F1&gt; correspondantes</a:t>
             </a:r>
             <a:r>
               <a:rPr lang="fr-FR" sz="800" baseline="30000" dirty="0">
@@ -25363,7 +25223,7 @@
                   <a:srgbClr val="000000"/>
                 </a:solidFill>
               </a:rPr>
-              <a:t> ,&lt;SJR1&gt; clôture à un &lt;SJR3&gt; supérieur ou égal à &lt;ABAC&gt;, </a:t>
+              <a:t>,&lt;SJR1&gt; clôture à un &lt;SJR3&gt; supérieur ou égal à &lt;ABAC&gt;, </a:t>
             </a:r>
             <a:r>
               <a:rPr lang="fr-FR" sz="800" b="1" dirty="0">
@@ -25379,27 +25239,13 @@
                   <a:srgbClr val="000000"/>
                 </a:solidFill>
               </a:rPr>
-              <a:t>et l’investisseur récupère alors l’intégralité de son capital initial majorée du coupon de &lt;CPN&gt; &lt;Mémoire6&gt; (soit un Taux de Rendement Annuel net </a:t>
-            </a:r>
-            <a:r>
-              <a:rPr lang="fr-FR" sz="800" dirty="0">
+              <a:t>et l’investisseur récupère alors l’intégralité de son capital initial majorée du coupon de &lt;CPN&gt; &lt;Mémoire6&gt; (soit un Taux de Rendement Annuel net compris entre &lt;TRA.MAX.P&gt;</a:t>
+            </a:r>
+            <a:r>
+              <a:rPr lang="fr-FR" sz="800" baseline="30000" dirty="0">
                 <a:solidFill>
                   <a:srgbClr val="000000"/>
                 </a:solidFill>
-                <a:highlight>
-                  <a:srgbClr val="FFFF00"/>
-                </a:highlight>
-              </a:rPr>
-              <a:t>compris entre &lt;TRA.MAX.P&gt;</a:t>
-            </a:r>
-            <a:r>
-              <a:rPr lang="fr-FR" sz="800" baseline="30000" dirty="0">
-                <a:solidFill>
-                  <a:srgbClr val="000000"/>
-                </a:solidFill>
-                <a:highlight>
-                  <a:srgbClr val="FFFF00"/>
-                </a:highlight>
                 <a:ea typeface="SimSun" pitchFamily="2" charset="-122"/>
                 <a:cs typeface="Times New Roman" pitchFamily="18" charset="0"/>
               </a:rPr>
@@ -25410,9 +25256,6 @@
                 <a:solidFill>
                   <a:srgbClr val="000000"/>
                 </a:solidFill>
-                <a:highlight>
-                  <a:srgbClr val="FFFF00"/>
-                </a:highlight>
                 <a:ea typeface="SimSun" pitchFamily="2" charset="-122"/>
                 <a:cs typeface="Times New Roman" pitchFamily="18" charset="0"/>
               </a:rPr>
@@ -25436,7 +25279,23 @@
                   <a:srgbClr val="000000"/>
                 </a:solidFill>
               </a:rPr>
-              <a:t>A la date de constatation finale(1), si le mécanisme de remboursement anticipé n’a pas été activé au préalable, et si &lt;SJR1&gt; clôture à un cours strictement inférieur à &lt;ABAC2&gt; mais supérieur ou égal à &lt;PDI&gt; de son «&lt;ABAC2&gt;, l’investisseur récupère l’intégralité de son capital initialement investi. Le capital est donc exposé à un risque de perte à l’échéance</a:t>
+              <a:t>A la date de constatation finale</a:t>
+            </a:r>
+            <a:r>
+              <a:rPr lang="fr-FR" sz="800" baseline="30000" dirty="0">
+                <a:solidFill>
+                  <a:srgbClr val="000000"/>
+                </a:solidFill>
+              </a:rPr>
+              <a:t>(1)</a:t>
+            </a:r>
+            <a:r>
+              <a:rPr lang="fr-FR" sz="800" dirty="0">
+                <a:solidFill>
+                  <a:srgbClr val="000000"/>
+                </a:solidFill>
+              </a:rPr>
+              <a:t>, si le mécanisme de remboursement anticipé n’a pas été activé au préalable, et si &lt;SJR1&gt; clôture à un &lt;SJR3&gt; strictement inférieur à &lt;ABAC2&gt; mais supérieur ou égal à &lt;PDI&gt; de son «&lt;ABAC2&gt;, l’investisseur récupère l’intégralité de son capital initialement investi. Le capital est donc exposé à un risque de perte à l’échéance</a:t>
             </a:r>
             <a:r>
               <a:rPr lang="fr-FR" sz="800" baseline="30000" dirty="0">
@@ -25697,7 +25556,7 @@
                   <a:srgbClr val="000000"/>
                 </a:solidFill>
               </a:rPr>
-              <a:t>&lt;1PR&gt; à &lt;DPRR&gt; &lt;F0&gt;&lt;F0s&gt;.</a:t>
+              <a:t>&lt;DUREE&gt;.</a:t>
             </a:r>
           </a:p>
           <a:p>
@@ -25728,7 +25587,7 @@
                   <a:srgbClr val="000000"/>
                 </a:solidFill>
               </a:rPr>
-              <a:t>mécanisme de plafonnement des gains à &lt;CPN&gt; par &lt;F0&gt; </a:t>
+              <a:t>mécanisme de plafonnement des gains à &lt;CPN&gt; &lt;environ&gt; par &lt;F0&gt; </a:t>
             </a:r>
             <a:r>
               <a:rPr lang="fr-FR" sz="800" dirty="0">
@@ -25736,26 +25595,15 @@
                   <a:srgbClr val="000000"/>
                 </a:solidFill>
               </a:rPr>
-              <a:t>(soit un Taux de Rendement Annuel net maximum de de de </a:t>
-            </a:r>
-            <a:r>
-              <a:rPr lang="fr-FR" sz="800" dirty="0">
+              <a:t>(soit un Taux de Rendement Annuel net maximum de &lt;TRA.TOUT.P&gt;</a:t>
+            </a:r>
+            <a:r>
+              <a:rPr lang="fr-FR" sz="800" baseline="30000" dirty="0">
                 <a:solidFill>
                   <a:srgbClr val="000000"/>
                 </a:solidFill>
-                <a:highlight>
-                  <a:srgbClr val="00FFFF"/>
-                </a:highlight>
-              </a:rPr>
-              <a:t>&lt;TRA.TOUT.P&gt;</a:t>
-            </a:r>
-            <a:r>
-              <a:rPr lang="fr-FR" sz="800" baseline="30000" dirty="0">
-                <a:solidFill>
-                  <a:srgbClr val="000000"/>
-                </a:solidFill>
-              </a:rPr>
-              <a:t>( </a:t>
+              </a:rPr>
+              <a:t>(</a:t>
             </a:r>
             <a:r>
               <a:rPr lang="fr-FR" sz="800" baseline="30000" dirty="0">
@@ -25816,7 +25664,7 @@
                 <a:effectLst/>
                 <a:ea typeface="Calibri" panose="020F0502020204030204" pitchFamily="34" charset="0"/>
               </a:rPr>
-              <a:t>&lt;ABAC2&gt; &lt;EBAC&gt; &lt;DESONNDR&gt; </a:t>
+              <a:t>&lt;ABAC2&gt; &lt;ABAC&gt; &lt;EBAC&gt; &lt;DESONNDR&gt; </a:t>
             </a:r>
             <a:r>
               <a:rPr lang="fr-FR" sz="800" dirty="0">
@@ -25830,17 +25678,10 @@
                 <a:effectLst/>
                 <a:ea typeface="Calibri" panose="020F0502020204030204" pitchFamily="34" charset="0"/>
               </a:rPr>
-              <a:t>(1</a:t>
-            </a:r>
-            <a:r>
-              <a:rPr lang="fr-FR" sz="800" b="1" baseline="30000" dirty="0">
-                <a:effectLst/>
-                <a:ea typeface="Calibri" panose="020F0502020204030204" pitchFamily="34" charset="0"/>
-              </a:rPr>
-              <a:t>)</a:t>
-            </a:r>
-            <a:r>
-              <a:rPr lang="fr-FR" sz="800" b="1" dirty="0">
+              <a:t>(1)</a:t>
+            </a:r>
+            <a:r>
+              <a:rPr lang="fr-FR" sz="800" dirty="0">
                 <a:effectLst/>
                 <a:ea typeface="Calibri" panose="020F0502020204030204" pitchFamily="34" charset="0"/>
               </a:rPr>
@@ -25966,43 +25807,25 @@
           <a:p>
             <a:pPr algn="just"/>
             <a:r>
-              <a:rPr lang="fr-FR" sz="650" baseline="30000" dirty="0">
+              <a:rPr lang="fr-FR" sz="650" dirty="0">
                 <a:solidFill>
                   <a:srgbClr val="000000"/>
                 </a:solidFill>
                 <a:latin typeface="Proxima Nova Rg" panose="02000506030000020004" pitchFamily="2" charset="0"/>
               </a:rPr>
-              <a:t>(1) </a:t>
-            </a:r>
-            <a:r>
-              <a:rPr lang="fr-FR" sz="650" dirty="0">
-                <a:solidFill>
-                  <a:srgbClr val="000000"/>
-                </a:solidFill>
-                <a:latin typeface="Proxima Nova Rg" panose="02000506030000020004" pitchFamily="2" charset="0"/>
-              </a:rPr>
-              <a:t>Veuillez vous référer au tableau récapitulant les principales caractéristiques financières en &lt;PAGE&gt; pour le détail des dates. </a:t>
+              <a:t>(1) Veuillez vous référer au tableau récapitulant les principales caractéristiques financières en &lt;PAGE&gt; pour le détail des dates. </a:t>
             </a:r>
           </a:p>
           <a:p>
             <a:pPr algn="just"/>
             <a:r>
-              <a:rPr lang="fr-FR" sz="650" baseline="30000" dirty="0">
+              <a:rPr lang="fr-FR" sz="650" dirty="0">
                 <a:solidFill>
                   <a:srgbClr val="000000"/>
                 </a:solidFill>
                 <a:latin typeface="Proxima Nova Rg" panose="02000506030000020004" pitchFamily="2" charset="0"/>
               </a:rPr>
-              <a:t>(2)</a:t>
-            </a:r>
-            <a:r>
-              <a:rPr lang="fr-FR" sz="650" dirty="0">
-                <a:solidFill>
-                  <a:srgbClr val="000000"/>
-                </a:solidFill>
-                <a:latin typeface="Proxima Nova Rg" panose="02000506030000020004" pitchFamily="2" charset="0"/>
-              </a:rPr>
-              <a:t> En prenant comme hypothèse 1,00% de frais de gestion du contrat d’assurance vie ou de capitalisation. TRA nets hors autres frais, fiscalité et prélèvements sociaux applicables au cadre d’investissement, et hors défaut de paiement et/ou faillite de l’Émetteur et du Garant de la formule et hors mise en résolution du Garant de la formule. Les TRA sont calculés à partir du &lt;2PDC&gt; jusqu’à la date de remboursement anticipé automatique éventuel</a:t>
+              <a:t>(2) En prenant comme hypothèse 1,00% de frais de gestion du contrat d’assurance vie ou de capitalisation. TRA nets hors autres frais, fiscalité et prélèvements sociaux applicables au cadre d’investissement, et hors défaut de paiement et/ou faillite de l’Émetteur et du Garant de la formule et hors mise en résolution du Garant de la formule. Les TRA sont calculés à partir du &lt;2PDC&gt; jusqu’à la date de remboursement anticipé automatique éventuel</a:t>
             </a:r>
             <a:r>
               <a:rPr lang="fr-FR" sz="650" baseline="30000" dirty="0">
@@ -26546,7 +26369,7 @@
             </a:r>
             <a:r>
               <a:rPr lang="fr-FR" sz="800" dirty="0"/>
-              <a:t> par &lt;F0&gt; &lt;F2&gt; depuis le &lt;DDCI&gt;</a:t>
+              <a:t> par &lt;F0&gt; &lt;F2&gt; depuis le &lt;DDCI&gt;&lt;exclus&gt;</a:t>
             </a:r>
           </a:p>
           <a:p>
@@ -26821,7 +26644,7 @@
             </a:r>
             <a:r>
               <a:rPr lang="fr-FR" sz="800" dirty="0"/>
-              <a:t> par &lt;F0&gt; &lt;F2&gt; depuis le &lt;DDCI&gt; </a:t>
+              <a:t> par &lt;F0&gt; &lt;F2&gt; depuis le &lt;DDCI&gt;&lt;exclus&gt; </a:t>
             </a:r>
           </a:p>
           <a:p>
@@ -26872,7 +26695,7 @@
         <p:spPr>
           <a:xfrm>
             <a:off x="910052" y="2258288"/>
-            <a:ext cx="6005163" cy="738664"/>
+            <a:ext cx="6005163" cy="615553"/>
           </a:xfrm>
           <a:prstGeom prst="rect">
             <a:avLst/>
@@ -26908,7 +26731,7 @@
                   <a:schemeClr val="tx2"/>
                 </a:solidFill>
               </a:rPr>
-              <a:t>à partir de la fin &lt;DU&gt; &lt;F0&gt; &lt;1PR&gt; et jusqu’à la fin &lt;DU&gt; &lt;F0&gt; &lt;ADPR&gt;, on observe le &lt;SJR3&gt; de clôture &lt;SJR7&gt;</a:t>
+              <a:t>&lt;PERIODE_DE_REMBOURSEMENT&gt;, on observe le &lt;SJR3&gt; de clôture &lt;SJR7&gt;</a:t>
             </a:r>
             <a:r>
               <a:rPr lang="en-US" sz="800" dirty="0">
@@ -27020,7 +26843,7 @@
         </p:nvSpPr>
         <p:spPr>
           <a:xfrm>
-            <a:off x="617953" y="4849273"/>
+            <a:off x="700464" y="4974652"/>
             <a:ext cx="3307879" cy="141412"/>
           </a:xfrm>
           <a:prstGeom prst="rect">
@@ -27424,7 +27247,7 @@
         </p:nvSpPr>
         <p:spPr>
           <a:xfrm>
-            <a:off x="1186722" y="8986375"/>
+            <a:off x="1186722" y="8878799"/>
             <a:ext cx="5203302" cy="637849"/>
           </a:xfrm>
           <a:prstGeom prst="rect">
@@ -28710,43 +28533,25 @@
           <a:p>
             <a:pPr algn="just"/>
             <a:r>
-              <a:rPr lang="fr-FR" sz="650" baseline="30000" dirty="0">
+              <a:rPr lang="fr-FR" sz="650" dirty="0">
                 <a:solidFill>
                   <a:srgbClr val="000000"/>
                 </a:solidFill>
                 <a:latin typeface="Proxima Nova Rg" panose="02000506030000020004" pitchFamily="2" charset="0"/>
               </a:rPr>
-              <a:t>(1) </a:t>
-            </a:r>
-            <a:r>
-              <a:rPr lang="fr-FR" sz="650" dirty="0">
-                <a:solidFill>
-                  <a:srgbClr val="000000"/>
-                </a:solidFill>
-                <a:latin typeface="Proxima Nova Rg" panose="02000506030000020004" pitchFamily="2" charset="0"/>
-              </a:rPr>
-              <a:t>Veuillez vous référer au tableau récapitulant les principales caractéristiques financières en &lt;PAGE&gt; pour le détail des dates. </a:t>
+              <a:t>(1) Veuillez vous référer au tableau récapitulant les principales caractéristiques financières en &lt;PAGE&gt; pour le détail des dates. </a:t>
             </a:r>
           </a:p>
           <a:p>
             <a:pPr algn="just"/>
             <a:r>
-              <a:rPr lang="fr-FR" sz="650" baseline="30000" dirty="0">
+              <a:rPr lang="fr-FR" sz="650" dirty="0">
                 <a:solidFill>
                   <a:srgbClr val="000000"/>
                 </a:solidFill>
                 <a:latin typeface="Proxima Nova Rg" panose="02000506030000020004" pitchFamily="2" charset="0"/>
               </a:rPr>
-              <a:t>(2)</a:t>
-            </a:r>
-            <a:r>
-              <a:rPr lang="fr-FR" sz="650" dirty="0">
-                <a:solidFill>
-                  <a:srgbClr val="000000"/>
-                </a:solidFill>
-                <a:latin typeface="Proxima Nova Rg" panose="02000506030000020004" pitchFamily="2" charset="0"/>
-              </a:rPr>
-              <a:t> </a:t>
+              <a:t>(2) </a:t>
             </a:r>
             <a:r>
               <a:rPr lang="fr-FR" sz="700" dirty="0">
@@ -29097,6 +28902,22 @@
                 </a:solidFill>
               </a:rPr>
               <a:t>À chaque date de constatation &lt;F1&gt;</a:t>
+            </a:r>
+            <a:r>
+              <a:rPr lang="fr-FR" sz="800" baseline="30000" dirty="0">
+                <a:solidFill>
+                  <a:schemeClr val="tx2"/>
+                </a:solidFill>
+              </a:rPr>
+              <a:t>(1)</a:t>
+            </a:r>
+            <a:r>
+              <a:rPr lang="fr-FR" sz="800" dirty="0">
+                <a:solidFill>
+                  <a:schemeClr val="tx2"/>
+                </a:solidFill>
+              </a:rPr>
+              <a:t> et à la date de constatation finale</a:t>
             </a:r>
             <a:r>
               <a:rPr lang="fr-FR" sz="800" baseline="30000" dirty="0">
@@ -29368,7 +29189,7 @@
         </p:nvSpPr>
         <p:spPr>
           <a:xfrm>
-            <a:off x="617953" y="883196"/>
+            <a:off x="617953" y="944156"/>
             <a:ext cx="2897640" cy="168615"/>
           </a:xfrm>
           <a:prstGeom prst="rect">
@@ -30442,7 +30263,7 @@
         </p:nvSpPr>
         <p:spPr>
           <a:xfrm>
-            <a:off x="648905" y="5603788"/>
+            <a:off x="648905" y="5695228"/>
             <a:ext cx="6189422" cy="156714"/>
           </a:xfrm>
           <a:prstGeom prst="rect">
@@ -31013,7 +30834,7 @@
             </a:pPr>
             <a:r>
               <a:rPr lang="fr-FR" sz="800" dirty="0"/>
-              <a:t>Un gain plafonné fixe de &lt;CPN&gt; par &lt;F0&gt; &lt;F2&gt; depuis le &lt;DDCI&gt; </a:t>
+              <a:t>Un coupon plafonné fixe de &lt;CPN&gt; par &lt;F0&gt; &lt;F2&gt; depuis le &lt;DDCI&gt; </a:t>
             </a:r>
           </a:p>
           <a:p>
@@ -31079,7 +30900,43 @@
           <a:p>
             <a:r>
               <a:rPr lang="fr-FR" sz="800" dirty="0"/>
-              <a:t>&lt;balisedeg2&gt; &lt;balisedeg3&gt;</a:t>
+              <a:t>&lt;balisedeg2&gt;</a:t>
+            </a:r>
+            <a:endParaRPr lang="en-US" sz="800" dirty="0"/>
+          </a:p>
+        </p:txBody>
+      </p:sp>
+      <p:sp>
+        <p:nvSpPr>
+          <p:cNvPr id="20" name="ZoneTexte 19">
+            <a:extLst>
+              <a:ext uri="{FF2B5EF4-FFF2-40B4-BE49-F238E27FC236}">
+                <a16:creationId xmlns:a16="http://schemas.microsoft.com/office/drawing/2014/main" id="{CBE8C0CE-6FC4-4678-ACA2-095C7CA39679}"/>
+              </a:ext>
+            </a:extLst>
+          </p:cNvPr>
+          <p:cNvSpPr txBox="1"/>
+          <p:nvPr/>
+        </p:nvSpPr>
+        <p:spPr>
+          <a:xfrm>
+            <a:off x="912411" y="5235321"/>
+            <a:ext cx="6035040" cy="215444"/>
+          </a:xfrm>
+          <a:prstGeom prst="rect">
+            <a:avLst/>
+          </a:prstGeom>
+          <a:noFill/>
+        </p:spPr>
+        <p:txBody>
+          <a:bodyPr wrap="square" rtlCol="0">
+            <a:spAutoFit/>
+          </a:bodyPr>
+          <a:lstStyle/>
+          <a:p>
+            <a:r>
+              <a:rPr lang="fr-FR" sz="800" dirty="0"/>
+              <a:t>&lt;balisedeg4&gt;</a:t>
             </a:r>
             <a:endParaRPr lang="en-US" sz="800" dirty="0"/>
           </a:p>
@@ -32048,7 +31905,7 @@
             </a:pPr>
             <a:r>
               <a:rPr lang="fr-FR" sz="800" dirty="0"/>
-              <a:t>par &lt;SJR1&gt; entre le </a:t>
+              <a:t>par &lt;SJR1&gt; entre son </a:t>
             </a:r>
             <a:r>
               <a:rPr lang="fr-FR" sz="800" dirty="0">
@@ -32060,7 +31917,7 @@
             </a:r>
             <a:r>
               <a:rPr lang="fr-FR" sz="800" dirty="0"/>
-              <a:t>et son niveau de clôture le &lt;DCF&gt;</a:t>
+              <a:t>et son &lt;SJR3&gt; final le &lt;DCF&gt;</a:t>
             </a:r>
           </a:p>
           <a:p>
@@ -32447,43 +32304,25 @@
           <a:p>
             <a:pPr marL="0" lvl="1" algn="just"/>
             <a:r>
-              <a:rPr lang="fr-FR" sz="650" baseline="30000" dirty="0">
+              <a:rPr lang="fr-FR" sz="650" dirty="0">
                 <a:solidFill>
                   <a:schemeClr val="tx2"/>
                 </a:solidFill>
                 <a:latin typeface="+mn-lt"/>
               </a:rPr>
-              <a:t>(1)</a:t>
-            </a:r>
-            <a:r>
-              <a:rPr lang="fr-FR" sz="650" dirty="0">
-                <a:solidFill>
-                  <a:schemeClr val="tx2"/>
-                </a:solidFill>
-                <a:latin typeface="+mn-lt"/>
-              </a:rPr>
-              <a:t> Veuillez vous référer au tableau récapitulant les principales caractéristiques financières en &lt;PAGE&gt; pour le détail des dates. </a:t>
+              <a:t>(1) Veuillez vous référer au tableau récapitulant les principales caractéristiques financières en &lt;PAGE&gt; pour le détail des dates. </a:t>
             </a:r>
           </a:p>
           <a:p>
             <a:pPr marL="0" lvl="1" algn="just"/>
             <a:r>
-              <a:rPr lang="fr-FR" sz="650" baseline="30000" dirty="0">
+              <a:rPr lang="fr-FR" sz="650" dirty="0">
                 <a:solidFill>
                   <a:schemeClr val="tx2"/>
                 </a:solidFill>
                 <a:latin typeface="+mn-lt"/>
               </a:rPr>
-              <a:t>(2)</a:t>
-            </a:r>
-            <a:r>
-              <a:rPr lang="fr-FR" sz="650" dirty="0">
-                <a:solidFill>
-                  <a:schemeClr val="tx2"/>
-                </a:solidFill>
-                <a:latin typeface="+mn-lt"/>
-              </a:rPr>
-              <a:t> En prenant comme hypothèse 1,00% de frais de gestion du contrat d’assurance vie ou de capitalisation. TRA nets hors autres frais, fiscalité et prélèvements sociaux applicables au cadre d’investissement, et hors défaut de paiement et/ou faillite de l’Émetteur et du Garant de la formule et hors mise en résolution du Garant de la formule. Les TRA sont calculés à partir du &lt;2PDC&gt; jusqu’à la date de remboursement anticipé automatique éventuel</a:t>
+              <a:t>(2) En prenant comme hypothèse 1,00% de frais de gestion du contrat d’assurance vie ou de capitalisation. TRA nets hors autres frais, fiscalité et prélèvements sociaux applicables au cadre d’investissement, et hors défaut de paiement et/ou faillite de l’Émetteur et du Garant de la formule et hors mise en résolution du Garant de la formule. Les TRA sont calculés à partir du &lt;2PDC&gt; jusqu’à la date de remboursement anticipé automatique éventuel</a:t>
             </a:r>
             <a:r>
               <a:rPr lang="fr-FR" sz="650" baseline="30000" dirty="0">
@@ -32525,22 +32364,13 @@
           <a:p>
             <a:pPr marL="0" lvl="1" algn="just"/>
             <a:r>
-              <a:rPr lang="fr-FR" sz="650" baseline="30000" dirty="0">
+              <a:rPr lang="fr-FR" sz="650" dirty="0">
                 <a:solidFill>
                   <a:schemeClr val="tx2"/>
                 </a:solidFill>
                 <a:latin typeface="+mn-lt"/>
               </a:rPr>
-              <a:t>(3) </a:t>
-            </a:r>
-            <a:r>
-              <a:rPr lang="fr-FR" sz="650" dirty="0">
-                <a:solidFill>
-                  <a:schemeClr val="tx2"/>
-                </a:solidFill>
-                <a:latin typeface="+mn-lt"/>
-              </a:rPr>
-              <a:t>Hors prise en compte des dividendes éventuels détachés par </a:t>
+              <a:t>(3) Hors prise en compte des dividendes éventuels détachés par </a:t>
             </a:r>
             <a:r>
               <a:rPr lang="it-IT" sz="650" dirty="0">
@@ -33359,7 +33189,7 @@
               <a:rPr lang="fr-FR" sz="800" dirty="0">
                 <a:latin typeface="+mn-lt"/>
               </a:rPr>
-              <a:t>du &lt;F0&gt;&lt;F0s&gt; &lt;1PR&gt; à &lt;ADPR&gt;</a:t>
+              <a:t>&lt;PERIODE_DE_REMBOURSEMENT2&gt;</a:t>
             </a:r>
             <a:r>
               <a:rPr lang="fr-FR" sz="800" dirty="0"/>
@@ -33522,7 +33352,7 @@
               <a:rPr lang="fr-FR" sz="800" dirty="0">
                 <a:latin typeface="+mn-lt"/>
               </a:rPr>
-              <a:t> des &lt;F0&gt;&lt;F0s&gt; &lt;1PR&gt; à &lt;ADPR&gt;, &lt;SJR1&gt; clôture à </a:t>
+              <a:t> &lt;PERIODE_DE_REMBOURSEMENT2&gt;, &lt;SJR1&gt; clôture à </a:t>
             </a:r>
             <a:r>
               <a:rPr lang="fr-FR" sz="800" dirty="0">
@@ -33704,7 +33534,7 @@
         <p:spPr>
           <a:xfrm>
             <a:off x="4008562" y="7334571"/>
-            <a:ext cx="3239378" cy="1308050"/>
+            <a:ext cx="3239378" cy="1431161"/>
           </a:xfrm>
           <a:prstGeom prst="rect">
             <a:avLst/>
@@ -33734,13 +33564,29 @@
                   <a:schemeClr val="tx2"/>
                 </a:solidFill>
               </a:rPr>
-              <a:t>Dès la fin du &lt;F0&gt; </a:t>
+              <a:t>Dès la première date de constatation &lt;F1&gt;</a:t>
+            </a:r>
+            <a:r>
+              <a:rPr lang="fr-FR" sz="800" baseline="30000" dirty="0">
+                <a:solidFill>
+                  <a:schemeClr val="tx2"/>
+                </a:solidFill>
+              </a:rPr>
+              <a:t>(1)</a:t>
+            </a:r>
+            <a:r>
+              <a:rPr lang="fr-FR" sz="800" dirty="0">
+                <a:solidFill>
+                  <a:schemeClr val="tx2"/>
+                </a:solidFill>
+              </a:rPr>
+              <a:t> </a:t>
             </a:r>
             <a:r>
               <a:rPr lang="fr-FR" sz="800" dirty="0">
                 <a:latin typeface="+mn-lt"/>
               </a:rPr>
-              <a:t>&lt;1PR&gt;</a:t>
+              <a:t>du mécanisme de remboursement anticipé automatique</a:t>
             </a:r>
             <a:r>
               <a:rPr lang="fr-FR" sz="800" dirty="0">
@@ -33773,7 +33619,7 @@
                 </a:solidFill>
                 <a:latin typeface="Proxima Nova Rg" panose="02000506030000020004" pitchFamily="2" charset="0"/>
               </a:rPr>
-              <a:t>un &lt;SJR3&gt; supérieur à &lt;ABAC&gt; &lt;ABAC&gt; </a:t>
+              <a:t>un &lt;SJR3&gt; supérieur à &lt;ABAC&gt; </a:t>
             </a:r>
             <a:r>
               <a:rPr lang="fr-FR" sz="800" dirty="0">
@@ -33781,7 +33627,7 @@
                   <a:schemeClr val="tx2"/>
                 </a:solidFill>
               </a:rPr>
-              <a:t>(&lt;NSF&gt; dans cet exemple). Le produit est automatiquement remboursé par anticipation. Il verse alors l’intégralité du capital initial majorée d’un &lt;GC&gt; de &lt;CPN&gt; par &lt;F0&gt; &lt;F2&gt; depuis le &lt;DDCI&gt;, soit un gain de &lt;CPR1&gt; dans notre exemple.</a:t>
+              <a:t>(&lt;NSF&gt; dans cet exemple). Le produit est automatiquement remboursé par anticipation. Il verse alors l’intégralité du capital initial majorée d’un &lt;GC&gt; de &lt;CPN&gt; &lt;environ&gt; par &lt;F0&gt; &lt;F2&gt; depuis le &lt;DDCI&gt;&lt;exclus&gt;, soit un gain de &lt;CPR1&gt; dans notre exemple.</a:t>
             </a:r>
           </a:p>
           <a:p>
@@ -33828,7 +33674,7 @@
                   <a:schemeClr val="tx2"/>
                 </a:solidFill>
               </a:rPr>
-              <a:t>mécanisme de plafonnement des gains à &lt;CPN&gt; par &lt;F0&gt; &lt;F2&gt; depuis le &lt;DDCI&gt;&lt;exclus&gt;.</a:t>
+              <a:t>mécanisme de plafonnement des gains à &lt;CPN&gt; &lt;environ&gt; par &lt;F0&gt; &lt;F2&gt; depuis le &lt;DDCI&gt;&lt;exclus&gt;.</a:t>
             </a:r>
           </a:p>
         </p:txBody>
@@ -34686,6 +34532,15 @@
 </file>
 
 <file path=customXml/item1.xml><?xml version="1.0" encoding="utf-8"?>
+<?mso-contentType ?>
+<FormTemplates xmlns="http://schemas.microsoft.com/sharepoint/v3/contenttype/forms">
+  <Display>DocumentLibraryForm</Display>
+  <Edit>DocumentLibraryForm</Edit>
+  <New>DocumentLibraryForm</New>
+</FormTemplates>
+</file>
+
+<file path=customXml/item2.xml><?xml version="1.0" encoding="utf-8"?>
 <p:properties xmlns:p="http://schemas.microsoft.com/office/2006/metadata/properties" xmlns:xsi="http://www.w3.org/2001/XMLSchema-instance" xmlns:pc="http://schemas.microsoft.com/office/infopath/2007/PartnerControls">
   <documentManagement>
     <_Flow_SignoffStatus xmlns="ef624bc2-1644-4d69-8362-5c28ca496374" xsi:nil="true"/>
@@ -34697,7 +34552,7 @@
 </p:properties>
 </file>
 
-<file path=customXml/item2.xml><?xml version="1.0" encoding="utf-8"?>
+<file path=customXml/item3.xml><?xml version="1.0" encoding="utf-8"?>
 <ct:contentTypeSchema xmlns:ct="http://schemas.microsoft.com/office/2006/metadata/contentType" xmlns:ma="http://schemas.microsoft.com/office/2006/metadata/properties/metaAttributes" ct:_="" ma:_="" ma:contentTypeName="Document" ma:contentTypeID="0x0101005DDE610BC516E448BB8152259F39635A" ma:contentTypeVersion="17" ma:contentTypeDescription="Crée un document." ma:contentTypeScope="" ma:versionID="bfb75e103009df80b8e5001438c41194">
   <xsd:schema xmlns:xsd="http://www.w3.org/2001/XMLSchema" xmlns:xs="http://www.w3.org/2001/XMLSchema" xmlns:p="http://schemas.microsoft.com/office/2006/metadata/properties" xmlns:ns2="ef624bc2-1644-4d69-8362-5c28ca496374" xmlns:ns3="514a554b-82b0-4359-b247-fc84018a95f0" targetNamespace="http://schemas.microsoft.com/office/2006/metadata/properties" ma:root="true" ma:fieldsID="2ae3df86d13efbb4a35042af2564d386" ns2:_="" ns3:_="">
     <xsd:import namespace="ef624bc2-1644-4d69-8362-5c28ca496374"/>
@@ -34946,16 +34801,15 @@
 </ct:contentTypeSchema>
 </file>
 
-<file path=customXml/item3.xml><?xml version="1.0" encoding="utf-8"?>
-<?mso-contentType ?>
-<FormTemplates xmlns="http://schemas.microsoft.com/sharepoint/v3/contenttype/forms">
-  <Display>DocumentLibraryForm</Display>
-  <Edit>DocumentLibraryForm</Edit>
-  <New>DocumentLibraryForm</New>
-</FormTemplates>
+<file path=customXml/itemProps1.xml><?xml version="1.0" encoding="utf-8"?>
+<ds:datastoreItem xmlns:ds="http://schemas.openxmlformats.org/officeDocument/2006/customXml" ds:itemID="{B00FC41E-FBDE-42E2-B58A-20EBD240A376}">
+  <ds:schemaRefs>
+    <ds:schemaRef ds:uri="http://schemas.microsoft.com/sharepoint/v3/contenttype/forms"/>
+  </ds:schemaRefs>
+</ds:datastoreItem>
 </file>
 
-<file path=customXml/itemProps1.xml><?xml version="1.0" encoding="utf-8"?>
+<file path=customXml/itemProps2.xml><?xml version="1.0" encoding="utf-8"?>
 <ds:datastoreItem xmlns:ds="http://schemas.openxmlformats.org/officeDocument/2006/customXml" ds:itemID="{25DE574B-2CD2-4078-9BEA-2A14717D9698}">
   <ds:schemaRefs>
     <ds:schemaRef ds:uri="514a554b-82b0-4359-b247-fc84018a95f0"/>
@@ -34972,7 +34826,7 @@
 </ds:datastoreItem>
 </file>
 
-<file path=customXml/itemProps2.xml><?xml version="1.0" encoding="utf-8"?>
+<file path=customXml/itemProps3.xml><?xml version="1.0" encoding="utf-8"?>
 <ds:datastoreItem xmlns:ds="http://schemas.openxmlformats.org/officeDocument/2006/customXml" ds:itemID="{3830A3F7-FDB6-49F5-B063-BA0EEEB33172}">
   <ds:schemaRefs>
     <ds:schemaRef ds:uri="http://schemas.microsoft.com/office/2006/metadata/contentType"/>
@@ -34989,12 +34843,4 @@
     <ds:schemaRef ds:uri="http://schemas.microsoft.com/internal/obd"/>
   </ds:schemaRefs>
 </ds:datastoreItem>
-</file>
-
-<file path=customXml/itemProps3.xml><?xml version="1.0" encoding="utf-8"?>
-<ds:datastoreItem xmlns:ds="http://schemas.openxmlformats.org/officeDocument/2006/customXml" ds:itemID="{B00FC41E-FBDE-42E2-B58A-20EBD240A376}">
-  <ds:schemaRefs>
-    <ds:schemaRef ds:uri="http://schemas.microsoft.com/sharepoint/v3/contenttype/forms"/>
-  </ds:schemaRefs>
-</ds:datastoreItem>
 </file>
--- a/Templates/goldman sachs fci.pptx
+++ b/Templates/goldman sachs fci.pptx
@@ -230,7 +230,7 @@
           <a:p>
             <a:fld id="{515CCE07-1711-4DC7-A7D8-7ED312C82FB8}" type="datetimeFigureOut">
               <a:rPr lang="fr-FR" smtClean="0"/>
-              <a:t>15/07/2022</a:t>
+              <a:t>19/07/2022</a:t>
             </a:fld>
             <a:endParaRPr lang="fr-FR"/>
           </a:p>
@@ -395,7 +395,7 @@
           <a:p>
             <a:fld id="{014ABEAC-8B63-4BD1-9569-A14EB8752A94}" type="datetimeFigureOut">
               <a:rPr lang="fr-FR" smtClean="0"/>
-              <a:t>15/07/2022</a:t>
+              <a:t>19/07/2022</a:t>
             </a:fld>
             <a:endParaRPr lang="fr-FR"/>
           </a:p>
@@ -6292,7 +6292,7 @@
           <p:nvPr>
             <p:extLst>
               <p:ext uri="{D42A27DB-BD31-4B8C-83A1-F6EECF244321}">
-                <p14:modId xmlns:p14="http://schemas.microsoft.com/office/powerpoint/2010/main" val="2730221094"/>
+                <p14:modId xmlns:p14="http://schemas.microsoft.com/office/powerpoint/2010/main" val="488585506"/>
               </p:ext>
             </p:extLst>
           </p:nvPr>
@@ -9767,18 +9767,7 @@
                           <a:ea typeface="+mn-ea"/>
                           <a:cs typeface="+mn-cs"/>
                         </a:rPr>
-                        <a:t>&lt;</a:t>
-                      </a:r>
-                      <a:r>
-                        <a:rPr lang="fr-FR" sz="700" b="0" i="0" kern="1200" baseline="0" dirty="0" err="1">
-                          <a:solidFill>
-                            <a:schemeClr val="tx1"/>
-                          </a:solidFill>
-                          <a:latin typeface="+mn-lt"/>
-                          <a:ea typeface="+mn-ea"/>
-                          <a:cs typeface="+mn-cs"/>
-                        </a:rPr>
-                        <a:t>dates_paiement_autocall</a:t>
+                        <a:t>&lt;Datesremb3</a:t>
                       </a:r>
                       <a:r>
                         <a:rPr lang="fr-FR" sz="700" b="0" i="0" kern="1200" baseline="0" dirty="0">
@@ -12862,7 +12851,7 @@
           <p:nvPr>
             <p:extLst>
               <p:ext uri="{D42A27DB-BD31-4B8C-83A1-F6EECF244321}">
-                <p14:modId xmlns:p14="http://schemas.microsoft.com/office/powerpoint/2010/main" val="1702016450"/>
+                <p14:modId xmlns:p14="http://schemas.microsoft.com/office/powerpoint/2010/main" val="1940991101"/>
               </p:ext>
             </p:extLst>
           </p:nvPr>
@@ -16681,7 +16670,7 @@
                         <a:defRPr/>
                       </a:pPr>
                       <a:r>
-                        <a:rPr lang="fr-FR" sz="700" b="0" i="0" kern="1200" dirty="0">
+                        <a:rPr lang="fr-FR" sz="700" b="0" i="0" kern="1200">
                           <a:solidFill>
                             <a:schemeClr val="tx1"/>
                           </a:solidFill>
@@ -16689,21 +16678,10 @@
                           <a:ea typeface="+mn-ea"/>
                           <a:cs typeface="+mn-cs"/>
                         </a:rPr>
-                        <a:t>&lt;</a:t>
+                        <a:t>&lt;Datesremb3</a:t>
                       </a:r>
                       <a:r>
-                        <a:rPr lang="fr-FR" sz="700" b="0" i="0" kern="1200" dirty="0" err="1">
-                          <a:solidFill>
-                            <a:schemeClr val="tx1"/>
-                          </a:solidFill>
-                          <a:latin typeface="+mn-lt"/>
-                          <a:ea typeface="+mn-ea"/>
-                          <a:cs typeface="+mn-cs"/>
-                        </a:rPr>
-                        <a:t>dates_last_remboursement_rappel</a:t>
-                      </a:r>
-                      <a:r>
-                        <a:rPr lang="fr-FR" sz="700" b="0" i="0" kern="1200" dirty="0">
+                        <a:rPr lang="fr-FR" sz="700" b="0" i="0" kern="1200" baseline="0">
                           <a:solidFill>
                             <a:schemeClr val="tx1"/>
                           </a:solidFill>
@@ -16713,6 +16691,14 @@
                         </a:rPr>
                         <a:t>&gt;</a:t>
                       </a:r>
+                      <a:endParaRPr lang="fr-FR" sz="700" b="0" i="0" kern="1200" baseline="0" dirty="0">
+                        <a:solidFill>
+                          <a:schemeClr val="tx1"/>
+                        </a:solidFill>
+                        <a:latin typeface="+mn-lt"/>
+                        <a:ea typeface="+mn-ea"/>
+                        <a:cs typeface="+mn-cs"/>
+                      </a:endParaRPr>
                     </a:p>
                   </a:txBody>
                   <a:tcPr marL="72000" marR="72000" marT="46800" marB="46800" anchor="ctr" horzOverflow="overflow">
@@ -34532,27 +34518,6 @@
 </file>
 
 <file path=customXml/item1.xml><?xml version="1.0" encoding="utf-8"?>
-<?mso-contentType ?>
-<FormTemplates xmlns="http://schemas.microsoft.com/sharepoint/v3/contenttype/forms">
-  <Display>DocumentLibraryForm</Display>
-  <Edit>DocumentLibraryForm</Edit>
-  <New>DocumentLibraryForm</New>
-</FormTemplates>
-</file>
-
-<file path=customXml/item2.xml><?xml version="1.0" encoding="utf-8"?>
-<p:properties xmlns:p="http://schemas.microsoft.com/office/2006/metadata/properties" xmlns:xsi="http://www.w3.org/2001/XMLSchema-instance" xmlns:pc="http://schemas.microsoft.com/office/infopath/2007/PartnerControls">
-  <documentManagement>
-    <_Flow_SignoffStatus xmlns="ef624bc2-1644-4d69-8362-5c28ca496374" xsi:nil="true"/>
-    <TaxCatchAll xmlns="514a554b-82b0-4359-b247-fc84018a95f0" xsi:nil="true"/>
-    <lcf76f155ced4ddcb4097134ff3c332f xmlns="ef624bc2-1644-4d69-8362-5c28ca496374">
-      <Terms xmlns="http://schemas.microsoft.com/office/infopath/2007/PartnerControls"/>
-    </lcf76f155ced4ddcb4097134ff3c332f>
-  </documentManagement>
-</p:properties>
-</file>
-
-<file path=customXml/item3.xml><?xml version="1.0" encoding="utf-8"?>
 <ct:contentTypeSchema xmlns:ct="http://schemas.microsoft.com/office/2006/metadata/contentType" xmlns:ma="http://schemas.microsoft.com/office/2006/metadata/properties/metaAttributes" ct:_="" ma:_="" ma:contentTypeName="Document" ma:contentTypeID="0x0101005DDE610BC516E448BB8152259F39635A" ma:contentTypeVersion="17" ma:contentTypeDescription="Crée un document." ma:contentTypeScope="" ma:versionID="bfb75e103009df80b8e5001438c41194">
   <xsd:schema xmlns:xsd="http://www.w3.org/2001/XMLSchema" xmlns:xs="http://www.w3.org/2001/XMLSchema" xmlns:p="http://schemas.microsoft.com/office/2006/metadata/properties" xmlns:ns2="ef624bc2-1644-4d69-8362-5c28ca496374" xmlns:ns3="514a554b-82b0-4359-b247-fc84018a95f0" targetNamespace="http://schemas.microsoft.com/office/2006/metadata/properties" ma:root="true" ma:fieldsID="2ae3df86d13efbb4a35042af2564d386" ns2:_="" ns3:_="">
     <xsd:import namespace="ef624bc2-1644-4d69-8362-5c28ca496374"/>
@@ -34801,10 +34766,42 @@
 </ct:contentTypeSchema>
 </file>
 
+<file path=customXml/item2.xml><?xml version="1.0" encoding="utf-8"?>
+<p:properties xmlns:p="http://schemas.microsoft.com/office/2006/metadata/properties" xmlns:xsi="http://www.w3.org/2001/XMLSchema-instance" xmlns:pc="http://schemas.microsoft.com/office/infopath/2007/PartnerControls">
+  <documentManagement>
+    <_Flow_SignoffStatus xmlns="ef624bc2-1644-4d69-8362-5c28ca496374" xsi:nil="true"/>
+    <TaxCatchAll xmlns="514a554b-82b0-4359-b247-fc84018a95f0" xsi:nil="true"/>
+    <lcf76f155ced4ddcb4097134ff3c332f xmlns="ef624bc2-1644-4d69-8362-5c28ca496374">
+      <Terms xmlns="http://schemas.microsoft.com/office/infopath/2007/PartnerControls"/>
+    </lcf76f155ced4ddcb4097134ff3c332f>
+  </documentManagement>
+</p:properties>
+</file>
+
+<file path=customXml/item3.xml><?xml version="1.0" encoding="utf-8"?>
+<?mso-contentType ?>
+<FormTemplates xmlns="http://schemas.microsoft.com/sharepoint/v3/contenttype/forms">
+  <Display>DocumentLibraryForm</Display>
+  <Edit>DocumentLibraryForm</Edit>
+  <New>DocumentLibraryForm</New>
+</FormTemplates>
+</file>
+
 <file path=customXml/itemProps1.xml><?xml version="1.0" encoding="utf-8"?>
-<ds:datastoreItem xmlns:ds="http://schemas.openxmlformats.org/officeDocument/2006/customXml" ds:itemID="{B00FC41E-FBDE-42E2-B58A-20EBD240A376}">
+<ds:datastoreItem xmlns:ds="http://schemas.openxmlformats.org/officeDocument/2006/customXml" ds:itemID="{3830A3F7-FDB6-49F5-B063-BA0EEEB33172}">
   <ds:schemaRefs>
-    <ds:schemaRef ds:uri="http://schemas.microsoft.com/sharepoint/v3/contenttype/forms"/>
+    <ds:schemaRef ds:uri="http://schemas.microsoft.com/office/2006/metadata/contentType"/>
+    <ds:schemaRef ds:uri="http://schemas.microsoft.com/office/2006/metadata/properties/metaAttributes"/>
+    <ds:schemaRef ds:uri="http://www.w3.org/2001/XMLSchema"/>
+    <ds:schemaRef ds:uri="http://schemas.microsoft.com/office/2006/metadata/properties"/>
+    <ds:schemaRef ds:uri="ef624bc2-1644-4d69-8362-5c28ca496374"/>
+    <ds:schemaRef ds:uri="514a554b-82b0-4359-b247-fc84018a95f0"/>
+    <ds:schemaRef ds:uri="http://schemas.microsoft.com/office/2006/documentManagement/types"/>
+    <ds:schemaRef ds:uri="http://schemas.microsoft.com/office/infopath/2007/PartnerControls"/>
+    <ds:schemaRef ds:uri="http://schemas.openxmlformats.org/package/2006/metadata/core-properties"/>
+    <ds:schemaRef ds:uri="http://purl.org/dc/elements/1.1/"/>
+    <ds:schemaRef ds:uri="http://purl.org/dc/terms/"/>
+    <ds:schemaRef ds:uri="http://schemas.microsoft.com/internal/obd"/>
   </ds:schemaRefs>
 </ds:datastoreItem>
 </file>
@@ -34827,20 +34824,9 @@
 </file>
 
 <file path=customXml/itemProps3.xml><?xml version="1.0" encoding="utf-8"?>
-<ds:datastoreItem xmlns:ds="http://schemas.openxmlformats.org/officeDocument/2006/customXml" ds:itemID="{3830A3F7-FDB6-49F5-B063-BA0EEEB33172}">
+<ds:datastoreItem xmlns:ds="http://schemas.openxmlformats.org/officeDocument/2006/customXml" ds:itemID="{B00FC41E-FBDE-42E2-B58A-20EBD240A376}">
   <ds:schemaRefs>
-    <ds:schemaRef ds:uri="http://schemas.microsoft.com/office/2006/metadata/contentType"/>
-    <ds:schemaRef ds:uri="http://schemas.microsoft.com/office/2006/metadata/properties/metaAttributes"/>
-    <ds:schemaRef ds:uri="http://www.w3.org/2001/XMLSchema"/>
-    <ds:schemaRef ds:uri="http://schemas.microsoft.com/office/2006/metadata/properties"/>
-    <ds:schemaRef ds:uri="ef624bc2-1644-4d69-8362-5c28ca496374"/>
-    <ds:schemaRef ds:uri="514a554b-82b0-4359-b247-fc84018a95f0"/>
-    <ds:schemaRef ds:uri="http://schemas.microsoft.com/office/2006/documentManagement/types"/>
-    <ds:schemaRef ds:uri="http://schemas.microsoft.com/office/infopath/2007/PartnerControls"/>
-    <ds:schemaRef ds:uri="http://schemas.openxmlformats.org/package/2006/metadata/core-properties"/>
-    <ds:schemaRef ds:uri="http://purl.org/dc/elements/1.1/"/>
-    <ds:schemaRef ds:uri="http://purl.org/dc/terms/"/>
-    <ds:schemaRef ds:uri="http://schemas.microsoft.com/internal/obd"/>
+    <ds:schemaRef ds:uri="http://schemas.microsoft.com/sharepoint/v3/contenttype/forms"/>
   </ds:schemaRefs>
 </ds:datastoreItem>
 </file>